--- a/WebProjekt.pptx
+++ b/WebProjekt.pptx
@@ -1,17 +1,31 @@
 
 <file path=ppt/presentation.xml><?xml version="1.0" encoding="utf-8"?>
-<p:presentation xmlns:a="http://schemas.openxmlformats.org/drawingml/2006/main" xmlns:r="http://schemas.openxmlformats.org/officeDocument/2006/relationships" xmlns:p="http://schemas.openxmlformats.org/presentationml/2006/main" saveSubsetFonts="1">
+<p:presentation xmlns:a="http://schemas.openxmlformats.org/drawingml/2006/main" xmlns:r="http://schemas.openxmlformats.org/officeDocument/2006/relationships" xmlns:p="http://schemas.openxmlformats.org/presentationml/2006/main" showSpecialPlsOnTitleSld="0" saveSubsetFonts="1">
   <p:sldMasterIdLst>
     <p:sldMasterId id="2147483660" r:id="rId1"/>
     <p:sldMasterId id="2147483717" r:id="rId2"/>
   </p:sldMasterIdLst>
+  <p:notesMasterIdLst>
+    <p:notesMasterId r:id="rId20"/>
+  </p:notesMasterIdLst>
   <p:sldIdLst>
     <p:sldId id="256" r:id="rId3"/>
     <p:sldId id="257" r:id="rId4"/>
     <p:sldId id="259" r:id="rId5"/>
     <p:sldId id="260" r:id="rId6"/>
-    <p:sldId id="261" r:id="rId7"/>
-    <p:sldId id="262" r:id="rId8"/>
+    <p:sldId id="263" r:id="rId7"/>
+    <p:sldId id="265" r:id="rId8"/>
+    <p:sldId id="266" r:id="rId9"/>
+    <p:sldId id="267" r:id="rId10"/>
+    <p:sldId id="268" r:id="rId11"/>
+    <p:sldId id="269" r:id="rId12"/>
+    <p:sldId id="270" r:id="rId13"/>
+    <p:sldId id="264" r:id="rId14"/>
+    <p:sldId id="272" r:id="rId15"/>
+    <p:sldId id="273" r:id="rId16"/>
+    <p:sldId id="271" r:id="rId17"/>
+    <p:sldId id="261" r:id="rId18"/>
+    <p:sldId id="262" r:id="rId19"/>
   </p:sldIdLst>
   <p:sldSz cx="12192000" cy="6858000"/>
   <p:notesSz cx="6858000" cy="9144000"/>
@@ -110,7 +124,2354 @@
       </a:defRPr>
     </a:lvl9pPr>
   </p:defaultTextStyle>
+  <p:extLst>
+    <p:ext uri="{EFAFB233-063F-42B5-8137-9DF3F51BA10A}">
+      <p15:sldGuideLst xmlns:p15="http://schemas.microsoft.com/office/powerpoint/2012/main"/>
+    </p:ext>
+  </p:extLst>
 </p:presentation>
+</file>
+
+<file path=ppt/notesMasters/notesMaster1.xml><?xml version="1.0" encoding="utf-8"?>
+<p:notesMaster xmlns:a="http://schemas.openxmlformats.org/drawingml/2006/main" xmlns:r="http://schemas.openxmlformats.org/officeDocument/2006/relationships" xmlns:p="http://schemas.openxmlformats.org/presentationml/2006/main">
+  <p:cSld>
+    <p:bg>
+      <p:bgRef idx="1001">
+        <a:schemeClr val="bg1"/>
+      </p:bgRef>
+    </p:bg>
+    <p:spTree>
+      <p:nvGrpSpPr>
+        <p:cNvPr id="1" name=""/>
+        <p:cNvGrpSpPr/>
+        <p:nvPr/>
+      </p:nvGrpSpPr>
+      <p:grpSpPr>
+        <a:xfrm>
+          <a:off x="0" y="0"/>
+          <a:ext cx="0" cy="0"/>
+          <a:chOff x="0" y="0"/>
+          <a:chExt cx="0" cy="0"/>
+        </a:xfrm>
+      </p:grpSpPr>
+      <p:sp>
+        <p:nvSpPr>
+          <p:cNvPr id="2" name="Kopfzeilenplatzhalter 1"/>
+          <p:cNvSpPr>
+            <a:spLocks noGrp="1"/>
+          </p:cNvSpPr>
+          <p:nvPr>
+            <p:ph type="hdr" sz="quarter"/>
+          </p:nvPr>
+        </p:nvSpPr>
+        <p:spPr>
+          <a:xfrm>
+            <a:off x="0" y="0"/>
+            <a:ext cx="2971800" cy="458788"/>
+          </a:xfrm>
+          <a:prstGeom prst="rect">
+            <a:avLst/>
+          </a:prstGeom>
+        </p:spPr>
+        <p:txBody>
+          <a:bodyPr vert="horz" lIns="91440" tIns="45720" rIns="91440" bIns="45720" rtlCol="0"/>
+          <a:lstStyle>
+            <a:lvl1pPr algn="l">
+              <a:defRPr sz="1200"/>
+            </a:lvl1pPr>
+          </a:lstStyle>
+          <a:p>
+            <a:endParaRPr lang="de-DE"/>
+          </a:p>
+        </p:txBody>
+      </p:sp>
+      <p:sp>
+        <p:nvSpPr>
+          <p:cNvPr id="3" name="Datumsplatzhalter 2"/>
+          <p:cNvSpPr>
+            <a:spLocks noGrp="1"/>
+          </p:cNvSpPr>
+          <p:nvPr>
+            <p:ph type="dt" idx="1"/>
+          </p:nvPr>
+        </p:nvSpPr>
+        <p:spPr>
+          <a:xfrm>
+            <a:off x="3884613" y="0"/>
+            <a:ext cx="2971800" cy="458788"/>
+          </a:xfrm>
+          <a:prstGeom prst="rect">
+            <a:avLst/>
+          </a:prstGeom>
+        </p:spPr>
+        <p:txBody>
+          <a:bodyPr vert="horz" lIns="91440" tIns="45720" rIns="91440" bIns="45720" rtlCol="0"/>
+          <a:lstStyle>
+            <a:lvl1pPr algn="r">
+              <a:defRPr sz="1200"/>
+            </a:lvl1pPr>
+          </a:lstStyle>
+          <a:p>
+            <a:fld id="{48C96776-24E7-4B13-968D-C0C8821B9BC9}" type="datetimeFigureOut">
+              <a:rPr lang="de-DE" smtClean="0"/>
+              <a:t>26.05.2016</a:t>
+            </a:fld>
+            <a:endParaRPr lang="de-DE"/>
+          </a:p>
+        </p:txBody>
+      </p:sp>
+      <p:sp>
+        <p:nvSpPr>
+          <p:cNvPr id="4" name="Folienbildplatzhalter 3"/>
+          <p:cNvSpPr>
+            <a:spLocks noGrp="1" noRot="1" noChangeAspect="1"/>
+          </p:cNvSpPr>
+          <p:nvPr>
+            <p:ph type="sldImg" idx="2"/>
+          </p:nvPr>
+        </p:nvSpPr>
+        <p:spPr>
+          <a:xfrm>
+            <a:off x="685800" y="1143000"/>
+            <a:ext cx="5486400" cy="3086100"/>
+          </a:xfrm>
+          <a:prstGeom prst="rect">
+            <a:avLst/>
+          </a:prstGeom>
+          <a:noFill/>
+          <a:ln w="12700">
+            <a:solidFill>
+              <a:prstClr val="black"/>
+            </a:solidFill>
+          </a:ln>
+        </p:spPr>
+        <p:txBody>
+          <a:bodyPr vert="horz" lIns="91440" tIns="45720" rIns="91440" bIns="45720" rtlCol="0" anchor="ctr"/>
+          <a:lstStyle/>
+          <a:p>
+            <a:endParaRPr lang="de-DE"/>
+          </a:p>
+        </p:txBody>
+      </p:sp>
+      <p:sp>
+        <p:nvSpPr>
+          <p:cNvPr id="5" name="Notizenplatzhalter 4"/>
+          <p:cNvSpPr>
+            <a:spLocks noGrp="1"/>
+          </p:cNvSpPr>
+          <p:nvPr>
+            <p:ph type="body" sz="quarter" idx="3"/>
+          </p:nvPr>
+        </p:nvSpPr>
+        <p:spPr>
+          <a:xfrm>
+            <a:off x="685800" y="4400550"/>
+            <a:ext cx="5486400" cy="3600450"/>
+          </a:xfrm>
+          <a:prstGeom prst="rect">
+            <a:avLst/>
+          </a:prstGeom>
+        </p:spPr>
+        <p:txBody>
+          <a:bodyPr vert="horz" lIns="91440" tIns="45720" rIns="91440" bIns="45720" rtlCol="0"/>
+          <a:lstStyle/>
+          <a:p>
+            <a:pPr lvl="0"/>
+            <a:r>
+              <a:rPr lang="de-DE" smtClean="0"/>
+              <a:t>Textmasterformat bearbeiten</a:t>
+            </a:r>
+          </a:p>
+          <a:p>
+            <a:pPr lvl="1"/>
+            <a:r>
+              <a:rPr lang="de-DE" smtClean="0"/>
+              <a:t>Zweite Ebene</a:t>
+            </a:r>
+          </a:p>
+          <a:p>
+            <a:pPr lvl="2"/>
+            <a:r>
+              <a:rPr lang="de-DE" smtClean="0"/>
+              <a:t>Dritte Ebene</a:t>
+            </a:r>
+          </a:p>
+          <a:p>
+            <a:pPr lvl="3"/>
+            <a:r>
+              <a:rPr lang="de-DE" smtClean="0"/>
+              <a:t>Vierte Ebene</a:t>
+            </a:r>
+          </a:p>
+          <a:p>
+            <a:pPr lvl="4"/>
+            <a:r>
+              <a:rPr lang="de-DE" smtClean="0"/>
+              <a:t>Fünfte Ebene</a:t>
+            </a:r>
+            <a:endParaRPr lang="de-DE"/>
+          </a:p>
+        </p:txBody>
+      </p:sp>
+      <p:sp>
+        <p:nvSpPr>
+          <p:cNvPr id="6" name="Fußzeilenplatzhalter 5"/>
+          <p:cNvSpPr>
+            <a:spLocks noGrp="1"/>
+          </p:cNvSpPr>
+          <p:nvPr>
+            <p:ph type="ftr" sz="quarter" idx="4"/>
+          </p:nvPr>
+        </p:nvSpPr>
+        <p:spPr>
+          <a:xfrm>
+            <a:off x="0" y="8685213"/>
+            <a:ext cx="2971800" cy="458787"/>
+          </a:xfrm>
+          <a:prstGeom prst="rect">
+            <a:avLst/>
+          </a:prstGeom>
+        </p:spPr>
+        <p:txBody>
+          <a:bodyPr vert="horz" lIns="91440" tIns="45720" rIns="91440" bIns="45720" rtlCol="0" anchor="b"/>
+          <a:lstStyle>
+            <a:lvl1pPr algn="l">
+              <a:defRPr sz="1200"/>
+            </a:lvl1pPr>
+          </a:lstStyle>
+          <a:p>
+            <a:endParaRPr lang="de-DE"/>
+          </a:p>
+        </p:txBody>
+      </p:sp>
+      <p:sp>
+        <p:nvSpPr>
+          <p:cNvPr id="7" name="Foliennummernplatzhalter 6"/>
+          <p:cNvSpPr>
+            <a:spLocks noGrp="1"/>
+          </p:cNvSpPr>
+          <p:nvPr>
+            <p:ph type="sldNum" sz="quarter" idx="5"/>
+          </p:nvPr>
+        </p:nvSpPr>
+        <p:spPr>
+          <a:xfrm>
+            <a:off x="3884613" y="8685213"/>
+            <a:ext cx="2971800" cy="458787"/>
+          </a:xfrm>
+          <a:prstGeom prst="rect">
+            <a:avLst/>
+          </a:prstGeom>
+        </p:spPr>
+        <p:txBody>
+          <a:bodyPr vert="horz" lIns="91440" tIns="45720" rIns="91440" bIns="45720" rtlCol="0" anchor="b"/>
+          <a:lstStyle>
+            <a:lvl1pPr algn="r">
+              <a:defRPr sz="1200"/>
+            </a:lvl1pPr>
+          </a:lstStyle>
+          <a:p>
+            <a:fld id="{F9031C81-7C06-4D17-A409-93B7E93D369C}" type="slidenum">
+              <a:rPr lang="de-DE" smtClean="0"/>
+              <a:t>‹Nr.›</a:t>
+            </a:fld>
+            <a:endParaRPr lang="de-DE"/>
+          </a:p>
+        </p:txBody>
+      </p:sp>
+    </p:spTree>
+    <p:extLst>
+      <p:ext uri="{BB962C8B-B14F-4D97-AF65-F5344CB8AC3E}">
+        <p14:creationId xmlns:p14="http://schemas.microsoft.com/office/powerpoint/2010/main" val="3803251540"/>
+      </p:ext>
+    </p:extLst>
+  </p:cSld>
+  <p:clrMap bg1="lt1" tx1="dk1" bg2="lt2" tx2="dk2" accent1="accent1" accent2="accent2" accent3="accent3" accent4="accent4" accent5="accent5" accent6="accent6" hlink="hlink" folHlink="folHlink"/>
+  <p:notesStyle>
+    <a:lvl1pPr marL="0" algn="l" defTabSz="914400" rtl="0" eaLnBrk="1" latinLnBrk="0" hangingPunct="1">
+      <a:defRPr sz="1200" kern="1200">
+        <a:solidFill>
+          <a:schemeClr val="tx1"/>
+        </a:solidFill>
+        <a:latin typeface="+mn-lt"/>
+        <a:ea typeface="+mn-ea"/>
+        <a:cs typeface="+mn-cs"/>
+      </a:defRPr>
+    </a:lvl1pPr>
+    <a:lvl2pPr marL="457200" algn="l" defTabSz="914400" rtl="0" eaLnBrk="1" latinLnBrk="0" hangingPunct="1">
+      <a:defRPr sz="1200" kern="1200">
+        <a:solidFill>
+          <a:schemeClr val="tx1"/>
+        </a:solidFill>
+        <a:latin typeface="+mn-lt"/>
+        <a:ea typeface="+mn-ea"/>
+        <a:cs typeface="+mn-cs"/>
+      </a:defRPr>
+    </a:lvl2pPr>
+    <a:lvl3pPr marL="914400" algn="l" defTabSz="914400" rtl="0" eaLnBrk="1" latinLnBrk="0" hangingPunct="1">
+      <a:defRPr sz="1200" kern="1200">
+        <a:solidFill>
+          <a:schemeClr val="tx1"/>
+        </a:solidFill>
+        <a:latin typeface="+mn-lt"/>
+        <a:ea typeface="+mn-ea"/>
+        <a:cs typeface="+mn-cs"/>
+      </a:defRPr>
+    </a:lvl3pPr>
+    <a:lvl4pPr marL="1371600" algn="l" defTabSz="914400" rtl="0" eaLnBrk="1" latinLnBrk="0" hangingPunct="1">
+      <a:defRPr sz="1200" kern="1200">
+        <a:solidFill>
+          <a:schemeClr val="tx1"/>
+        </a:solidFill>
+        <a:latin typeface="+mn-lt"/>
+        <a:ea typeface="+mn-ea"/>
+        <a:cs typeface="+mn-cs"/>
+      </a:defRPr>
+    </a:lvl4pPr>
+    <a:lvl5pPr marL="1828800" algn="l" defTabSz="914400" rtl="0" eaLnBrk="1" latinLnBrk="0" hangingPunct="1">
+      <a:defRPr sz="1200" kern="1200">
+        <a:solidFill>
+          <a:schemeClr val="tx1"/>
+        </a:solidFill>
+        <a:latin typeface="+mn-lt"/>
+        <a:ea typeface="+mn-ea"/>
+        <a:cs typeface="+mn-cs"/>
+      </a:defRPr>
+    </a:lvl5pPr>
+    <a:lvl6pPr marL="2286000" algn="l" defTabSz="914400" rtl="0" eaLnBrk="1" latinLnBrk="0" hangingPunct="1">
+      <a:defRPr sz="1200" kern="1200">
+        <a:solidFill>
+          <a:schemeClr val="tx1"/>
+        </a:solidFill>
+        <a:latin typeface="+mn-lt"/>
+        <a:ea typeface="+mn-ea"/>
+        <a:cs typeface="+mn-cs"/>
+      </a:defRPr>
+    </a:lvl6pPr>
+    <a:lvl7pPr marL="2743200" algn="l" defTabSz="914400" rtl="0" eaLnBrk="1" latinLnBrk="0" hangingPunct="1">
+      <a:defRPr sz="1200" kern="1200">
+        <a:solidFill>
+          <a:schemeClr val="tx1"/>
+        </a:solidFill>
+        <a:latin typeface="+mn-lt"/>
+        <a:ea typeface="+mn-ea"/>
+        <a:cs typeface="+mn-cs"/>
+      </a:defRPr>
+    </a:lvl7pPr>
+    <a:lvl8pPr marL="3200400" algn="l" defTabSz="914400" rtl="0" eaLnBrk="1" latinLnBrk="0" hangingPunct="1">
+      <a:defRPr sz="1200" kern="1200">
+        <a:solidFill>
+          <a:schemeClr val="tx1"/>
+        </a:solidFill>
+        <a:latin typeface="+mn-lt"/>
+        <a:ea typeface="+mn-ea"/>
+        <a:cs typeface="+mn-cs"/>
+      </a:defRPr>
+    </a:lvl8pPr>
+    <a:lvl9pPr marL="3657600" algn="l" defTabSz="914400" rtl="0" eaLnBrk="1" latinLnBrk="0" hangingPunct="1">
+      <a:defRPr sz="1200" kern="1200">
+        <a:solidFill>
+          <a:schemeClr val="tx1"/>
+        </a:solidFill>
+        <a:latin typeface="+mn-lt"/>
+        <a:ea typeface="+mn-ea"/>
+        <a:cs typeface="+mn-cs"/>
+      </a:defRPr>
+    </a:lvl9pPr>
+  </p:notesStyle>
+</p:notesMaster>
+</file>
+
+<file path=ppt/notesSlides/notesSlide1.xml><?xml version="1.0" encoding="utf-8"?>
+<p:notes xmlns:a="http://schemas.openxmlformats.org/drawingml/2006/main" xmlns:r="http://schemas.openxmlformats.org/officeDocument/2006/relationships" xmlns:p="http://schemas.openxmlformats.org/presentationml/2006/main">
+  <p:cSld>
+    <p:spTree>
+      <p:nvGrpSpPr>
+        <p:cNvPr id="1" name=""/>
+        <p:cNvGrpSpPr/>
+        <p:nvPr/>
+      </p:nvGrpSpPr>
+      <p:grpSpPr>
+        <a:xfrm>
+          <a:off x="0" y="0"/>
+          <a:ext cx="0" cy="0"/>
+          <a:chOff x="0" y="0"/>
+          <a:chExt cx="0" cy="0"/>
+        </a:xfrm>
+      </p:grpSpPr>
+      <p:sp>
+        <p:nvSpPr>
+          <p:cNvPr id="2" name="Folienbildplatzhalter 1"/>
+          <p:cNvSpPr>
+            <a:spLocks noGrp="1" noRot="1" noChangeAspect="1"/>
+          </p:cNvSpPr>
+          <p:nvPr>
+            <p:ph type="sldImg"/>
+          </p:nvPr>
+        </p:nvSpPr>
+        <p:spPr/>
+      </p:sp>
+      <p:sp>
+        <p:nvSpPr>
+          <p:cNvPr id="3" name="Notizenplatzhalter 2"/>
+          <p:cNvSpPr>
+            <a:spLocks noGrp="1"/>
+          </p:cNvSpPr>
+          <p:nvPr>
+            <p:ph type="body" idx="1"/>
+          </p:nvPr>
+        </p:nvSpPr>
+        <p:spPr/>
+        <p:txBody>
+          <a:bodyPr/>
+          <a:lstStyle/>
+          <a:p>
+            <a:endParaRPr lang="de-DE"/>
+          </a:p>
+        </p:txBody>
+      </p:sp>
+      <p:sp>
+        <p:nvSpPr>
+          <p:cNvPr id="4" name="Foliennummernplatzhalter 3"/>
+          <p:cNvSpPr>
+            <a:spLocks noGrp="1"/>
+          </p:cNvSpPr>
+          <p:nvPr>
+            <p:ph type="sldNum" sz="quarter" idx="10"/>
+          </p:nvPr>
+        </p:nvSpPr>
+        <p:spPr/>
+        <p:txBody>
+          <a:bodyPr/>
+          <a:lstStyle/>
+          <a:p>
+            <a:fld id="{F9031C81-7C06-4D17-A409-93B7E93D369C}" type="slidenum">
+              <a:rPr lang="de-DE" smtClean="0"/>
+              <a:t>1</a:t>
+            </a:fld>
+            <a:endParaRPr lang="de-DE"/>
+          </a:p>
+        </p:txBody>
+      </p:sp>
+    </p:spTree>
+    <p:extLst>
+      <p:ext uri="{BB962C8B-B14F-4D97-AF65-F5344CB8AC3E}">
+        <p14:creationId xmlns:p14="http://schemas.microsoft.com/office/powerpoint/2010/main" val="2795102782"/>
+      </p:ext>
+    </p:extLst>
+  </p:cSld>
+  <p:clrMapOvr>
+    <a:masterClrMapping/>
+  </p:clrMapOvr>
+</p:notes>
+</file>
+
+<file path=ppt/notesSlides/notesSlide10.xml><?xml version="1.0" encoding="utf-8"?>
+<p:notes xmlns:a="http://schemas.openxmlformats.org/drawingml/2006/main" xmlns:r="http://schemas.openxmlformats.org/officeDocument/2006/relationships" xmlns:p="http://schemas.openxmlformats.org/presentationml/2006/main">
+  <p:cSld>
+    <p:spTree>
+      <p:nvGrpSpPr>
+        <p:cNvPr id="1" name=""/>
+        <p:cNvGrpSpPr/>
+        <p:nvPr/>
+      </p:nvGrpSpPr>
+      <p:grpSpPr>
+        <a:xfrm>
+          <a:off x="0" y="0"/>
+          <a:ext cx="0" cy="0"/>
+          <a:chOff x="0" y="0"/>
+          <a:chExt cx="0" cy="0"/>
+        </a:xfrm>
+      </p:grpSpPr>
+      <p:sp>
+        <p:nvSpPr>
+          <p:cNvPr id="2" name="Folienbildplatzhalter 1"/>
+          <p:cNvSpPr>
+            <a:spLocks noGrp="1" noRot="1" noChangeAspect="1"/>
+          </p:cNvSpPr>
+          <p:nvPr>
+            <p:ph type="sldImg"/>
+          </p:nvPr>
+        </p:nvSpPr>
+        <p:spPr/>
+      </p:sp>
+      <p:sp>
+        <p:nvSpPr>
+          <p:cNvPr id="3" name="Notizenplatzhalter 2"/>
+          <p:cNvSpPr>
+            <a:spLocks noGrp="1"/>
+          </p:cNvSpPr>
+          <p:nvPr>
+            <p:ph type="body" idx="1"/>
+          </p:nvPr>
+        </p:nvSpPr>
+        <p:spPr/>
+        <p:txBody>
+          <a:bodyPr/>
+          <a:lstStyle/>
+          <a:p>
+            <a:endParaRPr lang="de-DE"/>
+          </a:p>
+        </p:txBody>
+      </p:sp>
+      <p:sp>
+        <p:nvSpPr>
+          <p:cNvPr id="4" name="Foliennummernplatzhalter 3"/>
+          <p:cNvSpPr>
+            <a:spLocks noGrp="1"/>
+          </p:cNvSpPr>
+          <p:nvPr>
+            <p:ph type="sldNum" sz="quarter" idx="10"/>
+          </p:nvPr>
+        </p:nvSpPr>
+        <p:spPr/>
+        <p:txBody>
+          <a:bodyPr/>
+          <a:lstStyle/>
+          <a:p>
+            <a:fld id="{F9031C81-7C06-4D17-A409-93B7E93D369C}" type="slidenum">
+              <a:rPr lang="de-DE" smtClean="0"/>
+              <a:t>12</a:t>
+            </a:fld>
+            <a:endParaRPr lang="de-DE"/>
+          </a:p>
+        </p:txBody>
+      </p:sp>
+    </p:spTree>
+    <p:extLst>
+      <p:ext uri="{BB962C8B-B14F-4D97-AF65-F5344CB8AC3E}">
+        <p14:creationId xmlns:p14="http://schemas.microsoft.com/office/powerpoint/2010/main" val="93972919"/>
+      </p:ext>
+    </p:extLst>
+  </p:cSld>
+  <p:clrMapOvr>
+    <a:masterClrMapping/>
+  </p:clrMapOvr>
+</p:notes>
+</file>
+
+<file path=ppt/notesSlides/notesSlide11.xml><?xml version="1.0" encoding="utf-8"?>
+<p:notes xmlns:a="http://schemas.openxmlformats.org/drawingml/2006/main" xmlns:r="http://schemas.openxmlformats.org/officeDocument/2006/relationships" xmlns:p="http://schemas.openxmlformats.org/presentationml/2006/main">
+  <p:cSld>
+    <p:spTree>
+      <p:nvGrpSpPr>
+        <p:cNvPr id="1" name=""/>
+        <p:cNvGrpSpPr/>
+        <p:nvPr/>
+      </p:nvGrpSpPr>
+      <p:grpSpPr>
+        <a:xfrm>
+          <a:off x="0" y="0"/>
+          <a:ext cx="0" cy="0"/>
+          <a:chOff x="0" y="0"/>
+          <a:chExt cx="0" cy="0"/>
+        </a:xfrm>
+      </p:grpSpPr>
+      <p:sp>
+        <p:nvSpPr>
+          <p:cNvPr id="2" name="Folienbildplatzhalter 1"/>
+          <p:cNvSpPr>
+            <a:spLocks noGrp="1" noRot="1" noChangeAspect="1"/>
+          </p:cNvSpPr>
+          <p:nvPr>
+            <p:ph type="sldImg"/>
+          </p:nvPr>
+        </p:nvSpPr>
+        <p:spPr/>
+      </p:sp>
+      <p:sp>
+        <p:nvSpPr>
+          <p:cNvPr id="3" name="Notizenplatzhalter 2"/>
+          <p:cNvSpPr>
+            <a:spLocks noGrp="1"/>
+          </p:cNvSpPr>
+          <p:nvPr>
+            <p:ph type="body" idx="1"/>
+          </p:nvPr>
+        </p:nvSpPr>
+        <p:spPr/>
+        <p:txBody>
+          <a:bodyPr/>
+          <a:lstStyle/>
+          <a:p>
+            <a:pPr marL="171450" indent="-171450">
+              <a:buFont typeface="Arial" panose="020B0604020202020204" pitchFamily="34" charset="0"/>
+              <a:buChar char="•"/>
+            </a:pPr>
+            <a:r>
+              <a:rPr lang="de-DE" dirty="0" smtClean="0"/>
+              <a:t>Ist ein Webseitennutzer</a:t>
+            </a:r>
+            <a:r>
+              <a:rPr lang="de-DE" baseline="0" dirty="0" smtClean="0"/>
+              <a:t> Teilnehmer des Sportfestes und registriert, dann sind für ihn in der Datenbank Wettkampfergebnisse hinterlegt, welche er sich durch Anmelden auf der Seite anschauen kann</a:t>
+            </a:r>
+          </a:p>
+          <a:p>
+            <a:pPr marL="171450" indent="-171450">
+              <a:buFont typeface="Arial" panose="020B0604020202020204" pitchFamily="34" charset="0"/>
+              <a:buChar char="•"/>
+            </a:pPr>
+            <a:r>
+              <a:rPr lang="de-DE" baseline="0" dirty="0" smtClean="0"/>
+              <a:t>Dafür benötigen wir einen Server, der die Datenbankzugriffe koordiniert und bestimmte Services anbietet und eine Technologie, die diesen Service konsumiert und sein Ergebnis ans Frontend übermittelt </a:t>
+            </a:r>
+          </a:p>
+          <a:p>
+            <a:pPr marL="171450" indent="-171450">
+              <a:buFont typeface="Arial" panose="020B0604020202020204" pitchFamily="34" charset="0"/>
+              <a:buChar char="•"/>
+            </a:pPr>
+            <a:r>
+              <a:rPr lang="de-DE" baseline="0" dirty="0" smtClean="0"/>
+              <a:t>Bei uns wird das mit einem REST-Service in node.js und einem </a:t>
+            </a:r>
+            <a:r>
+              <a:rPr lang="de-DE" baseline="0" dirty="0" err="1" smtClean="0"/>
+              <a:t>jQuery</a:t>
+            </a:r>
+            <a:r>
+              <a:rPr lang="de-DE" baseline="0" dirty="0" smtClean="0"/>
+              <a:t> AJAX-Call in JavaScript gemacht</a:t>
+            </a:r>
+          </a:p>
+        </p:txBody>
+      </p:sp>
+      <p:sp>
+        <p:nvSpPr>
+          <p:cNvPr id="4" name="Foliennummernplatzhalter 3"/>
+          <p:cNvSpPr>
+            <a:spLocks noGrp="1"/>
+          </p:cNvSpPr>
+          <p:nvPr>
+            <p:ph type="sldNum" sz="quarter" idx="10"/>
+          </p:nvPr>
+        </p:nvSpPr>
+        <p:spPr/>
+        <p:txBody>
+          <a:bodyPr/>
+          <a:lstStyle/>
+          <a:p>
+            <a:fld id="{F9031C81-7C06-4D17-A409-93B7E93D369C}" type="slidenum">
+              <a:rPr lang="de-DE" smtClean="0"/>
+              <a:t>13</a:t>
+            </a:fld>
+            <a:endParaRPr lang="de-DE"/>
+          </a:p>
+        </p:txBody>
+      </p:sp>
+    </p:spTree>
+    <p:extLst>
+      <p:ext uri="{BB962C8B-B14F-4D97-AF65-F5344CB8AC3E}">
+        <p14:creationId xmlns:p14="http://schemas.microsoft.com/office/powerpoint/2010/main" val="673066527"/>
+      </p:ext>
+    </p:extLst>
+  </p:cSld>
+  <p:clrMapOvr>
+    <a:masterClrMapping/>
+  </p:clrMapOvr>
+</p:notes>
+</file>
+
+<file path=ppt/notesSlides/notesSlide12.xml><?xml version="1.0" encoding="utf-8"?>
+<p:notes xmlns:a="http://schemas.openxmlformats.org/drawingml/2006/main" xmlns:r="http://schemas.openxmlformats.org/officeDocument/2006/relationships" xmlns:p="http://schemas.openxmlformats.org/presentationml/2006/main">
+  <p:cSld>
+    <p:spTree>
+      <p:nvGrpSpPr>
+        <p:cNvPr id="1" name=""/>
+        <p:cNvGrpSpPr/>
+        <p:nvPr/>
+      </p:nvGrpSpPr>
+      <p:grpSpPr>
+        <a:xfrm>
+          <a:off x="0" y="0"/>
+          <a:ext cx="0" cy="0"/>
+          <a:chOff x="0" y="0"/>
+          <a:chExt cx="0" cy="0"/>
+        </a:xfrm>
+      </p:grpSpPr>
+      <p:sp>
+        <p:nvSpPr>
+          <p:cNvPr id="2" name="Folienbildplatzhalter 1"/>
+          <p:cNvSpPr>
+            <a:spLocks noGrp="1" noRot="1" noChangeAspect="1"/>
+          </p:cNvSpPr>
+          <p:nvPr>
+            <p:ph type="sldImg"/>
+          </p:nvPr>
+        </p:nvSpPr>
+        <p:spPr/>
+      </p:sp>
+      <p:sp>
+        <p:nvSpPr>
+          <p:cNvPr id="3" name="Notizenplatzhalter 2"/>
+          <p:cNvSpPr>
+            <a:spLocks noGrp="1"/>
+          </p:cNvSpPr>
+          <p:nvPr>
+            <p:ph type="body" idx="1"/>
+          </p:nvPr>
+        </p:nvSpPr>
+        <p:spPr/>
+        <p:txBody>
+          <a:bodyPr/>
+          <a:lstStyle/>
+          <a:p>
+            <a:pPr marL="171450" indent="-171450">
+              <a:buFont typeface="Arial" panose="020B0604020202020204" pitchFamily="34" charset="0"/>
+              <a:buChar char="•"/>
+            </a:pPr>
+            <a:r>
+              <a:rPr lang="de-DE" b="0" dirty="0" smtClean="0"/>
+              <a:t>Das</a:t>
+            </a:r>
+            <a:r>
+              <a:rPr lang="de-DE" b="0" baseline="0" dirty="0" smtClean="0"/>
+              <a:t> ist die URL, die wir am Ende aufrufen wollen, um die gewünschten Daten zu erhalten</a:t>
+            </a:r>
+            <a:endParaRPr lang="de-DE" b="0" dirty="0" smtClean="0"/>
+          </a:p>
+          <a:p>
+            <a:pPr marL="171450" indent="-171450">
+              <a:buFont typeface="Arial" panose="020B0604020202020204" pitchFamily="34" charset="0"/>
+              <a:buChar char="•"/>
+            </a:pPr>
+            <a:r>
+              <a:rPr lang="de-DE" b="1" dirty="0" smtClean="0"/>
+              <a:t>SWITCH TO CODE </a:t>
+            </a:r>
+            <a:r>
+              <a:rPr lang="de-DE" b="0" dirty="0" smtClean="0">
+                <a:sym typeface="Wingdings" panose="05000000000000000000" pitchFamily="2" charset="2"/>
+              </a:rPr>
+              <a:t></a:t>
+            </a:r>
+            <a:r>
+              <a:rPr lang="de-DE" b="0" baseline="0" dirty="0" smtClean="0">
+                <a:sym typeface="Wingdings" panose="05000000000000000000" pitchFamily="2" charset="2"/>
+              </a:rPr>
+              <a:t> </a:t>
+            </a:r>
+            <a:r>
+              <a:rPr lang="de-DE" b="1" baseline="0" dirty="0" smtClean="0">
+                <a:sym typeface="Wingdings" panose="05000000000000000000" pitchFamily="2" charset="2"/>
+              </a:rPr>
+              <a:t>server.js</a:t>
+            </a:r>
+          </a:p>
+          <a:p>
+            <a:pPr marL="171450" indent="-171450">
+              <a:buFont typeface="Arial" panose="020B0604020202020204" pitchFamily="34" charset="0"/>
+              <a:buChar char="•"/>
+            </a:pPr>
+            <a:r>
+              <a:rPr lang="de-DE" b="0" i="1" baseline="0" dirty="0" smtClean="0">
+                <a:sym typeface="Wingdings" panose="05000000000000000000" pitchFamily="2" charset="2"/>
+              </a:rPr>
+              <a:t>Nach Erklärung Service in Browser aufrufen</a:t>
+            </a:r>
+          </a:p>
+          <a:p>
+            <a:pPr marL="171450" indent="-171450">
+              <a:buFont typeface="Arial" panose="020B0604020202020204" pitchFamily="34" charset="0"/>
+              <a:buChar char="•"/>
+            </a:pPr>
+            <a:r>
+              <a:rPr lang="de-DE" b="1" i="0" dirty="0" smtClean="0"/>
+              <a:t>SWITCH</a:t>
+            </a:r>
+            <a:r>
+              <a:rPr lang="de-DE" b="1" i="0" baseline="0" dirty="0" smtClean="0"/>
+              <a:t> TO CODE </a:t>
+            </a:r>
+            <a:r>
+              <a:rPr lang="de-DE" b="0" i="0" baseline="0" dirty="0" smtClean="0">
+                <a:sym typeface="Wingdings" panose="05000000000000000000" pitchFamily="2" charset="2"/>
+              </a:rPr>
+              <a:t> </a:t>
+            </a:r>
+            <a:r>
+              <a:rPr lang="de-DE" b="1" i="0" baseline="0" dirty="0" smtClean="0">
+                <a:sym typeface="Wingdings" panose="05000000000000000000" pitchFamily="2" charset="2"/>
+              </a:rPr>
+              <a:t>AJAX-Call </a:t>
+            </a:r>
+            <a:r>
+              <a:rPr lang="de-DE" b="0" i="0" baseline="0" dirty="0" smtClean="0">
+                <a:sym typeface="Wingdings" panose="05000000000000000000" pitchFamily="2" charset="2"/>
+              </a:rPr>
+              <a:t>in </a:t>
+            </a:r>
+            <a:r>
+              <a:rPr lang="de-DE" b="1" i="0" baseline="0" dirty="0" smtClean="0">
+                <a:sym typeface="Wingdings" panose="05000000000000000000" pitchFamily="2" charset="2"/>
+              </a:rPr>
+              <a:t>index.html</a:t>
+            </a:r>
+            <a:endParaRPr lang="de-DE" b="0" i="1" baseline="0" dirty="0" smtClean="0">
+              <a:sym typeface="Wingdings" panose="05000000000000000000" pitchFamily="2" charset="2"/>
+            </a:endParaRPr>
+          </a:p>
+          <a:p>
+            <a:pPr marL="171450" indent="-171450">
+              <a:buFont typeface="Arial" panose="020B0604020202020204" pitchFamily="34" charset="0"/>
+              <a:buChar char="•"/>
+            </a:pPr>
+            <a:r>
+              <a:rPr lang="de-DE" b="0" i="1" dirty="0" smtClean="0"/>
+              <a:t>Nach</a:t>
+            </a:r>
+            <a:r>
+              <a:rPr lang="de-DE" b="0" i="1" baseline="0" dirty="0" smtClean="0"/>
+              <a:t> Erklärung AJAX-Call im Browser bei Anmeldung debuggen</a:t>
+            </a:r>
+            <a:endParaRPr lang="de-DE" b="0" i="1" dirty="0"/>
+          </a:p>
+        </p:txBody>
+      </p:sp>
+      <p:sp>
+        <p:nvSpPr>
+          <p:cNvPr id="4" name="Foliennummernplatzhalter 3"/>
+          <p:cNvSpPr>
+            <a:spLocks noGrp="1"/>
+          </p:cNvSpPr>
+          <p:nvPr>
+            <p:ph type="sldNum" sz="quarter" idx="10"/>
+          </p:nvPr>
+        </p:nvSpPr>
+        <p:spPr/>
+        <p:txBody>
+          <a:bodyPr/>
+          <a:lstStyle/>
+          <a:p>
+            <a:fld id="{F9031C81-7C06-4D17-A409-93B7E93D369C}" type="slidenum">
+              <a:rPr lang="de-DE" smtClean="0"/>
+              <a:t>14</a:t>
+            </a:fld>
+            <a:endParaRPr lang="de-DE"/>
+          </a:p>
+        </p:txBody>
+      </p:sp>
+    </p:spTree>
+    <p:extLst>
+      <p:ext uri="{BB962C8B-B14F-4D97-AF65-F5344CB8AC3E}">
+        <p14:creationId xmlns:p14="http://schemas.microsoft.com/office/powerpoint/2010/main" val="2658417258"/>
+      </p:ext>
+    </p:extLst>
+  </p:cSld>
+  <p:clrMapOvr>
+    <a:masterClrMapping/>
+  </p:clrMapOvr>
+</p:notes>
+</file>
+
+<file path=ppt/notesSlides/notesSlide13.xml><?xml version="1.0" encoding="utf-8"?>
+<p:notes xmlns:a="http://schemas.openxmlformats.org/drawingml/2006/main" xmlns:r="http://schemas.openxmlformats.org/officeDocument/2006/relationships" xmlns:p="http://schemas.openxmlformats.org/presentationml/2006/main">
+  <p:cSld>
+    <p:spTree>
+      <p:nvGrpSpPr>
+        <p:cNvPr id="1" name=""/>
+        <p:cNvGrpSpPr/>
+        <p:nvPr/>
+      </p:nvGrpSpPr>
+      <p:grpSpPr>
+        <a:xfrm>
+          <a:off x="0" y="0"/>
+          <a:ext cx="0" cy="0"/>
+          <a:chOff x="0" y="0"/>
+          <a:chExt cx="0" cy="0"/>
+        </a:xfrm>
+      </p:grpSpPr>
+      <p:sp>
+        <p:nvSpPr>
+          <p:cNvPr id="2" name="Folienbildplatzhalter 1"/>
+          <p:cNvSpPr>
+            <a:spLocks noGrp="1" noRot="1" noChangeAspect="1"/>
+          </p:cNvSpPr>
+          <p:nvPr>
+            <p:ph type="sldImg"/>
+          </p:nvPr>
+        </p:nvSpPr>
+        <p:spPr/>
+      </p:sp>
+      <p:sp>
+        <p:nvSpPr>
+          <p:cNvPr id="3" name="Notizenplatzhalter 2"/>
+          <p:cNvSpPr>
+            <a:spLocks noGrp="1"/>
+          </p:cNvSpPr>
+          <p:nvPr>
+            <p:ph type="body" idx="1"/>
+          </p:nvPr>
+        </p:nvSpPr>
+        <p:spPr/>
+        <p:txBody>
+          <a:bodyPr/>
+          <a:lstStyle/>
+          <a:p>
+            <a:pPr marL="171450" indent="-171450">
+              <a:buFont typeface="Arial" panose="020B0604020202020204" pitchFamily="34" charset="0"/>
+              <a:buChar char="•"/>
+            </a:pPr>
+            <a:r>
+              <a:rPr lang="de-DE" dirty="0" smtClean="0"/>
+              <a:t>Kurzes Fazit</a:t>
+            </a:r>
+          </a:p>
+          <a:p>
+            <a:pPr marL="171450" indent="-171450">
+              <a:buFont typeface="Arial" panose="020B0604020202020204" pitchFamily="34" charset="0"/>
+              <a:buChar char="•"/>
+            </a:pPr>
+            <a:r>
+              <a:rPr lang="de-DE" dirty="0" smtClean="0"/>
+              <a:t>Grundverständnis</a:t>
+            </a:r>
+            <a:r>
+              <a:rPr lang="de-DE" baseline="0" dirty="0" smtClean="0"/>
+              <a:t> der verwendeten Technologien </a:t>
+            </a:r>
+            <a:r>
+              <a:rPr lang="de-DE" baseline="0" dirty="0" smtClean="0">
+                <a:sym typeface="Wingdings" panose="05000000000000000000" pitchFamily="2" charset="2"/>
+              </a:rPr>
+              <a:t> JA!</a:t>
+            </a:r>
+          </a:p>
+          <a:p>
+            <a:pPr marL="171450" indent="-171450">
+              <a:buFont typeface="Arial" panose="020B0604020202020204" pitchFamily="34" charset="0"/>
+              <a:buChar char="•"/>
+            </a:pPr>
+            <a:r>
+              <a:rPr lang="de-DE" baseline="0" dirty="0" smtClean="0">
+                <a:sym typeface="Wingdings" panose="05000000000000000000" pitchFamily="2" charset="2"/>
+              </a:rPr>
+              <a:t>Für manche Technologien reicht das aus, um sie voll auszuschöpfen (</a:t>
+            </a:r>
+            <a:r>
+              <a:rPr lang="de-DE" baseline="0" dirty="0" err="1" smtClean="0">
+                <a:sym typeface="Wingdings" panose="05000000000000000000" pitchFamily="2" charset="2"/>
+              </a:rPr>
+              <a:t>z.B</a:t>
+            </a:r>
+            <a:r>
+              <a:rPr lang="de-DE" baseline="0" dirty="0" smtClean="0">
+                <a:sym typeface="Wingdings" panose="05000000000000000000" pitchFamily="2" charset="2"/>
+              </a:rPr>
+              <a:t> Heise </a:t>
+            </a:r>
+            <a:r>
+              <a:rPr lang="de-DE" baseline="0" dirty="0" err="1" smtClean="0">
+                <a:sym typeface="Wingdings" panose="05000000000000000000" pitchFamily="2" charset="2"/>
+              </a:rPr>
+              <a:t>Plugin</a:t>
+            </a:r>
+            <a:r>
+              <a:rPr lang="de-DE" baseline="0" dirty="0" smtClean="0">
+                <a:sym typeface="Wingdings" panose="05000000000000000000" pitchFamily="2" charset="2"/>
+              </a:rPr>
+              <a:t>)</a:t>
+            </a:r>
+          </a:p>
+          <a:p>
+            <a:pPr marL="171450" indent="-171450">
+              <a:buFont typeface="Arial" panose="020B0604020202020204" pitchFamily="34" charset="0"/>
+              <a:buChar char="•"/>
+            </a:pPr>
+            <a:r>
+              <a:rPr lang="de-DE" baseline="0" dirty="0" smtClean="0">
+                <a:sym typeface="Wingdings" panose="05000000000000000000" pitchFamily="2" charset="2"/>
+              </a:rPr>
+              <a:t>Für komplexere braucht man tiefgründiges Wissen, um die Technologien zu meistern, da sie zu mächtig sind  Google </a:t>
+            </a:r>
+            <a:r>
+              <a:rPr lang="de-DE" baseline="0" dirty="0" err="1" smtClean="0">
+                <a:sym typeface="Wingdings" panose="05000000000000000000" pitchFamily="2" charset="2"/>
+              </a:rPr>
+              <a:t>Maps</a:t>
+            </a:r>
+            <a:r>
+              <a:rPr lang="de-DE" baseline="0" dirty="0" smtClean="0">
+                <a:sym typeface="Wingdings" panose="05000000000000000000" pitchFamily="2" charset="2"/>
+              </a:rPr>
+              <a:t> API, Twitter Bootstrap, node.js</a:t>
+            </a:r>
+            <a:endParaRPr lang="de-DE" dirty="0"/>
+          </a:p>
+        </p:txBody>
+      </p:sp>
+      <p:sp>
+        <p:nvSpPr>
+          <p:cNvPr id="4" name="Foliennummernplatzhalter 3"/>
+          <p:cNvSpPr>
+            <a:spLocks noGrp="1"/>
+          </p:cNvSpPr>
+          <p:nvPr>
+            <p:ph type="sldNum" sz="quarter" idx="10"/>
+          </p:nvPr>
+        </p:nvSpPr>
+        <p:spPr/>
+        <p:txBody>
+          <a:bodyPr/>
+          <a:lstStyle/>
+          <a:p>
+            <a:fld id="{F9031C81-7C06-4D17-A409-93B7E93D369C}" type="slidenum">
+              <a:rPr lang="de-DE" smtClean="0"/>
+              <a:t>15</a:t>
+            </a:fld>
+            <a:endParaRPr lang="de-DE"/>
+          </a:p>
+        </p:txBody>
+      </p:sp>
+    </p:spTree>
+    <p:extLst>
+      <p:ext uri="{BB962C8B-B14F-4D97-AF65-F5344CB8AC3E}">
+        <p14:creationId xmlns:p14="http://schemas.microsoft.com/office/powerpoint/2010/main" val="1480372294"/>
+      </p:ext>
+    </p:extLst>
+  </p:cSld>
+  <p:clrMapOvr>
+    <a:masterClrMapping/>
+  </p:clrMapOvr>
+</p:notes>
+</file>
+
+<file path=ppt/notesSlides/notesSlide2.xml><?xml version="1.0" encoding="utf-8"?>
+<p:notes xmlns:a="http://schemas.openxmlformats.org/drawingml/2006/main" xmlns:r="http://schemas.openxmlformats.org/officeDocument/2006/relationships" xmlns:p="http://schemas.openxmlformats.org/presentationml/2006/main">
+  <p:cSld>
+    <p:spTree>
+      <p:nvGrpSpPr>
+        <p:cNvPr id="1" name=""/>
+        <p:cNvGrpSpPr/>
+        <p:nvPr/>
+      </p:nvGrpSpPr>
+      <p:grpSpPr>
+        <a:xfrm>
+          <a:off x="0" y="0"/>
+          <a:ext cx="0" cy="0"/>
+          <a:chOff x="0" y="0"/>
+          <a:chExt cx="0" cy="0"/>
+        </a:xfrm>
+      </p:grpSpPr>
+      <p:sp>
+        <p:nvSpPr>
+          <p:cNvPr id="2" name="Folienbildplatzhalter 1"/>
+          <p:cNvSpPr>
+            <a:spLocks noGrp="1" noRot="1" noChangeAspect="1"/>
+          </p:cNvSpPr>
+          <p:nvPr>
+            <p:ph type="sldImg"/>
+          </p:nvPr>
+        </p:nvSpPr>
+        <p:spPr/>
+      </p:sp>
+      <p:sp>
+        <p:nvSpPr>
+          <p:cNvPr id="3" name="Notizenplatzhalter 2"/>
+          <p:cNvSpPr>
+            <a:spLocks noGrp="1"/>
+          </p:cNvSpPr>
+          <p:nvPr>
+            <p:ph type="body" idx="1"/>
+          </p:nvPr>
+        </p:nvSpPr>
+        <p:spPr/>
+        <p:txBody>
+          <a:bodyPr/>
+          <a:lstStyle/>
+          <a:p>
+            <a:endParaRPr lang="de-DE"/>
+          </a:p>
+        </p:txBody>
+      </p:sp>
+      <p:sp>
+        <p:nvSpPr>
+          <p:cNvPr id="4" name="Foliennummernplatzhalter 3"/>
+          <p:cNvSpPr>
+            <a:spLocks noGrp="1"/>
+          </p:cNvSpPr>
+          <p:nvPr>
+            <p:ph type="sldNum" sz="quarter" idx="10"/>
+          </p:nvPr>
+        </p:nvSpPr>
+        <p:spPr/>
+        <p:txBody>
+          <a:bodyPr/>
+          <a:lstStyle/>
+          <a:p>
+            <a:fld id="{F9031C81-7C06-4D17-A409-93B7E93D369C}" type="slidenum">
+              <a:rPr lang="de-DE" smtClean="0"/>
+              <a:t>3</a:t>
+            </a:fld>
+            <a:endParaRPr lang="de-DE"/>
+          </a:p>
+        </p:txBody>
+      </p:sp>
+    </p:spTree>
+    <p:extLst>
+      <p:ext uri="{BB962C8B-B14F-4D97-AF65-F5344CB8AC3E}">
+        <p14:creationId xmlns:p14="http://schemas.microsoft.com/office/powerpoint/2010/main" val="323159885"/>
+      </p:ext>
+    </p:extLst>
+  </p:cSld>
+  <p:clrMapOvr>
+    <a:masterClrMapping/>
+  </p:clrMapOvr>
+</p:notes>
+</file>
+
+<file path=ppt/notesSlides/notesSlide3.xml><?xml version="1.0" encoding="utf-8"?>
+<p:notes xmlns:a="http://schemas.openxmlformats.org/drawingml/2006/main" xmlns:r="http://schemas.openxmlformats.org/officeDocument/2006/relationships" xmlns:p="http://schemas.openxmlformats.org/presentationml/2006/main">
+  <p:cSld>
+    <p:spTree>
+      <p:nvGrpSpPr>
+        <p:cNvPr id="1" name=""/>
+        <p:cNvGrpSpPr/>
+        <p:nvPr/>
+      </p:nvGrpSpPr>
+      <p:grpSpPr>
+        <a:xfrm>
+          <a:off x="0" y="0"/>
+          <a:ext cx="0" cy="0"/>
+          <a:chOff x="0" y="0"/>
+          <a:chExt cx="0" cy="0"/>
+        </a:xfrm>
+      </p:grpSpPr>
+      <p:sp>
+        <p:nvSpPr>
+          <p:cNvPr id="2" name="Folienbildplatzhalter 1"/>
+          <p:cNvSpPr>
+            <a:spLocks noGrp="1" noRot="1" noChangeAspect="1"/>
+          </p:cNvSpPr>
+          <p:nvPr>
+            <p:ph type="sldImg"/>
+          </p:nvPr>
+        </p:nvSpPr>
+        <p:spPr/>
+      </p:sp>
+      <p:sp>
+        <p:nvSpPr>
+          <p:cNvPr id="3" name="Notizenplatzhalter 2"/>
+          <p:cNvSpPr>
+            <a:spLocks noGrp="1"/>
+          </p:cNvSpPr>
+          <p:nvPr>
+            <p:ph type="body" idx="1"/>
+          </p:nvPr>
+        </p:nvSpPr>
+        <p:spPr/>
+        <p:txBody>
+          <a:bodyPr/>
+          <a:lstStyle/>
+          <a:p>
+            <a:endParaRPr lang="de-DE"/>
+          </a:p>
+        </p:txBody>
+      </p:sp>
+      <p:sp>
+        <p:nvSpPr>
+          <p:cNvPr id="4" name="Foliennummernplatzhalter 3"/>
+          <p:cNvSpPr>
+            <a:spLocks noGrp="1"/>
+          </p:cNvSpPr>
+          <p:nvPr>
+            <p:ph type="sldNum" sz="quarter" idx="10"/>
+          </p:nvPr>
+        </p:nvSpPr>
+        <p:spPr/>
+        <p:txBody>
+          <a:bodyPr/>
+          <a:lstStyle/>
+          <a:p>
+            <a:fld id="{F9031C81-7C06-4D17-A409-93B7E93D369C}" type="slidenum">
+              <a:rPr lang="de-DE" smtClean="0"/>
+              <a:t>5</a:t>
+            </a:fld>
+            <a:endParaRPr lang="de-DE"/>
+          </a:p>
+        </p:txBody>
+      </p:sp>
+    </p:spTree>
+    <p:extLst>
+      <p:ext uri="{BB962C8B-B14F-4D97-AF65-F5344CB8AC3E}">
+        <p14:creationId xmlns:p14="http://schemas.microsoft.com/office/powerpoint/2010/main" val="4077221032"/>
+      </p:ext>
+    </p:extLst>
+  </p:cSld>
+  <p:clrMapOvr>
+    <a:masterClrMapping/>
+  </p:clrMapOvr>
+</p:notes>
+</file>
+
+<file path=ppt/notesSlides/notesSlide4.xml><?xml version="1.0" encoding="utf-8"?>
+<p:notes xmlns:a="http://schemas.openxmlformats.org/drawingml/2006/main" xmlns:r="http://schemas.openxmlformats.org/officeDocument/2006/relationships" xmlns:p="http://schemas.openxmlformats.org/presentationml/2006/main">
+  <p:cSld>
+    <p:spTree>
+      <p:nvGrpSpPr>
+        <p:cNvPr id="1" name=""/>
+        <p:cNvGrpSpPr/>
+        <p:nvPr/>
+      </p:nvGrpSpPr>
+      <p:grpSpPr>
+        <a:xfrm>
+          <a:off x="0" y="0"/>
+          <a:ext cx="0" cy="0"/>
+          <a:chOff x="0" y="0"/>
+          <a:chExt cx="0" cy="0"/>
+        </a:xfrm>
+      </p:grpSpPr>
+      <p:sp>
+        <p:nvSpPr>
+          <p:cNvPr id="2" name="Folienbildplatzhalter 1"/>
+          <p:cNvSpPr>
+            <a:spLocks noGrp="1" noRot="1" noChangeAspect="1"/>
+          </p:cNvSpPr>
+          <p:nvPr>
+            <p:ph type="sldImg"/>
+          </p:nvPr>
+        </p:nvSpPr>
+        <p:spPr/>
+      </p:sp>
+      <p:sp>
+        <p:nvSpPr>
+          <p:cNvPr id="3" name="Notizenplatzhalter 2"/>
+          <p:cNvSpPr>
+            <a:spLocks noGrp="1"/>
+          </p:cNvSpPr>
+          <p:nvPr>
+            <p:ph type="body" idx="1"/>
+          </p:nvPr>
+        </p:nvSpPr>
+        <p:spPr/>
+        <p:txBody>
+          <a:bodyPr/>
+          <a:lstStyle/>
+          <a:p>
+            <a:pPr marL="171450" indent="-171450">
+              <a:buFont typeface="Arial" panose="020B0604020202020204" pitchFamily="34" charset="0"/>
+              <a:buChar char="•"/>
+            </a:pPr>
+            <a:r>
+              <a:rPr lang="de-DE" dirty="0" smtClean="0"/>
+              <a:t>Wie bei</a:t>
+            </a:r>
+            <a:r>
+              <a:rPr lang="de-DE" baseline="0" dirty="0" smtClean="0"/>
+              <a:t> Demo gesehen ist unsere Website ein </a:t>
+            </a:r>
+            <a:r>
+              <a:rPr lang="de-DE" baseline="0" dirty="0" err="1" smtClean="0"/>
+              <a:t>Onepager</a:t>
+            </a:r>
+            <a:r>
+              <a:rPr lang="de-DE" baseline="0" dirty="0" smtClean="0"/>
+              <a:t>  </a:t>
+            </a:r>
+            <a:r>
+              <a:rPr lang="de-DE" baseline="0" dirty="0" smtClean="0">
+                <a:sym typeface="Wingdings" panose="05000000000000000000" pitchFamily="2" charset="2"/>
+              </a:rPr>
+              <a:t> </a:t>
+            </a:r>
+            <a:r>
+              <a:rPr lang="de-DE" baseline="0" dirty="0" smtClean="0"/>
+              <a:t>sie beruht auf genau einer Datei. </a:t>
+            </a:r>
+          </a:p>
+          <a:p>
+            <a:pPr marL="171450" indent="-171450">
+              <a:buFont typeface="Arial" panose="020B0604020202020204" pitchFamily="34" charset="0"/>
+              <a:buChar char="•"/>
+            </a:pPr>
+            <a:r>
+              <a:rPr lang="de-DE" baseline="0" dirty="0" smtClean="0"/>
+              <a:t>Diese Datei = </a:t>
+            </a:r>
+            <a:r>
+              <a:rPr lang="de-DE" b="1" baseline="0" dirty="0" smtClean="0"/>
+              <a:t>index.html</a:t>
+            </a:r>
+            <a:r>
+              <a:rPr lang="de-DE" baseline="0" dirty="0" smtClean="0"/>
+              <a:t> </a:t>
+            </a:r>
+            <a:r>
+              <a:rPr lang="de-DE" baseline="0" dirty="0" smtClean="0">
+                <a:sym typeface="Wingdings" panose="05000000000000000000" pitchFamily="2" charset="2"/>
+              </a:rPr>
+              <a:t> Grundgerüst für alle Anzeige- und Steuerelemente, die man gesehen hat</a:t>
+            </a:r>
+          </a:p>
+          <a:p>
+            <a:pPr marL="171450" indent="-171450">
+              <a:buFont typeface="Arial" panose="020B0604020202020204" pitchFamily="34" charset="0"/>
+              <a:buChar char="•"/>
+            </a:pPr>
+            <a:r>
+              <a:rPr lang="de-DE" b="1" i="0" baseline="0" dirty="0" smtClean="0">
+                <a:sym typeface="Wingdings" panose="05000000000000000000" pitchFamily="2" charset="2"/>
+              </a:rPr>
+              <a:t>SWITCH TO CODE</a:t>
+            </a:r>
+          </a:p>
+          <a:p>
+            <a:pPr marL="171450" indent="-171450">
+              <a:buFont typeface="Arial" panose="020B0604020202020204" pitchFamily="34" charset="0"/>
+              <a:buChar char="•"/>
+            </a:pPr>
+            <a:r>
+              <a:rPr lang="de-DE" baseline="0" dirty="0" smtClean="0">
+                <a:sym typeface="Wingdings" panose="05000000000000000000" pitchFamily="2" charset="2"/>
+              </a:rPr>
+              <a:t>Sie besteht typischerweise aus einem &lt;</a:t>
+            </a:r>
+            <a:r>
+              <a:rPr lang="de-DE" baseline="0" dirty="0" err="1" smtClean="0">
+                <a:sym typeface="Wingdings" panose="05000000000000000000" pitchFamily="2" charset="2"/>
+              </a:rPr>
+              <a:t>head</a:t>
+            </a:r>
+            <a:r>
+              <a:rPr lang="de-DE" baseline="0" dirty="0" smtClean="0">
+                <a:sym typeface="Wingdings" panose="05000000000000000000" pitchFamily="2" charset="2"/>
+              </a:rPr>
+              <a:t>&gt;, welcher 3rd Party Libraries usw. einbindet und einem &lt;</a:t>
+            </a:r>
+            <a:r>
+              <a:rPr lang="de-DE" baseline="0" dirty="0" err="1" smtClean="0">
+                <a:sym typeface="Wingdings" panose="05000000000000000000" pitchFamily="2" charset="2"/>
+              </a:rPr>
+              <a:t>body</a:t>
+            </a:r>
+            <a:r>
+              <a:rPr lang="de-DE" baseline="0" dirty="0" smtClean="0">
+                <a:sym typeface="Wingdings" panose="05000000000000000000" pitchFamily="2" charset="2"/>
+              </a:rPr>
+              <a:t>&gt;. Verteilt sind HTML Elemente und Skripts</a:t>
+            </a:r>
+            <a:endParaRPr lang="de-DE" dirty="0"/>
+          </a:p>
+        </p:txBody>
+      </p:sp>
+      <p:sp>
+        <p:nvSpPr>
+          <p:cNvPr id="4" name="Foliennummernplatzhalter 3"/>
+          <p:cNvSpPr>
+            <a:spLocks noGrp="1"/>
+          </p:cNvSpPr>
+          <p:nvPr>
+            <p:ph type="sldNum" sz="quarter" idx="10"/>
+          </p:nvPr>
+        </p:nvSpPr>
+        <p:spPr/>
+        <p:txBody>
+          <a:bodyPr/>
+          <a:lstStyle/>
+          <a:p>
+            <a:fld id="{F9031C81-7C06-4D17-A409-93B7E93D369C}" type="slidenum">
+              <a:rPr lang="de-DE" smtClean="0"/>
+              <a:t>6</a:t>
+            </a:fld>
+            <a:endParaRPr lang="de-DE"/>
+          </a:p>
+        </p:txBody>
+      </p:sp>
+    </p:spTree>
+    <p:extLst>
+      <p:ext uri="{BB962C8B-B14F-4D97-AF65-F5344CB8AC3E}">
+        <p14:creationId xmlns:p14="http://schemas.microsoft.com/office/powerpoint/2010/main" val="1337709312"/>
+      </p:ext>
+    </p:extLst>
+  </p:cSld>
+  <p:clrMapOvr>
+    <a:masterClrMapping/>
+  </p:clrMapOvr>
+</p:notes>
+</file>
+
+<file path=ppt/notesSlides/notesSlide5.xml><?xml version="1.0" encoding="utf-8"?>
+<p:notes xmlns:a="http://schemas.openxmlformats.org/drawingml/2006/main" xmlns:r="http://schemas.openxmlformats.org/officeDocument/2006/relationships" xmlns:p="http://schemas.openxmlformats.org/presentationml/2006/main">
+  <p:cSld>
+    <p:spTree>
+      <p:nvGrpSpPr>
+        <p:cNvPr id="1" name=""/>
+        <p:cNvGrpSpPr/>
+        <p:nvPr/>
+      </p:nvGrpSpPr>
+      <p:grpSpPr>
+        <a:xfrm>
+          <a:off x="0" y="0"/>
+          <a:ext cx="0" cy="0"/>
+          <a:chOff x="0" y="0"/>
+          <a:chExt cx="0" cy="0"/>
+        </a:xfrm>
+      </p:grpSpPr>
+      <p:sp>
+        <p:nvSpPr>
+          <p:cNvPr id="2" name="Folienbildplatzhalter 1"/>
+          <p:cNvSpPr>
+            <a:spLocks noGrp="1" noRot="1" noChangeAspect="1"/>
+          </p:cNvSpPr>
+          <p:nvPr>
+            <p:ph type="sldImg"/>
+          </p:nvPr>
+        </p:nvSpPr>
+        <p:spPr/>
+      </p:sp>
+      <p:sp>
+        <p:nvSpPr>
+          <p:cNvPr id="3" name="Notizenplatzhalter 2"/>
+          <p:cNvSpPr>
+            <a:spLocks noGrp="1"/>
+          </p:cNvSpPr>
+          <p:nvPr>
+            <p:ph type="body" idx="1"/>
+          </p:nvPr>
+        </p:nvSpPr>
+        <p:spPr/>
+        <p:txBody>
+          <a:bodyPr/>
+          <a:lstStyle/>
+          <a:p>
+            <a:pPr marL="171450" indent="-171450">
+              <a:buFont typeface="Arial" panose="020B0604020202020204" pitchFamily="34" charset="0"/>
+              <a:buChar char="•"/>
+            </a:pPr>
+            <a:r>
+              <a:rPr lang="de-DE" dirty="0" smtClean="0"/>
+              <a:t>Zur optischen Verschönerung der Seite haben wir das</a:t>
+            </a:r>
+            <a:r>
+              <a:rPr lang="de-DE" baseline="0" dirty="0" smtClean="0"/>
+              <a:t> CSS-Framework </a:t>
+            </a:r>
+            <a:r>
+              <a:rPr lang="de-DE" baseline="0" dirty="0" err="1" smtClean="0"/>
+              <a:t>Boostrap</a:t>
+            </a:r>
+            <a:r>
+              <a:rPr lang="de-DE" baseline="0" dirty="0" smtClean="0"/>
+              <a:t> von Twitter verwendet</a:t>
+            </a:r>
+          </a:p>
+          <a:p>
+            <a:pPr marL="171450" indent="-171450">
+              <a:buFont typeface="Arial" panose="020B0604020202020204" pitchFamily="34" charset="0"/>
+              <a:buChar char="•"/>
+            </a:pPr>
+            <a:r>
+              <a:rPr lang="de-DE" dirty="0" smtClean="0"/>
+              <a:t>Bei</a:t>
+            </a:r>
+            <a:r>
+              <a:rPr lang="de-DE" baseline="0" dirty="0" smtClean="0"/>
+              <a:t> Demo gesehen: Schöne Navigationsbar, Buttons usw.</a:t>
+            </a:r>
+          </a:p>
+          <a:p>
+            <a:pPr marL="171450" indent="-171450">
+              <a:buFont typeface="Arial" panose="020B0604020202020204" pitchFamily="34" charset="0"/>
+              <a:buChar char="•"/>
+            </a:pPr>
+            <a:r>
+              <a:rPr lang="de-DE" baseline="0" dirty="0" smtClean="0"/>
+              <a:t>Einbindung erfolgt durch &lt;</a:t>
+            </a:r>
+            <a:r>
+              <a:rPr lang="de-DE" baseline="0" dirty="0" err="1" smtClean="0"/>
+              <a:t>script</a:t>
+            </a:r>
+            <a:r>
+              <a:rPr lang="de-DE" baseline="0" dirty="0" smtClean="0"/>
+              <a:t>&gt;-Tag im &lt;</a:t>
+            </a:r>
+            <a:r>
+              <a:rPr lang="de-DE" baseline="0" dirty="0" err="1" smtClean="0"/>
+              <a:t>head</a:t>
+            </a:r>
+            <a:r>
+              <a:rPr lang="de-DE" baseline="0" dirty="0" smtClean="0"/>
+              <a:t>&gt;</a:t>
+            </a:r>
+          </a:p>
+          <a:p>
+            <a:pPr marL="171450" indent="-171450">
+              <a:buFont typeface="Arial" panose="020B0604020202020204" pitchFamily="34" charset="0"/>
+              <a:buChar char="•"/>
+            </a:pPr>
+            <a:r>
+              <a:rPr lang="de-DE" baseline="0" dirty="0" smtClean="0"/>
+              <a:t>Dann kann man CSS-Klassen auf HTML-Elemente anwenden</a:t>
+            </a:r>
+          </a:p>
+          <a:p>
+            <a:pPr marL="171450" indent="-171450">
+              <a:buFont typeface="Arial" panose="020B0604020202020204" pitchFamily="34" charset="0"/>
+              <a:buChar char="•"/>
+            </a:pPr>
+            <a:r>
+              <a:rPr lang="de-DE" baseline="0" dirty="0" smtClean="0"/>
+              <a:t>Wir haben natürlich auch eigene CSS-Klassen geschrieben, welche in der Datei </a:t>
+            </a:r>
+            <a:r>
+              <a:rPr lang="de-DE" b="1" baseline="0" dirty="0" smtClean="0"/>
+              <a:t>main.css</a:t>
+            </a:r>
+            <a:r>
+              <a:rPr lang="de-DE" baseline="0" dirty="0" smtClean="0"/>
+              <a:t> zu sehen sind </a:t>
+            </a:r>
+            <a:r>
+              <a:rPr lang="de-DE" b="1" baseline="0" dirty="0" smtClean="0"/>
+              <a:t>SWITCH TO CODE</a:t>
+            </a:r>
+          </a:p>
+          <a:p>
+            <a:pPr marL="171450" indent="-171450">
+              <a:buFont typeface="Arial" panose="020B0604020202020204" pitchFamily="34" charset="0"/>
+              <a:buChar char="•"/>
+            </a:pPr>
+            <a:r>
+              <a:rPr lang="de-DE" b="0" baseline="0" dirty="0" smtClean="0"/>
+              <a:t>CSS-Einbindungen in </a:t>
+            </a:r>
+            <a:r>
+              <a:rPr lang="de-DE" b="1" baseline="0" dirty="0" smtClean="0"/>
+              <a:t>index.html</a:t>
+            </a:r>
+            <a:r>
+              <a:rPr lang="de-DE" b="0" baseline="0" dirty="0" smtClean="0"/>
+              <a:t> zeigen</a:t>
+            </a:r>
+          </a:p>
+          <a:p>
+            <a:pPr marL="171450" indent="-171450">
+              <a:buFont typeface="Arial" panose="020B0604020202020204" pitchFamily="34" charset="0"/>
+              <a:buChar char="•"/>
+            </a:pPr>
+            <a:r>
+              <a:rPr lang="de-DE" b="0" baseline="0" dirty="0" smtClean="0"/>
+              <a:t>Weitere Vorteil von Bootstrap: Webseite wird </a:t>
+            </a:r>
+            <a:r>
+              <a:rPr lang="de-DE" b="0" baseline="0" dirty="0" err="1" smtClean="0"/>
+              <a:t>responsive</a:t>
+            </a:r>
+            <a:r>
+              <a:rPr lang="de-DE" b="0" baseline="0" dirty="0" smtClean="0"/>
+              <a:t> </a:t>
+            </a:r>
+            <a:r>
+              <a:rPr lang="de-DE" b="0" baseline="0" dirty="0" smtClean="0">
+                <a:sym typeface="Wingdings" panose="05000000000000000000" pitchFamily="2" charset="2"/>
+              </a:rPr>
+              <a:t> </a:t>
+            </a:r>
+            <a:r>
+              <a:rPr lang="de-DE" b="1" baseline="0" dirty="0" smtClean="0">
+                <a:sym typeface="Wingdings" panose="05000000000000000000" pitchFamily="2" charset="2"/>
+              </a:rPr>
+              <a:t>DEMO</a:t>
+            </a:r>
+            <a:endParaRPr lang="de-DE" b="0" dirty="0"/>
+          </a:p>
+        </p:txBody>
+      </p:sp>
+      <p:sp>
+        <p:nvSpPr>
+          <p:cNvPr id="4" name="Foliennummernplatzhalter 3"/>
+          <p:cNvSpPr>
+            <a:spLocks noGrp="1"/>
+          </p:cNvSpPr>
+          <p:nvPr>
+            <p:ph type="sldNum" sz="quarter" idx="10"/>
+          </p:nvPr>
+        </p:nvSpPr>
+        <p:spPr/>
+        <p:txBody>
+          <a:bodyPr/>
+          <a:lstStyle/>
+          <a:p>
+            <a:fld id="{F9031C81-7C06-4D17-A409-93B7E93D369C}" type="slidenum">
+              <a:rPr lang="de-DE" smtClean="0"/>
+              <a:t>7</a:t>
+            </a:fld>
+            <a:endParaRPr lang="de-DE"/>
+          </a:p>
+        </p:txBody>
+      </p:sp>
+    </p:spTree>
+    <p:extLst>
+      <p:ext uri="{BB962C8B-B14F-4D97-AF65-F5344CB8AC3E}">
+        <p14:creationId xmlns:p14="http://schemas.microsoft.com/office/powerpoint/2010/main" val="714623873"/>
+      </p:ext>
+    </p:extLst>
+  </p:cSld>
+  <p:clrMapOvr>
+    <a:masterClrMapping/>
+  </p:clrMapOvr>
+</p:notes>
+</file>
+
+<file path=ppt/notesSlides/notesSlide6.xml><?xml version="1.0" encoding="utf-8"?>
+<p:notes xmlns:a="http://schemas.openxmlformats.org/drawingml/2006/main" xmlns:r="http://schemas.openxmlformats.org/officeDocument/2006/relationships" xmlns:p="http://schemas.openxmlformats.org/presentationml/2006/main">
+  <p:cSld>
+    <p:spTree>
+      <p:nvGrpSpPr>
+        <p:cNvPr id="1" name=""/>
+        <p:cNvGrpSpPr/>
+        <p:nvPr/>
+      </p:nvGrpSpPr>
+      <p:grpSpPr>
+        <a:xfrm>
+          <a:off x="0" y="0"/>
+          <a:ext cx="0" cy="0"/>
+          <a:chOff x="0" y="0"/>
+          <a:chExt cx="0" cy="0"/>
+        </a:xfrm>
+      </p:grpSpPr>
+      <p:sp>
+        <p:nvSpPr>
+          <p:cNvPr id="2" name="Folienbildplatzhalter 1"/>
+          <p:cNvSpPr>
+            <a:spLocks noGrp="1" noRot="1" noChangeAspect="1"/>
+          </p:cNvSpPr>
+          <p:nvPr>
+            <p:ph type="sldImg"/>
+          </p:nvPr>
+        </p:nvSpPr>
+        <p:spPr/>
+      </p:sp>
+      <p:sp>
+        <p:nvSpPr>
+          <p:cNvPr id="3" name="Notizenplatzhalter 2"/>
+          <p:cNvSpPr>
+            <a:spLocks noGrp="1"/>
+          </p:cNvSpPr>
+          <p:nvPr>
+            <p:ph type="body" idx="1"/>
+          </p:nvPr>
+        </p:nvSpPr>
+        <p:spPr/>
+        <p:txBody>
+          <a:bodyPr/>
+          <a:lstStyle/>
+          <a:p>
+            <a:pPr marL="171450" indent="-171450">
+              <a:buFont typeface="Arial" panose="020B0604020202020204" pitchFamily="34" charset="0"/>
+              <a:buChar char="•"/>
+            </a:pPr>
+            <a:r>
+              <a:rPr lang="de-DE" baseline="0" dirty="0" smtClean="0"/>
+              <a:t>JavaScript benutzt man, um die Webseiteninhalte zu verändern, ohne die Seite selbst neu laden zu müssen</a:t>
+            </a:r>
+          </a:p>
+          <a:p>
+            <a:pPr marL="171450" indent="-171450">
+              <a:buFont typeface="Arial" panose="020B0604020202020204" pitchFamily="34" charset="0"/>
+              <a:buChar char="•"/>
+            </a:pPr>
+            <a:r>
+              <a:rPr lang="de-DE" baseline="0" dirty="0" smtClean="0"/>
+              <a:t>Damit kann man überprüfen, ob jemand angemeldet ist, und demnach entscheiden, welche Inhalte dem User angezeigt werden</a:t>
+            </a:r>
+          </a:p>
+          <a:p>
+            <a:pPr marL="171450" indent="-171450">
+              <a:buFont typeface="Arial" panose="020B0604020202020204" pitchFamily="34" charset="0"/>
+              <a:buChar char="•"/>
+            </a:pPr>
+            <a:r>
+              <a:rPr lang="de-DE" baseline="0" dirty="0" smtClean="0"/>
+              <a:t>Dies hat man vorhin in der Demo gesehen</a:t>
+            </a:r>
+            <a:endParaRPr lang="de-DE" dirty="0"/>
+          </a:p>
+        </p:txBody>
+      </p:sp>
+      <p:sp>
+        <p:nvSpPr>
+          <p:cNvPr id="4" name="Foliennummernplatzhalter 3"/>
+          <p:cNvSpPr>
+            <a:spLocks noGrp="1"/>
+          </p:cNvSpPr>
+          <p:nvPr>
+            <p:ph type="sldNum" sz="quarter" idx="10"/>
+          </p:nvPr>
+        </p:nvSpPr>
+        <p:spPr/>
+        <p:txBody>
+          <a:bodyPr/>
+          <a:lstStyle/>
+          <a:p>
+            <a:fld id="{F9031C81-7C06-4D17-A409-93B7E93D369C}" type="slidenum">
+              <a:rPr lang="de-DE" smtClean="0"/>
+              <a:t>8</a:t>
+            </a:fld>
+            <a:endParaRPr lang="de-DE"/>
+          </a:p>
+        </p:txBody>
+      </p:sp>
+    </p:spTree>
+    <p:extLst>
+      <p:ext uri="{BB962C8B-B14F-4D97-AF65-F5344CB8AC3E}">
+        <p14:creationId xmlns:p14="http://schemas.microsoft.com/office/powerpoint/2010/main" val="2696443285"/>
+      </p:ext>
+    </p:extLst>
+  </p:cSld>
+  <p:clrMapOvr>
+    <a:masterClrMapping/>
+  </p:clrMapOvr>
+</p:notes>
+</file>
+
+<file path=ppt/notesSlides/notesSlide7.xml><?xml version="1.0" encoding="utf-8"?>
+<p:notes xmlns:a="http://schemas.openxmlformats.org/drawingml/2006/main" xmlns:r="http://schemas.openxmlformats.org/officeDocument/2006/relationships" xmlns:p="http://schemas.openxmlformats.org/presentationml/2006/main">
+  <p:cSld>
+    <p:spTree>
+      <p:nvGrpSpPr>
+        <p:cNvPr id="1" name=""/>
+        <p:cNvGrpSpPr/>
+        <p:nvPr/>
+      </p:nvGrpSpPr>
+      <p:grpSpPr>
+        <a:xfrm>
+          <a:off x="0" y="0"/>
+          <a:ext cx="0" cy="0"/>
+          <a:chOff x="0" y="0"/>
+          <a:chExt cx="0" cy="0"/>
+        </a:xfrm>
+      </p:grpSpPr>
+      <p:sp>
+        <p:nvSpPr>
+          <p:cNvPr id="2" name="Folienbildplatzhalter 1"/>
+          <p:cNvSpPr>
+            <a:spLocks noGrp="1" noRot="1" noChangeAspect="1"/>
+          </p:cNvSpPr>
+          <p:nvPr>
+            <p:ph type="sldImg"/>
+          </p:nvPr>
+        </p:nvSpPr>
+        <p:spPr/>
+      </p:sp>
+      <p:sp>
+        <p:nvSpPr>
+          <p:cNvPr id="3" name="Notizenplatzhalter 2"/>
+          <p:cNvSpPr>
+            <a:spLocks noGrp="1"/>
+          </p:cNvSpPr>
+          <p:nvPr>
+            <p:ph type="body" idx="1"/>
+          </p:nvPr>
+        </p:nvSpPr>
+        <p:spPr/>
+        <p:txBody>
+          <a:bodyPr/>
+          <a:lstStyle/>
+          <a:p>
+            <a:pPr marL="171450" indent="-171450">
+              <a:buFont typeface="Arial" panose="020B0604020202020204" pitchFamily="34" charset="0"/>
+              <a:buChar char="•"/>
+            </a:pPr>
+            <a:r>
+              <a:rPr lang="de-DE" dirty="0" smtClean="0"/>
+              <a:t>Hier sieht man den Verantwortlichen Codeabschnitt für einen Teil der Wettkämpfe</a:t>
+            </a:r>
+            <a:r>
+              <a:rPr lang="de-DE" baseline="0" dirty="0" smtClean="0"/>
+              <a:t> – für Sprint, Weitsprung etc. sehen die Skripts relativ gleich aus</a:t>
+            </a:r>
+          </a:p>
+          <a:p>
+            <a:pPr marL="171450" indent="-171450">
+              <a:buFont typeface="Arial" panose="020B0604020202020204" pitchFamily="34" charset="0"/>
+              <a:buChar char="•"/>
+            </a:pPr>
+            <a:r>
+              <a:rPr lang="de-DE" baseline="0" dirty="0" smtClean="0"/>
+              <a:t>Bei Klicken des Knopfes für die Schwimmen Ergebnisse wird Funktion aufgerufen</a:t>
+            </a:r>
+          </a:p>
+          <a:p>
+            <a:pPr marL="171450" indent="-171450">
+              <a:buFont typeface="Arial" panose="020B0604020202020204" pitchFamily="34" charset="0"/>
+              <a:buChar char="•"/>
+            </a:pPr>
+            <a:r>
+              <a:rPr lang="de-DE" i="1" baseline="0" dirty="0" smtClean="0"/>
+              <a:t>Funktion erläutern</a:t>
+            </a:r>
+          </a:p>
+          <a:p>
+            <a:pPr marL="171450" indent="-171450">
+              <a:buFont typeface="Arial" panose="020B0604020202020204" pitchFamily="34" charset="0"/>
+              <a:buChar char="•"/>
+            </a:pPr>
+            <a:r>
+              <a:rPr lang="de-DE" b="0" i="0" dirty="0" smtClean="0"/>
+              <a:t>Schauen</a:t>
+            </a:r>
+            <a:r>
+              <a:rPr lang="de-DE" b="0" i="0" baseline="0" dirty="0" smtClean="0"/>
+              <a:t> wir uns doch mal an, wie das in der Praxis dann abläuft</a:t>
+            </a:r>
+          </a:p>
+          <a:p>
+            <a:pPr marL="171450" indent="-171450">
+              <a:buFont typeface="Arial" panose="020B0604020202020204" pitchFamily="34" charset="0"/>
+              <a:buChar char="•"/>
+            </a:pPr>
+            <a:r>
+              <a:rPr lang="de-DE" b="1" i="0" baseline="0" dirty="0" smtClean="0"/>
+              <a:t>SWITCH TO DEBUGGER </a:t>
+            </a:r>
+            <a:r>
+              <a:rPr lang="de-DE" b="0" i="0" baseline="0" dirty="0" smtClean="0"/>
+              <a:t>– einmal unangemeldet, und einmal angemeldet durchlaufen</a:t>
+            </a:r>
+          </a:p>
+          <a:p>
+            <a:pPr marL="171450" indent="-171450">
+              <a:buFont typeface="Arial" panose="020B0604020202020204" pitchFamily="34" charset="0"/>
+              <a:buChar char="•"/>
+            </a:pPr>
+            <a:r>
+              <a:rPr lang="de-DE" b="0" i="0" baseline="0" dirty="0" smtClean="0"/>
+              <a:t>Das war jetzt nur ein Beispiel für clientseitiges JavaScript, insgesamt haben wir noch viel mehr Skripts verwendet</a:t>
+            </a:r>
+          </a:p>
+          <a:p>
+            <a:pPr marL="628650" lvl="1" indent="-171450">
+              <a:buFont typeface="Arial" panose="020B0604020202020204" pitchFamily="34" charset="0"/>
+              <a:buChar char="•"/>
+            </a:pPr>
+            <a:r>
+              <a:rPr lang="de-DE" b="0" i="0" baseline="0" dirty="0" smtClean="0"/>
+              <a:t>Heise </a:t>
+            </a:r>
+            <a:r>
+              <a:rPr lang="de-DE" b="0" i="0" baseline="0" dirty="0" err="1" smtClean="0"/>
+              <a:t>Plugin</a:t>
+            </a:r>
+            <a:endParaRPr lang="de-DE" b="0" i="0" baseline="0" dirty="0" smtClean="0"/>
+          </a:p>
+          <a:p>
+            <a:pPr marL="628650" lvl="1" indent="-171450">
+              <a:buFont typeface="Arial" panose="020B0604020202020204" pitchFamily="34" charset="0"/>
+              <a:buChar char="•"/>
+            </a:pPr>
+            <a:r>
+              <a:rPr lang="de-DE" b="0" i="0" baseline="0" dirty="0" smtClean="0"/>
+              <a:t>Google </a:t>
+            </a:r>
+            <a:r>
+              <a:rPr lang="de-DE" b="0" i="0" baseline="0" dirty="0" err="1" smtClean="0"/>
+              <a:t>Maps</a:t>
+            </a:r>
+            <a:endParaRPr lang="de-DE" b="0" i="0" baseline="0" dirty="0" smtClean="0"/>
+          </a:p>
+          <a:p>
+            <a:pPr marL="628650" lvl="1" indent="-171450">
+              <a:buFont typeface="Arial" panose="020B0604020202020204" pitchFamily="34" charset="0"/>
+              <a:buChar char="•"/>
+            </a:pPr>
+            <a:r>
+              <a:rPr lang="de-DE" b="0" i="0" baseline="0" dirty="0" smtClean="0"/>
+              <a:t>AJAX Calls</a:t>
+            </a:r>
+            <a:endParaRPr lang="de-DE" b="1" i="0" dirty="0"/>
+          </a:p>
+        </p:txBody>
+      </p:sp>
+      <p:sp>
+        <p:nvSpPr>
+          <p:cNvPr id="4" name="Foliennummernplatzhalter 3"/>
+          <p:cNvSpPr>
+            <a:spLocks noGrp="1"/>
+          </p:cNvSpPr>
+          <p:nvPr>
+            <p:ph type="sldNum" sz="quarter" idx="10"/>
+          </p:nvPr>
+        </p:nvSpPr>
+        <p:spPr/>
+        <p:txBody>
+          <a:bodyPr/>
+          <a:lstStyle/>
+          <a:p>
+            <a:fld id="{F9031C81-7C06-4D17-A409-93B7E93D369C}" type="slidenum">
+              <a:rPr lang="de-DE" smtClean="0"/>
+              <a:t>9</a:t>
+            </a:fld>
+            <a:endParaRPr lang="de-DE"/>
+          </a:p>
+        </p:txBody>
+      </p:sp>
+    </p:spTree>
+    <p:extLst>
+      <p:ext uri="{BB962C8B-B14F-4D97-AF65-F5344CB8AC3E}">
+        <p14:creationId xmlns:p14="http://schemas.microsoft.com/office/powerpoint/2010/main" val="3225431983"/>
+      </p:ext>
+    </p:extLst>
+  </p:cSld>
+  <p:clrMapOvr>
+    <a:masterClrMapping/>
+  </p:clrMapOvr>
+</p:notes>
+</file>
+
+<file path=ppt/notesSlides/notesSlide8.xml><?xml version="1.0" encoding="utf-8"?>
+<p:notes xmlns:a="http://schemas.openxmlformats.org/drawingml/2006/main" xmlns:r="http://schemas.openxmlformats.org/officeDocument/2006/relationships" xmlns:p="http://schemas.openxmlformats.org/presentationml/2006/main">
+  <p:cSld>
+    <p:spTree>
+      <p:nvGrpSpPr>
+        <p:cNvPr id="1" name=""/>
+        <p:cNvGrpSpPr/>
+        <p:nvPr/>
+      </p:nvGrpSpPr>
+      <p:grpSpPr>
+        <a:xfrm>
+          <a:off x="0" y="0"/>
+          <a:ext cx="0" cy="0"/>
+          <a:chOff x="0" y="0"/>
+          <a:chExt cx="0" cy="0"/>
+        </a:xfrm>
+      </p:grpSpPr>
+      <p:sp>
+        <p:nvSpPr>
+          <p:cNvPr id="2" name="Folienbildplatzhalter 1"/>
+          <p:cNvSpPr>
+            <a:spLocks noGrp="1" noRot="1" noChangeAspect="1"/>
+          </p:cNvSpPr>
+          <p:nvPr>
+            <p:ph type="sldImg"/>
+          </p:nvPr>
+        </p:nvSpPr>
+        <p:spPr/>
+      </p:sp>
+      <p:sp>
+        <p:nvSpPr>
+          <p:cNvPr id="3" name="Notizenplatzhalter 2"/>
+          <p:cNvSpPr>
+            <a:spLocks noGrp="1"/>
+          </p:cNvSpPr>
+          <p:nvPr>
+            <p:ph type="body" idx="1"/>
+          </p:nvPr>
+        </p:nvSpPr>
+        <p:spPr/>
+        <p:txBody>
+          <a:bodyPr/>
+          <a:lstStyle/>
+          <a:p>
+            <a:pPr marL="171450" indent="-171450">
+              <a:buFont typeface="Arial" panose="020B0604020202020204" pitchFamily="34" charset="0"/>
+              <a:buChar char="•"/>
+            </a:pPr>
+            <a:r>
+              <a:rPr lang="de-DE" dirty="0" err="1" smtClean="0"/>
+              <a:t>Social</a:t>
+            </a:r>
+            <a:r>
+              <a:rPr lang="de-DE" baseline="0" dirty="0" smtClean="0"/>
+              <a:t> Buttons sind ja schön und gut, und sollten doch eigentlich niemanden stören, wenn sie auf der einer Webseite vertreten sind, wofür ist dann das Heise Plug-In gut?</a:t>
+            </a:r>
+          </a:p>
+          <a:p>
+            <a:pPr marL="171450" indent="-171450">
+              <a:buFont typeface="Arial" panose="020B0604020202020204" pitchFamily="34" charset="0"/>
+              <a:buChar char="•"/>
+            </a:pPr>
+            <a:r>
+              <a:rPr lang="de-DE" baseline="0" dirty="0" smtClean="0"/>
+              <a:t>Um das zu erfahren muss man erst die Datenschutzproblematik dieser ganzen Like, Share und Tweet Buttons kennen:</a:t>
+            </a:r>
+          </a:p>
+          <a:p>
+            <a:pPr marL="628650" lvl="1" indent="-171450">
+              <a:buFont typeface="Arial" panose="020B0604020202020204" pitchFamily="34" charset="0"/>
+              <a:buChar char="•"/>
+            </a:pPr>
+            <a:r>
+              <a:rPr lang="de-DE" dirty="0" smtClean="0"/>
+              <a:t>Elemente</a:t>
+            </a:r>
+            <a:r>
+              <a:rPr lang="de-DE" baseline="0" dirty="0" smtClean="0"/>
+              <a:t> von Facebook, Twitter und Co. werden auf Websites über </a:t>
+            </a:r>
+            <a:r>
+              <a:rPr lang="de-DE" baseline="0" dirty="0" err="1" smtClean="0"/>
+              <a:t>iFrames</a:t>
+            </a:r>
+            <a:r>
+              <a:rPr lang="de-DE" baseline="0" dirty="0" smtClean="0"/>
+              <a:t> eingebunden</a:t>
+            </a:r>
+          </a:p>
+          <a:p>
+            <a:pPr marL="628650" lvl="1" indent="-171450">
+              <a:buFont typeface="Arial" panose="020B0604020202020204" pitchFamily="34" charset="0"/>
+              <a:buChar char="•"/>
+            </a:pPr>
+            <a:r>
+              <a:rPr lang="de-DE" baseline="0" dirty="0" smtClean="0"/>
+              <a:t>Diese </a:t>
+            </a:r>
+            <a:r>
+              <a:rPr lang="de-DE" baseline="0" dirty="0" err="1" smtClean="0"/>
+              <a:t>iFrames</a:t>
+            </a:r>
+            <a:r>
+              <a:rPr lang="de-DE" baseline="0" dirty="0" smtClean="0"/>
+              <a:t> werden von Facebook und Co. selbst zur Verfügung gestellt</a:t>
+            </a:r>
+          </a:p>
+          <a:p>
+            <a:pPr marL="628650" lvl="1" indent="-171450">
+              <a:buFont typeface="Arial" panose="020B0604020202020204" pitchFamily="34" charset="0"/>
+              <a:buChar char="•"/>
+            </a:pPr>
+            <a:r>
+              <a:rPr lang="de-DE" baseline="0" dirty="0" smtClean="0"/>
+              <a:t>Nun enthalten die </a:t>
+            </a:r>
+            <a:r>
+              <a:rPr lang="de-DE" baseline="0" dirty="0" err="1" smtClean="0"/>
+              <a:t>iFrames</a:t>
+            </a:r>
+            <a:r>
+              <a:rPr lang="de-DE" baseline="0" dirty="0" smtClean="0"/>
+              <a:t> Code, welcher veranlasst, dass Webseiteninformationen wie URL oder Cookies der aufgerufenen Seite an Facebook gesendet werden – selbst wenn man nicht auf „Like“ oder einem anderen Button klicken würde</a:t>
+            </a:r>
+          </a:p>
+          <a:p>
+            <a:pPr marL="628650" lvl="1" indent="-171450">
+              <a:buFont typeface="Arial" panose="020B0604020202020204" pitchFamily="34" charset="0"/>
+              <a:buChar char="•"/>
+            </a:pPr>
+            <a:r>
+              <a:rPr lang="de-DE" dirty="0" smtClean="0"/>
+              <a:t>Zusätzlich</a:t>
+            </a:r>
+            <a:r>
+              <a:rPr lang="de-DE" baseline="0" dirty="0" smtClean="0"/>
+              <a:t> werden von den </a:t>
+            </a:r>
+            <a:r>
+              <a:rPr lang="de-DE" baseline="0" dirty="0" err="1" smtClean="0"/>
+              <a:t>iFrames</a:t>
+            </a:r>
+            <a:r>
+              <a:rPr lang="de-DE" baseline="0" dirty="0" smtClean="0"/>
+              <a:t> </a:t>
+            </a:r>
+            <a:r>
+              <a:rPr lang="de-DE" sz="1200" b="0" i="0" u="none" strike="noStrike" kern="1200" baseline="0" dirty="0" smtClean="0">
+                <a:solidFill>
+                  <a:schemeClr val="tx1"/>
+                </a:solidFill>
+                <a:latin typeface="+mn-lt"/>
+                <a:ea typeface="+mn-ea"/>
+                <a:cs typeface="+mn-cs"/>
+              </a:rPr>
+              <a:t>Sitzungs-</a:t>
+            </a:r>
+            <a:r>
+              <a:rPr lang="de-DE" sz="1200" b="0" i="0" u="none" strike="noStrike" kern="1200" baseline="0" dirty="0" err="1" smtClean="0">
+                <a:solidFill>
+                  <a:schemeClr val="tx1"/>
+                </a:solidFill>
+                <a:latin typeface="+mn-lt"/>
+                <a:ea typeface="+mn-ea"/>
+                <a:cs typeface="+mn-cs"/>
+              </a:rPr>
+              <a:t>Ids</a:t>
+            </a:r>
+            <a:r>
+              <a:rPr lang="de-DE" sz="1200" b="0" i="0" u="none" strike="noStrike" kern="1200" baseline="0" dirty="0" smtClean="0">
+                <a:solidFill>
+                  <a:schemeClr val="tx1"/>
+                </a:solidFill>
+                <a:latin typeface="+mn-lt"/>
+                <a:ea typeface="+mn-ea"/>
+                <a:cs typeface="+mn-cs"/>
+              </a:rPr>
+              <a:t> mitgesendet, für den Fall, dass man in einem anderen Fenster in Facebook angemeldet ist</a:t>
+            </a:r>
+          </a:p>
+          <a:p>
+            <a:pPr marL="628650" lvl="1" indent="-171450">
+              <a:buFont typeface="Arial" panose="020B0604020202020204" pitchFamily="34" charset="0"/>
+              <a:buChar char="•"/>
+            </a:pPr>
+            <a:r>
+              <a:rPr lang="de-DE" sz="1200" b="0" i="0" u="none" strike="noStrike" kern="1200" baseline="0" dirty="0" smtClean="0">
+                <a:solidFill>
+                  <a:schemeClr val="tx1"/>
+                </a:solidFill>
+                <a:latin typeface="+mn-lt"/>
+                <a:ea typeface="+mn-ea"/>
+                <a:cs typeface="+mn-cs"/>
+              </a:rPr>
+              <a:t>Demzufolge kann dann Facebook einen Webseitenaufruf einer konkreten Person zuordnen</a:t>
+            </a:r>
+          </a:p>
+          <a:p>
+            <a:pPr marL="171450" lvl="0" indent="-171450">
+              <a:buFont typeface="Arial" panose="020B0604020202020204" pitchFamily="34" charset="0"/>
+              <a:buChar char="•"/>
+            </a:pPr>
+            <a:r>
+              <a:rPr lang="de-DE" sz="1200" b="0" i="0" u="none" strike="noStrike" kern="1200" baseline="0" dirty="0" smtClean="0">
+                <a:solidFill>
+                  <a:schemeClr val="tx1"/>
+                </a:solidFill>
+                <a:latin typeface="+mn-lt"/>
+                <a:ea typeface="+mn-ea"/>
+                <a:cs typeface="+mn-cs"/>
+              </a:rPr>
+              <a:t>Möchte man das unterbinden, dann darf die Seite entweder überhaupt keine </a:t>
+            </a:r>
+            <a:r>
+              <a:rPr lang="de-DE" sz="1200" b="0" i="0" u="none" strike="noStrike" kern="1200" baseline="0" dirty="0" err="1" smtClean="0">
+                <a:solidFill>
+                  <a:schemeClr val="tx1"/>
+                </a:solidFill>
+                <a:latin typeface="+mn-lt"/>
+                <a:ea typeface="+mn-ea"/>
+                <a:cs typeface="+mn-cs"/>
+              </a:rPr>
+              <a:t>Social</a:t>
+            </a:r>
+            <a:r>
+              <a:rPr lang="de-DE" sz="1200" b="0" i="0" u="none" strike="noStrike" kern="1200" baseline="0" dirty="0" smtClean="0">
+                <a:solidFill>
+                  <a:schemeClr val="tx1"/>
+                </a:solidFill>
+                <a:latin typeface="+mn-lt"/>
+                <a:ea typeface="+mn-ea"/>
+                <a:cs typeface="+mn-cs"/>
+              </a:rPr>
+              <a:t> Networks Elemente besitzen, oder sie werden von dem Heise </a:t>
+            </a:r>
+            <a:r>
+              <a:rPr lang="de-DE" sz="1200" b="0" i="0" u="none" strike="noStrike" kern="1200" baseline="0" dirty="0" err="1" smtClean="0">
+                <a:solidFill>
+                  <a:schemeClr val="tx1"/>
+                </a:solidFill>
+                <a:latin typeface="+mn-lt"/>
+                <a:ea typeface="+mn-ea"/>
+                <a:cs typeface="+mn-cs"/>
+              </a:rPr>
+              <a:t>Plugin</a:t>
+            </a:r>
+            <a:r>
+              <a:rPr lang="de-DE" sz="1200" b="0" i="0" u="none" strike="noStrike" kern="1200" baseline="0" dirty="0" smtClean="0">
+                <a:solidFill>
+                  <a:schemeClr val="tx1"/>
+                </a:solidFill>
+                <a:latin typeface="+mn-lt"/>
+                <a:ea typeface="+mn-ea"/>
+                <a:cs typeface="+mn-cs"/>
+              </a:rPr>
+              <a:t> deaktiviert, bis der Nutzer sie verwenden will</a:t>
+            </a:r>
+          </a:p>
+        </p:txBody>
+      </p:sp>
+      <p:sp>
+        <p:nvSpPr>
+          <p:cNvPr id="4" name="Foliennummernplatzhalter 3"/>
+          <p:cNvSpPr>
+            <a:spLocks noGrp="1"/>
+          </p:cNvSpPr>
+          <p:nvPr>
+            <p:ph type="sldNum" sz="quarter" idx="10"/>
+          </p:nvPr>
+        </p:nvSpPr>
+        <p:spPr/>
+        <p:txBody>
+          <a:bodyPr/>
+          <a:lstStyle/>
+          <a:p>
+            <a:fld id="{F9031C81-7C06-4D17-A409-93B7E93D369C}" type="slidenum">
+              <a:rPr lang="de-DE" smtClean="0"/>
+              <a:t>10</a:t>
+            </a:fld>
+            <a:endParaRPr lang="de-DE"/>
+          </a:p>
+        </p:txBody>
+      </p:sp>
+    </p:spTree>
+    <p:extLst>
+      <p:ext uri="{BB962C8B-B14F-4D97-AF65-F5344CB8AC3E}">
+        <p14:creationId xmlns:p14="http://schemas.microsoft.com/office/powerpoint/2010/main" val="2696365956"/>
+      </p:ext>
+    </p:extLst>
+  </p:cSld>
+  <p:clrMapOvr>
+    <a:masterClrMapping/>
+  </p:clrMapOvr>
+</p:notes>
+</file>
+
+<file path=ppt/notesSlides/notesSlide9.xml><?xml version="1.0" encoding="utf-8"?>
+<p:notes xmlns:a="http://schemas.openxmlformats.org/drawingml/2006/main" xmlns:r="http://schemas.openxmlformats.org/officeDocument/2006/relationships" xmlns:p="http://schemas.openxmlformats.org/presentationml/2006/main">
+  <p:cSld>
+    <p:spTree>
+      <p:nvGrpSpPr>
+        <p:cNvPr id="1" name=""/>
+        <p:cNvGrpSpPr/>
+        <p:nvPr/>
+      </p:nvGrpSpPr>
+      <p:grpSpPr>
+        <a:xfrm>
+          <a:off x="0" y="0"/>
+          <a:ext cx="0" cy="0"/>
+          <a:chOff x="0" y="0"/>
+          <a:chExt cx="0" cy="0"/>
+        </a:xfrm>
+      </p:grpSpPr>
+      <p:sp>
+        <p:nvSpPr>
+          <p:cNvPr id="2" name="Folienbildplatzhalter 1"/>
+          <p:cNvSpPr>
+            <a:spLocks noGrp="1" noRot="1" noChangeAspect="1"/>
+          </p:cNvSpPr>
+          <p:nvPr>
+            <p:ph type="sldImg"/>
+          </p:nvPr>
+        </p:nvSpPr>
+        <p:spPr/>
+      </p:sp>
+      <p:sp>
+        <p:nvSpPr>
+          <p:cNvPr id="3" name="Notizenplatzhalter 2"/>
+          <p:cNvSpPr>
+            <a:spLocks noGrp="1"/>
+          </p:cNvSpPr>
+          <p:nvPr>
+            <p:ph type="body" idx="1"/>
+          </p:nvPr>
+        </p:nvSpPr>
+        <p:spPr/>
+        <p:txBody>
+          <a:bodyPr/>
+          <a:lstStyle/>
+          <a:p>
+            <a:pPr marL="171450" indent="-171450">
+              <a:buFont typeface="Arial" panose="020B0604020202020204" pitchFamily="34" charset="0"/>
+              <a:buChar char="•"/>
+            </a:pPr>
+            <a:r>
+              <a:rPr lang="de-DE" dirty="0" smtClean="0"/>
+              <a:t>Auch</a:t>
+            </a:r>
+            <a:r>
+              <a:rPr lang="de-DE" baseline="0" dirty="0" smtClean="0"/>
+              <a:t> hier wurde JavaScript verwendet</a:t>
+            </a:r>
+          </a:p>
+          <a:p>
+            <a:pPr marL="171450" indent="-171450">
+              <a:buFont typeface="Arial" panose="020B0604020202020204" pitchFamily="34" charset="0"/>
+              <a:buChar char="•"/>
+            </a:pPr>
+            <a:r>
+              <a:rPr lang="de-DE" baseline="0" dirty="0" smtClean="0"/>
+              <a:t>Zuerst werden die Ressource Files des Plug-Ins geladen</a:t>
+            </a:r>
+          </a:p>
+          <a:p>
+            <a:pPr marL="171450" indent="-171450">
+              <a:buFont typeface="Arial" panose="020B0604020202020204" pitchFamily="34" charset="0"/>
+              <a:buChar char="•"/>
+            </a:pPr>
+            <a:r>
+              <a:rPr lang="de-DE" baseline="0" dirty="0" smtClean="0"/>
+              <a:t>Dann wird mit einem </a:t>
+            </a:r>
+            <a:r>
+              <a:rPr lang="de-DE" baseline="0" dirty="0" err="1" smtClean="0"/>
+              <a:t>Id-Selektor</a:t>
+            </a:r>
+            <a:r>
+              <a:rPr lang="de-DE" baseline="0" dirty="0" smtClean="0"/>
+              <a:t> geschaut, ob das unten drunter zu sehende HTML-Element mit der </a:t>
+            </a:r>
+            <a:r>
+              <a:rPr lang="de-DE" baseline="0" dirty="0" err="1" smtClean="0"/>
+              <a:t>Id</a:t>
+            </a:r>
+            <a:r>
+              <a:rPr lang="de-DE" baseline="0" dirty="0" smtClean="0"/>
+              <a:t> „</a:t>
+            </a:r>
+            <a:r>
+              <a:rPr lang="de-DE" baseline="0" dirty="0" err="1" smtClean="0"/>
+              <a:t>socialshareprivacy</a:t>
+            </a:r>
+            <a:r>
+              <a:rPr lang="de-DE" baseline="0" dirty="0" smtClean="0"/>
+              <a:t>“ existiert</a:t>
+            </a:r>
+          </a:p>
+          <a:p>
+            <a:pPr marL="171450" indent="-171450">
+              <a:buFont typeface="Arial" panose="020B0604020202020204" pitchFamily="34" charset="0"/>
+              <a:buChar char="•"/>
+            </a:pPr>
+            <a:r>
+              <a:rPr lang="de-DE" baseline="0" dirty="0" smtClean="0"/>
+              <a:t>Wenn ja, werden ein paar Parameter gesetzt und das </a:t>
+            </a:r>
+            <a:r>
+              <a:rPr lang="de-DE" baseline="0" dirty="0" err="1" smtClean="0"/>
+              <a:t>Plugin</a:t>
+            </a:r>
+            <a:r>
+              <a:rPr lang="de-DE" baseline="0" dirty="0" smtClean="0"/>
+              <a:t> in das Element gepackt</a:t>
+            </a:r>
+          </a:p>
+        </p:txBody>
+      </p:sp>
+      <p:sp>
+        <p:nvSpPr>
+          <p:cNvPr id="4" name="Foliennummernplatzhalter 3"/>
+          <p:cNvSpPr>
+            <a:spLocks noGrp="1"/>
+          </p:cNvSpPr>
+          <p:nvPr>
+            <p:ph type="sldNum" sz="quarter" idx="10"/>
+          </p:nvPr>
+        </p:nvSpPr>
+        <p:spPr/>
+        <p:txBody>
+          <a:bodyPr/>
+          <a:lstStyle/>
+          <a:p>
+            <a:fld id="{F9031C81-7C06-4D17-A409-93B7E93D369C}" type="slidenum">
+              <a:rPr lang="de-DE" smtClean="0"/>
+              <a:t>11</a:t>
+            </a:fld>
+            <a:endParaRPr lang="de-DE"/>
+          </a:p>
+        </p:txBody>
+      </p:sp>
+    </p:spTree>
+    <p:extLst>
+      <p:ext uri="{BB962C8B-B14F-4D97-AF65-F5344CB8AC3E}">
+        <p14:creationId xmlns:p14="http://schemas.microsoft.com/office/powerpoint/2010/main" val="2794997768"/>
+      </p:ext>
+    </p:extLst>
+  </p:cSld>
+  <p:clrMapOvr>
+    <a:masterClrMapping/>
+  </p:clrMapOvr>
+</p:notes>
 </file>
 
 <file path=ppt/slideLayouts/slideLayout1.xml><?xml version="1.0" encoding="utf-8"?>
@@ -253,9 +2614,9 @@
           <a:bodyPr/>
           <a:lstStyle/>
           <a:p>
-            <a:fld id="{578D751B-EA9B-4595-A4BB-E07542388773}" type="datetimeFigureOut">
+            <a:fld id="{C6B5E290-A164-4CC2-B26F-6CF918464975}" type="datetime1">
               <a:rPr lang="de-DE" smtClean="0"/>
-              <a:t>25.05.2016</a:t>
+              <a:t>26.05.2016</a:t>
             </a:fld>
             <a:endParaRPr lang="de-DE"/>
           </a:p>
@@ -297,7 +2658,7 @@
           <a:p>
             <a:fld id="{280C47D0-7FF9-4228-A5D7-FDA0A01A224A}" type="slidenum">
               <a:rPr lang="de-DE" smtClean="0"/>
-              <a:t>‹#›</a:t>
+              <a:t>‹Nr.›</a:t>
             </a:fld>
             <a:endParaRPr lang="de-DE"/>
           </a:p>
@@ -423,9 +2784,9 @@
           <a:bodyPr/>
           <a:lstStyle/>
           <a:p>
-            <a:fld id="{578D751B-EA9B-4595-A4BB-E07542388773}" type="datetimeFigureOut">
+            <a:fld id="{D6AC50BF-FAC4-4D15-9678-6B4EBC3326A5}" type="datetime1">
               <a:rPr lang="de-DE" smtClean="0"/>
-              <a:t>25.05.2016</a:t>
+              <a:t>26.05.2016</a:t>
             </a:fld>
             <a:endParaRPr lang="de-DE"/>
           </a:p>
@@ -467,7 +2828,7 @@
           <a:p>
             <a:fld id="{280C47D0-7FF9-4228-A5D7-FDA0A01A224A}" type="slidenum">
               <a:rPr lang="de-DE" smtClean="0"/>
-              <a:t>‹#›</a:t>
+              <a:t>‹Nr.›</a:t>
             </a:fld>
             <a:endParaRPr lang="de-DE"/>
           </a:p>
@@ -603,9 +2964,9 @@
           <a:bodyPr/>
           <a:lstStyle/>
           <a:p>
-            <a:fld id="{578D751B-EA9B-4595-A4BB-E07542388773}" type="datetimeFigureOut">
+            <a:fld id="{B9F361F5-ED2C-4F51-A248-B1D71AB798BC}" type="datetime1">
               <a:rPr lang="de-DE" smtClean="0"/>
-              <a:t>25.05.2016</a:t>
+              <a:t>26.05.2016</a:t>
             </a:fld>
             <a:endParaRPr lang="de-DE"/>
           </a:p>
@@ -647,7 +3008,7 @@
           <a:p>
             <a:fld id="{280C47D0-7FF9-4228-A5D7-FDA0A01A224A}" type="slidenum">
               <a:rPr lang="de-DE" smtClean="0"/>
-              <a:t>‹#›</a:t>
+              <a:t>‹Nr.›</a:t>
             </a:fld>
             <a:endParaRPr lang="de-DE"/>
           </a:p>
@@ -761,7 +3122,7 @@
           <a:effectLst/>
           <a:extLst>
             <a:ext uri="{91240B29-F687-4f45-9708-019B960494DF}">
-              <a14:hiddenLine xmlns:a14="http://schemas.microsoft.com/office/drawing/2010/main" xmlns="" w="9525">
+              <a14:hiddenLine xmlns="" xmlns:a14="http://schemas.microsoft.com/office/drawing/2010/main" w="9525">
                 <a:solidFill>
                   <a:srgbClr val="000000"/>
                 </a:solidFill>
@@ -951,9 +3312,9 @@
           <a:bodyPr/>
           <a:lstStyle/>
           <a:p>
-            <a:fld id="{578D751B-EA9B-4595-A4BB-E07542388773}" type="datetimeFigureOut">
+            <a:fld id="{579C934C-422A-44FA-9F4E-86BA743E016E}" type="datetime1">
               <a:rPr lang="de-DE" smtClean="0"/>
-              <a:t>25.05.2016</a:t>
+              <a:t>26.05.2016</a:t>
             </a:fld>
             <a:endParaRPr lang="de-DE"/>
           </a:p>
@@ -995,7 +3356,7 @@
           <a:p>
             <a:fld id="{280C47D0-7FF9-4228-A5D7-FDA0A01A224A}" type="slidenum">
               <a:rPr lang="de-DE" smtClean="0"/>
-              <a:t>‹#›</a:t>
+              <a:t>‹Nr.›</a:t>
             </a:fld>
             <a:endParaRPr lang="de-DE"/>
           </a:p>
@@ -1108,7 +3469,7 @@
           <a:ln/>
           <a:extLst>
             <a:ext uri="{91240B29-F687-4f45-9708-019B960494DF}">
-              <a14:hiddenLine xmlns:a14="http://schemas.microsoft.com/office/drawing/2010/main" xmlns="" w="9525">
+              <a14:hiddenLine xmlns="" xmlns:a14="http://schemas.microsoft.com/office/drawing/2010/main" w="9525">
                 <a:solidFill>
                   <a:srgbClr val="000000"/>
                 </a:solidFill>
@@ -1234,9 +3595,9 @@
           <a:bodyPr/>
           <a:lstStyle/>
           <a:p>
-            <a:fld id="{578D751B-EA9B-4595-A4BB-E07542388773}" type="datetimeFigureOut">
+            <a:fld id="{DCFFEAEE-BF94-4CDA-89A1-E753887AB8EA}" type="datetime1">
               <a:rPr lang="de-DE" smtClean="0"/>
-              <a:t>25.05.2016</a:t>
+              <a:t>26.05.2016</a:t>
             </a:fld>
             <a:endParaRPr lang="de-DE"/>
           </a:p>
@@ -1278,7 +3639,7 @@
           <a:p>
             <a:fld id="{280C47D0-7FF9-4228-A5D7-FDA0A01A224A}" type="slidenum">
               <a:rPr lang="de-DE" smtClean="0"/>
-              <a:t>‹#›</a:t>
+              <a:t>‹Nr.›</a:t>
             </a:fld>
             <a:endParaRPr lang="de-DE"/>
           </a:p>
@@ -1577,9 +3938,9 @@
           <a:bodyPr/>
           <a:lstStyle/>
           <a:p>
-            <a:fld id="{578D751B-EA9B-4595-A4BB-E07542388773}" type="datetimeFigureOut">
+            <a:fld id="{C27C837E-DBCA-4D2E-8138-62B843E43AF4}" type="datetime1">
               <a:rPr lang="de-DE" smtClean="0"/>
-              <a:t>25.05.2016</a:t>
+              <a:t>26.05.2016</a:t>
             </a:fld>
             <a:endParaRPr lang="de-DE"/>
           </a:p>
@@ -1621,7 +3982,7 @@
           <a:p>
             <a:fld id="{280C47D0-7FF9-4228-A5D7-FDA0A01A224A}" type="slidenum">
               <a:rPr lang="de-DE" smtClean="0"/>
-              <a:t>‹#›</a:t>
+              <a:t>‹Nr.›</a:t>
             </a:fld>
             <a:endParaRPr lang="de-DE"/>
           </a:p>
@@ -1734,7 +4095,7 @@
           <a:ln/>
           <a:extLst>
             <a:ext uri="{91240B29-F687-4f45-9708-019B960494DF}">
-              <a14:hiddenLine xmlns:a14="http://schemas.microsoft.com/office/drawing/2010/main" xmlns="" w="9525">
+              <a14:hiddenLine xmlns="" xmlns:a14="http://schemas.microsoft.com/office/drawing/2010/main" w="9525">
                 <a:solidFill>
                   <a:srgbClr val="000000"/>
                 </a:solidFill>
@@ -1916,9 +4277,9 @@
           <a:bodyPr/>
           <a:lstStyle/>
           <a:p>
-            <a:fld id="{578D751B-EA9B-4595-A4BB-E07542388773}" type="datetimeFigureOut">
+            <a:fld id="{559C01A9-2CA1-4BDE-8C67-A545182BD127}" type="datetime1">
               <a:rPr lang="de-DE" smtClean="0"/>
-              <a:t>25.05.2016</a:t>
+              <a:t>26.05.2016</a:t>
             </a:fld>
             <a:endParaRPr lang="de-DE"/>
           </a:p>
@@ -1960,7 +4321,7 @@
           <a:p>
             <a:fld id="{280C47D0-7FF9-4228-A5D7-FDA0A01A224A}" type="slidenum">
               <a:rPr lang="de-DE" smtClean="0"/>
-              <a:t>‹#›</a:t>
+              <a:t>‹Nr.›</a:t>
             </a:fld>
             <a:endParaRPr lang="de-DE"/>
           </a:p>
@@ -2073,7 +4434,7 @@
           <a:ln/>
           <a:extLst>
             <a:ext uri="{91240B29-F687-4f45-9708-019B960494DF}">
-              <a14:hiddenLine xmlns:a14="http://schemas.microsoft.com/office/drawing/2010/main" xmlns="" w="9525">
+              <a14:hiddenLine xmlns="" xmlns:a14="http://schemas.microsoft.com/office/drawing/2010/main" w="9525">
                 <a:solidFill>
                   <a:srgbClr val="000000"/>
                 </a:solidFill>
@@ -2393,9 +4754,9 @@
           <a:bodyPr/>
           <a:lstStyle/>
           <a:p>
-            <a:fld id="{578D751B-EA9B-4595-A4BB-E07542388773}" type="datetimeFigureOut">
+            <a:fld id="{EA764AC7-1100-44EA-8F9C-E5DBDEA7D449}" type="datetime1">
               <a:rPr lang="de-DE" smtClean="0"/>
-              <a:t>25.05.2016</a:t>
+              <a:t>26.05.2016</a:t>
             </a:fld>
             <a:endParaRPr lang="de-DE"/>
           </a:p>
@@ -2437,7 +4798,7 @@
           <a:p>
             <a:fld id="{280C47D0-7FF9-4228-A5D7-FDA0A01A224A}" type="slidenum">
               <a:rPr lang="de-DE" smtClean="0"/>
-              <a:t>‹#›</a:t>
+              <a:t>‹Nr.›</a:t>
             </a:fld>
             <a:endParaRPr lang="de-DE"/>
           </a:p>
@@ -2550,7 +4911,7 @@
           <a:ln/>
           <a:extLst>
             <a:ext uri="{91240B29-F687-4f45-9708-019B960494DF}">
-              <a14:hiddenLine xmlns:a14="http://schemas.microsoft.com/office/drawing/2010/main" xmlns="" w="9525">
+              <a14:hiddenLine xmlns="" xmlns:a14="http://schemas.microsoft.com/office/drawing/2010/main" w="9525">
                 <a:solidFill>
                   <a:srgbClr val="000000"/>
                 </a:solidFill>
@@ -2614,9 +4975,9 @@
           <a:bodyPr/>
           <a:lstStyle/>
           <a:p>
-            <a:fld id="{578D751B-EA9B-4595-A4BB-E07542388773}" type="datetimeFigureOut">
+            <a:fld id="{953DE26B-AC6B-4C45-89F1-6CA9D55DC38C}" type="datetime1">
               <a:rPr lang="de-DE" smtClean="0"/>
-              <a:t>25.05.2016</a:t>
+              <a:t>26.05.2016</a:t>
             </a:fld>
             <a:endParaRPr lang="de-DE"/>
           </a:p>
@@ -2658,7 +5019,7 @@
           <a:p>
             <a:fld id="{280C47D0-7FF9-4228-A5D7-FDA0A01A224A}" type="slidenum">
               <a:rPr lang="de-DE" smtClean="0"/>
-              <a:t>‹#›</a:t>
+              <a:t>‹Nr.›</a:t>
             </a:fld>
             <a:endParaRPr lang="de-DE"/>
           </a:p>
@@ -2709,9 +5070,9 @@
           <a:bodyPr/>
           <a:lstStyle/>
           <a:p>
-            <a:fld id="{578D751B-EA9B-4595-A4BB-E07542388773}" type="datetimeFigureOut">
+            <a:fld id="{A4A23145-3C59-4A7A-BD65-32A97E4041F7}" type="datetime1">
               <a:rPr lang="de-DE" smtClean="0"/>
-              <a:t>25.05.2016</a:t>
+              <a:t>26.05.2016</a:t>
             </a:fld>
             <a:endParaRPr lang="de-DE"/>
           </a:p>
@@ -2753,7 +5114,7 @@
           <a:p>
             <a:fld id="{280C47D0-7FF9-4228-A5D7-FDA0A01A224A}" type="slidenum">
               <a:rPr lang="de-DE" smtClean="0"/>
-              <a:t>‹#›</a:t>
+              <a:t>‹Nr.›</a:t>
             </a:fld>
             <a:endParaRPr lang="de-DE"/>
           </a:p>
@@ -2979,7 +5340,7 @@
           <a:ln/>
           <a:extLst>
             <a:ext uri="{91240B29-F687-4f45-9708-019B960494DF}">
-              <a14:hiddenLine xmlns:a14="http://schemas.microsoft.com/office/drawing/2010/main" xmlns="" w="9525">
+              <a14:hiddenLine xmlns="" xmlns:a14="http://schemas.microsoft.com/office/drawing/2010/main" w="9525">
                 <a:solidFill>
                   <a:srgbClr val="000000"/>
                 </a:solidFill>
@@ -3176,9 +5537,9 @@
           <a:bodyPr/>
           <a:lstStyle/>
           <a:p>
-            <a:fld id="{578D751B-EA9B-4595-A4BB-E07542388773}" type="datetimeFigureOut">
+            <a:fld id="{DC97E4A1-252F-482D-917D-572A8573A0A3}" type="datetime1">
               <a:rPr lang="de-DE" smtClean="0"/>
-              <a:t>25.05.2016</a:t>
+              <a:t>26.05.2016</a:t>
             </a:fld>
             <a:endParaRPr lang="de-DE"/>
           </a:p>
@@ -3220,7 +5581,7 @@
           <a:p>
             <a:fld id="{280C47D0-7FF9-4228-A5D7-FDA0A01A224A}" type="slidenum">
               <a:rPr lang="de-DE" smtClean="0"/>
-              <a:t>‹#›</a:t>
+              <a:t>‹Nr.›</a:t>
             </a:fld>
             <a:endParaRPr lang="de-DE"/>
           </a:p>
@@ -3346,9 +5707,9 @@
           <a:bodyPr/>
           <a:lstStyle/>
           <a:p>
-            <a:fld id="{578D751B-EA9B-4595-A4BB-E07542388773}" type="datetimeFigureOut">
+            <a:fld id="{64F6BAD7-458A-4C47-AE6E-E8AA0082162C}" type="datetime1">
               <a:rPr lang="de-DE" smtClean="0"/>
-              <a:t>25.05.2016</a:t>
+              <a:t>26.05.2016</a:t>
             </a:fld>
             <a:endParaRPr lang="de-DE"/>
           </a:p>
@@ -3390,7 +5751,7 @@
           <a:p>
             <a:fld id="{280C47D0-7FF9-4228-A5D7-FDA0A01A224A}" type="slidenum">
               <a:rPr lang="de-DE" smtClean="0"/>
-              <a:t>‹#›</a:t>
+              <a:t>‹Nr.›</a:t>
             </a:fld>
             <a:endParaRPr lang="de-DE"/>
           </a:p>
@@ -3659,9 +6020,9 @@
           <a:bodyPr/>
           <a:lstStyle/>
           <a:p>
-            <a:fld id="{578D751B-EA9B-4595-A4BB-E07542388773}" type="datetimeFigureOut">
+            <a:fld id="{AB661DFC-524D-4375-8114-3A40E5569A19}" type="datetime1">
               <a:rPr lang="de-DE" smtClean="0"/>
-              <a:t>25.05.2016</a:t>
+              <a:t>26.05.2016</a:t>
             </a:fld>
             <a:endParaRPr lang="de-DE"/>
           </a:p>
@@ -3713,7 +6074,7 @@
           <a:p>
             <a:fld id="{280C47D0-7FF9-4228-A5D7-FDA0A01A224A}" type="slidenum">
               <a:rPr lang="de-DE" smtClean="0"/>
-              <a:t>‹#›</a:t>
+              <a:t>‹Nr.›</a:t>
             </a:fld>
             <a:endParaRPr lang="de-DE"/>
           </a:p>
@@ -3987,9 +6348,9 @@
           <a:bodyPr/>
           <a:lstStyle/>
           <a:p>
-            <a:fld id="{578D751B-EA9B-4595-A4BB-E07542388773}" type="datetimeFigureOut">
+            <a:fld id="{AA4DA8D6-946E-42E3-8E85-98905D3A183E}" type="datetime1">
               <a:rPr lang="de-DE" smtClean="0"/>
-              <a:t>25.05.2016</a:t>
+              <a:t>26.05.2016</a:t>
             </a:fld>
             <a:endParaRPr lang="de-DE"/>
           </a:p>
@@ -4031,7 +6392,7 @@
           <a:p>
             <a:fld id="{280C47D0-7FF9-4228-A5D7-FDA0A01A224A}" type="slidenum">
               <a:rPr lang="de-DE" smtClean="0"/>
-              <a:t>‹#›</a:t>
+              <a:t>‹Nr.›</a:t>
             </a:fld>
             <a:endParaRPr lang="de-DE"/>
           </a:p>
@@ -4475,9 +6836,9 @@
           <a:bodyPr/>
           <a:lstStyle/>
           <a:p>
-            <a:fld id="{578D751B-EA9B-4595-A4BB-E07542388773}" type="datetimeFigureOut">
+            <a:fld id="{B2FE25F7-114D-4253-B6F1-3DFC0980350E}" type="datetime1">
               <a:rPr lang="de-DE" smtClean="0"/>
-              <a:t>25.05.2016</a:t>
+              <a:t>26.05.2016</a:t>
             </a:fld>
             <a:endParaRPr lang="de-DE"/>
           </a:p>
@@ -4519,7 +6880,7 @@
           <a:p>
             <a:fld id="{280C47D0-7FF9-4228-A5D7-FDA0A01A224A}" type="slidenum">
               <a:rPr lang="de-DE" smtClean="0"/>
-              <a:t>‹#›</a:t>
+              <a:t>‹Nr.›</a:t>
             </a:fld>
             <a:endParaRPr lang="de-DE"/>
           </a:p>
@@ -4844,9 +7205,9 @@
           <a:bodyPr/>
           <a:lstStyle/>
           <a:p>
-            <a:fld id="{578D751B-EA9B-4595-A4BB-E07542388773}" type="datetimeFigureOut">
+            <a:fld id="{EF68B12A-5690-4FF1-96CA-84F774729477}" type="datetime1">
               <a:rPr lang="de-DE" smtClean="0"/>
-              <a:t>25.05.2016</a:t>
+              <a:t>26.05.2016</a:t>
             </a:fld>
             <a:endParaRPr lang="de-DE"/>
           </a:p>
@@ -4888,7 +7249,7 @@
           <a:p>
             <a:fld id="{280C47D0-7FF9-4228-A5D7-FDA0A01A224A}" type="slidenum">
               <a:rPr lang="de-DE" smtClean="0"/>
-              <a:t>‹#›</a:t>
+              <a:t>‹Nr.›</a:t>
             </a:fld>
             <a:endParaRPr lang="de-DE"/>
           </a:p>
@@ -5001,7 +7362,7 @@
           <a:ln/>
           <a:extLst>
             <a:ext uri="{91240B29-F687-4f45-9708-019B960494DF}">
-              <a14:hiddenLine xmlns:a14="http://schemas.microsoft.com/office/drawing/2010/main" xmlns="" w="9525">
+              <a14:hiddenLine xmlns="" xmlns:a14="http://schemas.microsoft.com/office/drawing/2010/main" w="9525">
                 <a:solidFill>
                   <a:srgbClr val="000000"/>
                 </a:solidFill>
@@ -5117,9 +7478,9 @@
           <a:bodyPr/>
           <a:lstStyle/>
           <a:p>
-            <a:fld id="{578D751B-EA9B-4595-A4BB-E07542388773}" type="datetimeFigureOut">
+            <a:fld id="{6A684464-1C9C-4643-89F8-D6EAD5AB0D99}" type="datetime1">
               <a:rPr lang="de-DE" smtClean="0"/>
-              <a:t>25.05.2016</a:t>
+              <a:t>26.05.2016</a:t>
             </a:fld>
             <a:endParaRPr lang="de-DE"/>
           </a:p>
@@ -5161,7 +7522,7 @@
           <a:p>
             <a:fld id="{280C47D0-7FF9-4228-A5D7-FDA0A01A224A}" type="slidenum">
               <a:rPr lang="de-DE" smtClean="0"/>
-              <a:t>‹#›</a:t>
+              <a:t>‹Nr.›</a:t>
             </a:fld>
             <a:endParaRPr lang="de-DE"/>
           </a:p>
@@ -5276,7 +7637,7 @@
           <a:ln/>
           <a:extLst>
             <a:ext uri="{91240B29-F687-4f45-9708-019B960494DF}">
-              <a14:hiddenLine xmlns:a14="http://schemas.microsoft.com/office/drawing/2010/main" xmlns="" w="9525">
+              <a14:hiddenLine xmlns="" xmlns:a14="http://schemas.microsoft.com/office/drawing/2010/main" w="9525">
                 <a:solidFill>
                   <a:srgbClr val="000000"/>
                 </a:solidFill>
@@ -5402,9 +7763,9 @@
           <a:bodyPr/>
           <a:lstStyle/>
           <a:p>
-            <a:fld id="{578D751B-EA9B-4595-A4BB-E07542388773}" type="datetimeFigureOut">
+            <a:fld id="{E2109431-C894-4242-A82B-2FA15729ACBA}" type="datetime1">
               <a:rPr lang="de-DE" smtClean="0"/>
-              <a:t>25.05.2016</a:t>
+              <a:t>26.05.2016</a:t>
             </a:fld>
             <a:endParaRPr lang="de-DE"/>
           </a:p>
@@ -5446,7 +7807,7 @@
           <a:p>
             <a:fld id="{280C47D0-7FF9-4228-A5D7-FDA0A01A224A}" type="slidenum">
               <a:rPr lang="de-DE" smtClean="0"/>
-              <a:t>‹#›</a:t>
+              <a:t>‹Nr.›</a:t>
             </a:fld>
             <a:endParaRPr lang="de-DE"/>
           </a:p>
@@ -5653,9 +8014,9 @@
           <a:bodyPr/>
           <a:lstStyle/>
           <a:p>
-            <a:fld id="{578D751B-EA9B-4595-A4BB-E07542388773}" type="datetimeFigureOut">
+            <a:fld id="{446E6D08-D933-4764-B0DA-77E2393D2353}" type="datetime1">
               <a:rPr lang="de-DE" smtClean="0"/>
-              <a:t>25.05.2016</a:t>
+              <a:t>26.05.2016</a:t>
             </a:fld>
             <a:endParaRPr lang="de-DE"/>
           </a:p>
@@ -5697,7 +8058,7 @@
           <a:p>
             <a:fld id="{280C47D0-7FF9-4228-A5D7-FDA0A01A224A}" type="slidenum">
               <a:rPr lang="de-DE" smtClean="0"/>
-              <a:t>‹#›</a:t>
+              <a:t>‹Nr.›</a:t>
             </a:fld>
             <a:endParaRPr lang="de-DE"/>
           </a:p>
@@ -5885,9 +8246,9 @@
           <a:bodyPr/>
           <a:lstStyle/>
           <a:p>
-            <a:fld id="{578D751B-EA9B-4595-A4BB-E07542388773}" type="datetimeFigureOut">
+            <a:fld id="{A21492DE-40C5-4995-8DC3-F03DB235C5A2}" type="datetime1">
               <a:rPr lang="de-DE" smtClean="0"/>
-              <a:t>25.05.2016</a:t>
+              <a:t>26.05.2016</a:t>
             </a:fld>
             <a:endParaRPr lang="de-DE"/>
           </a:p>
@@ -5929,7 +8290,7 @@
           <a:p>
             <a:fld id="{280C47D0-7FF9-4228-A5D7-FDA0A01A224A}" type="slidenum">
               <a:rPr lang="de-DE" smtClean="0"/>
-              <a:t>‹#›</a:t>
+              <a:t>‹Nr.›</a:t>
             </a:fld>
             <a:endParaRPr lang="de-DE"/>
           </a:p>
@@ -6232,9 +8593,9 @@
           <a:bodyPr/>
           <a:lstStyle/>
           <a:p>
-            <a:fld id="{578D751B-EA9B-4595-A4BB-E07542388773}" type="datetimeFigureOut">
+            <a:fld id="{80F7C105-8D9E-4C5F-BE74-83255AE0E00C}" type="datetime1">
               <a:rPr lang="de-DE" smtClean="0"/>
-              <a:t>25.05.2016</a:t>
+              <a:t>26.05.2016</a:t>
             </a:fld>
             <a:endParaRPr lang="de-DE"/>
           </a:p>
@@ -6276,7 +8637,7 @@
           <a:p>
             <a:fld id="{280C47D0-7FF9-4228-A5D7-FDA0A01A224A}" type="slidenum">
               <a:rPr lang="de-DE" smtClean="0"/>
-              <a:t>‹#›</a:t>
+              <a:t>‹Nr.›</a:t>
             </a:fld>
             <a:endParaRPr lang="de-DE"/>
           </a:p>
@@ -6350,9 +8711,9 @@
           <a:bodyPr/>
           <a:lstStyle/>
           <a:p>
-            <a:fld id="{578D751B-EA9B-4595-A4BB-E07542388773}" type="datetimeFigureOut">
+            <a:fld id="{8EB79CB7-773C-4627-B446-524B07D6DB81}" type="datetime1">
               <a:rPr lang="de-DE" smtClean="0"/>
-              <a:t>25.05.2016</a:t>
+              <a:t>26.05.2016</a:t>
             </a:fld>
             <a:endParaRPr lang="de-DE"/>
           </a:p>
@@ -6394,7 +8755,7 @@
           <a:p>
             <a:fld id="{280C47D0-7FF9-4228-A5D7-FDA0A01A224A}" type="slidenum">
               <a:rPr lang="de-DE" smtClean="0"/>
-              <a:t>‹#›</a:t>
+              <a:t>‹Nr.›</a:t>
             </a:fld>
             <a:endParaRPr lang="de-DE"/>
           </a:p>
@@ -6468,9 +8829,9 @@
           <a:bodyPr/>
           <a:lstStyle/>
           <a:p>
-            <a:fld id="{578D751B-EA9B-4595-A4BB-E07542388773}" type="datetimeFigureOut">
+            <a:fld id="{34FFD536-2120-49AA-A6C4-82236EAC0390}" type="datetime1">
               <a:rPr lang="de-DE" smtClean="0"/>
-              <a:t>25.05.2016</a:t>
+              <a:t>26.05.2016</a:t>
             </a:fld>
             <a:endParaRPr lang="de-DE"/>
           </a:p>
@@ -6512,7 +8873,7 @@
           <a:p>
             <a:fld id="{280C47D0-7FF9-4228-A5D7-FDA0A01A224A}" type="slidenum">
               <a:rPr lang="de-DE" smtClean="0"/>
-              <a:t>‹#›</a:t>
+              <a:t>‹Nr.›</a:t>
             </a:fld>
             <a:endParaRPr lang="de-DE"/>
           </a:p>
@@ -6752,9 +9113,9 @@
           <a:bodyPr/>
           <a:lstStyle/>
           <a:p>
-            <a:fld id="{578D751B-EA9B-4595-A4BB-E07542388773}" type="datetimeFigureOut">
+            <a:fld id="{C2CA2CF1-9229-4B31-BFF6-AD3CCBD7C661}" type="datetime1">
               <a:rPr lang="de-DE" smtClean="0"/>
-              <a:t>25.05.2016</a:t>
+              <a:t>26.05.2016</a:t>
             </a:fld>
             <a:endParaRPr lang="de-DE"/>
           </a:p>
@@ -6796,7 +9157,7 @@
           <a:p>
             <a:fld id="{280C47D0-7FF9-4228-A5D7-FDA0A01A224A}" type="slidenum">
               <a:rPr lang="de-DE" smtClean="0"/>
-              <a:t>‹#›</a:t>
+              <a:t>‹Nr.›</a:t>
             </a:fld>
             <a:endParaRPr lang="de-DE"/>
           </a:p>
@@ -7016,9 +9377,9 @@
           <a:bodyPr/>
           <a:lstStyle/>
           <a:p>
-            <a:fld id="{578D751B-EA9B-4595-A4BB-E07542388773}" type="datetimeFigureOut">
+            <a:fld id="{AFB990AC-24D8-42A0-B51D-7399001C5B4B}" type="datetime1">
               <a:rPr lang="de-DE" smtClean="0"/>
-              <a:t>25.05.2016</a:t>
+              <a:t>26.05.2016</a:t>
             </a:fld>
             <a:endParaRPr lang="de-DE"/>
           </a:p>
@@ -7060,7 +9421,7 @@
           <a:p>
             <a:fld id="{280C47D0-7FF9-4228-A5D7-FDA0A01A224A}" type="slidenum">
               <a:rPr lang="de-DE" smtClean="0"/>
-              <a:t>‹#›</a:t>
+              <a:t>‹Nr.›</a:t>
             </a:fld>
             <a:endParaRPr lang="de-DE"/>
           </a:p>
@@ -7230,9 +9591,9 @@
             </a:lvl1pPr>
           </a:lstStyle>
           <a:p>
-            <a:fld id="{578D751B-EA9B-4595-A4BB-E07542388773}" type="datetimeFigureOut">
+            <a:fld id="{7632BEB0-F32D-4EC8-BB16-F73A34AC404F}" type="datetime1">
               <a:rPr lang="de-DE" smtClean="0"/>
-              <a:t>25.05.2016</a:t>
+              <a:t>26.05.2016</a:t>
             </a:fld>
             <a:endParaRPr lang="de-DE"/>
           </a:p>
@@ -7311,7 +9672,7 @@
           <a:p>
             <a:fld id="{280C47D0-7FF9-4228-A5D7-FDA0A01A224A}" type="slidenum">
               <a:rPr lang="de-DE" smtClean="0"/>
-              <a:t>‹#›</a:t>
+              <a:t>‹Nr.›</a:t>
             </a:fld>
             <a:endParaRPr lang="de-DE"/>
           </a:p>
@@ -7338,6 +9699,7 @@
     <p:sldLayoutId id="2147483670" r:id="rId10"/>
     <p:sldLayoutId id="2147483671" r:id="rId11"/>
   </p:sldLayoutIdLst>
+  <p:hf hdr="0" ftr="0" dt="0"/>
   <p:txStyles>
     <p:titleStyle>
       <a:lvl1pPr algn="l" defTabSz="914400" rtl="0" eaLnBrk="1" latinLnBrk="0" hangingPunct="1">
@@ -7806,9 +10168,9 @@
             </a:lvl1pPr>
           </a:lstStyle>
           <a:p>
-            <a:fld id="{578D751B-EA9B-4595-A4BB-E07542388773}" type="datetimeFigureOut">
+            <a:fld id="{258B5F22-AD80-43F1-907A-6AB935494E99}" type="datetime1">
               <a:rPr lang="de-DE" smtClean="0"/>
-              <a:t>25.05.2016</a:t>
+              <a:t>26.05.2016</a:t>
             </a:fld>
             <a:endParaRPr lang="de-DE"/>
           </a:p>
@@ -7847,7 +10209,7 @@
           <a:p>
             <a:fld id="{280C47D0-7FF9-4228-A5D7-FDA0A01A224A}" type="slidenum">
               <a:rPr lang="de-DE" smtClean="0"/>
-              <a:t>‹#›</a:t>
+              <a:t>‹Nr.›</a:t>
             </a:fld>
             <a:endParaRPr lang="de-DE"/>
           </a:p>
@@ -7877,6 +10239,7 @@
     <p:sldLayoutId id="2147483730" r:id="rId13"/>
     <p:sldLayoutId id="2147483731" r:id="rId14"/>
   </p:sldLayoutIdLst>
+  <p:hf hdr="0" ftr="0" dt="0"/>
   <p:txStyles>
     <p:titleStyle>
       <a:lvl1pPr algn="l" defTabSz="457200" rtl="0" eaLnBrk="1" latinLnBrk="0" hangingPunct="1">
@@ -8274,7 +10637,7 @@
           <a:p>
             <a:r>
               <a:rPr lang="de-DE" dirty="0" smtClean="0"/>
-              <a:t>Präsentation des Webprojekts </a:t>
+              <a:t>Webprojekt -</a:t>
             </a:r>
             <a:endParaRPr lang="de-DE" dirty="0"/>
           </a:p>
@@ -8290,7 +10653,12 @@
             <p:ph type="subTitle" idx="1"/>
           </p:nvPr>
         </p:nvSpPr>
-        <p:spPr/>
+        <p:spPr>
+          <a:xfrm>
+            <a:off x="810001" y="5280847"/>
+            <a:ext cx="4859279" cy="434974"/>
+          </a:xfrm>
+        </p:spPr>
         <p:txBody>
           <a:bodyPr/>
           <a:lstStyle/>
@@ -8311,10 +10679,1093 @@
           </a:p>
         </p:txBody>
       </p:sp>
+      <p:pic>
+        <p:nvPicPr>
+          <p:cNvPr id="8" name="Grafik 7"/>
+          <p:cNvPicPr>
+            <a:picLocks noChangeAspect="1"/>
+          </p:cNvPicPr>
+          <p:nvPr/>
+        </p:nvPicPr>
+        <p:blipFill>
+          <a:blip r:embed="rId3" cstate="print">
+            <a:extLst>
+              <a:ext uri="{28A0092B-C50C-407E-A947-70E740481C1C}">
+                <a14:useLocalDpi xmlns:a14="http://schemas.microsoft.com/office/drawing/2010/main" val="0"/>
+              </a:ext>
+            </a:extLst>
+          </a:blip>
+          <a:stretch>
+            <a:fillRect/>
+          </a:stretch>
+        </p:blipFill>
+        <p:spPr>
+          <a:xfrm>
+            <a:off x="5294811" y="3649216"/>
+            <a:ext cx="4754880" cy="709883"/>
+          </a:xfrm>
+          <a:prstGeom prst="rect">
+            <a:avLst/>
+          </a:prstGeom>
+          <a:effectLst>
+            <a:outerShdw blurRad="50800" dist="38100" dir="2700000" algn="tl" rotWithShape="0">
+              <a:prstClr val="black">
+                <a:alpha val="40000"/>
+              </a:prstClr>
+            </a:outerShdw>
+          </a:effectLst>
+        </p:spPr>
+      </p:pic>
     </p:spTree>
     <p:extLst>
       <p:ext uri="{BB962C8B-B14F-4D97-AF65-F5344CB8AC3E}">
         <p14:creationId xmlns:p14="http://schemas.microsoft.com/office/powerpoint/2010/main" val="764410642"/>
+      </p:ext>
+    </p:extLst>
+  </p:cSld>
+  <p:clrMapOvr>
+    <a:masterClrMapping/>
+  </p:clrMapOvr>
+  <p:timing>
+    <p:tnLst>
+      <p:par>
+        <p:cTn id="1" dur="indefinite" restart="never" nodeType="tmRoot"/>
+      </p:par>
+    </p:tnLst>
+  </p:timing>
+</p:sld>
+</file>
+
+<file path=ppt/slides/slide10.xml><?xml version="1.0" encoding="utf-8"?>
+<p:sld xmlns:a="http://schemas.openxmlformats.org/drawingml/2006/main" xmlns:r="http://schemas.openxmlformats.org/officeDocument/2006/relationships" xmlns:p="http://schemas.openxmlformats.org/presentationml/2006/main">
+  <p:cSld>
+    <p:spTree>
+      <p:nvGrpSpPr>
+        <p:cNvPr id="1" name=""/>
+        <p:cNvGrpSpPr/>
+        <p:nvPr/>
+      </p:nvGrpSpPr>
+      <p:grpSpPr>
+        <a:xfrm>
+          <a:off x="0" y="0"/>
+          <a:ext cx="0" cy="0"/>
+          <a:chOff x="0" y="0"/>
+          <a:chExt cx="0" cy="0"/>
+        </a:xfrm>
+      </p:grpSpPr>
+      <p:sp>
+        <p:nvSpPr>
+          <p:cNvPr id="3" name="Titel 2"/>
+          <p:cNvSpPr>
+            <a:spLocks noGrp="1"/>
+          </p:cNvSpPr>
+          <p:nvPr>
+            <p:ph type="title"/>
+          </p:nvPr>
+        </p:nvSpPr>
+        <p:spPr/>
+        <p:txBody>
+          <a:bodyPr/>
+          <a:lstStyle/>
+          <a:p>
+            <a:r>
+              <a:rPr lang="de-DE" dirty="0"/>
+              <a:t>Einbindung von </a:t>
+            </a:r>
+            <a:r>
+              <a:rPr lang="de-DE" dirty="0" err="1"/>
+              <a:t>Social</a:t>
+            </a:r>
+            <a:r>
+              <a:rPr lang="de-DE" dirty="0"/>
+              <a:t> </a:t>
+            </a:r>
+            <a:r>
+              <a:rPr lang="de-DE" dirty="0" smtClean="0"/>
+              <a:t>Buttons</a:t>
+            </a:r>
+            <a:endParaRPr lang="de-DE" dirty="0"/>
+          </a:p>
+        </p:txBody>
+      </p:sp>
+      <p:sp>
+        <p:nvSpPr>
+          <p:cNvPr id="4" name="Textplatzhalter 3"/>
+          <p:cNvSpPr>
+            <a:spLocks noGrp="1"/>
+          </p:cNvSpPr>
+          <p:nvPr>
+            <p:ph type="body" idx="1"/>
+          </p:nvPr>
+        </p:nvSpPr>
+        <p:spPr/>
+        <p:txBody>
+          <a:bodyPr/>
+          <a:lstStyle/>
+          <a:p>
+            <a:r>
+              <a:rPr lang="de-DE" dirty="0"/>
+              <a:t>mittels des Heise</a:t>
+            </a:r>
+            <a:br>
+              <a:rPr lang="de-DE" dirty="0"/>
+            </a:br>
+            <a:r>
+              <a:rPr lang="de-DE" dirty="0"/>
+              <a:t>Plug-Ins</a:t>
+            </a:r>
+          </a:p>
+        </p:txBody>
+      </p:sp>
+      <p:sp>
+        <p:nvSpPr>
+          <p:cNvPr id="2" name="Foliennummernplatzhalter 1"/>
+          <p:cNvSpPr>
+            <a:spLocks noGrp="1"/>
+          </p:cNvSpPr>
+          <p:nvPr>
+            <p:ph type="sldNum" sz="quarter" idx="12"/>
+          </p:nvPr>
+        </p:nvSpPr>
+        <p:spPr/>
+        <p:txBody>
+          <a:bodyPr/>
+          <a:lstStyle/>
+          <a:p>
+            <a:fld id="{280C47D0-7FF9-4228-A5D7-FDA0A01A224A}" type="slidenum">
+              <a:rPr lang="de-DE" smtClean="0"/>
+              <a:t>10</a:t>
+            </a:fld>
+            <a:endParaRPr lang="de-DE"/>
+          </a:p>
+        </p:txBody>
+      </p:sp>
+      <p:pic>
+        <p:nvPicPr>
+          <p:cNvPr id="1030" name="Picture 6" descr="https://rohitink.com/wp-content/uploads/2013/09/sociocons-1024x748.png"/>
+          <p:cNvPicPr>
+            <a:picLocks noChangeAspect="1" noChangeArrowheads="1"/>
+          </p:cNvPicPr>
+          <p:nvPr/>
+        </p:nvPicPr>
+        <p:blipFill>
+          <a:blip r:embed="rId3" cstate="print">
+            <a:extLst>
+              <a:ext uri="{28A0092B-C50C-407E-A947-70E740481C1C}">
+                <a14:useLocalDpi xmlns:a14="http://schemas.microsoft.com/office/drawing/2010/main" val="0"/>
+              </a:ext>
+            </a:extLst>
+          </a:blip>
+          <a:srcRect/>
+          <a:stretch>
+            <a:fillRect/>
+          </a:stretch>
+        </p:blipFill>
+        <p:spPr bwMode="auto">
+          <a:xfrm>
+            <a:off x="7574642" y="1101910"/>
+            <a:ext cx="3996194" cy="2919095"/>
+          </a:xfrm>
+          <a:prstGeom prst="rect">
+            <a:avLst/>
+          </a:prstGeom>
+          <a:noFill/>
+          <a:extLst>
+            <a:ext uri="{909E8E84-426E-40DD-AFC4-6F175D3DCCD1}">
+              <a14:hiddenFill xmlns:a14="http://schemas.microsoft.com/office/drawing/2010/main">
+                <a:solidFill>
+                  <a:srgbClr val="FFFFFF"/>
+                </a:solidFill>
+              </a14:hiddenFill>
+            </a:ext>
+          </a:extLst>
+        </p:spPr>
+      </p:pic>
+    </p:spTree>
+    <p:extLst>
+      <p:ext uri="{BB962C8B-B14F-4D97-AF65-F5344CB8AC3E}">
+        <p14:creationId xmlns:p14="http://schemas.microsoft.com/office/powerpoint/2010/main" val="1778610544"/>
+      </p:ext>
+    </p:extLst>
+  </p:cSld>
+  <p:clrMapOvr>
+    <a:masterClrMapping/>
+  </p:clrMapOvr>
+  <p:timing>
+    <p:tnLst>
+      <p:par>
+        <p:cTn id="1" dur="indefinite" restart="never" nodeType="tmRoot"/>
+      </p:par>
+    </p:tnLst>
+  </p:timing>
+</p:sld>
+</file>
+
+<file path=ppt/slides/slide11.xml><?xml version="1.0" encoding="utf-8"?>
+<p:sld xmlns:a="http://schemas.openxmlformats.org/drawingml/2006/main" xmlns:r="http://schemas.openxmlformats.org/officeDocument/2006/relationships" xmlns:p="http://schemas.openxmlformats.org/presentationml/2006/main">
+  <p:cSld>
+    <p:spTree>
+      <p:nvGrpSpPr>
+        <p:cNvPr id="1" name=""/>
+        <p:cNvGrpSpPr/>
+        <p:nvPr/>
+      </p:nvGrpSpPr>
+      <p:grpSpPr>
+        <a:xfrm>
+          <a:off x="0" y="0"/>
+          <a:ext cx="0" cy="0"/>
+          <a:chOff x="0" y="0"/>
+          <a:chExt cx="0" cy="0"/>
+        </a:xfrm>
+      </p:grpSpPr>
+      <p:sp>
+        <p:nvSpPr>
+          <p:cNvPr id="5" name="Foliennummernplatzhalter 4"/>
+          <p:cNvSpPr>
+            <a:spLocks noGrp="1"/>
+          </p:cNvSpPr>
+          <p:nvPr>
+            <p:ph type="sldNum" sz="quarter" idx="12"/>
+          </p:nvPr>
+        </p:nvSpPr>
+        <p:spPr/>
+        <p:txBody>
+          <a:bodyPr/>
+          <a:lstStyle/>
+          <a:p>
+            <a:fld id="{280C47D0-7FF9-4228-A5D7-FDA0A01A224A}" type="slidenum">
+              <a:rPr lang="de-DE" smtClean="0"/>
+              <a:t>11</a:t>
+            </a:fld>
+            <a:endParaRPr lang="de-DE"/>
+          </a:p>
+        </p:txBody>
+      </p:sp>
+      <p:pic>
+        <p:nvPicPr>
+          <p:cNvPr id="6" name="Grafik 5"/>
+          <p:cNvPicPr>
+            <a:picLocks noChangeAspect="1"/>
+          </p:cNvPicPr>
+          <p:nvPr/>
+        </p:nvPicPr>
+        <p:blipFill>
+          <a:blip r:embed="rId3"/>
+          <a:stretch>
+            <a:fillRect/>
+          </a:stretch>
+        </p:blipFill>
+        <p:spPr>
+          <a:xfrm>
+            <a:off x="0" y="0"/>
+            <a:ext cx="9004732" cy="3852672"/>
+          </a:xfrm>
+          <a:prstGeom prst="rect">
+            <a:avLst/>
+          </a:prstGeom>
+        </p:spPr>
+      </p:pic>
+      <p:pic>
+        <p:nvPicPr>
+          <p:cNvPr id="7" name="Grafik 6"/>
+          <p:cNvPicPr>
+            <a:picLocks noChangeAspect="1"/>
+          </p:cNvPicPr>
+          <p:nvPr/>
+        </p:nvPicPr>
+        <p:blipFill>
+          <a:blip r:embed="rId4"/>
+          <a:stretch>
+            <a:fillRect/>
+          </a:stretch>
+        </p:blipFill>
+        <p:spPr>
+          <a:xfrm>
+            <a:off x="3504351" y="5544107"/>
+            <a:ext cx="7564124" cy="1234160"/>
+          </a:xfrm>
+          <a:prstGeom prst="rect">
+            <a:avLst/>
+          </a:prstGeom>
+        </p:spPr>
+      </p:pic>
+      <p:sp>
+        <p:nvSpPr>
+          <p:cNvPr id="8" name="Pfeil nach rechts 7"/>
+          <p:cNvSpPr/>
+          <p:nvPr/>
+        </p:nvSpPr>
+        <p:spPr>
+          <a:xfrm rot="2487600">
+            <a:off x="3473510" y="4368539"/>
+            <a:ext cx="1777652" cy="579624"/>
+          </a:xfrm>
+          <a:prstGeom prst="rightArrow">
+            <a:avLst>
+              <a:gd name="adj1" fmla="val 50000"/>
+              <a:gd name="adj2" fmla="val 57396"/>
+            </a:avLst>
+          </a:prstGeom>
+        </p:spPr>
+        <p:style>
+          <a:lnRef idx="2">
+            <a:schemeClr val="accent1">
+              <a:shade val="50000"/>
+            </a:schemeClr>
+          </a:lnRef>
+          <a:fillRef idx="1">
+            <a:schemeClr val="accent1"/>
+          </a:fillRef>
+          <a:effectRef idx="0">
+            <a:schemeClr val="accent1"/>
+          </a:effectRef>
+          <a:fontRef idx="minor">
+            <a:schemeClr val="lt1"/>
+          </a:fontRef>
+        </p:style>
+        <p:txBody>
+          <a:bodyPr rtlCol="0" anchor="ctr"/>
+          <a:lstStyle/>
+          <a:p>
+            <a:pPr algn="ctr"/>
+            <a:endParaRPr lang="de-DE"/>
+          </a:p>
+        </p:txBody>
+      </p:sp>
+      <p:pic>
+        <p:nvPicPr>
+          <p:cNvPr id="9" name="Grafik 8"/>
+          <p:cNvPicPr>
+            <a:picLocks noChangeAspect="1"/>
+          </p:cNvPicPr>
+          <p:nvPr/>
+        </p:nvPicPr>
+        <p:blipFill>
+          <a:blip r:embed="rId5">
+            <a:extLst>
+              <a:ext uri="{28A0092B-C50C-407E-A947-70E740481C1C}">
+                <a14:useLocalDpi xmlns:a14="http://schemas.microsoft.com/office/drawing/2010/main" val="0"/>
+              </a:ext>
+            </a:extLst>
+          </a:blip>
+          <a:stretch>
+            <a:fillRect/>
+          </a:stretch>
+        </p:blipFill>
+        <p:spPr>
+          <a:xfrm>
+            <a:off x="0" y="3926450"/>
+            <a:ext cx="3504351" cy="575341"/>
+          </a:xfrm>
+          <a:prstGeom prst="rect">
+            <a:avLst/>
+          </a:prstGeom>
+        </p:spPr>
+      </p:pic>
+    </p:spTree>
+    <p:extLst>
+      <p:ext uri="{BB962C8B-B14F-4D97-AF65-F5344CB8AC3E}">
+        <p14:creationId xmlns:p14="http://schemas.microsoft.com/office/powerpoint/2010/main" val="1835280275"/>
+      </p:ext>
+    </p:extLst>
+  </p:cSld>
+  <p:clrMapOvr>
+    <a:masterClrMapping/>
+  </p:clrMapOvr>
+  <p:timing>
+    <p:tnLst>
+      <p:par>
+        <p:cTn id="1" dur="indefinite" restart="never" nodeType="tmRoot"/>
+      </p:par>
+    </p:tnLst>
+  </p:timing>
+</p:sld>
+</file>
+
+<file path=ppt/slides/slide12.xml><?xml version="1.0" encoding="utf-8"?>
+<p:sld xmlns:a="http://schemas.openxmlformats.org/drawingml/2006/main" xmlns:r="http://schemas.openxmlformats.org/officeDocument/2006/relationships" xmlns:p="http://schemas.openxmlformats.org/presentationml/2006/main">
+  <p:cSld>
+    <p:spTree>
+      <p:nvGrpSpPr>
+        <p:cNvPr id="1" name=""/>
+        <p:cNvGrpSpPr/>
+        <p:nvPr/>
+      </p:nvGrpSpPr>
+      <p:grpSpPr>
+        <a:xfrm>
+          <a:off x="0" y="0"/>
+          <a:ext cx="0" cy="0"/>
+          <a:chOff x="0" y="0"/>
+          <a:chExt cx="0" cy="0"/>
+        </a:xfrm>
+      </p:grpSpPr>
+      <p:sp>
+        <p:nvSpPr>
+          <p:cNvPr id="4" name="Title 3"/>
+          <p:cNvSpPr>
+            <a:spLocks noGrp="1"/>
+          </p:cNvSpPr>
+          <p:nvPr>
+            <p:ph type="title"/>
+          </p:nvPr>
+        </p:nvSpPr>
+        <p:spPr/>
+        <p:txBody>
+          <a:bodyPr/>
+          <a:lstStyle/>
+          <a:p>
+            <a:r>
+              <a:rPr lang="de-DE" dirty="0" smtClean="0"/>
+              <a:t>Erfüllung der Anforderungen – Client-Server-Architektur</a:t>
+            </a:r>
+            <a:endParaRPr lang="de-DE" dirty="0"/>
+          </a:p>
+        </p:txBody>
+      </p:sp>
+      <p:sp>
+        <p:nvSpPr>
+          <p:cNvPr id="7" name="Textplatzhalter 6"/>
+          <p:cNvSpPr>
+            <a:spLocks noGrp="1"/>
+          </p:cNvSpPr>
+          <p:nvPr>
+            <p:ph type="body" idx="1"/>
+          </p:nvPr>
+        </p:nvSpPr>
+        <p:spPr/>
+        <p:txBody>
+          <a:bodyPr/>
+          <a:lstStyle/>
+          <a:p>
+            <a:endParaRPr lang="de-DE"/>
+          </a:p>
+        </p:txBody>
+      </p:sp>
+      <p:sp>
+        <p:nvSpPr>
+          <p:cNvPr id="6" name="Foliennummernplatzhalter 5"/>
+          <p:cNvSpPr>
+            <a:spLocks noGrp="1"/>
+          </p:cNvSpPr>
+          <p:nvPr>
+            <p:ph type="sldNum" sz="quarter" idx="12"/>
+          </p:nvPr>
+        </p:nvSpPr>
+        <p:spPr/>
+        <p:txBody>
+          <a:bodyPr/>
+          <a:lstStyle/>
+          <a:p>
+            <a:fld id="{280C47D0-7FF9-4228-A5D7-FDA0A01A224A}" type="slidenum">
+              <a:rPr lang="de-DE" smtClean="0"/>
+              <a:pPr/>
+              <a:t>12</a:t>
+            </a:fld>
+            <a:endParaRPr lang="de-DE"/>
+          </a:p>
+        </p:txBody>
+      </p:sp>
+    </p:spTree>
+    <p:extLst>
+      <p:ext uri="{BB962C8B-B14F-4D97-AF65-F5344CB8AC3E}">
+        <p14:creationId xmlns:p14="http://schemas.microsoft.com/office/powerpoint/2010/main" val="652844521"/>
+      </p:ext>
+    </p:extLst>
+  </p:cSld>
+  <p:clrMapOvr>
+    <a:masterClrMapping/>
+  </p:clrMapOvr>
+  <p:timing>
+    <p:tnLst>
+      <p:par>
+        <p:cTn id="1" dur="indefinite" restart="never" nodeType="tmRoot"/>
+      </p:par>
+    </p:tnLst>
+  </p:timing>
+</p:sld>
+</file>
+
+<file path=ppt/slides/slide13.xml><?xml version="1.0" encoding="utf-8"?>
+<p:sld xmlns:a="http://schemas.openxmlformats.org/drawingml/2006/main" xmlns:r="http://schemas.openxmlformats.org/officeDocument/2006/relationships" xmlns:p="http://schemas.openxmlformats.org/presentationml/2006/main">
+  <p:cSld>
+    <p:spTree>
+      <p:nvGrpSpPr>
+        <p:cNvPr id="1" name=""/>
+        <p:cNvGrpSpPr/>
+        <p:nvPr/>
+      </p:nvGrpSpPr>
+      <p:grpSpPr>
+        <a:xfrm>
+          <a:off x="0" y="0"/>
+          <a:ext cx="0" cy="0"/>
+          <a:chOff x="0" y="0"/>
+          <a:chExt cx="0" cy="0"/>
+        </a:xfrm>
+      </p:grpSpPr>
+      <p:sp>
+        <p:nvSpPr>
+          <p:cNvPr id="3" name="Titel 2"/>
+          <p:cNvSpPr>
+            <a:spLocks noGrp="1"/>
+          </p:cNvSpPr>
+          <p:nvPr>
+            <p:ph type="title"/>
+          </p:nvPr>
+        </p:nvSpPr>
+        <p:spPr/>
+        <p:txBody>
+          <a:bodyPr/>
+          <a:lstStyle/>
+          <a:p>
+            <a:r>
+              <a:rPr lang="de-DE" dirty="0" smtClean="0"/>
+              <a:t>Anmeldefunktion</a:t>
+            </a:r>
+            <a:endParaRPr lang="de-DE" dirty="0"/>
+          </a:p>
+        </p:txBody>
+      </p:sp>
+      <p:sp>
+        <p:nvSpPr>
+          <p:cNvPr id="4" name="Textplatzhalter 3"/>
+          <p:cNvSpPr>
+            <a:spLocks noGrp="1"/>
+          </p:cNvSpPr>
+          <p:nvPr>
+            <p:ph type="body" idx="1"/>
+          </p:nvPr>
+        </p:nvSpPr>
+        <p:spPr/>
+        <p:txBody>
+          <a:bodyPr/>
+          <a:lstStyle/>
+          <a:p>
+            <a:r>
+              <a:rPr lang="de-DE" dirty="0"/>
+              <a:t>mit node.js und AJAX-Call</a:t>
+            </a:r>
+          </a:p>
+        </p:txBody>
+      </p:sp>
+      <p:sp>
+        <p:nvSpPr>
+          <p:cNvPr id="5" name="Textplatzhalter 4"/>
+          <p:cNvSpPr>
+            <a:spLocks noGrp="1"/>
+          </p:cNvSpPr>
+          <p:nvPr>
+            <p:ph type="body" sz="quarter" idx="16"/>
+          </p:nvPr>
+        </p:nvSpPr>
+        <p:spPr/>
+        <p:txBody>
+          <a:bodyPr/>
+          <a:lstStyle/>
+          <a:p>
+            <a:endParaRPr lang="de-DE"/>
+          </a:p>
+        </p:txBody>
+      </p:sp>
+      <p:sp>
+        <p:nvSpPr>
+          <p:cNvPr id="2" name="Foliennummernplatzhalter 1"/>
+          <p:cNvSpPr>
+            <a:spLocks noGrp="1"/>
+          </p:cNvSpPr>
+          <p:nvPr>
+            <p:ph type="sldNum" sz="quarter" idx="12"/>
+          </p:nvPr>
+        </p:nvSpPr>
+        <p:spPr/>
+        <p:txBody>
+          <a:bodyPr/>
+          <a:lstStyle/>
+          <a:p>
+            <a:fld id="{280C47D0-7FF9-4228-A5D7-FDA0A01A224A}" type="slidenum">
+              <a:rPr lang="de-DE" smtClean="0"/>
+              <a:t>13</a:t>
+            </a:fld>
+            <a:endParaRPr lang="de-DE"/>
+          </a:p>
+        </p:txBody>
+      </p:sp>
+    </p:spTree>
+    <p:extLst>
+      <p:ext uri="{BB962C8B-B14F-4D97-AF65-F5344CB8AC3E}">
+        <p14:creationId xmlns:p14="http://schemas.microsoft.com/office/powerpoint/2010/main" val="3716751410"/>
+      </p:ext>
+    </p:extLst>
+  </p:cSld>
+  <p:clrMapOvr>
+    <a:masterClrMapping/>
+  </p:clrMapOvr>
+  <p:timing>
+    <p:tnLst>
+      <p:par>
+        <p:cTn id="1" dur="indefinite" restart="never" nodeType="tmRoot"/>
+      </p:par>
+    </p:tnLst>
+  </p:timing>
+</p:sld>
+</file>
+
+<file path=ppt/slides/slide14.xml><?xml version="1.0" encoding="utf-8"?>
+<p:sld xmlns:a="http://schemas.openxmlformats.org/drawingml/2006/main" xmlns:r="http://schemas.openxmlformats.org/officeDocument/2006/relationships" xmlns:p="http://schemas.openxmlformats.org/presentationml/2006/main">
+  <p:cSld>
+    <p:spTree>
+      <p:nvGrpSpPr>
+        <p:cNvPr id="1" name=""/>
+        <p:cNvGrpSpPr/>
+        <p:nvPr/>
+      </p:nvGrpSpPr>
+      <p:grpSpPr>
+        <a:xfrm>
+          <a:off x="0" y="0"/>
+          <a:ext cx="0" cy="0"/>
+          <a:chOff x="0" y="0"/>
+          <a:chExt cx="0" cy="0"/>
+        </a:xfrm>
+      </p:grpSpPr>
+      <p:sp>
+        <p:nvSpPr>
+          <p:cNvPr id="5" name="Foliennummernplatzhalter 4"/>
+          <p:cNvSpPr>
+            <a:spLocks noGrp="1"/>
+          </p:cNvSpPr>
+          <p:nvPr>
+            <p:ph type="sldNum" sz="quarter" idx="12"/>
+          </p:nvPr>
+        </p:nvSpPr>
+        <p:spPr/>
+        <p:txBody>
+          <a:bodyPr/>
+          <a:lstStyle/>
+          <a:p>
+            <a:fld id="{280C47D0-7FF9-4228-A5D7-FDA0A01A224A}" type="slidenum">
+              <a:rPr lang="de-DE" smtClean="0"/>
+              <a:t>14</a:t>
+            </a:fld>
+            <a:endParaRPr lang="de-DE"/>
+          </a:p>
+        </p:txBody>
+      </p:sp>
+      <p:sp>
+        <p:nvSpPr>
+          <p:cNvPr id="6" name="Textfeld 5"/>
+          <p:cNvSpPr txBox="1"/>
+          <p:nvPr/>
+        </p:nvSpPr>
+        <p:spPr>
+          <a:xfrm>
+            <a:off x="524256" y="2206753"/>
+            <a:ext cx="11423494" cy="1754326"/>
+          </a:xfrm>
+          <a:prstGeom prst="rect">
+            <a:avLst/>
+          </a:prstGeom>
+          <a:noFill/>
+        </p:spPr>
+        <p:txBody>
+          <a:bodyPr wrap="square" rtlCol="0">
+            <a:spAutoFit/>
+          </a:bodyPr>
+          <a:lstStyle/>
+          <a:p>
+            <a:r>
+              <a:rPr lang="de-DE" sz="3600" dirty="0" smtClean="0">
+                <a:solidFill>
+                  <a:schemeClr val="accent1"/>
+                </a:solidFill>
+              </a:rPr>
+              <a:t>GET</a:t>
+            </a:r>
+          </a:p>
+          <a:p>
+            <a:endParaRPr lang="de-DE" sz="3600" i="1" dirty="0">
+              <a:solidFill>
+                <a:schemeClr val="accent1"/>
+              </a:solidFill>
+            </a:endParaRPr>
+          </a:p>
+          <a:p>
+            <a:r>
+              <a:rPr lang="de-DE" sz="3600" i="1" dirty="0" smtClean="0">
+                <a:solidFill>
+                  <a:schemeClr val="accent1"/>
+                </a:solidFill>
+              </a:rPr>
+              <a:t>“localhost:3000/</a:t>
+            </a:r>
+            <a:r>
+              <a:rPr lang="de-DE" sz="3600" i="1" dirty="0" err="1" smtClean="0">
+                <a:solidFill>
+                  <a:schemeClr val="accent1"/>
+                </a:solidFill>
+              </a:rPr>
+              <a:t>getUser</a:t>
+            </a:r>
+            <a:r>
+              <a:rPr lang="de-DE" sz="3600" i="1" dirty="0">
+                <a:solidFill>
+                  <a:schemeClr val="accent1"/>
+                </a:solidFill>
+              </a:rPr>
+              <a:t>/[</a:t>
+            </a:r>
+            <a:r>
+              <a:rPr lang="de-DE" sz="3600" i="1" dirty="0" err="1">
+                <a:solidFill>
+                  <a:schemeClr val="accent1"/>
+                </a:solidFill>
+              </a:rPr>
+              <a:t>username</a:t>
+            </a:r>
+            <a:r>
+              <a:rPr lang="de-DE" sz="3600" i="1" dirty="0">
+                <a:solidFill>
+                  <a:schemeClr val="accent1"/>
+                </a:solidFill>
+              </a:rPr>
+              <a:t>]/[</a:t>
+            </a:r>
+            <a:r>
+              <a:rPr lang="de-DE" sz="3600" i="1" dirty="0" err="1">
+                <a:solidFill>
+                  <a:schemeClr val="accent1"/>
+                </a:solidFill>
+              </a:rPr>
+              <a:t>password</a:t>
+            </a:r>
+            <a:r>
+              <a:rPr lang="de-DE" sz="3600" i="1" dirty="0">
+                <a:solidFill>
+                  <a:schemeClr val="accent1"/>
+                </a:solidFill>
+              </a:rPr>
+              <a:t>]“</a:t>
+            </a:r>
+            <a:endParaRPr lang="de-DE" sz="3600" dirty="0">
+              <a:solidFill>
+                <a:schemeClr val="accent1"/>
+              </a:solidFill>
+            </a:endParaRPr>
+          </a:p>
+        </p:txBody>
+      </p:sp>
+    </p:spTree>
+    <p:extLst>
+      <p:ext uri="{BB962C8B-B14F-4D97-AF65-F5344CB8AC3E}">
+        <p14:creationId xmlns:p14="http://schemas.microsoft.com/office/powerpoint/2010/main" val="3408343074"/>
+      </p:ext>
+    </p:extLst>
+  </p:cSld>
+  <p:clrMapOvr>
+    <a:masterClrMapping/>
+  </p:clrMapOvr>
+  <p:timing>
+    <p:tnLst>
+      <p:par>
+        <p:cTn id="1" dur="indefinite" restart="never" nodeType="tmRoot"/>
+      </p:par>
+    </p:tnLst>
+  </p:timing>
+</p:sld>
+</file>
+
+<file path=ppt/slides/slide15.xml><?xml version="1.0" encoding="utf-8"?>
+<p:sld xmlns:a="http://schemas.openxmlformats.org/drawingml/2006/main" xmlns:r="http://schemas.openxmlformats.org/officeDocument/2006/relationships" xmlns:p="http://schemas.openxmlformats.org/presentationml/2006/main">
+  <p:cSld>
+    <p:spTree>
+      <p:nvGrpSpPr>
+        <p:cNvPr id="1" name=""/>
+        <p:cNvGrpSpPr/>
+        <p:nvPr/>
+      </p:nvGrpSpPr>
+      <p:grpSpPr>
+        <a:xfrm>
+          <a:off x="0" y="0"/>
+          <a:ext cx="0" cy="0"/>
+          <a:chOff x="0" y="0"/>
+          <a:chExt cx="0" cy="0"/>
+        </a:xfrm>
+      </p:grpSpPr>
+      <p:sp>
+        <p:nvSpPr>
+          <p:cNvPr id="4" name="Titel 3"/>
+          <p:cNvSpPr>
+            <a:spLocks noGrp="1"/>
+          </p:cNvSpPr>
+          <p:nvPr>
+            <p:ph type="title"/>
+          </p:nvPr>
+        </p:nvSpPr>
+        <p:spPr/>
+        <p:txBody>
+          <a:bodyPr/>
+          <a:lstStyle/>
+          <a:p>
+            <a:r>
+              <a:rPr lang="de-DE" dirty="0" smtClean="0"/>
+              <a:t>Fazit</a:t>
+            </a:r>
+            <a:endParaRPr lang="de-DE" dirty="0"/>
+          </a:p>
+        </p:txBody>
+      </p:sp>
+      <p:sp>
+        <p:nvSpPr>
+          <p:cNvPr id="5" name="Textplatzhalter 4"/>
+          <p:cNvSpPr>
+            <a:spLocks noGrp="1"/>
+          </p:cNvSpPr>
+          <p:nvPr>
+            <p:ph type="body" idx="1"/>
+          </p:nvPr>
+        </p:nvSpPr>
+        <p:spPr/>
+        <p:txBody>
+          <a:bodyPr/>
+          <a:lstStyle/>
+          <a:p>
+            <a:endParaRPr lang="de-DE"/>
+          </a:p>
+        </p:txBody>
+      </p:sp>
+      <p:sp>
+        <p:nvSpPr>
+          <p:cNvPr id="6" name="Foliennummernplatzhalter 5"/>
+          <p:cNvSpPr>
+            <a:spLocks noGrp="1"/>
+          </p:cNvSpPr>
+          <p:nvPr>
+            <p:ph type="sldNum" sz="quarter" idx="12"/>
+          </p:nvPr>
+        </p:nvSpPr>
+        <p:spPr/>
+        <p:txBody>
+          <a:bodyPr/>
+          <a:lstStyle/>
+          <a:p>
+            <a:fld id="{280C47D0-7FF9-4228-A5D7-FDA0A01A224A}" type="slidenum">
+              <a:rPr lang="de-DE" smtClean="0"/>
+              <a:t>15</a:t>
+            </a:fld>
+            <a:endParaRPr lang="de-DE"/>
+          </a:p>
+        </p:txBody>
+      </p:sp>
+    </p:spTree>
+    <p:extLst>
+      <p:ext uri="{BB962C8B-B14F-4D97-AF65-F5344CB8AC3E}">
+        <p14:creationId xmlns:p14="http://schemas.microsoft.com/office/powerpoint/2010/main" val="925436154"/>
+      </p:ext>
+    </p:extLst>
+  </p:cSld>
+  <p:clrMapOvr>
+    <a:masterClrMapping/>
+  </p:clrMapOvr>
+  <p:timing>
+    <p:tnLst>
+      <p:par>
+        <p:cTn id="1" dur="indefinite" restart="never" nodeType="tmRoot"/>
+      </p:par>
+    </p:tnLst>
+  </p:timing>
+</p:sld>
+</file>
+
+<file path=ppt/slides/slide16.xml><?xml version="1.0" encoding="utf-8"?>
+<p:sld xmlns:a="http://schemas.openxmlformats.org/drawingml/2006/main" xmlns:r="http://schemas.openxmlformats.org/officeDocument/2006/relationships" xmlns:p="http://schemas.openxmlformats.org/presentationml/2006/main">
+  <p:cSld>
+    <p:spTree>
+      <p:nvGrpSpPr>
+        <p:cNvPr id="1" name=""/>
+        <p:cNvGrpSpPr/>
+        <p:nvPr/>
+      </p:nvGrpSpPr>
+      <p:grpSpPr>
+        <a:xfrm>
+          <a:off x="0" y="0"/>
+          <a:ext cx="0" cy="0"/>
+          <a:chOff x="0" y="0"/>
+          <a:chExt cx="0" cy="0"/>
+        </a:xfrm>
+      </p:grpSpPr>
+      <p:sp>
+        <p:nvSpPr>
+          <p:cNvPr id="4" name="Titel 3"/>
+          <p:cNvSpPr>
+            <a:spLocks noGrp="1"/>
+          </p:cNvSpPr>
+          <p:nvPr>
+            <p:ph type="title"/>
+          </p:nvPr>
+        </p:nvSpPr>
+        <p:spPr/>
+        <p:txBody>
+          <a:bodyPr/>
+          <a:lstStyle/>
+          <a:p>
+            <a:r>
+              <a:rPr lang="de-DE" dirty="0" smtClean="0"/>
+              <a:t>Q &amp; A</a:t>
+            </a:r>
+            <a:endParaRPr lang="de-DE" dirty="0"/>
+          </a:p>
+        </p:txBody>
+      </p:sp>
+      <p:sp>
+        <p:nvSpPr>
+          <p:cNvPr id="5" name="Textplatzhalter 4"/>
+          <p:cNvSpPr>
+            <a:spLocks noGrp="1"/>
+          </p:cNvSpPr>
+          <p:nvPr>
+            <p:ph type="body" idx="1"/>
+          </p:nvPr>
+        </p:nvSpPr>
+        <p:spPr/>
+        <p:txBody>
+          <a:bodyPr/>
+          <a:lstStyle/>
+          <a:p>
+            <a:endParaRPr lang="de-DE"/>
+          </a:p>
+        </p:txBody>
+      </p:sp>
+      <p:sp>
+        <p:nvSpPr>
+          <p:cNvPr id="6" name="Foliennummernplatzhalter 5"/>
+          <p:cNvSpPr>
+            <a:spLocks noGrp="1"/>
+          </p:cNvSpPr>
+          <p:nvPr>
+            <p:ph type="sldNum" sz="quarter" idx="12"/>
+          </p:nvPr>
+        </p:nvSpPr>
+        <p:spPr/>
+        <p:txBody>
+          <a:bodyPr/>
+          <a:lstStyle/>
+          <a:p>
+            <a:fld id="{280C47D0-7FF9-4228-A5D7-FDA0A01A224A}" type="slidenum">
+              <a:rPr lang="de-DE" smtClean="0"/>
+              <a:t>16</a:t>
+            </a:fld>
+            <a:endParaRPr lang="de-DE"/>
+          </a:p>
+        </p:txBody>
+      </p:sp>
+    </p:spTree>
+    <p:extLst>
+      <p:ext uri="{BB962C8B-B14F-4D97-AF65-F5344CB8AC3E}">
+        <p14:creationId xmlns:p14="http://schemas.microsoft.com/office/powerpoint/2010/main" val="3491747244"/>
+      </p:ext>
+    </p:extLst>
+  </p:cSld>
+  <p:clrMapOvr>
+    <a:masterClrMapping/>
+  </p:clrMapOvr>
+  <p:timing>
+    <p:tnLst>
+      <p:par>
+        <p:cTn id="1" dur="indefinite" restart="never" nodeType="tmRoot"/>
+      </p:par>
+    </p:tnLst>
+  </p:timing>
+</p:sld>
+</file>
+
+<file path=ppt/slides/slide17.xml><?xml version="1.0" encoding="utf-8"?>
+<p:sld xmlns:a="http://schemas.openxmlformats.org/drawingml/2006/main" xmlns:r="http://schemas.openxmlformats.org/officeDocument/2006/relationships" xmlns:p="http://schemas.openxmlformats.org/presentationml/2006/main">
+  <p:cSld>
+    <p:spTree>
+      <p:nvGrpSpPr>
+        <p:cNvPr id="1" name=""/>
+        <p:cNvGrpSpPr/>
+        <p:nvPr/>
+      </p:nvGrpSpPr>
+      <p:grpSpPr>
+        <a:xfrm>
+          <a:off x="0" y="0"/>
+          <a:ext cx="0" cy="0"/>
+          <a:chOff x="0" y="0"/>
+          <a:chExt cx="0" cy="0"/>
+        </a:xfrm>
+      </p:grpSpPr>
+      <p:sp>
+        <p:nvSpPr>
+          <p:cNvPr id="4" name="Titel 3"/>
+          <p:cNvSpPr>
+            <a:spLocks noGrp="1"/>
+          </p:cNvSpPr>
+          <p:nvPr>
+            <p:ph type="title"/>
+          </p:nvPr>
+        </p:nvSpPr>
+        <p:spPr/>
+        <p:txBody>
+          <a:bodyPr/>
+          <a:lstStyle/>
+          <a:p>
+            <a:r>
+              <a:rPr lang="de-DE" dirty="0" smtClean="0"/>
+              <a:t>Vielen Dank für Ihre Aufmerksamkeit</a:t>
+            </a:r>
+            <a:endParaRPr lang="de-DE" dirty="0"/>
+          </a:p>
+        </p:txBody>
+      </p:sp>
+      <p:sp>
+        <p:nvSpPr>
+          <p:cNvPr id="5" name="Textplatzhalter 4"/>
+          <p:cNvSpPr>
+            <a:spLocks noGrp="1"/>
+          </p:cNvSpPr>
+          <p:nvPr>
+            <p:ph type="body" idx="1"/>
+          </p:nvPr>
+        </p:nvSpPr>
+        <p:spPr/>
+        <p:txBody>
+          <a:bodyPr/>
+          <a:lstStyle/>
+          <a:p>
+            <a:r>
+              <a:rPr lang="de-DE" dirty="0" smtClean="0"/>
+              <a:t>Vincent Manz &amp; Sebastian Röhling, 01.06.2016</a:t>
+            </a:r>
+            <a:endParaRPr lang="de-DE" dirty="0"/>
+          </a:p>
+        </p:txBody>
+      </p:sp>
+      <p:sp>
+        <p:nvSpPr>
+          <p:cNvPr id="2" name="Foliennummernplatzhalter 1"/>
+          <p:cNvSpPr>
+            <a:spLocks noGrp="1"/>
+          </p:cNvSpPr>
+          <p:nvPr>
+            <p:ph type="sldNum" sz="quarter" idx="12"/>
+          </p:nvPr>
+        </p:nvSpPr>
+        <p:spPr/>
+        <p:txBody>
+          <a:bodyPr/>
+          <a:lstStyle/>
+          <a:p>
+            <a:fld id="{280C47D0-7FF9-4228-A5D7-FDA0A01A224A}" type="slidenum">
+              <a:rPr lang="de-DE" smtClean="0"/>
+              <a:t>17</a:t>
+            </a:fld>
+            <a:endParaRPr lang="de-DE"/>
+          </a:p>
+        </p:txBody>
+      </p:sp>
+    </p:spTree>
+    <p:extLst>
+      <p:ext uri="{BB962C8B-B14F-4D97-AF65-F5344CB8AC3E}">
+        <p14:creationId xmlns:p14="http://schemas.microsoft.com/office/powerpoint/2010/main" val="2232872465"/>
       </p:ext>
     </p:extLst>
   </p:cSld>
@@ -8365,7 +11816,7 @@
           <a:p>
             <a:r>
               <a:rPr lang="de-DE" dirty="0" smtClean="0"/>
-              <a:t>Registrierung</a:t>
+              <a:t>Agenda</a:t>
             </a:r>
             <a:endParaRPr lang="de-DE" dirty="0"/>
           </a:p>
@@ -8373,38 +11824,93 @@
       </p:sp>
       <p:sp>
         <p:nvSpPr>
-          <p:cNvPr id="7" name="Content Placeholder 6"/>
-          <p:cNvSpPr>
-            <a:spLocks noGrp="1"/>
-          </p:cNvSpPr>
-          <p:nvPr>
-            <p:ph sz="half" idx="1"/>
-          </p:nvPr>
-        </p:nvSpPr>
-        <p:spPr/>
-        <p:txBody>
-          <a:bodyPr/>
-          <a:lstStyle/>
-          <a:p>
-            <a:endParaRPr lang="de-DE"/>
-          </a:p>
-        </p:txBody>
-      </p:sp>
-      <p:sp>
-        <p:nvSpPr>
-          <p:cNvPr id="8" name="Content Placeholder 7"/>
-          <p:cNvSpPr>
-            <a:spLocks noGrp="1"/>
-          </p:cNvSpPr>
-          <p:nvPr>
-            <p:ph sz="half" idx="2"/>
-          </p:nvPr>
-        </p:nvSpPr>
-        <p:spPr/>
-        <p:txBody>
-          <a:bodyPr/>
-          <a:lstStyle/>
-          <a:p>
+          <p:cNvPr id="2" name="Inhaltsplatzhalter 1"/>
+          <p:cNvSpPr>
+            <a:spLocks noGrp="1"/>
+          </p:cNvSpPr>
+          <p:nvPr>
+            <p:ph idx="1"/>
+          </p:nvPr>
+        </p:nvSpPr>
+        <p:spPr/>
+        <p:txBody>
+          <a:bodyPr/>
+          <a:lstStyle/>
+          <a:p>
+            <a:pPr>
+              <a:buFont typeface="+mj-lt"/>
+              <a:buAutoNum type="arabicPeriod"/>
+            </a:pPr>
+            <a:r>
+              <a:rPr lang="de-DE" dirty="0" smtClean="0"/>
+              <a:t>Webseiten Demo</a:t>
+            </a:r>
+          </a:p>
+          <a:p>
+            <a:pPr>
+              <a:buFont typeface="+mj-lt"/>
+              <a:buAutoNum type="arabicPeriod"/>
+            </a:pPr>
+            <a:r>
+              <a:rPr lang="de-DE" dirty="0" smtClean="0"/>
+              <a:t>Erfüllung der Anforderungen – Technical </a:t>
+            </a:r>
+            <a:r>
+              <a:rPr lang="de-DE" dirty="0" err="1" smtClean="0"/>
+              <a:t>Deep</a:t>
+            </a:r>
+            <a:r>
+              <a:rPr lang="de-DE" dirty="0" smtClean="0"/>
+              <a:t> </a:t>
+            </a:r>
+            <a:r>
+              <a:rPr lang="de-DE" dirty="0" err="1" smtClean="0"/>
+              <a:t>Dive</a:t>
+            </a:r>
+            <a:endParaRPr lang="de-DE" dirty="0" smtClean="0"/>
+          </a:p>
+          <a:p>
+            <a:pPr>
+              <a:buFont typeface="+mj-lt"/>
+              <a:buAutoNum type="arabicPeriod"/>
+            </a:pPr>
+            <a:r>
+              <a:rPr lang="de-DE" dirty="0" smtClean="0"/>
+              <a:t>Fazit</a:t>
+            </a:r>
+          </a:p>
+          <a:p>
+            <a:pPr>
+              <a:buFont typeface="+mj-lt"/>
+              <a:buAutoNum type="arabicPeriod"/>
+            </a:pPr>
+            <a:r>
+              <a:rPr lang="de-DE" dirty="0" smtClean="0"/>
+              <a:t>Q &amp; A</a:t>
+            </a:r>
+            <a:endParaRPr lang="de-DE" dirty="0"/>
+          </a:p>
+        </p:txBody>
+      </p:sp>
+      <p:sp>
+        <p:nvSpPr>
+          <p:cNvPr id="3" name="Foliennummernplatzhalter 2"/>
+          <p:cNvSpPr>
+            <a:spLocks noGrp="1"/>
+          </p:cNvSpPr>
+          <p:nvPr>
+            <p:ph type="sldNum" sz="quarter" idx="12"/>
+          </p:nvPr>
+        </p:nvSpPr>
+        <p:spPr/>
+        <p:txBody>
+          <a:bodyPr/>
+          <a:lstStyle/>
+          <a:p>
+            <a:fld id="{280C47D0-7FF9-4228-A5D7-FDA0A01A224A}" type="slidenum">
+              <a:rPr lang="de-DE" smtClean="0"/>
+              <a:t>2</a:t>
+            </a:fld>
             <a:endParaRPr lang="de-DE"/>
           </a:p>
         </p:txBody>
@@ -8462,8 +11968,8 @@
           <a:lstStyle/>
           <a:p>
             <a:r>
-              <a:rPr lang="de-DE" dirty="0" err="1" smtClean="0"/>
-              <a:t>Websockets</a:t>
+              <a:rPr lang="de-DE" dirty="0" smtClean="0"/>
+              <a:t>Webseiten Demo</a:t>
             </a:r>
             <a:endParaRPr lang="de-DE" dirty="0"/>
           </a:p>
@@ -8471,12 +11977,12 @@
       </p:sp>
       <p:sp>
         <p:nvSpPr>
-          <p:cNvPr id="2" name="Content Placeholder 1"/>
-          <p:cNvSpPr>
-            <a:spLocks noGrp="1"/>
-          </p:cNvSpPr>
-          <p:nvPr>
-            <p:ph sz="half" idx="1"/>
+          <p:cNvPr id="5" name="Textplatzhalter 4"/>
+          <p:cNvSpPr>
+            <a:spLocks noGrp="1"/>
+          </p:cNvSpPr>
+          <p:nvPr>
+            <p:ph type="body" idx="1"/>
           </p:nvPr>
         </p:nvSpPr>
         <p:spPr/>
@@ -8490,19 +11996,23 @@
       </p:sp>
       <p:sp>
         <p:nvSpPr>
-          <p:cNvPr id="3" name="Content Placeholder 2"/>
-          <p:cNvSpPr>
-            <a:spLocks noGrp="1"/>
-          </p:cNvSpPr>
-          <p:nvPr>
-            <p:ph sz="half" idx="2"/>
-          </p:nvPr>
-        </p:nvSpPr>
-        <p:spPr/>
-        <p:txBody>
-          <a:bodyPr/>
-          <a:lstStyle/>
-          <a:p>
+          <p:cNvPr id="6" name="Foliennummernplatzhalter 5"/>
+          <p:cNvSpPr>
+            <a:spLocks noGrp="1"/>
+          </p:cNvSpPr>
+          <p:nvPr>
+            <p:ph type="sldNum" sz="quarter" idx="12"/>
+          </p:nvPr>
+        </p:nvSpPr>
+        <p:spPr/>
+        <p:txBody>
+          <a:bodyPr/>
+          <a:lstStyle/>
+          <a:p>
+            <a:fld id="{280C47D0-7FF9-4228-A5D7-FDA0A01A224A}" type="slidenum">
+              <a:rPr lang="de-DE" smtClean="0"/>
+              <a:t>3</a:t>
+            </a:fld>
             <a:endParaRPr lang="de-DE"/>
           </a:p>
         </p:txBody>
@@ -8561,7 +12071,7 @@
           <a:p>
             <a:r>
               <a:rPr lang="de-DE" dirty="0" smtClean="0"/>
-              <a:t>Cookie</a:t>
+              <a:t>Starten der Webseite</a:t>
             </a:r>
             <a:endParaRPr lang="de-DE" dirty="0"/>
           </a:p>
@@ -8569,38 +12079,144 @@
       </p:sp>
       <p:sp>
         <p:nvSpPr>
-          <p:cNvPr id="2" name="Content Placeholder 1"/>
-          <p:cNvSpPr>
-            <a:spLocks noGrp="1"/>
-          </p:cNvSpPr>
-          <p:nvPr>
-            <p:ph sz="half" idx="1"/>
-          </p:nvPr>
-        </p:nvSpPr>
-        <p:spPr/>
-        <p:txBody>
-          <a:bodyPr/>
-          <a:lstStyle/>
-          <a:p>
-            <a:endParaRPr lang="de-DE"/>
-          </a:p>
-        </p:txBody>
-      </p:sp>
-      <p:sp>
-        <p:nvSpPr>
-          <p:cNvPr id="3" name="Content Placeholder 2"/>
-          <p:cNvSpPr>
-            <a:spLocks noGrp="1"/>
-          </p:cNvSpPr>
-          <p:nvPr>
-            <p:ph sz="half" idx="2"/>
-          </p:nvPr>
-        </p:nvSpPr>
-        <p:spPr/>
-        <p:txBody>
-          <a:bodyPr/>
-          <a:lstStyle/>
-          <a:p>
+          <p:cNvPr id="5" name="Inhaltsplatzhalter 4"/>
+          <p:cNvSpPr>
+            <a:spLocks noGrp="1"/>
+          </p:cNvSpPr>
+          <p:nvPr>
+            <p:ph idx="1"/>
+          </p:nvPr>
+        </p:nvSpPr>
+        <p:spPr/>
+        <p:txBody>
+          <a:bodyPr/>
+          <a:lstStyle/>
+          <a:p>
+            <a:pPr>
+              <a:buFont typeface="+mj-lt"/>
+              <a:buAutoNum type="arabicPeriod"/>
+            </a:pPr>
+            <a:r>
+              <a:rPr lang="de-DE" dirty="0" smtClean="0"/>
+              <a:t>Kopieren des „</a:t>
+            </a:r>
+            <a:r>
+              <a:rPr lang="de-DE" dirty="0" err="1" smtClean="0"/>
+              <a:t>php</a:t>
+            </a:r>
+            <a:r>
+              <a:rPr lang="de-DE" i="1" dirty="0" smtClean="0"/>
+              <a:t>“</a:t>
+            </a:r>
+            <a:r>
+              <a:rPr lang="de-DE" dirty="0"/>
+              <a:t> Ordners in </a:t>
+            </a:r>
+            <a:r>
+              <a:rPr lang="de-DE" dirty="0" smtClean="0"/>
+              <a:t>„C:/</a:t>
+            </a:r>
+            <a:r>
+              <a:rPr lang="de-DE" dirty="0" err="1" smtClean="0"/>
+              <a:t>Program</a:t>
+            </a:r>
+            <a:r>
+              <a:rPr lang="de-DE" dirty="0" smtClean="0"/>
+              <a:t> Files/XAMPP/</a:t>
+            </a:r>
+            <a:r>
+              <a:rPr lang="de-DE" dirty="0" err="1" smtClean="0"/>
+              <a:t>htdocs</a:t>
+            </a:r>
+            <a:r>
+              <a:rPr lang="de-DE" dirty="0" smtClean="0"/>
+              <a:t>“</a:t>
+            </a:r>
+          </a:p>
+          <a:p>
+            <a:pPr>
+              <a:buFont typeface="+mj-lt"/>
+              <a:buAutoNum type="arabicPeriod"/>
+            </a:pPr>
+            <a:r>
+              <a:rPr lang="de-DE" dirty="0" smtClean="0"/>
+              <a:t>Starten des </a:t>
+            </a:r>
+            <a:r>
+              <a:rPr lang="de-DE" dirty="0" err="1" smtClean="0"/>
+              <a:t>Tomcat</a:t>
+            </a:r>
+            <a:r>
+              <a:rPr lang="de-DE" dirty="0" smtClean="0"/>
+              <a:t>- und MySQL-Servers</a:t>
+            </a:r>
+          </a:p>
+          <a:p>
+            <a:pPr>
+              <a:buFont typeface="+mj-lt"/>
+              <a:buAutoNum type="arabicPeriod"/>
+            </a:pPr>
+            <a:r>
+              <a:rPr lang="de-DE" dirty="0" smtClean="0"/>
+              <a:t>„server.js“ im Ordner „</a:t>
+            </a:r>
+            <a:r>
+              <a:rPr lang="de-DE" dirty="0" err="1" smtClean="0"/>
+              <a:t>nodejs</a:t>
+            </a:r>
+            <a:r>
+              <a:rPr lang="de-DE" dirty="0" smtClean="0"/>
+              <a:t>“ per Befehl „</a:t>
+            </a:r>
+            <a:r>
+              <a:rPr lang="de-DE" dirty="0" err="1" smtClean="0"/>
+              <a:t>node</a:t>
+            </a:r>
+            <a:r>
+              <a:rPr lang="de-DE" dirty="0" smtClean="0"/>
+              <a:t> server.js“ in Eingabeaufforderung starten</a:t>
+            </a:r>
+          </a:p>
+          <a:p>
+            <a:pPr>
+              <a:buFont typeface="+mj-lt"/>
+              <a:buAutoNum type="arabicPeriod"/>
+            </a:pPr>
+            <a:r>
+              <a:rPr lang="de-DE" dirty="0" smtClean="0"/>
+              <a:t>„index.html“ im Ordner „</a:t>
+            </a:r>
+            <a:r>
+              <a:rPr lang="de-DE" dirty="0" err="1" smtClean="0"/>
+              <a:t>homepage</a:t>
+            </a:r>
+            <a:r>
+              <a:rPr lang="de-DE" dirty="0" smtClean="0"/>
+              <a:t>“ im Browser öffnen</a:t>
+            </a:r>
+            <a:endParaRPr lang="de-DE" dirty="0"/>
+          </a:p>
+        </p:txBody>
+      </p:sp>
+      <p:sp>
+        <p:nvSpPr>
+          <p:cNvPr id="6" name="Foliennummernplatzhalter 5"/>
+          <p:cNvSpPr>
+            <a:spLocks noGrp="1"/>
+          </p:cNvSpPr>
+          <p:nvPr>
+            <p:ph type="sldNum" sz="quarter" idx="12"/>
+          </p:nvPr>
+        </p:nvSpPr>
+        <p:spPr/>
+        <p:txBody>
+          <a:bodyPr/>
+          <a:lstStyle/>
+          <a:p>
+            <a:fld id="{280C47D0-7FF9-4228-A5D7-FDA0A01A224A}" type="slidenum">
+              <a:rPr lang="de-DE" smtClean="0"/>
+              <a:t>4</a:t>
+            </a:fld>
             <a:endParaRPr lang="de-DE"/>
           </a:p>
         </p:txBody>
@@ -8658,8 +12274,8 @@
           <a:lstStyle/>
           <a:p>
             <a:r>
-              <a:rPr lang="de-DE" dirty="0" err="1" smtClean="0"/>
-              <a:t>Canvas</a:t>
+              <a:rPr lang="de-DE" dirty="0" smtClean="0"/>
+              <a:t>Erfüllung der Anforderungen – Benutzeroberfläche</a:t>
             </a:r>
             <a:endParaRPr lang="de-DE" dirty="0"/>
           </a:p>
@@ -8667,12 +12283,12 @@
       </p:sp>
       <p:sp>
         <p:nvSpPr>
-          <p:cNvPr id="2" name="Content Placeholder 1"/>
-          <p:cNvSpPr>
-            <a:spLocks noGrp="1"/>
-          </p:cNvSpPr>
-          <p:nvPr>
-            <p:ph sz="half" idx="1"/>
+          <p:cNvPr id="7" name="Textplatzhalter 6"/>
+          <p:cNvSpPr>
+            <a:spLocks noGrp="1"/>
+          </p:cNvSpPr>
+          <p:nvPr>
+            <p:ph type="body" idx="1"/>
           </p:nvPr>
         </p:nvSpPr>
         <p:spPr/>
@@ -8686,19 +12302,24 @@
       </p:sp>
       <p:sp>
         <p:nvSpPr>
-          <p:cNvPr id="3" name="Content Placeholder 2"/>
-          <p:cNvSpPr>
-            <a:spLocks noGrp="1"/>
-          </p:cNvSpPr>
-          <p:nvPr>
-            <p:ph sz="half" idx="2"/>
-          </p:nvPr>
-        </p:nvSpPr>
-        <p:spPr/>
-        <p:txBody>
-          <a:bodyPr/>
-          <a:lstStyle/>
-          <a:p>
+          <p:cNvPr id="6" name="Foliennummernplatzhalter 5"/>
+          <p:cNvSpPr>
+            <a:spLocks noGrp="1"/>
+          </p:cNvSpPr>
+          <p:nvPr>
+            <p:ph type="sldNum" sz="quarter" idx="12"/>
+          </p:nvPr>
+        </p:nvSpPr>
+        <p:spPr/>
+        <p:txBody>
+          <a:bodyPr/>
+          <a:lstStyle/>
+          <a:p>
+            <a:fld id="{280C47D0-7FF9-4228-A5D7-FDA0A01A224A}" type="slidenum">
+              <a:rPr lang="de-DE" smtClean="0"/>
+              <a:pPr/>
+              <a:t>5</a:t>
+            </a:fld>
             <a:endParaRPr lang="de-DE"/>
           </a:p>
         </p:txBody>
@@ -8706,7 +12327,7 @@
     </p:spTree>
     <p:extLst>
       <p:ext uri="{BB962C8B-B14F-4D97-AF65-F5344CB8AC3E}">
-        <p14:creationId xmlns:p14="http://schemas.microsoft.com/office/powerpoint/2010/main" val="2704365937"/>
+        <p14:creationId xmlns:p14="http://schemas.microsoft.com/office/powerpoint/2010/main" val="4144235574"/>
       </p:ext>
     </p:extLst>
   </p:cSld>
@@ -8742,7 +12363,7 @@
       </p:grpSpPr>
       <p:sp>
         <p:nvSpPr>
-          <p:cNvPr id="4" name="Title 3"/>
+          <p:cNvPr id="2" name="Titel 1"/>
           <p:cNvSpPr>
             <a:spLocks noGrp="1"/>
           </p:cNvSpPr>
@@ -8757,7 +12378,7 @@
           <a:p>
             <a:r>
               <a:rPr lang="de-DE" dirty="0" smtClean="0"/>
-              <a:t>Serverseitige Bildgenerierung</a:t>
+              <a:t>HTML</a:t>
             </a:r>
             <a:endParaRPr lang="de-DE" dirty="0"/>
           </a:p>
@@ -8765,12 +12386,12 @@
       </p:sp>
       <p:sp>
         <p:nvSpPr>
-          <p:cNvPr id="2" name="Content Placeholder 1"/>
-          <p:cNvSpPr>
-            <a:spLocks noGrp="1"/>
-          </p:cNvSpPr>
-          <p:nvPr>
-            <p:ph sz="half" idx="1"/>
+          <p:cNvPr id="3" name="Textplatzhalter 2"/>
+          <p:cNvSpPr>
+            <a:spLocks noGrp="1"/>
+          </p:cNvSpPr>
+          <p:nvPr>
+            <p:ph type="body" idx="1"/>
           </p:nvPr>
         </p:nvSpPr>
         <p:spPr/>
@@ -8784,19 +12405,42 @@
       </p:sp>
       <p:sp>
         <p:nvSpPr>
-          <p:cNvPr id="3" name="Content Placeholder 2"/>
-          <p:cNvSpPr>
-            <a:spLocks noGrp="1"/>
-          </p:cNvSpPr>
-          <p:nvPr>
-            <p:ph sz="half" idx="2"/>
-          </p:nvPr>
-        </p:nvSpPr>
-        <p:spPr/>
-        <p:txBody>
-          <a:bodyPr/>
-          <a:lstStyle/>
-          <a:p>
+          <p:cNvPr id="7" name="Textplatzhalter 6"/>
+          <p:cNvSpPr>
+            <a:spLocks noGrp="1"/>
+          </p:cNvSpPr>
+          <p:nvPr>
+            <p:ph type="body" sz="quarter" idx="16"/>
+          </p:nvPr>
+        </p:nvSpPr>
+        <p:spPr/>
+        <p:txBody>
+          <a:bodyPr/>
+          <a:lstStyle/>
+          <a:p>
+            <a:endParaRPr lang="de-DE"/>
+          </a:p>
+        </p:txBody>
+      </p:sp>
+      <p:sp>
+        <p:nvSpPr>
+          <p:cNvPr id="6" name="Foliennummernplatzhalter 5"/>
+          <p:cNvSpPr>
+            <a:spLocks noGrp="1"/>
+          </p:cNvSpPr>
+          <p:nvPr>
+            <p:ph type="sldNum" sz="quarter" idx="12"/>
+          </p:nvPr>
+        </p:nvSpPr>
+        <p:spPr/>
+        <p:txBody>
+          <a:bodyPr/>
+          <a:lstStyle/>
+          <a:p>
+            <a:fld id="{280C47D0-7FF9-4228-A5D7-FDA0A01A224A}" type="slidenum">
+              <a:rPr lang="de-DE" smtClean="0"/>
+              <a:t>6</a:t>
+            </a:fld>
             <a:endParaRPr lang="de-DE"/>
           </a:p>
         </p:txBody>
@@ -8804,7 +12448,422 @@
     </p:spTree>
     <p:extLst>
       <p:ext uri="{BB962C8B-B14F-4D97-AF65-F5344CB8AC3E}">
-        <p14:creationId xmlns:p14="http://schemas.microsoft.com/office/powerpoint/2010/main" val="1056745"/>
+        <p14:creationId xmlns:p14="http://schemas.microsoft.com/office/powerpoint/2010/main" val="1646335029"/>
+      </p:ext>
+    </p:extLst>
+  </p:cSld>
+  <p:clrMapOvr>
+    <a:masterClrMapping/>
+  </p:clrMapOvr>
+  <p:timing>
+    <p:tnLst>
+      <p:par>
+        <p:cTn id="1" dur="indefinite" restart="never" nodeType="tmRoot"/>
+      </p:par>
+    </p:tnLst>
+  </p:timing>
+</p:sld>
+</file>
+
+<file path=ppt/slides/slide7.xml><?xml version="1.0" encoding="utf-8"?>
+<p:sld xmlns:a="http://schemas.openxmlformats.org/drawingml/2006/main" xmlns:r="http://schemas.openxmlformats.org/officeDocument/2006/relationships" xmlns:p="http://schemas.openxmlformats.org/presentationml/2006/main">
+  <p:cSld>
+    <p:spTree>
+      <p:nvGrpSpPr>
+        <p:cNvPr id="1" name=""/>
+        <p:cNvGrpSpPr/>
+        <p:nvPr/>
+      </p:nvGrpSpPr>
+      <p:grpSpPr>
+        <a:xfrm>
+          <a:off x="0" y="0"/>
+          <a:ext cx="0" cy="0"/>
+          <a:chOff x="0" y="0"/>
+          <a:chExt cx="0" cy="0"/>
+        </a:xfrm>
+      </p:grpSpPr>
+      <p:sp>
+        <p:nvSpPr>
+          <p:cNvPr id="2" name="Titel 1"/>
+          <p:cNvSpPr>
+            <a:spLocks noGrp="1"/>
+          </p:cNvSpPr>
+          <p:nvPr>
+            <p:ph type="title"/>
+          </p:nvPr>
+        </p:nvSpPr>
+        <p:spPr/>
+        <p:txBody>
+          <a:bodyPr/>
+          <a:lstStyle/>
+          <a:p>
+            <a:r>
+              <a:rPr lang="de-DE" dirty="0" smtClean="0"/>
+              <a:t>CSS</a:t>
+            </a:r>
+            <a:endParaRPr lang="de-DE" dirty="0"/>
+          </a:p>
+        </p:txBody>
+      </p:sp>
+      <p:sp>
+        <p:nvSpPr>
+          <p:cNvPr id="3" name="Textplatzhalter 2"/>
+          <p:cNvSpPr>
+            <a:spLocks noGrp="1"/>
+          </p:cNvSpPr>
+          <p:nvPr>
+            <p:ph type="body" idx="1"/>
+          </p:nvPr>
+        </p:nvSpPr>
+        <p:spPr/>
+        <p:txBody>
+          <a:bodyPr/>
+          <a:lstStyle/>
+          <a:p>
+            <a:r>
+              <a:rPr lang="de-DE" dirty="0" smtClean="0"/>
+              <a:t>Bootstrap &amp; </a:t>
+            </a:r>
+            <a:r>
+              <a:rPr lang="de-DE" dirty="0" err="1" smtClean="0"/>
+              <a:t>Responsive</a:t>
+            </a:r>
+            <a:r>
+              <a:rPr lang="de-DE" dirty="0" smtClean="0"/>
+              <a:t> Design</a:t>
+            </a:r>
+            <a:endParaRPr lang="de-DE" dirty="0"/>
+          </a:p>
+        </p:txBody>
+      </p:sp>
+      <p:sp>
+        <p:nvSpPr>
+          <p:cNvPr id="5" name="Foliennummernplatzhalter 4"/>
+          <p:cNvSpPr>
+            <a:spLocks noGrp="1"/>
+          </p:cNvSpPr>
+          <p:nvPr>
+            <p:ph type="sldNum" sz="quarter" idx="12"/>
+          </p:nvPr>
+        </p:nvSpPr>
+        <p:spPr/>
+        <p:txBody>
+          <a:bodyPr/>
+          <a:lstStyle/>
+          <a:p>
+            <a:fld id="{280C47D0-7FF9-4228-A5D7-FDA0A01A224A}" type="slidenum">
+              <a:rPr lang="de-DE" smtClean="0"/>
+              <a:t>7</a:t>
+            </a:fld>
+            <a:endParaRPr lang="de-DE"/>
+          </a:p>
+        </p:txBody>
+      </p:sp>
+    </p:spTree>
+    <p:extLst>
+      <p:ext uri="{BB962C8B-B14F-4D97-AF65-F5344CB8AC3E}">
+        <p14:creationId xmlns:p14="http://schemas.microsoft.com/office/powerpoint/2010/main" val="3274001797"/>
+      </p:ext>
+    </p:extLst>
+  </p:cSld>
+  <p:clrMapOvr>
+    <a:masterClrMapping/>
+  </p:clrMapOvr>
+  <p:timing>
+    <p:tnLst>
+      <p:par>
+        <p:cTn id="1" dur="indefinite" restart="never" nodeType="tmRoot"/>
+      </p:par>
+    </p:tnLst>
+  </p:timing>
+</p:sld>
+</file>
+
+<file path=ppt/slides/slide8.xml><?xml version="1.0" encoding="utf-8"?>
+<p:sld xmlns:a="http://schemas.openxmlformats.org/drawingml/2006/main" xmlns:r="http://schemas.openxmlformats.org/officeDocument/2006/relationships" xmlns:p="http://schemas.openxmlformats.org/presentationml/2006/main">
+  <p:cSld>
+    <p:spTree>
+      <p:nvGrpSpPr>
+        <p:cNvPr id="1" name=""/>
+        <p:cNvGrpSpPr/>
+        <p:nvPr/>
+      </p:nvGrpSpPr>
+      <p:grpSpPr>
+        <a:xfrm>
+          <a:off x="0" y="0"/>
+          <a:ext cx="0" cy="0"/>
+          <a:chOff x="0" y="0"/>
+          <a:chExt cx="0" cy="0"/>
+        </a:xfrm>
+      </p:grpSpPr>
+      <p:sp>
+        <p:nvSpPr>
+          <p:cNvPr id="2" name="Titel 1"/>
+          <p:cNvSpPr>
+            <a:spLocks noGrp="1"/>
+          </p:cNvSpPr>
+          <p:nvPr>
+            <p:ph type="title"/>
+          </p:nvPr>
+        </p:nvSpPr>
+        <p:spPr/>
+        <p:txBody>
+          <a:bodyPr/>
+          <a:lstStyle/>
+          <a:p>
+            <a:r>
+              <a:rPr lang="de-DE" dirty="0"/>
+              <a:t>Clientseitiges </a:t>
+            </a:r>
+            <a:r>
+              <a:rPr lang="de-DE" dirty="0" smtClean="0"/>
+              <a:t>JavaScript</a:t>
+            </a:r>
+            <a:endParaRPr lang="de-DE" dirty="0"/>
+          </a:p>
+        </p:txBody>
+      </p:sp>
+      <p:sp>
+        <p:nvSpPr>
+          <p:cNvPr id="3" name="Textplatzhalter 2"/>
+          <p:cNvSpPr>
+            <a:spLocks noGrp="1"/>
+          </p:cNvSpPr>
+          <p:nvPr>
+            <p:ph type="body" idx="1"/>
+          </p:nvPr>
+        </p:nvSpPr>
+        <p:spPr/>
+        <p:txBody>
+          <a:bodyPr/>
+          <a:lstStyle/>
+          <a:p>
+            <a:r>
+              <a:rPr lang="de-DE" dirty="0"/>
+              <a:t>für benutzerspezifische</a:t>
+            </a:r>
+            <a:br>
+              <a:rPr lang="de-DE" dirty="0"/>
+            </a:br>
+            <a:r>
+              <a:rPr lang="de-DE" dirty="0"/>
+              <a:t>Seiteninhalte</a:t>
+            </a:r>
+          </a:p>
+        </p:txBody>
+      </p:sp>
+      <p:sp>
+        <p:nvSpPr>
+          <p:cNvPr id="4" name="Textplatzhalter 3"/>
+          <p:cNvSpPr>
+            <a:spLocks noGrp="1"/>
+          </p:cNvSpPr>
+          <p:nvPr>
+            <p:ph type="body" sz="quarter" idx="16"/>
+          </p:nvPr>
+        </p:nvSpPr>
+        <p:spPr/>
+        <p:txBody>
+          <a:bodyPr/>
+          <a:lstStyle/>
+          <a:p>
+            <a:endParaRPr lang="de-DE"/>
+          </a:p>
+        </p:txBody>
+      </p:sp>
+      <p:sp>
+        <p:nvSpPr>
+          <p:cNvPr id="5" name="Foliennummernplatzhalter 4"/>
+          <p:cNvSpPr>
+            <a:spLocks noGrp="1"/>
+          </p:cNvSpPr>
+          <p:nvPr>
+            <p:ph type="sldNum" sz="quarter" idx="12"/>
+          </p:nvPr>
+        </p:nvSpPr>
+        <p:spPr/>
+        <p:txBody>
+          <a:bodyPr/>
+          <a:lstStyle/>
+          <a:p>
+            <a:fld id="{280C47D0-7FF9-4228-A5D7-FDA0A01A224A}" type="slidenum">
+              <a:rPr lang="de-DE" smtClean="0"/>
+              <a:t>8</a:t>
+            </a:fld>
+            <a:endParaRPr lang="de-DE"/>
+          </a:p>
+        </p:txBody>
+      </p:sp>
+    </p:spTree>
+    <p:extLst>
+      <p:ext uri="{BB962C8B-B14F-4D97-AF65-F5344CB8AC3E}">
+        <p14:creationId xmlns:p14="http://schemas.microsoft.com/office/powerpoint/2010/main" val="3728118751"/>
+      </p:ext>
+    </p:extLst>
+  </p:cSld>
+  <p:clrMapOvr>
+    <a:masterClrMapping/>
+  </p:clrMapOvr>
+  <p:timing>
+    <p:tnLst>
+      <p:par>
+        <p:cTn id="1" dur="indefinite" restart="never" nodeType="tmRoot"/>
+      </p:par>
+    </p:tnLst>
+  </p:timing>
+</p:sld>
+</file>
+
+<file path=ppt/slides/slide9.xml><?xml version="1.0" encoding="utf-8"?>
+<p:sld xmlns:a="http://schemas.openxmlformats.org/drawingml/2006/main" xmlns:r="http://schemas.openxmlformats.org/officeDocument/2006/relationships" xmlns:p="http://schemas.openxmlformats.org/presentationml/2006/main">
+  <p:cSld>
+    <p:spTree>
+      <p:nvGrpSpPr>
+        <p:cNvPr id="1" name=""/>
+        <p:cNvGrpSpPr/>
+        <p:nvPr/>
+      </p:nvGrpSpPr>
+      <p:grpSpPr>
+        <a:xfrm>
+          <a:off x="0" y="0"/>
+          <a:ext cx="0" cy="0"/>
+          <a:chOff x="0" y="0"/>
+          <a:chExt cx="0" cy="0"/>
+        </a:xfrm>
+      </p:grpSpPr>
+      <p:sp>
+        <p:nvSpPr>
+          <p:cNvPr id="5" name="Foliennummernplatzhalter 4"/>
+          <p:cNvSpPr>
+            <a:spLocks noGrp="1"/>
+          </p:cNvSpPr>
+          <p:nvPr>
+            <p:ph type="sldNum" sz="quarter" idx="12"/>
+          </p:nvPr>
+        </p:nvSpPr>
+        <p:spPr/>
+        <p:txBody>
+          <a:bodyPr/>
+          <a:lstStyle/>
+          <a:p>
+            <a:fld id="{280C47D0-7FF9-4228-A5D7-FDA0A01A224A}" type="slidenum">
+              <a:rPr lang="de-DE" smtClean="0"/>
+              <a:t>9</a:t>
+            </a:fld>
+            <a:endParaRPr lang="de-DE"/>
+          </a:p>
+        </p:txBody>
+      </p:sp>
+      <p:pic>
+        <p:nvPicPr>
+          <p:cNvPr id="6" name="Grafik 5"/>
+          <p:cNvPicPr>
+            <a:picLocks noChangeAspect="1"/>
+          </p:cNvPicPr>
+          <p:nvPr/>
+        </p:nvPicPr>
+        <p:blipFill>
+          <a:blip r:embed="rId3"/>
+          <a:stretch>
+            <a:fillRect/>
+          </a:stretch>
+        </p:blipFill>
+        <p:spPr>
+          <a:xfrm>
+            <a:off x="0" y="0"/>
+            <a:ext cx="12192000" cy="5629723"/>
+          </a:xfrm>
+          <a:prstGeom prst="rect">
+            <a:avLst/>
+          </a:prstGeom>
+        </p:spPr>
+      </p:pic>
+      <p:sp>
+        <p:nvSpPr>
+          <p:cNvPr id="8" name="Rechteck 7"/>
+          <p:cNvSpPr/>
+          <p:nvPr/>
+        </p:nvSpPr>
+        <p:spPr>
+          <a:xfrm>
+            <a:off x="451104" y="2621280"/>
+            <a:ext cx="11545824" cy="2706625"/>
+          </a:xfrm>
+          <a:prstGeom prst="rect">
+            <a:avLst/>
+          </a:prstGeom>
+          <a:noFill/>
+        </p:spPr>
+        <p:style>
+          <a:lnRef idx="2">
+            <a:schemeClr val="accent1">
+              <a:shade val="50000"/>
+            </a:schemeClr>
+          </a:lnRef>
+          <a:fillRef idx="1">
+            <a:schemeClr val="accent1"/>
+          </a:fillRef>
+          <a:effectRef idx="0">
+            <a:schemeClr val="accent1"/>
+          </a:effectRef>
+          <a:fontRef idx="minor">
+            <a:schemeClr val="lt1"/>
+          </a:fontRef>
+        </p:style>
+        <p:txBody>
+          <a:bodyPr rtlCol="0" anchor="ctr"/>
+          <a:lstStyle/>
+          <a:p>
+            <a:pPr algn="ctr"/>
+            <a:endParaRPr lang="de-DE"/>
+          </a:p>
+        </p:txBody>
+      </p:sp>
+      <p:sp>
+        <p:nvSpPr>
+          <p:cNvPr id="10" name="Rechteck 9"/>
+          <p:cNvSpPr/>
+          <p:nvPr/>
+        </p:nvSpPr>
+        <p:spPr>
+          <a:xfrm>
+            <a:off x="5364480" y="1341120"/>
+            <a:ext cx="3011424" cy="268224"/>
+          </a:xfrm>
+          <a:prstGeom prst="rect">
+            <a:avLst/>
+          </a:prstGeom>
+          <a:noFill/>
+        </p:spPr>
+        <p:style>
+          <a:lnRef idx="2">
+            <a:schemeClr val="accent1">
+              <a:shade val="50000"/>
+            </a:schemeClr>
+          </a:lnRef>
+          <a:fillRef idx="1">
+            <a:schemeClr val="accent1"/>
+          </a:fillRef>
+          <a:effectRef idx="0">
+            <a:schemeClr val="accent1"/>
+          </a:effectRef>
+          <a:fontRef idx="minor">
+            <a:schemeClr val="lt1"/>
+          </a:fontRef>
+        </p:style>
+        <p:txBody>
+          <a:bodyPr rtlCol="0" anchor="ctr"/>
+          <a:lstStyle/>
+          <a:p>
+            <a:pPr algn="ctr"/>
+            <a:endParaRPr lang="de-DE"/>
+          </a:p>
+        </p:txBody>
+      </p:sp>
+    </p:spTree>
+    <p:extLst>
+      <p:ext uri="{BB962C8B-B14F-4D97-AF65-F5344CB8AC3E}">
+        <p14:creationId xmlns:p14="http://schemas.microsoft.com/office/powerpoint/2010/main" val="3132829637"/>
       </p:ext>
     </p:extLst>
   </p:cSld>
@@ -9077,7 +13136,7 @@
 <file path=ppt/theme/theme2.xml><?xml version="1.0" encoding="utf-8"?>
 <a:theme xmlns:a="http://schemas.openxmlformats.org/drawingml/2006/main" name="Quotable">
   <a:themeElements>
-    <a:clrScheme name="Quotable">
+    <a:clrScheme name="Ganymed">
       <a:dk1>
         <a:sysClr val="windowText" lastClr="000000"/>
       </a:dk1>
@@ -9085,34 +13144,34 @@
         <a:sysClr val="window" lastClr="FFFFFF"/>
       </a:lt1>
       <a:dk2>
-        <a:srgbClr val="212121"/>
+        <a:srgbClr val="323232"/>
       </a:dk2>
       <a:lt2>
-        <a:srgbClr val="636363"/>
+        <a:srgbClr val="E3DED1"/>
       </a:lt2>
       <a:accent1>
-        <a:srgbClr val="00C6BB"/>
+        <a:srgbClr val="F07F09"/>
       </a:accent1>
       <a:accent2>
-        <a:srgbClr val="6FEBA0"/>
+        <a:srgbClr val="9F2936"/>
       </a:accent2>
       <a:accent3>
-        <a:srgbClr val="B6DF5E"/>
+        <a:srgbClr val="1B587C"/>
       </a:accent3>
       <a:accent4>
-        <a:srgbClr val="EFB251"/>
+        <a:srgbClr val="4E8542"/>
       </a:accent4>
       <a:accent5>
-        <a:srgbClr val="EF755F"/>
+        <a:srgbClr val="604878"/>
       </a:accent5>
       <a:accent6>
-        <a:srgbClr val="ED515C"/>
+        <a:srgbClr val="C19859"/>
       </a:accent6>
       <a:hlink>
-        <a:srgbClr val="8F8F8F"/>
+        <a:srgbClr val="6B9F25"/>
       </a:hlink>
       <a:folHlink>
-        <a:srgbClr val="A5A5A5"/>
+        <a:srgbClr val="B26B02"/>
       </a:folHlink>
     </a:clrScheme>
     <a:fontScheme name="Quotable">
@@ -9309,4 +13368,265 @@
     </a:ext>
   </a:extLst>
 </a:theme>
+</file>
+
+<file path=ppt/theme/theme3.xml><?xml version="1.0" encoding="utf-8"?>
+<a:theme xmlns:a="http://schemas.openxmlformats.org/drawingml/2006/main" name="Office Theme">
+  <a:themeElements>
+    <a:clrScheme name="Office">
+      <a:dk1>
+        <a:sysClr val="windowText" lastClr="000000"/>
+      </a:dk1>
+      <a:lt1>
+        <a:sysClr val="window" lastClr="FFFFFF"/>
+      </a:lt1>
+      <a:dk2>
+        <a:srgbClr val="44546A"/>
+      </a:dk2>
+      <a:lt2>
+        <a:srgbClr val="E7E6E6"/>
+      </a:lt2>
+      <a:accent1>
+        <a:srgbClr val="5B9BD5"/>
+      </a:accent1>
+      <a:accent2>
+        <a:srgbClr val="ED7D31"/>
+      </a:accent2>
+      <a:accent3>
+        <a:srgbClr val="A5A5A5"/>
+      </a:accent3>
+      <a:accent4>
+        <a:srgbClr val="FFC000"/>
+      </a:accent4>
+      <a:accent5>
+        <a:srgbClr val="4472C4"/>
+      </a:accent5>
+      <a:accent6>
+        <a:srgbClr val="70AD47"/>
+      </a:accent6>
+      <a:hlink>
+        <a:srgbClr val="0563C1"/>
+      </a:hlink>
+      <a:folHlink>
+        <a:srgbClr val="954F72"/>
+      </a:folHlink>
+    </a:clrScheme>
+    <a:fontScheme name="Office">
+      <a:majorFont>
+        <a:latin typeface="Calibri Light" panose="020F0302020204030204"/>
+        <a:ea typeface=""/>
+        <a:cs typeface=""/>
+        <a:font script="Jpan" typeface="ＭＳ Ｐゴシック"/>
+        <a:font script="Hang" typeface="맑은 고딕"/>
+        <a:font script="Hans" typeface="宋体"/>
+        <a:font script="Hant" typeface="新細明體"/>
+        <a:font script="Arab" typeface="Times New Roman"/>
+        <a:font script="Hebr" typeface="Times New Roman"/>
+        <a:font script="Thai" typeface="Angsana New"/>
+        <a:font script="Ethi" typeface="Nyala"/>
+        <a:font script="Beng" typeface="Vrinda"/>
+        <a:font script="Gujr" typeface="Shruti"/>
+        <a:font script="Khmr" typeface="MoolBoran"/>
+        <a:font script="Knda" typeface="Tunga"/>
+        <a:font script="Guru" typeface="Raavi"/>
+        <a:font script="Cans" typeface="Euphemia"/>
+        <a:font script="Cher" typeface="Plantagenet Cherokee"/>
+        <a:font script="Yiii" typeface="Microsoft Yi Baiti"/>
+        <a:font script="Tibt" typeface="Microsoft Himalaya"/>
+        <a:font script="Thaa" typeface="MV Boli"/>
+        <a:font script="Deva" typeface="Mangal"/>
+        <a:font script="Telu" typeface="Gautami"/>
+        <a:font script="Taml" typeface="Latha"/>
+        <a:font script="Syrc" typeface="Estrangelo Edessa"/>
+        <a:font script="Orya" typeface="Kalinga"/>
+        <a:font script="Mlym" typeface="Kartika"/>
+        <a:font script="Laoo" typeface="DokChampa"/>
+        <a:font script="Sinh" typeface="Iskoola Pota"/>
+        <a:font script="Mong" typeface="Mongolian Baiti"/>
+        <a:font script="Viet" typeface="Times New Roman"/>
+        <a:font script="Uigh" typeface="Microsoft Uighur"/>
+        <a:font script="Geor" typeface="Sylfaen"/>
+      </a:majorFont>
+      <a:minorFont>
+        <a:latin typeface="Calibri" panose="020F0502020204030204"/>
+        <a:ea typeface=""/>
+        <a:cs typeface=""/>
+        <a:font script="Jpan" typeface="ＭＳ Ｐゴシック"/>
+        <a:font script="Hang" typeface="맑은 고딕"/>
+        <a:font script="Hans" typeface="宋体"/>
+        <a:font script="Hant" typeface="新細明體"/>
+        <a:font script="Arab" typeface="Arial"/>
+        <a:font script="Hebr" typeface="Arial"/>
+        <a:font script="Thai" typeface="Cordia New"/>
+        <a:font script="Ethi" typeface="Nyala"/>
+        <a:font script="Beng" typeface="Vrinda"/>
+        <a:font script="Gujr" typeface="Shruti"/>
+        <a:font script="Khmr" typeface="DaunPenh"/>
+        <a:font script="Knda" typeface="Tunga"/>
+        <a:font script="Guru" typeface="Raavi"/>
+        <a:font script="Cans" typeface="Euphemia"/>
+        <a:font script="Cher" typeface="Plantagenet Cherokee"/>
+        <a:font script="Yiii" typeface="Microsoft Yi Baiti"/>
+        <a:font script="Tibt" typeface="Microsoft Himalaya"/>
+        <a:font script="Thaa" typeface="MV Boli"/>
+        <a:font script="Deva" typeface="Mangal"/>
+        <a:font script="Telu" typeface="Gautami"/>
+        <a:font script="Taml" typeface="Latha"/>
+        <a:font script="Syrc" typeface="Estrangelo Edessa"/>
+        <a:font script="Orya" typeface="Kalinga"/>
+        <a:font script="Mlym" typeface="Kartika"/>
+        <a:font script="Laoo" typeface="DokChampa"/>
+        <a:font script="Sinh" typeface="Iskoola Pota"/>
+        <a:font script="Mong" typeface="Mongolian Baiti"/>
+        <a:font script="Viet" typeface="Arial"/>
+        <a:font script="Uigh" typeface="Microsoft Uighur"/>
+        <a:font script="Geor" typeface="Sylfaen"/>
+      </a:minorFont>
+    </a:fontScheme>
+    <a:fmtScheme name="Office">
+      <a:fillStyleLst>
+        <a:solidFill>
+          <a:schemeClr val="phClr"/>
+        </a:solidFill>
+        <a:gradFill rotWithShape="1">
+          <a:gsLst>
+            <a:gs pos="0">
+              <a:schemeClr val="phClr">
+                <a:lumMod val="110000"/>
+                <a:satMod val="105000"/>
+                <a:tint val="67000"/>
+              </a:schemeClr>
+            </a:gs>
+            <a:gs pos="50000">
+              <a:schemeClr val="phClr">
+                <a:lumMod val="105000"/>
+                <a:satMod val="103000"/>
+                <a:tint val="73000"/>
+              </a:schemeClr>
+            </a:gs>
+            <a:gs pos="100000">
+              <a:schemeClr val="phClr">
+                <a:lumMod val="105000"/>
+                <a:satMod val="109000"/>
+                <a:tint val="81000"/>
+              </a:schemeClr>
+            </a:gs>
+          </a:gsLst>
+          <a:lin ang="5400000" scaled="0"/>
+        </a:gradFill>
+        <a:gradFill rotWithShape="1">
+          <a:gsLst>
+            <a:gs pos="0">
+              <a:schemeClr val="phClr">
+                <a:satMod val="103000"/>
+                <a:lumMod val="102000"/>
+                <a:tint val="94000"/>
+              </a:schemeClr>
+            </a:gs>
+            <a:gs pos="50000">
+              <a:schemeClr val="phClr">
+                <a:satMod val="110000"/>
+                <a:lumMod val="100000"/>
+                <a:shade val="100000"/>
+              </a:schemeClr>
+            </a:gs>
+            <a:gs pos="100000">
+              <a:schemeClr val="phClr">
+                <a:lumMod val="99000"/>
+                <a:satMod val="120000"/>
+                <a:shade val="78000"/>
+              </a:schemeClr>
+            </a:gs>
+          </a:gsLst>
+          <a:lin ang="5400000" scaled="0"/>
+        </a:gradFill>
+      </a:fillStyleLst>
+      <a:lnStyleLst>
+        <a:ln w="6350" cap="flat" cmpd="sng" algn="ctr">
+          <a:solidFill>
+            <a:schemeClr val="phClr"/>
+          </a:solidFill>
+          <a:prstDash val="solid"/>
+          <a:miter lim="800000"/>
+        </a:ln>
+        <a:ln w="12700" cap="flat" cmpd="sng" algn="ctr">
+          <a:solidFill>
+            <a:schemeClr val="phClr"/>
+          </a:solidFill>
+          <a:prstDash val="solid"/>
+          <a:miter lim="800000"/>
+        </a:ln>
+        <a:ln w="19050" cap="flat" cmpd="sng" algn="ctr">
+          <a:solidFill>
+            <a:schemeClr val="phClr"/>
+          </a:solidFill>
+          <a:prstDash val="solid"/>
+          <a:miter lim="800000"/>
+        </a:ln>
+      </a:lnStyleLst>
+      <a:effectStyleLst>
+        <a:effectStyle>
+          <a:effectLst/>
+        </a:effectStyle>
+        <a:effectStyle>
+          <a:effectLst/>
+        </a:effectStyle>
+        <a:effectStyle>
+          <a:effectLst>
+            <a:outerShdw blurRad="57150" dist="19050" dir="5400000" algn="ctr" rotWithShape="0">
+              <a:srgbClr val="000000">
+                <a:alpha val="63000"/>
+              </a:srgbClr>
+            </a:outerShdw>
+          </a:effectLst>
+        </a:effectStyle>
+      </a:effectStyleLst>
+      <a:bgFillStyleLst>
+        <a:solidFill>
+          <a:schemeClr val="phClr"/>
+        </a:solidFill>
+        <a:solidFill>
+          <a:schemeClr val="phClr">
+            <a:tint val="95000"/>
+            <a:satMod val="170000"/>
+          </a:schemeClr>
+        </a:solidFill>
+        <a:gradFill rotWithShape="1">
+          <a:gsLst>
+            <a:gs pos="0">
+              <a:schemeClr val="phClr">
+                <a:tint val="93000"/>
+                <a:satMod val="150000"/>
+                <a:shade val="98000"/>
+                <a:lumMod val="102000"/>
+              </a:schemeClr>
+            </a:gs>
+            <a:gs pos="50000">
+              <a:schemeClr val="phClr">
+                <a:tint val="98000"/>
+                <a:satMod val="130000"/>
+                <a:shade val="90000"/>
+                <a:lumMod val="103000"/>
+              </a:schemeClr>
+            </a:gs>
+            <a:gs pos="100000">
+              <a:schemeClr val="phClr">
+                <a:shade val="63000"/>
+                <a:satMod val="120000"/>
+              </a:schemeClr>
+            </a:gs>
+          </a:gsLst>
+          <a:lin ang="5400000" scaled="0"/>
+        </a:gradFill>
+      </a:bgFillStyleLst>
+    </a:fmtScheme>
+  </a:themeElements>
+  <a:objectDefaults/>
+  <a:extraClrSchemeLst/>
+  <a:extLst>
+    <a:ext uri="{05A4C25C-085E-4340-85A3-A5531E510DB2}">
+      <thm15:themeFamily xmlns:thm15="http://schemas.microsoft.com/office/thememl/2012/main" name="Office Theme" id="{62F939B6-93AF-4DB8-9C6B-D6C7DFDC589F}" vid="{4A3C46E8-61CC-4603-A589-7422A47A8E4A}"/>
+    </a:ext>
+  </a:extLst>
+</a:theme>
 </file>
--- a/WebProjekt.pptx
+++ b/WebProjekt.pptx
@@ -6,7 +6,7 @@
     <p:sldMasterId id="2147483717" r:id="rId2"/>
   </p:sldMasterIdLst>
   <p:notesMasterIdLst>
-    <p:notesMasterId r:id="rId20"/>
+    <p:notesMasterId r:id="rId25"/>
   </p:notesMasterIdLst>
   <p:sldIdLst>
     <p:sldId id="256" r:id="rId3"/>
@@ -21,11 +21,16 @@
     <p:sldId id="269" r:id="rId12"/>
     <p:sldId id="270" r:id="rId13"/>
     <p:sldId id="264" r:id="rId14"/>
-    <p:sldId id="272" r:id="rId15"/>
-    <p:sldId id="273" r:id="rId16"/>
-    <p:sldId id="271" r:id="rId17"/>
-    <p:sldId id="261" r:id="rId18"/>
-    <p:sldId id="262" r:id="rId19"/>
+    <p:sldId id="274" r:id="rId15"/>
+    <p:sldId id="275" r:id="rId16"/>
+    <p:sldId id="276" r:id="rId17"/>
+    <p:sldId id="277" r:id="rId18"/>
+    <p:sldId id="278" r:id="rId19"/>
+    <p:sldId id="272" r:id="rId20"/>
+    <p:sldId id="273" r:id="rId21"/>
+    <p:sldId id="271" r:id="rId22"/>
+    <p:sldId id="261" r:id="rId23"/>
+    <p:sldId id="262" r:id="rId24"/>
   </p:sldIdLst>
   <p:sldSz cx="12192000" cy="6858000"/>
   <p:notesSz cx="6858000" cy="9144000"/>
@@ -214,7 +219,7 @@
           <a:p>
             <a:fld id="{48C96776-24E7-4B13-968D-C0C8821B9BC9}" type="datetimeFigureOut">
               <a:rPr lang="de-DE" smtClean="0"/>
-              <a:t>26.05.2016</a:t>
+              <a:t>01.06.2016</a:t>
             </a:fld>
             <a:endParaRPr lang="de-DE"/>
           </a:p>
@@ -278,38 +283,37 @@
           <a:p>
             <a:pPr lvl="0"/>
             <a:r>
-              <a:rPr lang="de-DE" smtClean="0"/>
+              <a:rPr lang="de-DE"/>
               <a:t>Textmasterformat bearbeiten</a:t>
             </a:r>
           </a:p>
           <a:p>
             <a:pPr lvl="1"/>
             <a:r>
-              <a:rPr lang="de-DE" smtClean="0"/>
+              <a:rPr lang="de-DE"/>
               <a:t>Zweite Ebene</a:t>
             </a:r>
           </a:p>
           <a:p>
             <a:pPr lvl="2"/>
             <a:r>
-              <a:rPr lang="de-DE" smtClean="0"/>
+              <a:rPr lang="de-DE"/>
               <a:t>Dritte Ebene</a:t>
             </a:r>
           </a:p>
           <a:p>
             <a:pPr lvl="3"/>
             <a:r>
-              <a:rPr lang="de-DE" smtClean="0"/>
+              <a:rPr lang="de-DE"/>
               <a:t>Vierte Ebene</a:t>
             </a:r>
           </a:p>
           <a:p>
             <a:pPr lvl="4"/>
             <a:r>
-              <a:rPr lang="de-DE" smtClean="0"/>
+              <a:rPr lang="de-DE"/>
               <a:t>Fünfte Ebene</a:t>
             </a:r>
-            <a:endParaRPr lang="de-DE"/>
           </a:p>
         </p:txBody>
       </p:sp>
@@ -699,12 +703,20 @@
               <a:buChar char="•"/>
             </a:pPr>
             <a:r>
-              <a:rPr lang="de-DE" dirty="0" smtClean="0"/>
-              <a:t>Ist ein Webseitennutzer</a:t>
-            </a:r>
-            <a:r>
-              <a:rPr lang="de-DE" baseline="0" dirty="0" smtClean="0"/>
-              <a:t> Teilnehmer des Sportfestes und registriert, dann sind für ihn in der Datenbank Wettkampfergebnisse hinterlegt, welche er sich durch Anmelden auf der Seite anschauen kann</a:t>
+              <a:rPr lang="de-DE" dirty="0"/>
+              <a:t>Zur optischen Verschönerung der Seite haben wir das</a:t>
+            </a:r>
+            <a:r>
+              <a:rPr lang="de-DE" baseline="0" dirty="0"/>
+              <a:t> CSS-Framework </a:t>
+            </a:r>
+            <a:r>
+              <a:rPr lang="de-DE" baseline="0" dirty="0" err="1"/>
+              <a:t>Boostrap</a:t>
+            </a:r>
+            <a:r>
+              <a:rPr lang="de-DE" baseline="0" dirty="0"/>
+              <a:t> von Twitter verwendet</a:t>
             </a:r>
           </a:p>
           <a:p>
@@ -713,8 +725,12 @@
               <a:buChar char="•"/>
             </a:pPr>
             <a:r>
-              <a:rPr lang="de-DE" baseline="0" dirty="0" smtClean="0"/>
-              <a:t>Dafür benötigen wir einen Server, der die Datenbankzugriffe koordiniert und bestimmte Services anbietet und eine Technologie, die diesen Service konsumiert und sein Ergebnis ans Frontend übermittelt </a:t>
+              <a:rPr lang="de-DE" dirty="0"/>
+              <a:t>Bei</a:t>
+            </a:r>
+            <a:r>
+              <a:rPr lang="de-DE" baseline="0" dirty="0"/>
+              <a:t> Demo gesehen: Schöne Navigationsbar, Buttons usw.</a:t>
             </a:r>
           </a:p>
           <a:p>
@@ -723,17 +739,106 @@
               <a:buChar char="•"/>
             </a:pPr>
             <a:r>
-              <a:rPr lang="de-DE" baseline="0" dirty="0" smtClean="0"/>
-              <a:t>Bei uns wird das mit einem REST-Service in node.js und einem </a:t>
-            </a:r>
-            <a:r>
-              <a:rPr lang="de-DE" baseline="0" dirty="0" err="1" smtClean="0"/>
-              <a:t>jQuery</a:t>
-            </a:r>
-            <a:r>
-              <a:rPr lang="de-DE" baseline="0" dirty="0" smtClean="0"/>
-              <a:t> AJAX-Call in JavaScript gemacht</a:t>
-            </a:r>
+              <a:rPr lang="de-DE" baseline="0" dirty="0"/>
+              <a:t>Einbindung erfolgt durch &lt;</a:t>
+            </a:r>
+            <a:r>
+              <a:rPr lang="de-DE" baseline="0" dirty="0" err="1"/>
+              <a:t>script</a:t>
+            </a:r>
+            <a:r>
+              <a:rPr lang="de-DE" baseline="0" dirty="0"/>
+              <a:t>&gt;-Tag im &lt;</a:t>
+            </a:r>
+            <a:r>
+              <a:rPr lang="de-DE" baseline="0" dirty="0" err="1"/>
+              <a:t>head</a:t>
+            </a:r>
+            <a:r>
+              <a:rPr lang="de-DE" baseline="0" dirty="0"/>
+              <a:t>&gt;</a:t>
+            </a:r>
+          </a:p>
+          <a:p>
+            <a:pPr marL="171450" indent="-171450">
+              <a:buFont typeface="Arial" panose="020B0604020202020204" pitchFamily="34" charset="0"/>
+              <a:buChar char="•"/>
+            </a:pPr>
+            <a:r>
+              <a:rPr lang="de-DE" baseline="0" dirty="0"/>
+              <a:t>Dann kann man CSS-Klassen auf HTML-Elemente anwenden</a:t>
+            </a:r>
+          </a:p>
+          <a:p>
+            <a:pPr marL="171450" indent="-171450">
+              <a:buFont typeface="Arial" panose="020B0604020202020204" pitchFamily="34" charset="0"/>
+              <a:buChar char="•"/>
+            </a:pPr>
+            <a:r>
+              <a:rPr lang="de-DE" baseline="0" dirty="0"/>
+              <a:t>Wir haben natürlich auch eigene CSS-Klassen geschrieben, welche in der Datei </a:t>
+            </a:r>
+            <a:r>
+              <a:rPr lang="de-DE" b="1" baseline="0" dirty="0"/>
+              <a:t>main.css</a:t>
+            </a:r>
+            <a:r>
+              <a:rPr lang="de-DE" baseline="0" dirty="0"/>
+              <a:t> zu sehen sind </a:t>
+            </a:r>
+            <a:r>
+              <a:rPr lang="de-DE" b="1" baseline="0" dirty="0"/>
+              <a:t>SWITCH TO CODE</a:t>
+            </a:r>
+          </a:p>
+          <a:p>
+            <a:pPr marL="171450" indent="-171450">
+              <a:buFont typeface="Arial" panose="020B0604020202020204" pitchFamily="34" charset="0"/>
+              <a:buChar char="•"/>
+            </a:pPr>
+            <a:r>
+              <a:rPr lang="de-DE" b="0" baseline="0" dirty="0"/>
+              <a:t>CSS-Einbindungen in </a:t>
+            </a:r>
+            <a:r>
+              <a:rPr lang="de-DE" b="1" baseline="0" dirty="0"/>
+              <a:t>index.html</a:t>
+            </a:r>
+            <a:r>
+              <a:rPr lang="de-DE" b="0" baseline="0" dirty="0"/>
+              <a:t> zeigen</a:t>
+            </a:r>
+          </a:p>
+          <a:p>
+            <a:pPr marL="171450" indent="-171450">
+              <a:buFont typeface="Arial" panose="020B0604020202020204" pitchFamily="34" charset="0"/>
+              <a:buChar char="•"/>
+            </a:pPr>
+            <a:r>
+              <a:rPr lang="de-DE" b="0" baseline="0" dirty="0"/>
+              <a:t>Weitere Vorteil von Bootstrap: Webseite wird </a:t>
+            </a:r>
+            <a:r>
+              <a:rPr lang="de-DE" b="0" baseline="0" dirty="0" err="1"/>
+              <a:t>responsive</a:t>
+            </a:r>
+            <a:r>
+              <a:rPr lang="de-DE" b="0" baseline="0" dirty="0"/>
+              <a:t> </a:t>
+            </a:r>
+            <a:r>
+              <a:rPr lang="de-DE" b="0" baseline="0" dirty="0">
+                <a:sym typeface="Wingdings" panose="05000000000000000000" pitchFamily="2" charset="2"/>
+              </a:rPr>
+              <a:t> </a:t>
+            </a:r>
+            <a:r>
+              <a:rPr lang="de-DE" b="1" baseline="0" dirty="0">
+                <a:sym typeface="Wingdings" panose="05000000000000000000" pitchFamily="2" charset="2"/>
+              </a:rPr>
+              <a:t>DEMO</a:t>
+            </a:r>
+            <a:endParaRPr lang="de-DE" b="0" dirty="0"/>
           </a:p>
         </p:txBody>
       </p:sp>
@@ -763,7 +868,7 @@
     </p:spTree>
     <p:extLst>
       <p:ext uri="{BB962C8B-B14F-4D97-AF65-F5344CB8AC3E}">
-        <p14:creationId xmlns:p14="http://schemas.microsoft.com/office/powerpoint/2010/main" val="673066527"/>
+        <p14:creationId xmlns:p14="http://schemas.microsoft.com/office/powerpoint/2010/main" val="2656005040"/>
       </p:ext>
     </p:extLst>
   </p:cSld>
@@ -822,14 +927,21 @@
               <a:buChar char="•"/>
             </a:pPr>
             <a:r>
-              <a:rPr lang="de-DE" b="0" dirty="0" smtClean="0"/>
-              <a:t>Das</a:t>
-            </a:r>
-            <a:r>
-              <a:rPr lang="de-DE" b="0" baseline="0" dirty="0" smtClean="0"/>
-              <a:t> ist die URL, die wir am Ende aufrufen wollen, um die gewünschten Daten zu erhalten</a:t>
-            </a:r>
-            <a:endParaRPr lang="de-DE" b="0" dirty="0" smtClean="0"/>
+              <a:rPr lang="de-DE" dirty="0"/>
+              <a:t>Zur optischen Verschönerung der Seite haben wir das</a:t>
+            </a:r>
+            <a:r>
+              <a:rPr lang="de-DE" baseline="0" dirty="0"/>
+              <a:t> CSS-Framework </a:t>
+            </a:r>
+            <a:r>
+              <a:rPr lang="de-DE" baseline="0" dirty="0" err="1"/>
+              <a:t>Boostrap</a:t>
+            </a:r>
+            <a:r>
+              <a:rPr lang="de-DE" baseline="0" dirty="0"/>
+              <a:t> von Twitter verwendet</a:t>
+            </a:r>
           </a:p>
           <a:p>
             <a:pPr marL="171450" indent="-171450">
@@ -837,26 +949,12 @@
               <a:buChar char="•"/>
             </a:pPr>
             <a:r>
-              <a:rPr lang="de-DE" b="1" dirty="0" smtClean="0"/>
-              <a:t>SWITCH TO CODE </a:t>
-            </a:r>
-            <a:r>
-              <a:rPr lang="de-DE" b="0" dirty="0" smtClean="0">
-                <a:sym typeface="Wingdings" panose="05000000000000000000" pitchFamily="2" charset="2"/>
-              </a:rPr>
-              <a:t></a:t>
-            </a:r>
-            <a:r>
-              <a:rPr lang="de-DE" b="0" baseline="0" dirty="0" smtClean="0">
-                <a:sym typeface="Wingdings" panose="05000000000000000000" pitchFamily="2" charset="2"/>
-              </a:rPr>
-              <a:t> </a:t>
-            </a:r>
-            <a:r>
-              <a:rPr lang="de-DE" b="1" baseline="0" dirty="0" smtClean="0">
-                <a:sym typeface="Wingdings" panose="05000000000000000000" pitchFamily="2" charset="2"/>
-              </a:rPr>
-              <a:t>server.js</a:t>
+              <a:rPr lang="de-DE" dirty="0"/>
+              <a:t>Bei</a:t>
+            </a:r>
+            <a:r>
+              <a:rPr lang="de-DE" baseline="0" dirty="0"/>
+              <a:t> Demo gesehen: Schöne Navigationsbar, Buttons usw.</a:t>
             </a:r>
           </a:p>
           <a:p>
@@ -865,10 +963,24 @@
               <a:buChar char="•"/>
             </a:pPr>
             <a:r>
-              <a:rPr lang="de-DE" b="0" i="1" baseline="0" dirty="0" smtClean="0">
-                <a:sym typeface="Wingdings" panose="05000000000000000000" pitchFamily="2" charset="2"/>
-              </a:rPr>
-              <a:t>Nach Erklärung Service in Browser aufrufen</a:t>
+              <a:rPr lang="de-DE" baseline="0" dirty="0"/>
+              <a:t>Einbindung erfolgt durch &lt;</a:t>
+            </a:r>
+            <a:r>
+              <a:rPr lang="de-DE" baseline="0" dirty="0" err="1"/>
+              <a:t>script</a:t>
+            </a:r>
+            <a:r>
+              <a:rPr lang="de-DE" baseline="0" dirty="0"/>
+              <a:t>&gt;-Tag im &lt;</a:t>
+            </a:r>
+            <a:r>
+              <a:rPr lang="de-DE" baseline="0" dirty="0" err="1"/>
+              <a:t>head</a:t>
+            </a:r>
+            <a:r>
+              <a:rPr lang="de-DE" baseline="0" dirty="0"/>
+              <a:t>&gt;</a:t>
             </a:r>
           </a:p>
           <a:p>
@@ -877,40 +989,9 @@
               <a:buChar char="•"/>
             </a:pPr>
             <a:r>
-              <a:rPr lang="de-DE" b="1" i="0" dirty="0" smtClean="0"/>
-              <a:t>SWITCH</a:t>
-            </a:r>
-            <a:r>
-              <a:rPr lang="de-DE" b="1" i="0" baseline="0" dirty="0" smtClean="0"/>
-              <a:t> TO CODE </a:t>
-            </a:r>
-            <a:r>
-              <a:rPr lang="de-DE" b="0" i="0" baseline="0" dirty="0" smtClean="0">
-                <a:sym typeface="Wingdings" panose="05000000000000000000" pitchFamily="2" charset="2"/>
-              </a:rPr>
-              <a:t> </a:t>
-            </a:r>
-            <a:r>
-              <a:rPr lang="de-DE" b="1" i="0" baseline="0" dirty="0" smtClean="0">
-                <a:sym typeface="Wingdings" panose="05000000000000000000" pitchFamily="2" charset="2"/>
-              </a:rPr>
-              <a:t>AJAX-Call </a:t>
-            </a:r>
-            <a:r>
-              <a:rPr lang="de-DE" b="0" i="0" baseline="0" dirty="0" smtClean="0">
-                <a:sym typeface="Wingdings" panose="05000000000000000000" pitchFamily="2" charset="2"/>
-              </a:rPr>
-              <a:t>in </a:t>
-            </a:r>
-            <a:r>
-              <a:rPr lang="de-DE" b="1" i="0" baseline="0" dirty="0" smtClean="0">
-                <a:sym typeface="Wingdings" panose="05000000000000000000" pitchFamily="2" charset="2"/>
-              </a:rPr>
-              <a:t>index.html</a:t>
-            </a:r>
-            <a:endParaRPr lang="de-DE" b="0" i="1" baseline="0" dirty="0" smtClean="0">
-              <a:sym typeface="Wingdings" panose="05000000000000000000" pitchFamily="2" charset="2"/>
-            </a:endParaRPr>
+              <a:rPr lang="de-DE" baseline="0" dirty="0"/>
+              <a:t>Dann kann man CSS-Klassen auf HTML-Elemente anwenden</a:t>
+            </a:r>
           </a:p>
           <a:p>
             <a:pPr marL="171450" indent="-171450">
@@ -918,14 +999,70 @@
               <a:buChar char="•"/>
             </a:pPr>
             <a:r>
-              <a:rPr lang="de-DE" b="0" i="1" dirty="0" smtClean="0"/>
-              <a:t>Nach</a:t>
-            </a:r>
-            <a:r>
-              <a:rPr lang="de-DE" b="0" i="1" baseline="0" dirty="0" smtClean="0"/>
-              <a:t> Erklärung AJAX-Call im Browser bei Anmeldung debuggen</a:t>
-            </a:r>
-            <a:endParaRPr lang="de-DE" b="0" i="1" dirty="0"/>
+              <a:rPr lang="de-DE" baseline="0" dirty="0"/>
+              <a:t>Wir haben natürlich auch eigene CSS-Klassen geschrieben, welche in der Datei </a:t>
+            </a:r>
+            <a:r>
+              <a:rPr lang="de-DE" b="1" baseline="0" dirty="0"/>
+              <a:t>main.css</a:t>
+            </a:r>
+            <a:r>
+              <a:rPr lang="de-DE" baseline="0" dirty="0"/>
+              <a:t> zu sehen sind </a:t>
+            </a:r>
+            <a:r>
+              <a:rPr lang="de-DE" b="1" baseline="0" dirty="0"/>
+              <a:t>SWITCH TO CODE</a:t>
+            </a:r>
+          </a:p>
+          <a:p>
+            <a:pPr marL="171450" indent="-171450">
+              <a:buFont typeface="Arial" panose="020B0604020202020204" pitchFamily="34" charset="0"/>
+              <a:buChar char="•"/>
+            </a:pPr>
+            <a:r>
+              <a:rPr lang="de-DE" b="0" baseline="0" dirty="0"/>
+              <a:t>CSS-Einbindungen in </a:t>
+            </a:r>
+            <a:r>
+              <a:rPr lang="de-DE" b="1" baseline="0" dirty="0"/>
+              <a:t>index.html</a:t>
+            </a:r>
+            <a:r>
+              <a:rPr lang="de-DE" b="0" baseline="0" dirty="0"/>
+              <a:t> zeigen</a:t>
+            </a:r>
+          </a:p>
+          <a:p>
+            <a:pPr marL="171450" indent="-171450">
+              <a:buFont typeface="Arial" panose="020B0604020202020204" pitchFamily="34" charset="0"/>
+              <a:buChar char="•"/>
+            </a:pPr>
+            <a:r>
+              <a:rPr lang="de-DE" b="0" baseline="0" dirty="0"/>
+              <a:t>Weitere Vorteil von Bootstrap: Webseite wird </a:t>
+            </a:r>
+            <a:r>
+              <a:rPr lang="de-DE" b="0" baseline="0" dirty="0" err="1"/>
+              <a:t>responsive</a:t>
+            </a:r>
+            <a:r>
+              <a:rPr lang="de-DE" b="0" baseline="0" dirty="0"/>
+              <a:t> </a:t>
+            </a:r>
+            <a:r>
+              <a:rPr lang="de-DE" b="0" baseline="0" dirty="0">
+                <a:sym typeface="Wingdings" panose="05000000000000000000" pitchFamily="2" charset="2"/>
+              </a:rPr>
+              <a:t> </a:t>
+            </a:r>
+            <a:r>
+              <a:rPr lang="de-DE" b="1" baseline="0" dirty="0">
+                <a:sym typeface="Wingdings" panose="05000000000000000000" pitchFamily="2" charset="2"/>
+              </a:rPr>
+              <a:t>DEMO</a:t>
+            </a:r>
+            <a:endParaRPr lang="de-DE" b="0" dirty="0"/>
           </a:p>
         </p:txBody>
       </p:sp>
@@ -955,7 +1092,7 @@
     </p:spTree>
     <p:extLst>
       <p:ext uri="{BB962C8B-B14F-4D97-AF65-F5344CB8AC3E}">
-        <p14:creationId xmlns:p14="http://schemas.microsoft.com/office/powerpoint/2010/main" val="2658417258"/>
+        <p14:creationId xmlns:p14="http://schemas.microsoft.com/office/powerpoint/2010/main" val="995187653"/>
       </p:ext>
     </p:extLst>
   </p:cSld>
@@ -1014,8 +1151,20 @@
               <a:buChar char="•"/>
             </a:pPr>
             <a:r>
-              <a:rPr lang="de-DE" dirty="0" smtClean="0"/>
-              <a:t>Kurzes Fazit</a:t>
+              <a:rPr lang="de-DE" dirty="0"/>
+              <a:t>Zur optischen Verschönerung der Seite haben wir das</a:t>
+            </a:r>
+            <a:r>
+              <a:rPr lang="de-DE" baseline="0" dirty="0"/>
+              <a:t> CSS-Framework </a:t>
+            </a:r>
+            <a:r>
+              <a:rPr lang="de-DE" baseline="0" dirty="0" err="1"/>
+              <a:t>Boostrap</a:t>
+            </a:r>
+            <a:r>
+              <a:rPr lang="de-DE" baseline="0" dirty="0"/>
+              <a:t> von Twitter verwendet</a:t>
             </a:r>
           </a:p>
           <a:p>
@@ -1024,18 +1173,12 @@
               <a:buChar char="•"/>
             </a:pPr>
             <a:r>
-              <a:rPr lang="de-DE" dirty="0" smtClean="0"/>
-              <a:t>Grundverständnis</a:t>
-            </a:r>
-            <a:r>
-              <a:rPr lang="de-DE" baseline="0" dirty="0" smtClean="0"/>
-              <a:t> der verwendeten Technologien </a:t>
-            </a:r>
-            <a:r>
-              <a:rPr lang="de-DE" baseline="0" dirty="0" smtClean="0">
-                <a:sym typeface="Wingdings" panose="05000000000000000000" pitchFamily="2" charset="2"/>
-              </a:rPr>
-              <a:t> JA!</a:t>
+              <a:rPr lang="de-DE" dirty="0"/>
+              <a:t>Bei</a:t>
+            </a:r>
+            <a:r>
+              <a:rPr lang="de-DE" baseline="0" dirty="0"/>
+              <a:t> Demo gesehen: Schöne Navigationsbar, Buttons usw.</a:t>
             </a:r>
           </a:p>
           <a:p>
@@ -1044,34 +1187,24 @@
               <a:buChar char="•"/>
             </a:pPr>
             <a:r>
-              <a:rPr lang="de-DE" baseline="0" dirty="0" smtClean="0">
-                <a:sym typeface="Wingdings" panose="05000000000000000000" pitchFamily="2" charset="2"/>
-              </a:rPr>
-              <a:t>Für manche Technologien reicht das aus, um sie voll auszuschöpfen (</a:t>
-            </a:r>
-            <a:r>
-              <a:rPr lang="de-DE" baseline="0" dirty="0" err="1" smtClean="0">
-                <a:sym typeface="Wingdings" panose="05000000000000000000" pitchFamily="2" charset="2"/>
-              </a:rPr>
-              <a:t>z.B</a:t>
-            </a:r>
-            <a:r>
-              <a:rPr lang="de-DE" baseline="0" dirty="0" smtClean="0">
-                <a:sym typeface="Wingdings" panose="05000000000000000000" pitchFamily="2" charset="2"/>
-              </a:rPr>
-              <a:t> Heise </a:t>
-            </a:r>
-            <a:r>
-              <a:rPr lang="de-DE" baseline="0" dirty="0" err="1" smtClean="0">
-                <a:sym typeface="Wingdings" panose="05000000000000000000" pitchFamily="2" charset="2"/>
-              </a:rPr>
-              <a:t>Plugin</a:t>
-            </a:r>
-            <a:r>
-              <a:rPr lang="de-DE" baseline="0" dirty="0" smtClean="0">
-                <a:sym typeface="Wingdings" panose="05000000000000000000" pitchFamily="2" charset="2"/>
-              </a:rPr>
-              <a:t>)</a:t>
+              <a:rPr lang="de-DE" baseline="0" dirty="0"/>
+              <a:t>Einbindung erfolgt durch &lt;</a:t>
+            </a:r>
+            <a:r>
+              <a:rPr lang="de-DE" baseline="0" dirty="0" err="1"/>
+              <a:t>script</a:t>
+            </a:r>
+            <a:r>
+              <a:rPr lang="de-DE" baseline="0" dirty="0"/>
+              <a:t>&gt;-Tag im &lt;</a:t>
+            </a:r>
+            <a:r>
+              <a:rPr lang="de-DE" baseline="0" dirty="0" err="1"/>
+              <a:t>head</a:t>
+            </a:r>
+            <a:r>
+              <a:rPr lang="de-DE" baseline="0" dirty="0"/>
+              <a:t>&gt;</a:t>
             </a:r>
           </a:p>
           <a:p>
@@ -1080,19 +1213,1010 @@
               <a:buChar char="•"/>
             </a:pPr>
             <a:r>
-              <a:rPr lang="de-DE" baseline="0" dirty="0" smtClean="0">
+              <a:rPr lang="de-DE" baseline="0" dirty="0"/>
+              <a:t>Dann kann man CSS-Klassen auf HTML-Elemente anwenden</a:t>
+            </a:r>
+          </a:p>
+          <a:p>
+            <a:pPr marL="171450" indent="-171450">
+              <a:buFont typeface="Arial" panose="020B0604020202020204" pitchFamily="34" charset="0"/>
+              <a:buChar char="•"/>
+            </a:pPr>
+            <a:r>
+              <a:rPr lang="de-DE" baseline="0" dirty="0"/>
+              <a:t>Wir haben natürlich auch eigene CSS-Klassen geschrieben, welche in der Datei </a:t>
+            </a:r>
+            <a:r>
+              <a:rPr lang="de-DE" b="1" baseline="0" dirty="0"/>
+              <a:t>main.css</a:t>
+            </a:r>
+            <a:r>
+              <a:rPr lang="de-DE" baseline="0" dirty="0"/>
+              <a:t> zu sehen sind </a:t>
+            </a:r>
+            <a:r>
+              <a:rPr lang="de-DE" b="1" baseline="0" dirty="0"/>
+              <a:t>SWITCH TO CODE</a:t>
+            </a:r>
+          </a:p>
+          <a:p>
+            <a:pPr marL="171450" indent="-171450">
+              <a:buFont typeface="Arial" panose="020B0604020202020204" pitchFamily="34" charset="0"/>
+              <a:buChar char="•"/>
+            </a:pPr>
+            <a:r>
+              <a:rPr lang="de-DE" b="0" baseline="0" dirty="0"/>
+              <a:t>CSS-Einbindungen in </a:t>
+            </a:r>
+            <a:r>
+              <a:rPr lang="de-DE" b="1" baseline="0" dirty="0"/>
+              <a:t>index.html</a:t>
+            </a:r>
+            <a:r>
+              <a:rPr lang="de-DE" b="0" baseline="0" dirty="0"/>
+              <a:t> zeigen</a:t>
+            </a:r>
+          </a:p>
+          <a:p>
+            <a:pPr marL="171450" indent="-171450">
+              <a:buFont typeface="Arial" panose="020B0604020202020204" pitchFamily="34" charset="0"/>
+              <a:buChar char="•"/>
+            </a:pPr>
+            <a:r>
+              <a:rPr lang="de-DE" b="0" baseline="0" dirty="0"/>
+              <a:t>Weitere Vorteil von Bootstrap: Webseite wird </a:t>
+            </a:r>
+            <a:r>
+              <a:rPr lang="de-DE" b="0" baseline="0" dirty="0" err="1"/>
+              <a:t>responsive</a:t>
+            </a:r>
+            <a:r>
+              <a:rPr lang="de-DE" b="0" baseline="0" dirty="0"/>
+              <a:t> </a:t>
+            </a:r>
+            <a:r>
+              <a:rPr lang="de-DE" b="0" baseline="0" dirty="0">
+                <a:sym typeface="Wingdings" panose="05000000000000000000" pitchFamily="2" charset="2"/>
+              </a:rPr>
+              <a:t> </a:t>
+            </a:r>
+            <a:r>
+              <a:rPr lang="de-DE" b="1" baseline="0" dirty="0">
+                <a:sym typeface="Wingdings" panose="05000000000000000000" pitchFamily="2" charset="2"/>
+              </a:rPr>
+              <a:t>DEMO</a:t>
+            </a:r>
+            <a:endParaRPr lang="de-DE" b="0" dirty="0"/>
+          </a:p>
+        </p:txBody>
+      </p:sp>
+      <p:sp>
+        <p:nvSpPr>
+          <p:cNvPr id="4" name="Foliennummernplatzhalter 3"/>
+          <p:cNvSpPr>
+            <a:spLocks noGrp="1"/>
+          </p:cNvSpPr>
+          <p:nvPr>
+            <p:ph type="sldNum" sz="quarter" idx="10"/>
+          </p:nvPr>
+        </p:nvSpPr>
+        <p:spPr/>
+        <p:txBody>
+          <a:bodyPr/>
+          <a:lstStyle/>
+          <a:p>
+            <a:fld id="{F9031C81-7C06-4D17-A409-93B7E93D369C}" type="slidenum">
+              <a:rPr lang="de-DE" smtClean="0"/>
+              <a:t>15</a:t>
+            </a:fld>
+            <a:endParaRPr lang="de-DE"/>
+          </a:p>
+        </p:txBody>
+      </p:sp>
+    </p:spTree>
+    <p:extLst>
+      <p:ext uri="{BB962C8B-B14F-4D97-AF65-F5344CB8AC3E}">
+        <p14:creationId xmlns:p14="http://schemas.microsoft.com/office/powerpoint/2010/main" val="1387559421"/>
+      </p:ext>
+    </p:extLst>
+  </p:cSld>
+  <p:clrMapOvr>
+    <a:masterClrMapping/>
+  </p:clrMapOvr>
+</p:notes>
+</file>
+
+<file path=ppt/notesSlides/notesSlide14.xml><?xml version="1.0" encoding="utf-8"?>
+<p:notes xmlns:a="http://schemas.openxmlformats.org/drawingml/2006/main" xmlns:r="http://schemas.openxmlformats.org/officeDocument/2006/relationships" xmlns:p="http://schemas.openxmlformats.org/presentationml/2006/main">
+  <p:cSld>
+    <p:spTree>
+      <p:nvGrpSpPr>
+        <p:cNvPr id="1" name=""/>
+        <p:cNvGrpSpPr/>
+        <p:nvPr/>
+      </p:nvGrpSpPr>
+      <p:grpSpPr>
+        <a:xfrm>
+          <a:off x="0" y="0"/>
+          <a:ext cx="0" cy="0"/>
+          <a:chOff x="0" y="0"/>
+          <a:chExt cx="0" cy="0"/>
+        </a:xfrm>
+      </p:grpSpPr>
+      <p:sp>
+        <p:nvSpPr>
+          <p:cNvPr id="2" name="Folienbildplatzhalter 1"/>
+          <p:cNvSpPr>
+            <a:spLocks noGrp="1" noRot="1" noChangeAspect="1"/>
+          </p:cNvSpPr>
+          <p:nvPr>
+            <p:ph type="sldImg"/>
+          </p:nvPr>
+        </p:nvSpPr>
+        <p:spPr/>
+      </p:sp>
+      <p:sp>
+        <p:nvSpPr>
+          <p:cNvPr id="3" name="Notizenplatzhalter 2"/>
+          <p:cNvSpPr>
+            <a:spLocks noGrp="1"/>
+          </p:cNvSpPr>
+          <p:nvPr>
+            <p:ph type="body" idx="1"/>
+          </p:nvPr>
+        </p:nvSpPr>
+        <p:spPr/>
+        <p:txBody>
+          <a:bodyPr/>
+          <a:lstStyle/>
+          <a:p>
+            <a:pPr marL="171450" indent="-171450">
+              <a:buFont typeface="Arial" panose="020B0604020202020204" pitchFamily="34" charset="0"/>
+              <a:buChar char="•"/>
+            </a:pPr>
+            <a:r>
+              <a:rPr lang="de-DE" dirty="0"/>
+              <a:t>Zur optischen Verschönerung der Seite haben wir das</a:t>
+            </a:r>
+            <a:r>
+              <a:rPr lang="de-DE" baseline="0" dirty="0"/>
+              <a:t> CSS-Framework </a:t>
+            </a:r>
+            <a:r>
+              <a:rPr lang="de-DE" baseline="0" dirty="0" err="1"/>
+              <a:t>Boostrap</a:t>
+            </a:r>
+            <a:r>
+              <a:rPr lang="de-DE" baseline="0" dirty="0"/>
+              <a:t> von Twitter verwendet</a:t>
+            </a:r>
+          </a:p>
+          <a:p>
+            <a:pPr marL="171450" indent="-171450">
+              <a:buFont typeface="Arial" panose="020B0604020202020204" pitchFamily="34" charset="0"/>
+              <a:buChar char="•"/>
+            </a:pPr>
+            <a:r>
+              <a:rPr lang="de-DE" dirty="0"/>
+              <a:t>Bei</a:t>
+            </a:r>
+            <a:r>
+              <a:rPr lang="de-DE" baseline="0" dirty="0"/>
+              <a:t> Demo gesehen: Schöne Navigationsbar, Buttons usw.</a:t>
+            </a:r>
+          </a:p>
+          <a:p>
+            <a:pPr marL="171450" indent="-171450">
+              <a:buFont typeface="Arial" panose="020B0604020202020204" pitchFamily="34" charset="0"/>
+              <a:buChar char="•"/>
+            </a:pPr>
+            <a:r>
+              <a:rPr lang="de-DE" baseline="0" dirty="0"/>
+              <a:t>Einbindung erfolgt durch &lt;</a:t>
+            </a:r>
+            <a:r>
+              <a:rPr lang="de-DE" baseline="0" dirty="0" err="1"/>
+              <a:t>script</a:t>
+            </a:r>
+            <a:r>
+              <a:rPr lang="de-DE" baseline="0" dirty="0"/>
+              <a:t>&gt;-Tag im &lt;</a:t>
+            </a:r>
+            <a:r>
+              <a:rPr lang="de-DE" baseline="0" dirty="0" err="1"/>
+              <a:t>head</a:t>
+            </a:r>
+            <a:r>
+              <a:rPr lang="de-DE" baseline="0" dirty="0"/>
+              <a:t>&gt;</a:t>
+            </a:r>
+          </a:p>
+          <a:p>
+            <a:pPr marL="171450" indent="-171450">
+              <a:buFont typeface="Arial" panose="020B0604020202020204" pitchFamily="34" charset="0"/>
+              <a:buChar char="•"/>
+            </a:pPr>
+            <a:r>
+              <a:rPr lang="de-DE" baseline="0" dirty="0"/>
+              <a:t>Dann kann man CSS-Klassen auf HTML-Elemente anwenden</a:t>
+            </a:r>
+          </a:p>
+          <a:p>
+            <a:pPr marL="171450" indent="-171450">
+              <a:buFont typeface="Arial" panose="020B0604020202020204" pitchFamily="34" charset="0"/>
+              <a:buChar char="•"/>
+            </a:pPr>
+            <a:r>
+              <a:rPr lang="de-DE" baseline="0" dirty="0"/>
+              <a:t>Wir haben natürlich auch eigene CSS-Klassen geschrieben, welche in der Datei </a:t>
+            </a:r>
+            <a:r>
+              <a:rPr lang="de-DE" b="1" baseline="0" dirty="0"/>
+              <a:t>main.css</a:t>
+            </a:r>
+            <a:r>
+              <a:rPr lang="de-DE" baseline="0" dirty="0"/>
+              <a:t> zu sehen sind </a:t>
+            </a:r>
+            <a:r>
+              <a:rPr lang="de-DE" b="1" baseline="0" dirty="0"/>
+              <a:t>SWITCH TO CODE</a:t>
+            </a:r>
+          </a:p>
+          <a:p>
+            <a:pPr marL="171450" indent="-171450">
+              <a:buFont typeface="Arial" panose="020B0604020202020204" pitchFamily="34" charset="0"/>
+              <a:buChar char="•"/>
+            </a:pPr>
+            <a:r>
+              <a:rPr lang="de-DE" b="0" baseline="0" dirty="0"/>
+              <a:t>CSS-Einbindungen in </a:t>
+            </a:r>
+            <a:r>
+              <a:rPr lang="de-DE" b="1" baseline="0" dirty="0"/>
+              <a:t>index.html</a:t>
+            </a:r>
+            <a:r>
+              <a:rPr lang="de-DE" b="0" baseline="0" dirty="0"/>
+              <a:t> zeigen</a:t>
+            </a:r>
+          </a:p>
+          <a:p>
+            <a:pPr marL="171450" indent="-171450">
+              <a:buFont typeface="Arial" panose="020B0604020202020204" pitchFamily="34" charset="0"/>
+              <a:buChar char="•"/>
+            </a:pPr>
+            <a:r>
+              <a:rPr lang="de-DE" b="0" baseline="0" dirty="0"/>
+              <a:t>Weitere Vorteil von Bootstrap: Webseite wird </a:t>
+            </a:r>
+            <a:r>
+              <a:rPr lang="de-DE" b="0" baseline="0" dirty="0" err="1"/>
+              <a:t>responsive</a:t>
+            </a:r>
+            <a:r>
+              <a:rPr lang="de-DE" b="0" baseline="0" dirty="0"/>
+              <a:t> </a:t>
+            </a:r>
+            <a:r>
+              <a:rPr lang="de-DE" b="0" baseline="0" dirty="0">
+                <a:sym typeface="Wingdings" panose="05000000000000000000" pitchFamily="2" charset="2"/>
+              </a:rPr>
+              <a:t> </a:t>
+            </a:r>
+            <a:r>
+              <a:rPr lang="de-DE" b="1" baseline="0" dirty="0">
+                <a:sym typeface="Wingdings" panose="05000000000000000000" pitchFamily="2" charset="2"/>
+              </a:rPr>
+              <a:t>DEMO</a:t>
+            </a:r>
+            <a:endParaRPr lang="de-DE" b="0" dirty="0"/>
+          </a:p>
+        </p:txBody>
+      </p:sp>
+      <p:sp>
+        <p:nvSpPr>
+          <p:cNvPr id="4" name="Foliennummernplatzhalter 3"/>
+          <p:cNvSpPr>
+            <a:spLocks noGrp="1"/>
+          </p:cNvSpPr>
+          <p:nvPr>
+            <p:ph type="sldNum" sz="quarter" idx="10"/>
+          </p:nvPr>
+        </p:nvSpPr>
+        <p:spPr/>
+        <p:txBody>
+          <a:bodyPr/>
+          <a:lstStyle/>
+          <a:p>
+            <a:fld id="{F9031C81-7C06-4D17-A409-93B7E93D369C}" type="slidenum">
+              <a:rPr lang="de-DE" smtClean="0"/>
+              <a:t>16</a:t>
+            </a:fld>
+            <a:endParaRPr lang="de-DE"/>
+          </a:p>
+        </p:txBody>
+      </p:sp>
+    </p:spTree>
+    <p:extLst>
+      <p:ext uri="{BB962C8B-B14F-4D97-AF65-F5344CB8AC3E}">
+        <p14:creationId xmlns:p14="http://schemas.microsoft.com/office/powerpoint/2010/main" val="3446358439"/>
+      </p:ext>
+    </p:extLst>
+  </p:cSld>
+  <p:clrMapOvr>
+    <a:masterClrMapping/>
+  </p:clrMapOvr>
+</p:notes>
+</file>
+
+<file path=ppt/notesSlides/notesSlide15.xml><?xml version="1.0" encoding="utf-8"?>
+<p:notes xmlns:a="http://schemas.openxmlformats.org/drawingml/2006/main" xmlns:r="http://schemas.openxmlformats.org/officeDocument/2006/relationships" xmlns:p="http://schemas.openxmlformats.org/presentationml/2006/main">
+  <p:cSld>
+    <p:spTree>
+      <p:nvGrpSpPr>
+        <p:cNvPr id="1" name=""/>
+        <p:cNvGrpSpPr/>
+        <p:nvPr/>
+      </p:nvGrpSpPr>
+      <p:grpSpPr>
+        <a:xfrm>
+          <a:off x="0" y="0"/>
+          <a:ext cx="0" cy="0"/>
+          <a:chOff x="0" y="0"/>
+          <a:chExt cx="0" cy="0"/>
+        </a:xfrm>
+      </p:grpSpPr>
+      <p:sp>
+        <p:nvSpPr>
+          <p:cNvPr id="2" name="Folienbildplatzhalter 1"/>
+          <p:cNvSpPr>
+            <a:spLocks noGrp="1" noRot="1" noChangeAspect="1"/>
+          </p:cNvSpPr>
+          <p:nvPr>
+            <p:ph type="sldImg"/>
+          </p:nvPr>
+        </p:nvSpPr>
+        <p:spPr/>
+      </p:sp>
+      <p:sp>
+        <p:nvSpPr>
+          <p:cNvPr id="3" name="Notizenplatzhalter 2"/>
+          <p:cNvSpPr>
+            <a:spLocks noGrp="1"/>
+          </p:cNvSpPr>
+          <p:nvPr>
+            <p:ph type="body" idx="1"/>
+          </p:nvPr>
+        </p:nvSpPr>
+        <p:spPr/>
+        <p:txBody>
+          <a:bodyPr/>
+          <a:lstStyle/>
+          <a:p>
+            <a:pPr marL="171450" indent="-171450">
+              <a:buFont typeface="Arial" panose="020B0604020202020204" pitchFamily="34" charset="0"/>
+              <a:buChar char="•"/>
+            </a:pPr>
+            <a:r>
+              <a:rPr lang="de-DE" dirty="0"/>
+              <a:t>Zur optischen Verschönerung der Seite haben wir das</a:t>
+            </a:r>
+            <a:r>
+              <a:rPr lang="de-DE" baseline="0" dirty="0"/>
+              <a:t> CSS-Framework </a:t>
+            </a:r>
+            <a:r>
+              <a:rPr lang="de-DE" baseline="0" dirty="0" err="1"/>
+              <a:t>Boostrap</a:t>
+            </a:r>
+            <a:r>
+              <a:rPr lang="de-DE" baseline="0" dirty="0"/>
+              <a:t> von Twitter verwendet</a:t>
+            </a:r>
+          </a:p>
+          <a:p>
+            <a:pPr marL="171450" indent="-171450">
+              <a:buFont typeface="Arial" panose="020B0604020202020204" pitchFamily="34" charset="0"/>
+              <a:buChar char="•"/>
+            </a:pPr>
+            <a:r>
+              <a:rPr lang="de-DE" dirty="0"/>
+              <a:t>Bei</a:t>
+            </a:r>
+            <a:r>
+              <a:rPr lang="de-DE" baseline="0" dirty="0"/>
+              <a:t> Demo gesehen: Schöne Navigationsbar, Buttons usw.</a:t>
+            </a:r>
+          </a:p>
+          <a:p>
+            <a:pPr marL="171450" indent="-171450">
+              <a:buFont typeface="Arial" panose="020B0604020202020204" pitchFamily="34" charset="0"/>
+              <a:buChar char="•"/>
+            </a:pPr>
+            <a:r>
+              <a:rPr lang="de-DE" baseline="0" dirty="0"/>
+              <a:t>Einbindung erfolgt durch &lt;</a:t>
+            </a:r>
+            <a:r>
+              <a:rPr lang="de-DE" baseline="0" dirty="0" err="1"/>
+              <a:t>script</a:t>
+            </a:r>
+            <a:r>
+              <a:rPr lang="de-DE" baseline="0" dirty="0"/>
+              <a:t>&gt;-Tag im &lt;</a:t>
+            </a:r>
+            <a:r>
+              <a:rPr lang="de-DE" baseline="0" dirty="0" err="1"/>
+              <a:t>head</a:t>
+            </a:r>
+            <a:r>
+              <a:rPr lang="de-DE" baseline="0" dirty="0"/>
+              <a:t>&gt;</a:t>
+            </a:r>
+          </a:p>
+          <a:p>
+            <a:pPr marL="171450" indent="-171450">
+              <a:buFont typeface="Arial" panose="020B0604020202020204" pitchFamily="34" charset="0"/>
+              <a:buChar char="•"/>
+            </a:pPr>
+            <a:r>
+              <a:rPr lang="de-DE" baseline="0" dirty="0"/>
+              <a:t>Dann kann man CSS-Klassen auf HTML-Elemente anwenden</a:t>
+            </a:r>
+          </a:p>
+          <a:p>
+            <a:pPr marL="171450" indent="-171450">
+              <a:buFont typeface="Arial" panose="020B0604020202020204" pitchFamily="34" charset="0"/>
+              <a:buChar char="•"/>
+            </a:pPr>
+            <a:r>
+              <a:rPr lang="de-DE" baseline="0" dirty="0"/>
+              <a:t>Wir haben natürlich auch eigene CSS-Klassen geschrieben, welche in der Datei </a:t>
+            </a:r>
+            <a:r>
+              <a:rPr lang="de-DE" b="1" baseline="0" dirty="0"/>
+              <a:t>main.css</a:t>
+            </a:r>
+            <a:r>
+              <a:rPr lang="de-DE" baseline="0" dirty="0"/>
+              <a:t> zu sehen sind </a:t>
+            </a:r>
+            <a:r>
+              <a:rPr lang="de-DE" b="1" baseline="0" dirty="0"/>
+              <a:t>SWITCH TO CODE</a:t>
+            </a:r>
+          </a:p>
+          <a:p>
+            <a:pPr marL="171450" indent="-171450">
+              <a:buFont typeface="Arial" panose="020B0604020202020204" pitchFamily="34" charset="0"/>
+              <a:buChar char="•"/>
+            </a:pPr>
+            <a:r>
+              <a:rPr lang="de-DE" b="0" baseline="0" dirty="0"/>
+              <a:t>CSS-Einbindungen in </a:t>
+            </a:r>
+            <a:r>
+              <a:rPr lang="de-DE" b="1" baseline="0" dirty="0"/>
+              <a:t>index.html</a:t>
+            </a:r>
+            <a:r>
+              <a:rPr lang="de-DE" b="0" baseline="0" dirty="0"/>
+              <a:t> zeigen</a:t>
+            </a:r>
+          </a:p>
+          <a:p>
+            <a:pPr marL="171450" indent="-171450">
+              <a:buFont typeface="Arial" panose="020B0604020202020204" pitchFamily="34" charset="0"/>
+              <a:buChar char="•"/>
+            </a:pPr>
+            <a:r>
+              <a:rPr lang="de-DE" b="0" baseline="0" dirty="0"/>
+              <a:t>Weitere Vorteil von Bootstrap: Webseite wird </a:t>
+            </a:r>
+            <a:r>
+              <a:rPr lang="de-DE" b="0" baseline="0" dirty="0" err="1"/>
+              <a:t>responsive</a:t>
+            </a:r>
+            <a:r>
+              <a:rPr lang="de-DE" b="0" baseline="0" dirty="0"/>
+              <a:t> </a:t>
+            </a:r>
+            <a:r>
+              <a:rPr lang="de-DE" b="0" baseline="0" dirty="0">
+                <a:sym typeface="Wingdings" panose="05000000000000000000" pitchFamily="2" charset="2"/>
+              </a:rPr>
+              <a:t> </a:t>
+            </a:r>
+            <a:r>
+              <a:rPr lang="de-DE" b="1" baseline="0" dirty="0">
+                <a:sym typeface="Wingdings" panose="05000000000000000000" pitchFamily="2" charset="2"/>
+              </a:rPr>
+              <a:t>DEMO</a:t>
+            </a:r>
+            <a:endParaRPr lang="de-DE" b="0" dirty="0"/>
+          </a:p>
+        </p:txBody>
+      </p:sp>
+      <p:sp>
+        <p:nvSpPr>
+          <p:cNvPr id="4" name="Foliennummernplatzhalter 3"/>
+          <p:cNvSpPr>
+            <a:spLocks noGrp="1"/>
+          </p:cNvSpPr>
+          <p:nvPr>
+            <p:ph type="sldNum" sz="quarter" idx="10"/>
+          </p:nvPr>
+        </p:nvSpPr>
+        <p:spPr/>
+        <p:txBody>
+          <a:bodyPr/>
+          <a:lstStyle/>
+          <a:p>
+            <a:fld id="{F9031C81-7C06-4D17-A409-93B7E93D369C}" type="slidenum">
+              <a:rPr lang="de-DE" smtClean="0"/>
+              <a:t>17</a:t>
+            </a:fld>
+            <a:endParaRPr lang="de-DE"/>
+          </a:p>
+        </p:txBody>
+      </p:sp>
+    </p:spTree>
+    <p:extLst>
+      <p:ext uri="{BB962C8B-B14F-4D97-AF65-F5344CB8AC3E}">
+        <p14:creationId xmlns:p14="http://schemas.microsoft.com/office/powerpoint/2010/main" val="1012077264"/>
+      </p:ext>
+    </p:extLst>
+  </p:cSld>
+  <p:clrMapOvr>
+    <a:masterClrMapping/>
+  </p:clrMapOvr>
+</p:notes>
+</file>
+
+<file path=ppt/notesSlides/notesSlide16.xml><?xml version="1.0" encoding="utf-8"?>
+<p:notes xmlns:a="http://schemas.openxmlformats.org/drawingml/2006/main" xmlns:r="http://schemas.openxmlformats.org/officeDocument/2006/relationships" xmlns:p="http://schemas.openxmlformats.org/presentationml/2006/main">
+  <p:cSld>
+    <p:spTree>
+      <p:nvGrpSpPr>
+        <p:cNvPr id="1" name=""/>
+        <p:cNvGrpSpPr/>
+        <p:nvPr/>
+      </p:nvGrpSpPr>
+      <p:grpSpPr>
+        <a:xfrm>
+          <a:off x="0" y="0"/>
+          <a:ext cx="0" cy="0"/>
+          <a:chOff x="0" y="0"/>
+          <a:chExt cx="0" cy="0"/>
+        </a:xfrm>
+      </p:grpSpPr>
+      <p:sp>
+        <p:nvSpPr>
+          <p:cNvPr id="2" name="Folienbildplatzhalter 1"/>
+          <p:cNvSpPr>
+            <a:spLocks noGrp="1" noRot="1" noChangeAspect="1"/>
+          </p:cNvSpPr>
+          <p:nvPr>
+            <p:ph type="sldImg"/>
+          </p:nvPr>
+        </p:nvSpPr>
+        <p:spPr/>
+      </p:sp>
+      <p:sp>
+        <p:nvSpPr>
+          <p:cNvPr id="3" name="Notizenplatzhalter 2"/>
+          <p:cNvSpPr>
+            <a:spLocks noGrp="1"/>
+          </p:cNvSpPr>
+          <p:nvPr>
+            <p:ph type="body" idx="1"/>
+          </p:nvPr>
+        </p:nvSpPr>
+        <p:spPr/>
+        <p:txBody>
+          <a:bodyPr/>
+          <a:lstStyle/>
+          <a:p>
+            <a:pPr marL="171450" indent="-171450">
+              <a:buFont typeface="Arial" panose="020B0604020202020204" pitchFamily="34" charset="0"/>
+              <a:buChar char="•"/>
+            </a:pPr>
+            <a:r>
+              <a:rPr lang="de-DE" dirty="0"/>
+              <a:t>Ist ein Webseitennutzer</a:t>
+            </a:r>
+            <a:r>
+              <a:rPr lang="de-DE" baseline="0" dirty="0"/>
+              <a:t> Teilnehmer des Sportfestes und registriert, dann sind für ihn in der Datenbank Wettkampfergebnisse hinterlegt, welche er sich durch Anmelden auf der Seite anschauen kann</a:t>
+            </a:r>
+          </a:p>
+          <a:p>
+            <a:pPr marL="171450" indent="-171450">
+              <a:buFont typeface="Arial" panose="020B0604020202020204" pitchFamily="34" charset="0"/>
+              <a:buChar char="•"/>
+            </a:pPr>
+            <a:r>
+              <a:rPr lang="de-DE" baseline="0" dirty="0"/>
+              <a:t>Dafür benötigen wir einen Server, der die Datenbankzugriffe koordiniert und bestimmte Services anbietet und eine Technologie, die diesen Service konsumiert und sein Ergebnis ans Frontend übermittelt </a:t>
+            </a:r>
+          </a:p>
+          <a:p>
+            <a:pPr marL="171450" indent="-171450">
+              <a:buFont typeface="Arial" panose="020B0604020202020204" pitchFamily="34" charset="0"/>
+              <a:buChar char="•"/>
+            </a:pPr>
+            <a:r>
+              <a:rPr lang="de-DE" baseline="0" dirty="0"/>
+              <a:t>Bei uns wird das mit einem REST-Service in node.js und einem </a:t>
+            </a:r>
+            <a:r>
+              <a:rPr lang="de-DE" baseline="0" dirty="0" err="1"/>
+              <a:t>jQuery</a:t>
+            </a:r>
+            <a:r>
+              <a:rPr lang="de-DE" baseline="0" dirty="0"/>
+              <a:t> AJAX-Call in JavaScript gemacht</a:t>
+            </a:r>
+          </a:p>
+        </p:txBody>
+      </p:sp>
+      <p:sp>
+        <p:nvSpPr>
+          <p:cNvPr id="4" name="Foliennummernplatzhalter 3"/>
+          <p:cNvSpPr>
+            <a:spLocks noGrp="1"/>
+          </p:cNvSpPr>
+          <p:nvPr>
+            <p:ph type="sldNum" sz="quarter" idx="10"/>
+          </p:nvPr>
+        </p:nvSpPr>
+        <p:spPr/>
+        <p:txBody>
+          <a:bodyPr/>
+          <a:lstStyle/>
+          <a:p>
+            <a:fld id="{F9031C81-7C06-4D17-A409-93B7E93D369C}" type="slidenum">
+              <a:rPr lang="de-DE" smtClean="0"/>
+              <a:t>18</a:t>
+            </a:fld>
+            <a:endParaRPr lang="de-DE"/>
+          </a:p>
+        </p:txBody>
+      </p:sp>
+    </p:spTree>
+    <p:extLst>
+      <p:ext uri="{BB962C8B-B14F-4D97-AF65-F5344CB8AC3E}">
+        <p14:creationId xmlns:p14="http://schemas.microsoft.com/office/powerpoint/2010/main" val="673066527"/>
+      </p:ext>
+    </p:extLst>
+  </p:cSld>
+  <p:clrMapOvr>
+    <a:masterClrMapping/>
+  </p:clrMapOvr>
+</p:notes>
+</file>
+
+<file path=ppt/notesSlides/notesSlide17.xml><?xml version="1.0" encoding="utf-8"?>
+<p:notes xmlns:a="http://schemas.openxmlformats.org/drawingml/2006/main" xmlns:r="http://schemas.openxmlformats.org/officeDocument/2006/relationships" xmlns:p="http://schemas.openxmlformats.org/presentationml/2006/main">
+  <p:cSld>
+    <p:spTree>
+      <p:nvGrpSpPr>
+        <p:cNvPr id="1" name=""/>
+        <p:cNvGrpSpPr/>
+        <p:nvPr/>
+      </p:nvGrpSpPr>
+      <p:grpSpPr>
+        <a:xfrm>
+          <a:off x="0" y="0"/>
+          <a:ext cx="0" cy="0"/>
+          <a:chOff x="0" y="0"/>
+          <a:chExt cx="0" cy="0"/>
+        </a:xfrm>
+      </p:grpSpPr>
+      <p:sp>
+        <p:nvSpPr>
+          <p:cNvPr id="2" name="Folienbildplatzhalter 1"/>
+          <p:cNvSpPr>
+            <a:spLocks noGrp="1" noRot="1" noChangeAspect="1"/>
+          </p:cNvSpPr>
+          <p:nvPr>
+            <p:ph type="sldImg"/>
+          </p:nvPr>
+        </p:nvSpPr>
+        <p:spPr/>
+      </p:sp>
+      <p:sp>
+        <p:nvSpPr>
+          <p:cNvPr id="3" name="Notizenplatzhalter 2"/>
+          <p:cNvSpPr>
+            <a:spLocks noGrp="1"/>
+          </p:cNvSpPr>
+          <p:nvPr>
+            <p:ph type="body" idx="1"/>
+          </p:nvPr>
+        </p:nvSpPr>
+        <p:spPr/>
+        <p:txBody>
+          <a:bodyPr/>
+          <a:lstStyle/>
+          <a:p>
+            <a:pPr marL="171450" indent="-171450">
+              <a:buFont typeface="Arial" panose="020B0604020202020204" pitchFamily="34" charset="0"/>
+              <a:buChar char="•"/>
+            </a:pPr>
+            <a:r>
+              <a:rPr lang="de-DE" b="0" dirty="0"/>
+              <a:t>Das</a:t>
+            </a:r>
+            <a:r>
+              <a:rPr lang="de-DE" b="0" baseline="0" dirty="0"/>
+              <a:t> ist die URL, die wir am Ende aufrufen wollen, um die gewünschten Daten zu erhalten</a:t>
+            </a:r>
+            <a:endParaRPr lang="de-DE" b="0" dirty="0"/>
+          </a:p>
+          <a:p>
+            <a:pPr marL="171450" indent="-171450">
+              <a:buFont typeface="Arial" panose="020B0604020202020204" pitchFamily="34" charset="0"/>
+              <a:buChar char="•"/>
+            </a:pPr>
+            <a:r>
+              <a:rPr lang="de-DE" b="1" dirty="0"/>
+              <a:t>SWITCH TO CODE </a:t>
+            </a:r>
+            <a:r>
+              <a:rPr lang="de-DE" b="0" dirty="0">
+                <a:sym typeface="Wingdings" panose="05000000000000000000" pitchFamily="2" charset="2"/>
+              </a:rPr>
+              <a:t></a:t>
+            </a:r>
+            <a:r>
+              <a:rPr lang="de-DE" b="0" baseline="0" dirty="0">
+                <a:sym typeface="Wingdings" panose="05000000000000000000" pitchFamily="2" charset="2"/>
+              </a:rPr>
+              <a:t> </a:t>
+            </a:r>
+            <a:r>
+              <a:rPr lang="de-DE" b="1" baseline="0" dirty="0">
+                <a:sym typeface="Wingdings" panose="05000000000000000000" pitchFamily="2" charset="2"/>
+              </a:rPr>
+              <a:t>server.js</a:t>
+            </a:r>
+          </a:p>
+          <a:p>
+            <a:pPr marL="171450" indent="-171450">
+              <a:buFont typeface="Arial" panose="020B0604020202020204" pitchFamily="34" charset="0"/>
+              <a:buChar char="•"/>
+            </a:pPr>
+            <a:r>
+              <a:rPr lang="de-DE" b="0" i="1" baseline="0" dirty="0">
+                <a:sym typeface="Wingdings" panose="05000000000000000000" pitchFamily="2" charset="2"/>
+              </a:rPr>
+              <a:t>Nach Erklärung Service in Browser aufrufen</a:t>
+            </a:r>
+          </a:p>
+          <a:p>
+            <a:pPr marL="171450" indent="-171450">
+              <a:buFont typeface="Arial" panose="020B0604020202020204" pitchFamily="34" charset="0"/>
+              <a:buChar char="•"/>
+            </a:pPr>
+            <a:r>
+              <a:rPr lang="de-DE" b="1" i="0" dirty="0"/>
+              <a:t>SWITCH</a:t>
+            </a:r>
+            <a:r>
+              <a:rPr lang="de-DE" b="1" i="0" baseline="0" dirty="0"/>
+              <a:t> TO CODE </a:t>
+            </a:r>
+            <a:r>
+              <a:rPr lang="de-DE" b="0" i="0" baseline="0" dirty="0">
+                <a:sym typeface="Wingdings" panose="05000000000000000000" pitchFamily="2" charset="2"/>
+              </a:rPr>
+              <a:t> </a:t>
+            </a:r>
+            <a:r>
+              <a:rPr lang="de-DE" b="1" i="0" baseline="0" dirty="0">
+                <a:sym typeface="Wingdings" panose="05000000000000000000" pitchFamily="2" charset="2"/>
+              </a:rPr>
+              <a:t>AJAX-Call </a:t>
+            </a:r>
+            <a:r>
+              <a:rPr lang="de-DE" b="0" i="0" baseline="0" dirty="0">
+                <a:sym typeface="Wingdings" panose="05000000000000000000" pitchFamily="2" charset="2"/>
+              </a:rPr>
+              <a:t>in </a:t>
+            </a:r>
+            <a:r>
+              <a:rPr lang="de-DE" b="1" i="0" baseline="0" dirty="0">
+                <a:sym typeface="Wingdings" panose="05000000000000000000" pitchFamily="2" charset="2"/>
+              </a:rPr>
+              <a:t>index.html</a:t>
+            </a:r>
+            <a:endParaRPr lang="de-DE" b="0" i="1" baseline="0" dirty="0">
+              <a:sym typeface="Wingdings" panose="05000000000000000000" pitchFamily="2" charset="2"/>
+            </a:endParaRPr>
+          </a:p>
+          <a:p>
+            <a:pPr marL="171450" indent="-171450">
+              <a:buFont typeface="Arial" panose="020B0604020202020204" pitchFamily="34" charset="0"/>
+              <a:buChar char="•"/>
+            </a:pPr>
+            <a:r>
+              <a:rPr lang="de-DE" b="0" i="1" dirty="0"/>
+              <a:t>Nach</a:t>
+            </a:r>
+            <a:r>
+              <a:rPr lang="de-DE" b="0" i="1" baseline="0" dirty="0"/>
+              <a:t> Erklärung AJAX-Call im Browser bei Anmeldung debuggen</a:t>
+            </a:r>
+            <a:endParaRPr lang="de-DE" b="0" i="1" dirty="0"/>
+          </a:p>
+        </p:txBody>
+      </p:sp>
+      <p:sp>
+        <p:nvSpPr>
+          <p:cNvPr id="4" name="Foliennummernplatzhalter 3"/>
+          <p:cNvSpPr>
+            <a:spLocks noGrp="1"/>
+          </p:cNvSpPr>
+          <p:nvPr>
+            <p:ph type="sldNum" sz="quarter" idx="10"/>
+          </p:nvPr>
+        </p:nvSpPr>
+        <p:spPr/>
+        <p:txBody>
+          <a:bodyPr/>
+          <a:lstStyle/>
+          <a:p>
+            <a:fld id="{F9031C81-7C06-4D17-A409-93B7E93D369C}" type="slidenum">
+              <a:rPr lang="de-DE" smtClean="0"/>
+              <a:t>19</a:t>
+            </a:fld>
+            <a:endParaRPr lang="de-DE"/>
+          </a:p>
+        </p:txBody>
+      </p:sp>
+    </p:spTree>
+    <p:extLst>
+      <p:ext uri="{BB962C8B-B14F-4D97-AF65-F5344CB8AC3E}">
+        <p14:creationId xmlns:p14="http://schemas.microsoft.com/office/powerpoint/2010/main" val="2658417258"/>
+      </p:ext>
+    </p:extLst>
+  </p:cSld>
+  <p:clrMapOvr>
+    <a:masterClrMapping/>
+  </p:clrMapOvr>
+</p:notes>
+</file>
+
+<file path=ppt/notesSlides/notesSlide18.xml><?xml version="1.0" encoding="utf-8"?>
+<p:notes xmlns:a="http://schemas.openxmlformats.org/drawingml/2006/main" xmlns:r="http://schemas.openxmlformats.org/officeDocument/2006/relationships" xmlns:p="http://schemas.openxmlformats.org/presentationml/2006/main">
+  <p:cSld>
+    <p:spTree>
+      <p:nvGrpSpPr>
+        <p:cNvPr id="1" name=""/>
+        <p:cNvGrpSpPr/>
+        <p:nvPr/>
+      </p:nvGrpSpPr>
+      <p:grpSpPr>
+        <a:xfrm>
+          <a:off x="0" y="0"/>
+          <a:ext cx="0" cy="0"/>
+          <a:chOff x="0" y="0"/>
+          <a:chExt cx="0" cy="0"/>
+        </a:xfrm>
+      </p:grpSpPr>
+      <p:sp>
+        <p:nvSpPr>
+          <p:cNvPr id="2" name="Folienbildplatzhalter 1"/>
+          <p:cNvSpPr>
+            <a:spLocks noGrp="1" noRot="1" noChangeAspect="1"/>
+          </p:cNvSpPr>
+          <p:nvPr>
+            <p:ph type="sldImg"/>
+          </p:nvPr>
+        </p:nvSpPr>
+        <p:spPr/>
+      </p:sp>
+      <p:sp>
+        <p:nvSpPr>
+          <p:cNvPr id="3" name="Notizenplatzhalter 2"/>
+          <p:cNvSpPr>
+            <a:spLocks noGrp="1"/>
+          </p:cNvSpPr>
+          <p:nvPr>
+            <p:ph type="body" idx="1"/>
+          </p:nvPr>
+        </p:nvSpPr>
+        <p:spPr/>
+        <p:txBody>
+          <a:bodyPr/>
+          <a:lstStyle/>
+          <a:p>
+            <a:pPr marL="171450" indent="-171450">
+              <a:buFont typeface="Arial" panose="020B0604020202020204" pitchFamily="34" charset="0"/>
+              <a:buChar char="•"/>
+            </a:pPr>
+            <a:r>
+              <a:rPr lang="de-DE" dirty="0"/>
+              <a:t>Kurzes Fazit</a:t>
+            </a:r>
+          </a:p>
+          <a:p>
+            <a:pPr marL="171450" indent="-171450">
+              <a:buFont typeface="Arial" panose="020B0604020202020204" pitchFamily="34" charset="0"/>
+              <a:buChar char="•"/>
+            </a:pPr>
+            <a:r>
+              <a:rPr lang="de-DE" dirty="0"/>
+              <a:t>Grundverständnis</a:t>
+            </a:r>
+            <a:r>
+              <a:rPr lang="de-DE" baseline="0" dirty="0"/>
+              <a:t> der verwendeten Technologien </a:t>
+            </a:r>
+            <a:r>
+              <a:rPr lang="de-DE" baseline="0" dirty="0">
+                <a:sym typeface="Wingdings" panose="05000000000000000000" pitchFamily="2" charset="2"/>
+              </a:rPr>
+              <a:t> JA!</a:t>
+            </a:r>
+          </a:p>
+          <a:p>
+            <a:pPr marL="171450" indent="-171450">
+              <a:buFont typeface="Arial" panose="020B0604020202020204" pitchFamily="34" charset="0"/>
+              <a:buChar char="•"/>
+            </a:pPr>
+            <a:r>
+              <a:rPr lang="de-DE" baseline="0" dirty="0">
+                <a:sym typeface="Wingdings" panose="05000000000000000000" pitchFamily="2" charset="2"/>
+              </a:rPr>
+              <a:t>Für manche Technologien reicht das aus, um sie voll auszuschöpfen (</a:t>
+            </a:r>
+            <a:r>
+              <a:rPr lang="de-DE" baseline="0" dirty="0" err="1">
+                <a:sym typeface="Wingdings" panose="05000000000000000000" pitchFamily="2" charset="2"/>
+              </a:rPr>
+              <a:t>z.B</a:t>
+            </a:r>
+            <a:r>
+              <a:rPr lang="de-DE" baseline="0" dirty="0">
+                <a:sym typeface="Wingdings" panose="05000000000000000000" pitchFamily="2" charset="2"/>
+              </a:rPr>
+              <a:t> Heise </a:t>
+            </a:r>
+            <a:r>
+              <a:rPr lang="de-DE" baseline="0" dirty="0" err="1">
+                <a:sym typeface="Wingdings" panose="05000000000000000000" pitchFamily="2" charset="2"/>
+              </a:rPr>
+              <a:t>Plugin</a:t>
+            </a:r>
+            <a:r>
+              <a:rPr lang="de-DE" baseline="0" dirty="0">
+                <a:sym typeface="Wingdings" panose="05000000000000000000" pitchFamily="2" charset="2"/>
+              </a:rPr>
+              <a:t>)</a:t>
+            </a:r>
+          </a:p>
+          <a:p>
+            <a:pPr marL="171450" indent="-171450">
+              <a:buFont typeface="Arial" panose="020B0604020202020204" pitchFamily="34" charset="0"/>
+              <a:buChar char="•"/>
+            </a:pPr>
+            <a:r>
+              <a:rPr lang="de-DE" baseline="0" dirty="0">
                 <a:sym typeface="Wingdings" panose="05000000000000000000" pitchFamily="2" charset="2"/>
               </a:rPr>
               <a:t>Für komplexere braucht man tiefgründiges Wissen, um die Technologien zu meistern, da sie zu mächtig sind  Google </a:t>
             </a:r>
             <a:r>
-              <a:rPr lang="de-DE" baseline="0" dirty="0" err="1" smtClean="0">
+              <a:rPr lang="de-DE" baseline="0" dirty="0" err="1">
                 <a:sym typeface="Wingdings" panose="05000000000000000000" pitchFamily="2" charset="2"/>
               </a:rPr>
               <a:t>Maps</a:t>
             </a:r>
             <a:r>
-              <a:rPr lang="de-DE" baseline="0" dirty="0" smtClean="0">
+              <a:rPr lang="de-DE" baseline="0" dirty="0">
                 <a:sym typeface="Wingdings" panose="05000000000000000000" pitchFamily="2" charset="2"/>
               </a:rPr>
               <a:t> API, Twitter Bootstrap, node.js</a:t>
@@ -1118,7 +2242,7 @@
           <a:p>
             <a:fld id="{F9031C81-7C06-4D17-A409-93B7E93D369C}" type="slidenum">
               <a:rPr lang="de-DE" smtClean="0"/>
-              <a:t>15</a:t>
+              <a:t>20</a:t>
             </a:fld>
             <a:endParaRPr lang="de-DE"/>
           </a:p>
@@ -1354,29 +2478,29 @@
               <a:buChar char="•"/>
             </a:pPr>
             <a:r>
-              <a:rPr lang="de-DE" dirty="0" smtClean="0"/>
+              <a:rPr lang="de-DE" dirty="0"/>
               <a:t>Wie bei</a:t>
             </a:r>
             <a:r>
-              <a:rPr lang="de-DE" baseline="0" dirty="0" smtClean="0"/>
+              <a:rPr lang="de-DE" baseline="0" dirty="0"/>
               <a:t> Demo gesehen ist unsere Website ein </a:t>
             </a:r>
             <a:r>
-              <a:rPr lang="de-DE" baseline="0" dirty="0" err="1" smtClean="0"/>
+              <a:rPr lang="de-DE" baseline="0" dirty="0" err="1"/>
               <a:t>Onepager</a:t>
             </a:r>
             <a:r>
-              <a:rPr lang="de-DE" baseline="0" dirty="0" smtClean="0"/>
+              <a:rPr lang="de-DE" baseline="0" dirty="0"/>
               <a:t>  </a:t>
             </a:r>
             <a:r>
-              <a:rPr lang="de-DE" baseline="0" dirty="0" smtClean="0">
+              <a:rPr lang="de-DE" baseline="0" dirty="0">
                 <a:sym typeface="Wingdings" panose="05000000000000000000" pitchFamily="2" charset="2"/>
               </a:rPr>
               <a:t> </a:t>
             </a:r>
             <a:r>
-              <a:rPr lang="de-DE" baseline="0" dirty="0" smtClean="0"/>
+              <a:rPr lang="de-DE" baseline="0" dirty="0"/>
               <a:t>sie beruht auf genau einer Datei. </a:t>
             </a:r>
           </a:p>
@@ -1386,19 +2510,19 @@
               <a:buChar char="•"/>
             </a:pPr>
             <a:r>
-              <a:rPr lang="de-DE" baseline="0" dirty="0" smtClean="0"/>
+              <a:rPr lang="de-DE" baseline="0" dirty="0"/>
               <a:t>Diese Datei = </a:t>
             </a:r>
             <a:r>
-              <a:rPr lang="de-DE" b="1" baseline="0" dirty="0" smtClean="0"/>
+              <a:rPr lang="de-DE" b="1" baseline="0" dirty="0"/>
               <a:t>index.html</a:t>
             </a:r>
             <a:r>
-              <a:rPr lang="de-DE" baseline="0" dirty="0" smtClean="0"/>
+              <a:rPr lang="de-DE" baseline="0" dirty="0"/>
               <a:t> </a:t>
             </a:r>
             <a:r>
-              <a:rPr lang="de-DE" baseline="0" dirty="0" smtClean="0">
+              <a:rPr lang="de-DE" baseline="0" dirty="0">
                 <a:sym typeface="Wingdings" panose="05000000000000000000" pitchFamily="2" charset="2"/>
               </a:rPr>
               <a:t> Grundgerüst für alle Anzeige- und Steuerelemente, die man gesehen hat</a:t>
@@ -1410,7 +2534,7 @@
               <a:buChar char="•"/>
             </a:pPr>
             <a:r>
-              <a:rPr lang="de-DE" b="1" i="0" baseline="0" dirty="0" smtClean="0">
+              <a:rPr lang="de-DE" b="1" i="0" baseline="0" dirty="0">
                 <a:sym typeface="Wingdings" panose="05000000000000000000" pitchFamily="2" charset="2"/>
               </a:rPr>
               <a:t>SWITCH TO CODE</a:t>
@@ -1422,31 +2546,31 @@
               <a:buChar char="•"/>
             </a:pPr>
             <a:r>
-              <a:rPr lang="de-DE" baseline="0" dirty="0" smtClean="0">
+              <a:rPr lang="de-DE" baseline="0" dirty="0">
                 <a:sym typeface="Wingdings" panose="05000000000000000000" pitchFamily="2" charset="2"/>
               </a:rPr>
               <a:t>Sie besteht typischerweise aus einem &lt;</a:t>
             </a:r>
             <a:r>
-              <a:rPr lang="de-DE" baseline="0" dirty="0" err="1" smtClean="0">
+              <a:rPr lang="de-DE" baseline="0" dirty="0" err="1">
                 <a:sym typeface="Wingdings" panose="05000000000000000000" pitchFamily="2" charset="2"/>
               </a:rPr>
               <a:t>head</a:t>
             </a:r>
             <a:r>
-              <a:rPr lang="de-DE" baseline="0" dirty="0" smtClean="0">
+              <a:rPr lang="de-DE" baseline="0" dirty="0">
                 <a:sym typeface="Wingdings" panose="05000000000000000000" pitchFamily="2" charset="2"/>
               </a:rPr>
               <a:t>&gt;, welcher 3rd Party Libraries usw. einbindet und einem &lt;</a:t>
             </a:r>
             <a:r>
-              <a:rPr lang="de-DE" baseline="0" dirty="0" err="1" smtClean="0">
+              <a:rPr lang="de-DE" baseline="0" dirty="0" err="1">
                 <a:sym typeface="Wingdings" panose="05000000000000000000" pitchFamily="2" charset="2"/>
               </a:rPr>
               <a:t>body</a:t>
             </a:r>
             <a:r>
-              <a:rPr lang="de-DE" baseline="0" dirty="0" smtClean="0">
+              <a:rPr lang="de-DE" baseline="0" dirty="0">
                 <a:sym typeface="Wingdings" panose="05000000000000000000" pitchFamily="2" charset="2"/>
               </a:rPr>
               <a:t>&gt;. Verteilt sind HTML Elemente und Skripts</a:t>
@@ -1540,19 +2664,19 @@
               <a:buChar char="•"/>
             </a:pPr>
             <a:r>
-              <a:rPr lang="de-DE" dirty="0" smtClean="0"/>
+              <a:rPr lang="de-DE" dirty="0"/>
               <a:t>Zur optischen Verschönerung der Seite haben wir das</a:t>
             </a:r>
             <a:r>
-              <a:rPr lang="de-DE" baseline="0" dirty="0" smtClean="0"/>
+              <a:rPr lang="de-DE" baseline="0" dirty="0"/>
               <a:t> CSS-Framework </a:t>
             </a:r>
             <a:r>
-              <a:rPr lang="de-DE" baseline="0" dirty="0" err="1" smtClean="0"/>
+              <a:rPr lang="de-DE" baseline="0" dirty="0" err="1"/>
               <a:t>Boostrap</a:t>
             </a:r>
             <a:r>
-              <a:rPr lang="de-DE" baseline="0" dirty="0" smtClean="0"/>
+              <a:rPr lang="de-DE" baseline="0" dirty="0"/>
               <a:t> von Twitter verwendet</a:t>
             </a:r>
           </a:p>
@@ -1562,11 +2686,11 @@
               <a:buChar char="•"/>
             </a:pPr>
             <a:r>
-              <a:rPr lang="de-DE" dirty="0" smtClean="0"/>
+              <a:rPr lang="de-DE" dirty="0"/>
               <a:t>Bei</a:t>
             </a:r>
             <a:r>
-              <a:rPr lang="de-DE" baseline="0" dirty="0" smtClean="0"/>
+              <a:rPr lang="de-DE" baseline="0" dirty="0"/>
               <a:t> Demo gesehen: Schöne Navigationsbar, Buttons usw.</a:t>
             </a:r>
           </a:p>
@@ -1576,23 +2700,23 @@
               <a:buChar char="•"/>
             </a:pPr>
             <a:r>
-              <a:rPr lang="de-DE" baseline="0" dirty="0" smtClean="0"/>
+              <a:rPr lang="de-DE" baseline="0" dirty="0"/>
               <a:t>Einbindung erfolgt durch &lt;</a:t>
             </a:r>
             <a:r>
-              <a:rPr lang="de-DE" baseline="0" dirty="0" err="1" smtClean="0"/>
+              <a:rPr lang="de-DE" baseline="0" dirty="0" err="1"/>
               <a:t>script</a:t>
             </a:r>
             <a:r>
-              <a:rPr lang="de-DE" baseline="0" dirty="0" smtClean="0"/>
+              <a:rPr lang="de-DE" baseline="0" dirty="0"/>
               <a:t>&gt;-Tag im &lt;</a:t>
             </a:r>
             <a:r>
-              <a:rPr lang="de-DE" baseline="0" dirty="0" err="1" smtClean="0"/>
+              <a:rPr lang="de-DE" baseline="0" dirty="0" err="1"/>
               <a:t>head</a:t>
             </a:r>
             <a:r>
-              <a:rPr lang="de-DE" baseline="0" dirty="0" smtClean="0"/>
+              <a:rPr lang="de-DE" baseline="0" dirty="0"/>
               <a:t>&gt;</a:t>
             </a:r>
           </a:p>
@@ -1602,7 +2726,7 @@
               <a:buChar char="•"/>
             </a:pPr>
             <a:r>
-              <a:rPr lang="de-DE" baseline="0" dirty="0" smtClean="0"/>
+              <a:rPr lang="de-DE" baseline="0" dirty="0"/>
               <a:t>Dann kann man CSS-Klassen auf HTML-Elemente anwenden</a:t>
             </a:r>
           </a:p>
@@ -1612,19 +2736,19 @@
               <a:buChar char="•"/>
             </a:pPr>
             <a:r>
-              <a:rPr lang="de-DE" baseline="0" dirty="0" smtClean="0"/>
+              <a:rPr lang="de-DE" baseline="0" dirty="0"/>
               <a:t>Wir haben natürlich auch eigene CSS-Klassen geschrieben, welche in der Datei </a:t>
             </a:r>
             <a:r>
-              <a:rPr lang="de-DE" b="1" baseline="0" dirty="0" smtClean="0"/>
+              <a:rPr lang="de-DE" b="1" baseline="0" dirty="0"/>
               <a:t>main.css</a:t>
             </a:r>
             <a:r>
-              <a:rPr lang="de-DE" baseline="0" dirty="0" smtClean="0"/>
+              <a:rPr lang="de-DE" baseline="0" dirty="0"/>
               <a:t> zu sehen sind </a:t>
             </a:r>
             <a:r>
-              <a:rPr lang="de-DE" b="1" baseline="0" dirty="0" smtClean="0"/>
+              <a:rPr lang="de-DE" b="1" baseline="0" dirty="0"/>
               <a:t>SWITCH TO CODE</a:t>
             </a:r>
           </a:p>
@@ -1634,15 +2758,15 @@
               <a:buChar char="•"/>
             </a:pPr>
             <a:r>
-              <a:rPr lang="de-DE" b="0" baseline="0" dirty="0" smtClean="0"/>
+              <a:rPr lang="de-DE" b="0" baseline="0" dirty="0"/>
               <a:t>CSS-Einbindungen in </a:t>
             </a:r>
             <a:r>
-              <a:rPr lang="de-DE" b="1" baseline="0" dirty="0" smtClean="0"/>
+              <a:rPr lang="de-DE" b="1" baseline="0" dirty="0"/>
               <a:t>index.html</a:t>
             </a:r>
             <a:r>
-              <a:rPr lang="de-DE" b="0" baseline="0" dirty="0" smtClean="0"/>
+              <a:rPr lang="de-DE" b="0" baseline="0" dirty="0"/>
               <a:t> zeigen</a:t>
             </a:r>
           </a:p>
@@ -1652,25 +2776,25 @@
               <a:buChar char="•"/>
             </a:pPr>
             <a:r>
-              <a:rPr lang="de-DE" b="0" baseline="0" dirty="0" smtClean="0"/>
+              <a:rPr lang="de-DE" b="0" baseline="0" dirty="0"/>
               <a:t>Weitere Vorteil von Bootstrap: Webseite wird </a:t>
             </a:r>
             <a:r>
-              <a:rPr lang="de-DE" b="0" baseline="0" dirty="0" err="1" smtClean="0"/>
+              <a:rPr lang="de-DE" b="0" baseline="0" dirty="0" err="1"/>
               <a:t>responsive</a:t>
             </a:r>
             <a:r>
-              <a:rPr lang="de-DE" b="0" baseline="0" dirty="0" smtClean="0"/>
+              <a:rPr lang="de-DE" b="0" baseline="0" dirty="0"/>
               <a:t> </a:t>
             </a:r>
             <a:r>
-              <a:rPr lang="de-DE" b="0" baseline="0" dirty="0" smtClean="0">
+              <a:rPr lang="de-DE" b="0" baseline="0" dirty="0">
                 <a:sym typeface="Wingdings" panose="05000000000000000000" pitchFamily="2" charset="2"/>
               </a:rPr>
               <a:t> </a:t>
             </a:r>
             <a:r>
-              <a:rPr lang="de-DE" b="1" baseline="0" dirty="0" smtClean="0">
+              <a:rPr lang="de-DE" b="1" baseline="0" dirty="0">
                 <a:sym typeface="Wingdings" panose="05000000000000000000" pitchFamily="2" charset="2"/>
               </a:rPr>
               <a:t>DEMO</a:t>
@@ -1764,7 +2888,7 @@
               <a:buChar char="•"/>
             </a:pPr>
             <a:r>
-              <a:rPr lang="de-DE" baseline="0" dirty="0" smtClean="0"/>
+              <a:rPr lang="de-DE" baseline="0" dirty="0"/>
               <a:t>JavaScript benutzt man, um die Webseiteninhalte zu verändern, ohne die Seite selbst neu laden zu müssen</a:t>
             </a:r>
           </a:p>
@@ -1774,7 +2898,7 @@
               <a:buChar char="•"/>
             </a:pPr>
             <a:r>
-              <a:rPr lang="de-DE" baseline="0" dirty="0" smtClean="0"/>
+              <a:rPr lang="de-DE" baseline="0" dirty="0"/>
               <a:t>Damit kann man überprüfen, ob jemand angemeldet ist, und demnach entscheiden, welche Inhalte dem User angezeigt werden</a:t>
             </a:r>
           </a:p>
@@ -1784,7 +2908,7 @@
               <a:buChar char="•"/>
             </a:pPr>
             <a:r>
-              <a:rPr lang="de-DE" baseline="0" dirty="0" smtClean="0"/>
+              <a:rPr lang="de-DE" baseline="0" dirty="0"/>
               <a:t>Dies hat man vorhin in der Demo gesehen</a:t>
             </a:r>
             <a:endParaRPr lang="de-DE" dirty="0"/>
@@ -1876,11 +3000,11 @@
               <a:buChar char="•"/>
             </a:pPr>
             <a:r>
-              <a:rPr lang="de-DE" dirty="0" smtClean="0"/>
+              <a:rPr lang="de-DE" dirty="0"/>
               <a:t>Hier sieht man den Verantwortlichen Codeabschnitt für einen Teil der Wettkämpfe</a:t>
             </a:r>
             <a:r>
-              <a:rPr lang="de-DE" baseline="0" dirty="0" smtClean="0"/>
+              <a:rPr lang="de-DE" baseline="0" dirty="0"/>
               <a:t> – für Sprint, Weitsprung etc. sehen die Skripts relativ gleich aus</a:t>
             </a:r>
           </a:p>
@@ -1890,7 +3014,7 @@
               <a:buChar char="•"/>
             </a:pPr>
             <a:r>
-              <a:rPr lang="de-DE" baseline="0" dirty="0" smtClean="0"/>
+              <a:rPr lang="de-DE" baseline="0" dirty="0"/>
               <a:t>Bei Klicken des Knopfes für die Schwimmen Ergebnisse wird Funktion aufgerufen</a:t>
             </a:r>
           </a:p>
@@ -1900,7 +3024,7 @@
               <a:buChar char="•"/>
             </a:pPr>
             <a:r>
-              <a:rPr lang="de-DE" i="1" baseline="0" dirty="0" smtClean="0"/>
+              <a:rPr lang="de-DE" i="1" baseline="0" dirty="0"/>
               <a:t>Funktion erläutern</a:t>
             </a:r>
           </a:p>
@@ -1910,11 +3034,11 @@
               <a:buChar char="•"/>
             </a:pPr>
             <a:r>
-              <a:rPr lang="de-DE" b="0" i="0" dirty="0" smtClean="0"/>
+              <a:rPr lang="de-DE" b="0" i="0" dirty="0"/>
               <a:t>Schauen</a:t>
             </a:r>
             <a:r>
-              <a:rPr lang="de-DE" b="0" i="0" baseline="0" dirty="0" smtClean="0"/>
+              <a:rPr lang="de-DE" b="0" i="0" baseline="0" dirty="0"/>
               <a:t> wir uns doch mal an, wie das in der Praxis dann abläuft</a:t>
             </a:r>
           </a:p>
@@ -1924,11 +3048,11 @@
               <a:buChar char="•"/>
             </a:pPr>
             <a:r>
-              <a:rPr lang="de-DE" b="1" i="0" baseline="0" dirty="0" smtClean="0"/>
+              <a:rPr lang="de-DE" b="1" i="0" baseline="0" dirty="0"/>
               <a:t>SWITCH TO DEBUGGER </a:t>
             </a:r>
             <a:r>
-              <a:rPr lang="de-DE" b="0" i="0" baseline="0" dirty="0" smtClean="0"/>
+              <a:rPr lang="de-DE" b="0" i="0" baseline="0" dirty="0"/>
               <a:t>– einmal unangemeldet, und einmal angemeldet durchlaufen</a:t>
             </a:r>
           </a:p>
@@ -1938,7 +3062,7 @@
               <a:buChar char="•"/>
             </a:pPr>
             <a:r>
-              <a:rPr lang="de-DE" b="0" i="0" baseline="0" dirty="0" smtClean="0"/>
+              <a:rPr lang="de-DE" b="0" i="0" baseline="0" dirty="0"/>
               <a:t>Das war jetzt nur ein Beispiel für clientseitiges JavaScript, insgesamt haben wir noch viel mehr Skripts verwendet</a:t>
             </a:r>
           </a:p>
@@ -1948,14 +3072,14 @@
               <a:buChar char="•"/>
             </a:pPr>
             <a:r>
-              <a:rPr lang="de-DE" b="0" i="0" baseline="0" dirty="0" smtClean="0"/>
+              <a:rPr lang="de-DE" b="0" i="0" baseline="0" dirty="0"/>
               <a:t>Heise </a:t>
             </a:r>
             <a:r>
-              <a:rPr lang="de-DE" b="0" i="0" baseline="0" dirty="0" err="1" smtClean="0"/>
+              <a:rPr lang="de-DE" b="0" i="0" baseline="0" dirty="0" err="1"/>
               <a:t>Plugin</a:t>
             </a:r>
-            <a:endParaRPr lang="de-DE" b="0" i="0" baseline="0" dirty="0" smtClean="0"/>
+            <a:endParaRPr lang="de-DE" b="0" i="0" baseline="0" dirty="0"/>
           </a:p>
           <a:p>
             <a:pPr marL="628650" lvl="1" indent="-171450">
@@ -1963,14 +3087,14 @@
               <a:buChar char="•"/>
             </a:pPr>
             <a:r>
-              <a:rPr lang="de-DE" b="0" i="0" baseline="0" dirty="0" smtClean="0"/>
+              <a:rPr lang="de-DE" b="0" i="0" baseline="0" dirty="0"/>
               <a:t>Google </a:t>
             </a:r>
             <a:r>
-              <a:rPr lang="de-DE" b="0" i="0" baseline="0" dirty="0" err="1" smtClean="0"/>
+              <a:rPr lang="de-DE" b="0" i="0" baseline="0" dirty="0" err="1"/>
               <a:t>Maps</a:t>
             </a:r>
-            <a:endParaRPr lang="de-DE" b="0" i="0" baseline="0" dirty="0" smtClean="0"/>
+            <a:endParaRPr lang="de-DE" b="0" i="0" baseline="0" dirty="0"/>
           </a:p>
           <a:p>
             <a:pPr marL="628650" lvl="1" indent="-171450">
@@ -1978,7 +3102,7 @@
               <a:buChar char="•"/>
             </a:pPr>
             <a:r>
-              <a:rPr lang="de-DE" b="0" i="0" baseline="0" dirty="0" smtClean="0"/>
+              <a:rPr lang="de-DE" b="0" i="0" baseline="0" dirty="0"/>
               <a:t>AJAX Calls</a:t>
             </a:r>
             <a:endParaRPr lang="de-DE" b="1" i="0" dirty="0"/>
@@ -2070,11 +3194,11 @@
               <a:buChar char="•"/>
             </a:pPr>
             <a:r>
-              <a:rPr lang="de-DE" dirty="0" err="1" smtClean="0"/>
+              <a:rPr lang="de-DE" dirty="0" err="1"/>
               <a:t>Social</a:t>
             </a:r>
             <a:r>
-              <a:rPr lang="de-DE" baseline="0" dirty="0" smtClean="0"/>
+              <a:rPr lang="de-DE" baseline="0" dirty="0"/>
               <a:t> Buttons sind ja schön und gut, und sollten doch eigentlich niemanden stören, wenn sie auf der einer Webseite vertreten sind, wofür ist dann das Heise Plug-In gut?</a:t>
             </a:r>
           </a:p>
@@ -2084,7 +3208,7 @@
               <a:buChar char="•"/>
             </a:pPr>
             <a:r>
-              <a:rPr lang="de-DE" baseline="0" dirty="0" smtClean="0"/>
+              <a:rPr lang="de-DE" baseline="0" dirty="0"/>
               <a:t>Um das zu erfahren muss man erst die Datenschutzproblematik dieser ganzen Like, Share und Tweet Buttons kennen:</a:t>
             </a:r>
           </a:p>
@@ -2094,19 +3218,19 @@
               <a:buChar char="•"/>
             </a:pPr>
             <a:r>
-              <a:rPr lang="de-DE" dirty="0" smtClean="0"/>
+              <a:rPr lang="de-DE" dirty="0"/>
               <a:t>Elemente</a:t>
             </a:r>
             <a:r>
-              <a:rPr lang="de-DE" baseline="0" dirty="0" smtClean="0"/>
+              <a:rPr lang="de-DE" baseline="0" dirty="0"/>
               <a:t> von Facebook, Twitter und Co. werden auf Websites über </a:t>
             </a:r>
             <a:r>
-              <a:rPr lang="de-DE" baseline="0" dirty="0" err="1" smtClean="0"/>
+              <a:rPr lang="de-DE" baseline="0" dirty="0" err="1"/>
               <a:t>iFrames</a:t>
             </a:r>
             <a:r>
-              <a:rPr lang="de-DE" baseline="0" dirty="0" smtClean="0"/>
+              <a:rPr lang="de-DE" baseline="0" dirty="0"/>
               <a:t> eingebunden</a:t>
             </a:r>
           </a:p>
@@ -2116,15 +3240,15 @@
               <a:buChar char="•"/>
             </a:pPr>
             <a:r>
-              <a:rPr lang="de-DE" baseline="0" dirty="0" smtClean="0"/>
+              <a:rPr lang="de-DE" baseline="0" dirty="0"/>
               <a:t>Diese </a:t>
             </a:r>
             <a:r>
-              <a:rPr lang="de-DE" baseline="0" dirty="0" err="1" smtClean="0"/>
+              <a:rPr lang="de-DE" baseline="0" dirty="0" err="1"/>
               <a:t>iFrames</a:t>
             </a:r>
             <a:r>
-              <a:rPr lang="de-DE" baseline="0" dirty="0" smtClean="0"/>
+              <a:rPr lang="de-DE" baseline="0" dirty="0"/>
               <a:t> werden von Facebook und Co. selbst zur Verfügung gestellt</a:t>
             </a:r>
           </a:p>
@@ -2134,15 +3258,15 @@
               <a:buChar char="•"/>
             </a:pPr>
             <a:r>
-              <a:rPr lang="de-DE" baseline="0" dirty="0" smtClean="0"/>
+              <a:rPr lang="de-DE" baseline="0" dirty="0"/>
               <a:t>Nun enthalten die </a:t>
             </a:r>
             <a:r>
-              <a:rPr lang="de-DE" baseline="0" dirty="0" err="1" smtClean="0"/>
+              <a:rPr lang="de-DE" baseline="0" dirty="0" err="1"/>
               <a:t>iFrames</a:t>
             </a:r>
             <a:r>
-              <a:rPr lang="de-DE" baseline="0" dirty="0" smtClean="0"/>
+              <a:rPr lang="de-DE" baseline="0" dirty="0"/>
               <a:t> Code, welcher veranlasst, dass Webseiteninformationen wie URL oder Cookies der aufgerufenen Seite an Facebook gesendet werden – selbst wenn man nicht auf „Like“ oder einem anderen Button klicken würde</a:t>
             </a:r>
           </a:p>
@@ -2152,23 +3276,23 @@
               <a:buChar char="•"/>
             </a:pPr>
             <a:r>
-              <a:rPr lang="de-DE" dirty="0" smtClean="0"/>
+              <a:rPr lang="de-DE" dirty="0"/>
               <a:t>Zusätzlich</a:t>
             </a:r>
             <a:r>
-              <a:rPr lang="de-DE" baseline="0" dirty="0" smtClean="0"/>
+              <a:rPr lang="de-DE" baseline="0" dirty="0"/>
               <a:t> werden von den </a:t>
             </a:r>
             <a:r>
-              <a:rPr lang="de-DE" baseline="0" dirty="0" err="1" smtClean="0"/>
+              <a:rPr lang="de-DE" baseline="0" dirty="0" err="1"/>
               <a:t>iFrames</a:t>
             </a:r>
             <a:r>
-              <a:rPr lang="de-DE" baseline="0" dirty="0" smtClean="0"/>
+              <a:rPr lang="de-DE" baseline="0" dirty="0"/>
               <a:t> </a:t>
             </a:r>
             <a:r>
-              <a:rPr lang="de-DE" sz="1200" b="0" i="0" u="none" strike="noStrike" kern="1200" baseline="0" dirty="0" smtClean="0">
+              <a:rPr lang="de-DE" sz="1200" b="0" i="0" u="none" strike="noStrike" kern="1200" baseline="0" dirty="0">
                 <a:solidFill>
                   <a:schemeClr val="tx1"/>
                 </a:solidFill>
@@ -2179,7 +3303,7 @@
               <a:t>Sitzungs-</a:t>
             </a:r>
             <a:r>
-              <a:rPr lang="de-DE" sz="1200" b="0" i="0" u="none" strike="noStrike" kern="1200" baseline="0" dirty="0" err="1" smtClean="0">
+              <a:rPr lang="de-DE" sz="1200" b="0" i="0" u="none" strike="noStrike" kern="1200" baseline="0" dirty="0" err="1">
                 <a:solidFill>
                   <a:schemeClr val="tx1"/>
                 </a:solidFill>
@@ -2190,7 +3314,7 @@
               <a:t>Ids</a:t>
             </a:r>
             <a:r>
-              <a:rPr lang="de-DE" sz="1200" b="0" i="0" u="none" strike="noStrike" kern="1200" baseline="0" dirty="0" smtClean="0">
+              <a:rPr lang="de-DE" sz="1200" b="0" i="0" u="none" strike="noStrike" kern="1200" baseline="0" dirty="0">
                 <a:solidFill>
                   <a:schemeClr val="tx1"/>
                 </a:solidFill>
@@ -2207,7 +3331,7 @@
               <a:buChar char="•"/>
             </a:pPr>
             <a:r>
-              <a:rPr lang="de-DE" sz="1200" b="0" i="0" u="none" strike="noStrike" kern="1200" baseline="0" dirty="0" smtClean="0">
+              <a:rPr lang="de-DE" sz="1200" b="0" i="0" u="none" strike="noStrike" kern="1200" baseline="0" dirty="0">
                 <a:solidFill>
                   <a:schemeClr val="tx1"/>
                 </a:solidFill>
@@ -2224,7 +3348,7 @@
               <a:buChar char="•"/>
             </a:pPr>
             <a:r>
-              <a:rPr lang="de-DE" sz="1200" b="0" i="0" u="none" strike="noStrike" kern="1200" baseline="0" dirty="0" smtClean="0">
+              <a:rPr lang="de-DE" sz="1200" b="0" i="0" u="none" strike="noStrike" kern="1200" baseline="0" dirty="0">
                 <a:solidFill>
                   <a:schemeClr val="tx1"/>
                 </a:solidFill>
@@ -2235,7 +3359,7 @@
               <a:t>Möchte man das unterbinden, dann darf die Seite entweder überhaupt keine </a:t>
             </a:r>
             <a:r>
-              <a:rPr lang="de-DE" sz="1200" b="0" i="0" u="none" strike="noStrike" kern="1200" baseline="0" dirty="0" err="1" smtClean="0">
+              <a:rPr lang="de-DE" sz="1200" b="0" i="0" u="none" strike="noStrike" kern="1200" baseline="0" dirty="0" err="1">
                 <a:solidFill>
                   <a:schemeClr val="tx1"/>
                 </a:solidFill>
@@ -2246,7 +3370,7 @@
               <a:t>Social</a:t>
             </a:r>
             <a:r>
-              <a:rPr lang="de-DE" sz="1200" b="0" i="0" u="none" strike="noStrike" kern="1200" baseline="0" dirty="0" smtClean="0">
+              <a:rPr lang="de-DE" sz="1200" b="0" i="0" u="none" strike="noStrike" kern="1200" baseline="0" dirty="0">
                 <a:solidFill>
                   <a:schemeClr val="tx1"/>
                 </a:solidFill>
@@ -2257,7 +3381,7 @@
               <a:t> Networks Elemente besitzen, oder sie werden von dem Heise </a:t>
             </a:r>
             <a:r>
-              <a:rPr lang="de-DE" sz="1200" b="0" i="0" u="none" strike="noStrike" kern="1200" baseline="0" dirty="0" err="1" smtClean="0">
+              <a:rPr lang="de-DE" sz="1200" b="0" i="0" u="none" strike="noStrike" kern="1200" baseline="0" dirty="0" err="1">
                 <a:solidFill>
                   <a:schemeClr val="tx1"/>
                 </a:solidFill>
@@ -2268,7 +3392,7 @@
               <a:t>Plugin</a:t>
             </a:r>
             <a:r>
-              <a:rPr lang="de-DE" sz="1200" b="0" i="0" u="none" strike="noStrike" kern="1200" baseline="0" dirty="0" smtClean="0">
+              <a:rPr lang="de-DE" sz="1200" b="0" i="0" u="none" strike="noStrike" kern="1200" baseline="0" dirty="0">
                 <a:solidFill>
                   <a:schemeClr val="tx1"/>
                 </a:solidFill>
@@ -2366,11 +3490,11 @@
               <a:buChar char="•"/>
             </a:pPr>
             <a:r>
-              <a:rPr lang="de-DE" dirty="0" smtClean="0"/>
+              <a:rPr lang="de-DE" dirty="0"/>
               <a:t>Auch</a:t>
             </a:r>
             <a:r>
-              <a:rPr lang="de-DE" baseline="0" dirty="0" smtClean="0"/>
+              <a:rPr lang="de-DE" baseline="0" dirty="0"/>
               <a:t> hier wurde JavaScript verwendet</a:t>
             </a:r>
           </a:p>
@@ -2380,7 +3504,7 @@
               <a:buChar char="•"/>
             </a:pPr>
             <a:r>
-              <a:rPr lang="de-DE" baseline="0" dirty="0" smtClean="0"/>
+              <a:rPr lang="de-DE" baseline="0" dirty="0"/>
               <a:t>Zuerst werden die Ressource Files des Plug-Ins geladen</a:t>
             </a:r>
           </a:p>
@@ -2390,31 +3514,31 @@
               <a:buChar char="•"/>
             </a:pPr>
             <a:r>
-              <a:rPr lang="de-DE" baseline="0" dirty="0" smtClean="0"/>
+              <a:rPr lang="de-DE" baseline="0" dirty="0"/>
               <a:t>Dann wird mit einem </a:t>
             </a:r>
             <a:r>
-              <a:rPr lang="de-DE" baseline="0" dirty="0" err="1" smtClean="0"/>
+              <a:rPr lang="de-DE" baseline="0" dirty="0" err="1"/>
               <a:t>Id-Selektor</a:t>
             </a:r>
             <a:r>
-              <a:rPr lang="de-DE" baseline="0" dirty="0" smtClean="0"/>
+              <a:rPr lang="de-DE" baseline="0" dirty="0"/>
               <a:t> geschaut, ob das unten drunter zu sehende HTML-Element mit der </a:t>
             </a:r>
             <a:r>
-              <a:rPr lang="de-DE" baseline="0" dirty="0" err="1" smtClean="0"/>
+              <a:rPr lang="de-DE" baseline="0" dirty="0" err="1"/>
               <a:t>Id</a:t>
             </a:r>
             <a:r>
-              <a:rPr lang="de-DE" baseline="0" dirty="0" smtClean="0"/>
+              <a:rPr lang="de-DE" baseline="0" dirty="0"/>
               <a:t> „</a:t>
             </a:r>
             <a:r>
-              <a:rPr lang="de-DE" baseline="0" dirty="0" err="1" smtClean="0"/>
+              <a:rPr lang="de-DE" baseline="0" dirty="0" err="1"/>
               <a:t>socialshareprivacy</a:t>
             </a:r>
             <a:r>
-              <a:rPr lang="de-DE" baseline="0" dirty="0" smtClean="0"/>
+              <a:rPr lang="de-DE" baseline="0" dirty="0"/>
               <a:t>“ existiert</a:t>
             </a:r>
           </a:p>
@@ -2424,15 +3548,15 @@
               <a:buChar char="•"/>
             </a:pPr>
             <a:r>
-              <a:rPr lang="de-DE" baseline="0" dirty="0" smtClean="0"/>
+              <a:rPr lang="de-DE" baseline="0" dirty="0"/>
               <a:t>Wenn ja, werden ein paar Parameter gesetzt und das </a:t>
             </a:r>
             <a:r>
-              <a:rPr lang="de-DE" baseline="0" dirty="0" err="1" smtClean="0"/>
+              <a:rPr lang="de-DE" baseline="0" dirty="0" err="1"/>
               <a:t>Plugin</a:t>
             </a:r>
             <a:r>
-              <a:rPr lang="de-DE" baseline="0" dirty="0" smtClean="0"/>
+              <a:rPr lang="de-DE" baseline="0" dirty="0"/>
               <a:t> in das Element gepackt</a:t>
             </a:r>
           </a:p>
@@ -2518,7 +3642,7 @@
           </a:lstStyle>
           <a:p>
             <a:r>
-              <a:rPr lang="en-US" smtClean="0"/>
+              <a:rPr lang="en-US"/>
               <a:t>Click to edit Master title style</a:t>
             </a:r>
             <a:endParaRPr lang="en-US" dirty="0"/>
@@ -2592,7 +3716,7 @@
           </a:lstStyle>
           <a:p>
             <a:r>
-              <a:rPr lang="en-US" smtClean="0"/>
+              <a:rPr lang="en-US"/>
               <a:t>Click to edit Master subtitle style</a:t>
             </a:r>
             <a:endParaRPr lang="en-US" dirty="0"/>
@@ -2616,7 +3740,7 @@
           <a:p>
             <a:fld id="{C6B5E290-A164-4CC2-B26F-6CF918464975}" type="datetime1">
               <a:rPr lang="de-DE" smtClean="0"/>
-              <a:t>26.05.2016</a:t>
+              <a:t>01.06.2016</a:t>
             </a:fld>
             <a:endParaRPr lang="de-DE"/>
           </a:p>
@@ -2710,10 +3834,9 @@
           <a:lstStyle/>
           <a:p>
             <a:r>
-              <a:rPr lang="en-US" smtClean="0"/>
+              <a:rPr lang="en-US"/>
               <a:t>Click to edit Master title style</a:t>
             </a:r>
-            <a:endParaRPr lang="en-US"/>
           </a:p>
         </p:txBody>
       </p:sp>
@@ -2734,35 +3857,35 @@
           <a:p>
             <a:pPr lvl="0"/>
             <a:r>
-              <a:rPr lang="en-US" smtClean="0"/>
+              <a:rPr lang="en-US"/>
               <a:t>Click to edit Master text styles</a:t>
             </a:r>
           </a:p>
           <a:p>
             <a:pPr lvl="1"/>
             <a:r>
-              <a:rPr lang="en-US" smtClean="0"/>
+              <a:rPr lang="en-US"/>
               <a:t>Second level</a:t>
             </a:r>
           </a:p>
           <a:p>
             <a:pPr lvl="2"/>
             <a:r>
-              <a:rPr lang="en-US" smtClean="0"/>
+              <a:rPr lang="en-US"/>
               <a:t>Third level</a:t>
             </a:r>
           </a:p>
           <a:p>
             <a:pPr lvl="3"/>
             <a:r>
-              <a:rPr lang="en-US" smtClean="0"/>
+              <a:rPr lang="en-US"/>
               <a:t>Fourth level</a:t>
             </a:r>
           </a:p>
           <a:p>
             <a:pPr lvl="4"/>
             <a:r>
-              <a:rPr lang="en-US" smtClean="0"/>
+              <a:rPr lang="en-US"/>
               <a:t>Fifth level</a:t>
             </a:r>
             <a:endParaRPr lang="en-US" dirty="0"/>
@@ -2786,7 +3909,7 @@
           <a:p>
             <a:fld id="{D6AC50BF-FAC4-4D15-9678-6B4EBC3326A5}" type="datetime1">
               <a:rPr lang="de-DE" smtClean="0"/>
-              <a:t>26.05.2016</a:t>
+              <a:t>01.06.2016</a:t>
             </a:fld>
             <a:endParaRPr lang="de-DE"/>
           </a:p>
@@ -2885,10 +4008,9 @@
           <a:lstStyle/>
           <a:p>
             <a:r>
-              <a:rPr lang="en-US" smtClean="0"/>
+              <a:rPr lang="en-US"/>
               <a:t>Click to edit Master title style</a:t>
             </a:r>
-            <a:endParaRPr lang="en-US"/>
           </a:p>
         </p:txBody>
       </p:sp>
@@ -2914,38 +4036,37 @@
           <a:p>
             <a:pPr lvl="0"/>
             <a:r>
-              <a:rPr lang="en-US" smtClean="0"/>
+              <a:rPr lang="en-US"/>
               <a:t>Click to edit Master text styles</a:t>
             </a:r>
           </a:p>
           <a:p>
             <a:pPr lvl="1"/>
             <a:r>
-              <a:rPr lang="en-US" smtClean="0"/>
+              <a:rPr lang="en-US"/>
               <a:t>Second level</a:t>
             </a:r>
           </a:p>
           <a:p>
             <a:pPr lvl="2"/>
             <a:r>
-              <a:rPr lang="en-US" smtClean="0"/>
+              <a:rPr lang="en-US"/>
               <a:t>Third level</a:t>
             </a:r>
           </a:p>
           <a:p>
             <a:pPr lvl="3"/>
             <a:r>
-              <a:rPr lang="en-US" smtClean="0"/>
+              <a:rPr lang="en-US"/>
               <a:t>Fourth level</a:t>
             </a:r>
           </a:p>
           <a:p>
             <a:pPr lvl="4"/>
             <a:r>
-              <a:rPr lang="en-US" smtClean="0"/>
+              <a:rPr lang="en-US"/>
               <a:t>Fifth level</a:t>
             </a:r>
-            <a:endParaRPr lang="en-US"/>
           </a:p>
         </p:txBody>
       </p:sp>
@@ -2966,7 +4087,7 @@
           <a:p>
             <a:fld id="{B9F361F5-ED2C-4F51-A248-B1D71AB798BC}" type="datetime1">
               <a:rPr lang="de-DE" smtClean="0"/>
-              <a:t>26.05.2016</a:t>
+              <a:t>01.06.2016</a:t>
             </a:fld>
             <a:endParaRPr lang="de-DE"/>
           </a:p>
@@ -3122,7 +4243,7 @@
           <a:effectLst/>
           <a:extLst>
             <a:ext uri="{91240B29-F687-4f45-9708-019B960494DF}">
-              <a14:hiddenLine xmlns="" xmlns:a14="http://schemas.microsoft.com/office/drawing/2010/main" w="9525">
+              <a14:hiddenLine xmlns:a14="http://schemas.microsoft.com/office/drawing/2010/main" xmlns="" w="9525">
                 <a:solidFill>
                   <a:srgbClr val="000000"/>
                 </a:solidFill>
@@ -3173,7 +4294,7 @@
           </a:lstStyle>
           <a:p>
             <a:r>
-              <a:rPr lang="en-US" smtClean="0"/>
+              <a:rPr lang="en-US"/>
               <a:t>Click to edit Master title style</a:t>
             </a:r>
             <a:endParaRPr lang="en-US" dirty="0"/>
@@ -3290,7 +4411,7 @@
           </a:lstStyle>
           <a:p>
             <a:r>
-              <a:rPr lang="en-US" smtClean="0"/>
+              <a:rPr lang="en-US"/>
               <a:t>Click to edit Master subtitle style</a:t>
             </a:r>
             <a:endParaRPr lang="en-US" dirty="0"/>
@@ -3314,7 +4435,7 @@
           <a:p>
             <a:fld id="{579C934C-422A-44FA-9F4E-86BA743E016E}" type="datetime1">
               <a:rPr lang="de-DE" smtClean="0"/>
-              <a:t>26.05.2016</a:t>
+              <a:t>01.06.2016</a:t>
             </a:fld>
             <a:endParaRPr lang="de-DE"/>
           </a:p>
@@ -3469,7 +4590,7 @@
           <a:ln/>
           <a:extLst>
             <a:ext uri="{91240B29-F687-4f45-9708-019B960494DF}">
-              <a14:hiddenLine xmlns="" xmlns:a14="http://schemas.microsoft.com/office/drawing/2010/main" w="9525">
+              <a14:hiddenLine xmlns:a14="http://schemas.microsoft.com/office/drawing/2010/main" xmlns="" w="9525">
                 <a:solidFill>
                   <a:srgbClr val="000000"/>
                 </a:solidFill>
@@ -3516,7 +4637,7 @@
           <a:lstStyle/>
           <a:p>
             <a:r>
-              <a:rPr lang="en-US" smtClean="0"/>
+              <a:rPr lang="en-US"/>
               <a:t>Click to edit Master title style</a:t>
             </a:r>
             <a:endParaRPr lang="en-US" dirty="0"/>
@@ -3545,35 +4666,35 @@
           <a:p>
             <a:pPr lvl="0"/>
             <a:r>
-              <a:rPr lang="en-US" smtClean="0"/>
+              <a:rPr lang="en-US"/>
               <a:t>Click to edit Master text styles</a:t>
             </a:r>
           </a:p>
           <a:p>
             <a:pPr lvl="1"/>
             <a:r>
-              <a:rPr lang="en-US" smtClean="0"/>
+              <a:rPr lang="en-US"/>
               <a:t>Second level</a:t>
             </a:r>
           </a:p>
           <a:p>
             <a:pPr lvl="2"/>
             <a:r>
-              <a:rPr lang="en-US" smtClean="0"/>
+              <a:rPr lang="en-US"/>
               <a:t>Third level</a:t>
             </a:r>
           </a:p>
           <a:p>
             <a:pPr lvl="3"/>
             <a:r>
-              <a:rPr lang="en-US" smtClean="0"/>
+              <a:rPr lang="en-US"/>
               <a:t>Fourth level</a:t>
             </a:r>
           </a:p>
           <a:p>
             <a:pPr lvl="4"/>
             <a:r>
-              <a:rPr lang="en-US" smtClean="0"/>
+              <a:rPr lang="en-US"/>
               <a:t>Fifth level</a:t>
             </a:r>
             <a:endParaRPr lang="en-US" dirty="0"/>
@@ -3597,7 +4718,7 @@
           <a:p>
             <a:fld id="{DCFFEAEE-BF94-4CDA-89A1-E753887AB8EA}" type="datetime1">
               <a:rPr lang="de-DE" smtClean="0"/>
-              <a:t>26.05.2016</a:t>
+              <a:t>01.06.2016</a:t>
             </a:fld>
             <a:endParaRPr lang="de-DE"/>
           </a:p>
@@ -3797,7 +4918,7 @@
           </a:lstStyle>
           <a:p>
             <a:r>
-              <a:rPr lang="en-US" smtClean="0"/>
+              <a:rPr lang="en-US"/>
               <a:t>Click to edit Master title style</a:t>
             </a:r>
             <a:endParaRPr lang="en-US" dirty="0"/>
@@ -3917,7 +5038,7 @@
           <a:p>
             <a:pPr lvl="0"/>
             <a:r>
-              <a:rPr lang="en-US" smtClean="0"/>
+              <a:rPr lang="en-US"/>
               <a:t>Click to edit Master text styles</a:t>
             </a:r>
           </a:p>
@@ -3940,7 +5061,7 @@
           <a:p>
             <a:fld id="{C27C837E-DBCA-4D2E-8138-62B843E43AF4}" type="datetime1">
               <a:rPr lang="de-DE" smtClean="0"/>
-              <a:t>26.05.2016</a:t>
+              <a:t>01.06.2016</a:t>
             </a:fld>
             <a:endParaRPr lang="de-DE"/>
           </a:p>
@@ -4095,7 +5216,7 @@
           <a:ln/>
           <a:extLst>
             <a:ext uri="{91240B29-F687-4f45-9708-019B960494DF}">
-              <a14:hiddenLine xmlns="" xmlns:a14="http://schemas.microsoft.com/office/drawing/2010/main" w="9525">
+              <a14:hiddenLine xmlns:a14="http://schemas.microsoft.com/office/drawing/2010/main" xmlns="" w="9525">
                 <a:solidFill>
                   <a:srgbClr val="000000"/>
                 </a:solidFill>
@@ -4137,7 +5258,7 @@
           <a:lstStyle/>
           <a:p>
             <a:r>
-              <a:rPr lang="en-US" smtClean="0"/>
+              <a:rPr lang="en-US"/>
               <a:t>Click to edit Master title style</a:t>
             </a:r>
             <a:endParaRPr lang="en-US" dirty="0"/>
@@ -4168,35 +5289,35 @@
           <a:p>
             <a:pPr lvl="0"/>
             <a:r>
-              <a:rPr lang="en-US" smtClean="0"/>
+              <a:rPr lang="en-US"/>
               <a:t>Click to edit Master text styles</a:t>
             </a:r>
           </a:p>
           <a:p>
             <a:pPr lvl="1"/>
             <a:r>
-              <a:rPr lang="en-US" smtClean="0"/>
+              <a:rPr lang="en-US"/>
               <a:t>Second level</a:t>
             </a:r>
           </a:p>
           <a:p>
             <a:pPr lvl="2"/>
             <a:r>
-              <a:rPr lang="en-US" smtClean="0"/>
+              <a:rPr lang="en-US"/>
               <a:t>Third level</a:t>
             </a:r>
           </a:p>
           <a:p>
             <a:pPr lvl="3"/>
             <a:r>
-              <a:rPr lang="en-US" smtClean="0"/>
+              <a:rPr lang="en-US"/>
               <a:t>Fourth level</a:t>
             </a:r>
           </a:p>
           <a:p>
             <a:pPr lvl="4"/>
             <a:r>
-              <a:rPr lang="en-US" smtClean="0"/>
+              <a:rPr lang="en-US"/>
               <a:t>Fifth level</a:t>
             </a:r>
             <a:endParaRPr lang="en-US" dirty="0"/>
@@ -4227,35 +5348,35 @@
           <a:p>
             <a:pPr lvl="0"/>
             <a:r>
-              <a:rPr lang="en-US" smtClean="0"/>
+              <a:rPr lang="en-US"/>
               <a:t>Click to edit Master text styles</a:t>
             </a:r>
           </a:p>
           <a:p>
             <a:pPr lvl="1"/>
             <a:r>
-              <a:rPr lang="en-US" smtClean="0"/>
+              <a:rPr lang="en-US"/>
               <a:t>Second level</a:t>
             </a:r>
           </a:p>
           <a:p>
             <a:pPr lvl="2"/>
             <a:r>
-              <a:rPr lang="en-US" smtClean="0"/>
+              <a:rPr lang="en-US"/>
               <a:t>Third level</a:t>
             </a:r>
           </a:p>
           <a:p>
             <a:pPr lvl="3"/>
             <a:r>
-              <a:rPr lang="en-US" smtClean="0"/>
+              <a:rPr lang="en-US"/>
               <a:t>Fourth level</a:t>
             </a:r>
           </a:p>
           <a:p>
             <a:pPr lvl="4"/>
             <a:r>
-              <a:rPr lang="en-US" smtClean="0"/>
+              <a:rPr lang="en-US"/>
               <a:t>Fifth level</a:t>
             </a:r>
             <a:endParaRPr lang="en-US" dirty="0"/>
@@ -4279,7 +5400,7 @@
           <a:p>
             <a:fld id="{559C01A9-2CA1-4BDE-8C67-A545182BD127}" type="datetime1">
               <a:rPr lang="de-DE" smtClean="0"/>
-              <a:t>26.05.2016</a:t>
+              <a:t>01.06.2016</a:t>
             </a:fld>
             <a:endParaRPr lang="de-DE"/>
           </a:p>
@@ -4434,7 +5555,7 @@
           <a:ln/>
           <a:extLst>
             <a:ext uri="{91240B29-F687-4f45-9708-019B960494DF}">
-              <a14:hiddenLine xmlns="" xmlns:a14="http://schemas.microsoft.com/office/drawing/2010/main" w="9525">
+              <a14:hiddenLine xmlns:a14="http://schemas.microsoft.com/office/drawing/2010/main" xmlns="" w="9525">
                 <a:solidFill>
                   <a:srgbClr val="000000"/>
                 </a:solidFill>
@@ -4480,7 +5601,7 @@
           </a:lstStyle>
           <a:p>
             <a:r>
-              <a:rPr lang="en-US" smtClean="0"/>
+              <a:rPr lang="en-US"/>
               <a:t>Click to edit Master title style</a:t>
             </a:r>
             <a:endParaRPr lang="en-US" dirty="0"/>
@@ -4548,7 +5669,7 @@
           <a:p>
             <a:pPr lvl="0"/>
             <a:r>
-              <a:rPr lang="en-US" smtClean="0"/>
+              <a:rPr lang="en-US"/>
               <a:t>Click to edit Master text styles</a:t>
             </a:r>
           </a:p>
@@ -4578,35 +5699,35 @@
           <a:p>
             <a:pPr lvl="0"/>
             <a:r>
-              <a:rPr lang="en-US" smtClean="0"/>
+              <a:rPr lang="en-US"/>
               <a:t>Click to edit Master text styles</a:t>
             </a:r>
           </a:p>
           <a:p>
             <a:pPr lvl="1"/>
             <a:r>
-              <a:rPr lang="en-US" smtClean="0"/>
+              <a:rPr lang="en-US"/>
               <a:t>Second level</a:t>
             </a:r>
           </a:p>
           <a:p>
             <a:pPr lvl="2"/>
             <a:r>
-              <a:rPr lang="en-US" smtClean="0"/>
+              <a:rPr lang="en-US"/>
               <a:t>Third level</a:t>
             </a:r>
           </a:p>
           <a:p>
             <a:pPr lvl="3"/>
             <a:r>
-              <a:rPr lang="en-US" smtClean="0"/>
+              <a:rPr lang="en-US"/>
               <a:t>Fourth level</a:t>
             </a:r>
           </a:p>
           <a:p>
             <a:pPr lvl="4"/>
             <a:r>
-              <a:rPr lang="en-US" smtClean="0"/>
+              <a:rPr lang="en-US"/>
               <a:t>Fifth level</a:t>
             </a:r>
             <a:endParaRPr lang="en-US" dirty="0"/>
@@ -4674,7 +5795,7 @@
           <a:p>
             <a:pPr lvl="0"/>
             <a:r>
-              <a:rPr lang="en-US" smtClean="0"/>
+              <a:rPr lang="en-US"/>
               <a:t>Click to edit Master text styles</a:t>
             </a:r>
           </a:p>
@@ -4704,35 +5825,35 @@
           <a:p>
             <a:pPr lvl="0"/>
             <a:r>
-              <a:rPr lang="en-US" smtClean="0"/>
+              <a:rPr lang="en-US"/>
               <a:t>Click to edit Master text styles</a:t>
             </a:r>
           </a:p>
           <a:p>
             <a:pPr lvl="1"/>
             <a:r>
-              <a:rPr lang="en-US" smtClean="0"/>
+              <a:rPr lang="en-US"/>
               <a:t>Second level</a:t>
             </a:r>
           </a:p>
           <a:p>
             <a:pPr lvl="2"/>
             <a:r>
-              <a:rPr lang="en-US" smtClean="0"/>
+              <a:rPr lang="en-US"/>
               <a:t>Third level</a:t>
             </a:r>
           </a:p>
           <a:p>
             <a:pPr lvl="3"/>
             <a:r>
-              <a:rPr lang="en-US" smtClean="0"/>
+              <a:rPr lang="en-US"/>
               <a:t>Fourth level</a:t>
             </a:r>
           </a:p>
           <a:p>
             <a:pPr lvl="4"/>
             <a:r>
-              <a:rPr lang="en-US" smtClean="0"/>
+              <a:rPr lang="en-US"/>
               <a:t>Fifth level</a:t>
             </a:r>
             <a:endParaRPr lang="en-US" dirty="0"/>
@@ -4756,7 +5877,7 @@
           <a:p>
             <a:fld id="{EA764AC7-1100-44EA-8F9C-E5DBDEA7D449}" type="datetime1">
               <a:rPr lang="de-DE" smtClean="0"/>
-              <a:t>26.05.2016</a:t>
+              <a:t>01.06.2016</a:t>
             </a:fld>
             <a:endParaRPr lang="de-DE"/>
           </a:p>
@@ -4911,7 +6032,7 @@
           <a:ln/>
           <a:extLst>
             <a:ext uri="{91240B29-F687-4f45-9708-019B960494DF}">
-              <a14:hiddenLine xmlns="" xmlns:a14="http://schemas.microsoft.com/office/drawing/2010/main" w="9525">
+              <a14:hiddenLine xmlns:a14="http://schemas.microsoft.com/office/drawing/2010/main" xmlns="" w="9525">
                 <a:solidFill>
                   <a:srgbClr val="000000"/>
                 </a:solidFill>
@@ -4953,7 +6074,7 @@
           <a:lstStyle/>
           <a:p>
             <a:r>
-              <a:rPr lang="en-US" smtClean="0"/>
+              <a:rPr lang="en-US"/>
               <a:t>Click to edit Master title style</a:t>
             </a:r>
             <a:endParaRPr lang="en-US" dirty="0"/>
@@ -4977,7 +6098,7 @@
           <a:p>
             <a:fld id="{953DE26B-AC6B-4C45-89F1-6CA9D55DC38C}" type="datetime1">
               <a:rPr lang="de-DE" smtClean="0"/>
-              <a:t>26.05.2016</a:t>
+              <a:t>01.06.2016</a:t>
             </a:fld>
             <a:endParaRPr lang="de-DE"/>
           </a:p>
@@ -5072,7 +6193,7 @@
           <a:p>
             <a:fld id="{A4A23145-3C59-4A7A-BD65-32A97E4041F7}" type="datetime1">
               <a:rPr lang="de-DE" smtClean="0"/>
-              <a:t>26.05.2016</a:t>
+              <a:t>01.06.2016</a:t>
             </a:fld>
             <a:endParaRPr lang="de-DE"/>
           </a:p>
@@ -5340,7 +6461,7 @@
           <a:ln/>
           <a:extLst>
             <a:ext uri="{91240B29-F687-4f45-9708-019B960494DF}">
-              <a14:hiddenLine xmlns="" xmlns:a14="http://schemas.microsoft.com/office/drawing/2010/main" w="9525">
+              <a14:hiddenLine xmlns:a14="http://schemas.microsoft.com/office/drawing/2010/main" xmlns="" w="9525">
                 <a:solidFill>
                   <a:srgbClr val="000000"/>
                 </a:solidFill>
@@ -5391,7 +6512,7 @@
           </a:lstStyle>
           <a:p>
             <a:r>
-              <a:rPr lang="en-US" smtClean="0"/>
+              <a:rPr lang="en-US"/>
               <a:t>Click to edit Master title style</a:t>
             </a:r>
             <a:endParaRPr lang="en-US" dirty="0"/>
@@ -5422,35 +6543,35 @@
           <a:p>
             <a:pPr lvl="0"/>
             <a:r>
-              <a:rPr lang="en-US" smtClean="0"/>
+              <a:rPr lang="en-US"/>
               <a:t>Click to edit Master text styles</a:t>
             </a:r>
           </a:p>
           <a:p>
             <a:pPr lvl="1"/>
             <a:r>
-              <a:rPr lang="en-US" smtClean="0"/>
+              <a:rPr lang="en-US"/>
               <a:t>Second level</a:t>
             </a:r>
           </a:p>
           <a:p>
             <a:pPr lvl="2"/>
             <a:r>
-              <a:rPr lang="en-US" smtClean="0"/>
+              <a:rPr lang="en-US"/>
               <a:t>Third level</a:t>
             </a:r>
           </a:p>
           <a:p>
             <a:pPr lvl="3"/>
             <a:r>
-              <a:rPr lang="en-US" smtClean="0"/>
+              <a:rPr lang="en-US"/>
               <a:t>Fourth level</a:t>
             </a:r>
           </a:p>
           <a:p>
             <a:pPr lvl="4"/>
             <a:r>
-              <a:rPr lang="en-US" smtClean="0"/>
+              <a:rPr lang="en-US"/>
               <a:t>Fifth level</a:t>
             </a:r>
             <a:endParaRPr lang="en-US" dirty="0"/>
@@ -5516,7 +6637,7 @@
           <a:p>
             <a:pPr lvl="0"/>
             <a:r>
-              <a:rPr lang="en-US" smtClean="0"/>
+              <a:rPr lang="en-US"/>
               <a:t>Click to edit Master text styles</a:t>
             </a:r>
           </a:p>
@@ -5539,7 +6660,7 @@
           <a:p>
             <a:fld id="{DC97E4A1-252F-482D-917D-572A8573A0A3}" type="datetime1">
               <a:rPr lang="de-DE" smtClean="0"/>
-              <a:t>26.05.2016</a:t>
+              <a:t>01.06.2016</a:t>
             </a:fld>
             <a:endParaRPr lang="de-DE"/>
           </a:p>
@@ -5633,7 +6754,7 @@
           <a:lstStyle/>
           <a:p>
             <a:r>
-              <a:rPr lang="en-US" smtClean="0"/>
+              <a:rPr lang="en-US"/>
               <a:t>Click to edit Master title style</a:t>
             </a:r>
             <a:endParaRPr lang="en-US" dirty="0"/>
@@ -5657,35 +6778,35 @@
           <a:p>
             <a:pPr lvl="0"/>
             <a:r>
-              <a:rPr lang="en-US" smtClean="0"/>
+              <a:rPr lang="en-US"/>
               <a:t>Click to edit Master text styles</a:t>
             </a:r>
           </a:p>
           <a:p>
             <a:pPr lvl="1"/>
             <a:r>
-              <a:rPr lang="en-US" smtClean="0"/>
+              <a:rPr lang="en-US"/>
               <a:t>Second level</a:t>
             </a:r>
           </a:p>
           <a:p>
             <a:pPr lvl="2"/>
             <a:r>
-              <a:rPr lang="en-US" smtClean="0"/>
+              <a:rPr lang="en-US"/>
               <a:t>Third level</a:t>
             </a:r>
           </a:p>
           <a:p>
             <a:pPr lvl="3"/>
             <a:r>
-              <a:rPr lang="en-US" smtClean="0"/>
+              <a:rPr lang="en-US"/>
               <a:t>Fourth level</a:t>
             </a:r>
           </a:p>
           <a:p>
             <a:pPr lvl="4"/>
             <a:r>
-              <a:rPr lang="en-US" smtClean="0"/>
+              <a:rPr lang="en-US"/>
               <a:t>Fifth level</a:t>
             </a:r>
             <a:endParaRPr lang="en-US" dirty="0"/>
@@ -5709,7 +6830,7 @@
           <a:p>
             <a:fld id="{64F6BAD7-458A-4C47-AE6E-E8AA0082162C}" type="datetime1">
               <a:rPr lang="de-DE" smtClean="0"/>
-              <a:t>26.05.2016</a:t>
+              <a:t>01.06.2016</a:t>
             </a:fld>
             <a:endParaRPr lang="de-DE"/>
           </a:p>
@@ -5814,7 +6935,7 @@
           </a:lstStyle>
           <a:p>
             <a:r>
-              <a:rPr lang="en-US" smtClean="0"/>
+              <a:rPr lang="en-US"/>
               <a:t>Click to edit Master title style</a:t>
             </a:r>
             <a:endParaRPr lang="en-US" dirty="0"/>
@@ -5926,7 +7047,7 @@
           </a:lstStyle>
           <a:p>
             <a:r>
-              <a:rPr lang="en-US" smtClean="0"/>
+              <a:rPr lang="en-US"/>
               <a:t>Click icon to add picture</a:t>
             </a:r>
             <a:endParaRPr lang="en-US" dirty="0"/>
@@ -5994,7 +7115,7 @@
           <a:p>
             <a:pPr lvl="0"/>
             <a:r>
-              <a:rPr lang="en-US" smtClean="0"/>
+              <a:rPr lang="en-US"/>
               <a:t>Click to edit Master text styles</a:t>
             </a:r>
           </a:p>
@@ -6022,7 +7143,7 @@
           <a:p>
             <a:fld id="{AB661DFC-524D-4375-8114-3A40E5569A19}" type="datetime1">
               <a:rPr lang="de-DE" smtClean="0"/>
-              <a:t>26.05.2016</a:t>
+              <a:t>01.06.2016</a:t>
             </a:fld>
             <a:endParaRPr lang="de-DE"/>
           </a:p>
@@ -6137,7 +7258,7 @@
           </a:lstStyle>
           <a:p>
             <a:r>
-              <a:rPr lang="en-US" smtClean="0"/>
+              <a:rPr lang="en-US"/>
               <a:t>Click to edit Master title style</a:t>
             </a:r>
             <a:endParaRPr lang="en-US" dirty="0"/>
@@ -6259,7 +7380,7 @@
           </a:lstStyle>
           <a:p>
             <a:r>
-              <a:rPr lang="en-US" smtClean="0"/>
+              <a:rPr lang="en-US"/>
               <a:t>Click icon to add picture</a:t>
             </a:r>
             <a:endParaRPr lang="en-US" dirty="0"/>
@@ -6327,7 +7448,7 @@
           <a:p>
             <a:pPr lvl="0"/>
             <a:r>
-              <a:rPr lang="en-US" smtClean="0"/>
+              <a:rPr lang="en-US"/>
               <a:t>Click to edit Master text styles</a:t>
             </a:r>
           </a:p>
@@ -6350,7 +7471,7 @@
           <a:p>
             <a:fld id="{AA4DA8D6-946E-42E3-8E85-98905D3A183E}" type="datetime1">
               <a:rPr lang="de-DE" smtClean="0"/>
-              <a:t>26.05.2016</a:t>
+              <a:t>01.06.2016</a:t>
             </a:fld>
             <a:endParaRPr lang="de-DE"/>
           </a:p>
@@ -6661,7 +7782,7 @@
           </a:lstStyle>
           <a:p>
             <a:r>
-              <a:rPr lang="en-US" smtClean="0"/>
+              <a:rPr lang="en-US"/>
               <a:t>Click to edit Master title style</a:t>
             </a:r>
             <a:endParaRPr lang="en-US" dirty="0"/>
@@ -6781,7 +7902,7 @@
           <a:p>
             <a:pPr lvl="0"/>
             <a:r>
-              <a:rPr lang="en-US" smtClean="0"/>
+              <a:rPr lang="en-US"/>
               <a:t>Click to edit Master text styles</a:t>
             </a:r>
           </a:p>
@@ -6815,7 +7936,7 @@
           <a:p>
             <a:pPr lvl="0"/>
             <a:r>
-              <a:rPr lang="en-US" smtClean="0"/>
+              <a:rPr lang="en-US"/>
               <a:t>Click to edit Master text styles</a:t>
             </a:r>
           </a:p>
@@ -6838,7 +7959,7 @@
           <a:p>
             <a:fld id="{B2FE25F7-114D-4253-B6F1-3DFC0980350E}" type="datetime1">
               <a:rPr lang="de-DE" smtClean="0"/>
-              <a:t>26.05.2016</a:t>
+              <a:t>01.06.2016</a:t>
             </a:fld>
             <a:endParaRPr lang="de-DE"/>
           </a:p>
@@ -7149,7 +8270,7 @@
           </a:lstStyle>
           <a:p>
             <a:r>
-              <a:rPr lang="en-US" smtClean="0"/>
+              <a:rPr lang="en-US"/>
               <a:t>Click to edit Master title style</a:t>
             </a:r>
             <a:endParaRPr lang="en-US" dirty="0"/>
@@ -7184,7 +8305,7 @@
           <a:p>
             <a:pPr lvl="0"/>
             <a:r>
-              <a:rPr lang="en-US" smtClean="0"/>
+              <a:rPr lang="en-US"/>
               <a:t>Click to edit Master text styles</a:t>
             </a:r>
           </a:p>
@@ -7207,7 +8328,7 @@
           <a:p>
             <a:fld id="{EF68B12A-5690-4FF1-96CA-84F774729477}" type="datetime1">
               <a:rPr lang="de-DE" smtClean="0"/>
-              <a:t>26.05.2016</a:t>
+              <a:t>01.06.2016</a:t>
             </a:fld>
             <a:endParaRPr lang="de-DE"/>
           </a:p>
@@ -7362,7 +8483,7 @@
           <a:ln/>
           <a:extLst>
             <a:ext uri="{91240B29-F687-4f45-9708-019B960494DF}">
-              <a14:hiddenLine xmlns="" xmlns:a14="http://schemas.microsoft.com/office/drawing/2010/main" w="9525">
+              <a14:hiddenLine xmlns:a14="http://schemas.microsoft.com/office/drawing/2010/main" xmlns="" w="9525">
                 <a:solidFill>
                   <a:srgbClr val="000000"/>
                 </a:solidFill>
@@ -7404,7 +8525,7 @@
           <a:lstStyle/>
           <a:p>
             <a:r>
-              <a:rPr lang="en-US" smtClean="0"/>
+              <a:rPr lang="en-US"/>
               <a:t>Click to edit Master title style</a:t>
             </a:r>
             <a:endParaRPr lang="en-US" dirty="0"/>
@@ -7428,35 +8549,35 @@
           <a:p>
             <a:pPr lvl="0"/>
             <a:r>
-              <a:rPr lang="en-US" smtClean="0"/>
+              <a:rPr lang="en-US"/>
               <a:t>Click to edit Master text styles</a:t>
             </a:r>
           </a:p>
           <a:p>
             <a:pPr lvl="1"/>
             <a:r>
-              <a:rPr lang="en-US" smtClean="0"/>
+              <a:rPr lang="en-US"/>
               <a:t>Second level</a:t>
             </a:r>
           </a:p>
           <a:p>
             <a:pPr lvl="2"/>
             <a:r>
-              <a:rPr lang="en-US" smtClean="0"/>
+              <a:rPr lang="en-US"/>
               <a:t>Third level</a:t>
             </a:r>
           </a:p>
           <a:p>
             <a:pPr lvl="3"/>
             <a:r>
-              <a:rPr lang="en-US" smtClean="0"/>
+              <a:rPr lang="en-US"/>
               <a:t>Fourth level</a:t>
             </a:r>
           </a:p>
           <a:p>
             <a:pPr lvl="4"/>
             <a:r>
-              <a:rPr lang="en-US" smtClean="0"/>
+              <a:rPr lang="en-US"/>
               <a:t>Fifth level</a:t>
             </a:r>
             <a:endParaRPr lang="en-US" dirty="0"/>
@@ -7480,7 +8601,7 @@
           <a:p>
             <a:fld id="{6A684464-1C9C-4643-89F8-D6EAD5AB0D99}" type="datetime1">
               <a:rPr lang="de-DE" smtClean="0"/>
-              <a:t>26.05.2016</a:t>
+              <a:t>01.06.2016</a:t>
             </a:fld>
             <a:endParaRPr lang="de-DE"/>
           </a:p>
@@ -7637,7 +8758,7 @@
           <a:ln/>
           <a:extLst>
             <a:ext uri="{91240B29-F687-4f45-9708-019B960494DF}">
-              <a14:hiddenLine xmlns="" xmlns:a14="http://schemas.microsoft.com/office/drawing/2010/main" w="9525">
+              <a14:hiddenLine xmlns:a14="http://schemas.microsoft.com/office/drawing/2010/main" xmlns="" w="9525">
                 <a:solidFill>
                   <a:srgbClr val="000000"/>
                 </a:solidFill>
@@ -7684,7 +8805,7 @@
           <a:lstStyle/>
           <a:p>
             <a:r>
-              <a:rPr lang="en-US" smtClean="0"/>
+              <a:rPr lang="en-US"/>
               <a:t>Click to edit Master title style</a:t>
             </a:r>
             <a:endParaRPr lang="en-US" dirty="0"/>
@@ -7713,35 +8834,35 @@
           <a:p>
             <a:pPr lvl="0"/>
             <a:r>
-              <a:rPr lang="en-US" smtClean="0"/>
+              <a:rPr lang="en-US"/>
               <a:t>Click to edit Master text styles</a:t>
             </a:r>
           </a:p>
           <a:p>
             <a:pPr lvl="1"/>
             <a:r>
-              <a:rPr lang="en-US" smtClean="0"/>
+              <a:rPr lang="en-US"/>
               <a:t>Second level</a:t>
             </a:r>
           </a:p>
           <a:p>
             <a:pPr lvl="2"/>
             <a:r>
-              <a:rPr lang="en-US" smtClean="0"/>
+              <a:rPr lang="en-US"/>
               <a:t>Third level</a:t>
             </a:r>
           </a:p>
           <a:p>
             <a:pPr lvl="3"/>
             <a:r>
-              <a:rPr lang="en-US" smtClean="0"/>
+              <a:rPr lang="en-US"/>
               <a:t>Fourth level</a:t>
             </a:r>
           </a:p>
           <a:p>
             <a:pPr lvl="4"/>
             <a:r>
-              <a:rPr lang="en-US" smtClean="0"/>
+              <a:rPr lang="en-US"/>
               <a:t>Fifth level</a:t>
             </a:r>
             <a:endParaRPr lang="en-US" dirty="0"/>
@@ -7765,7 +8886,7 @@
           <a:p>
             <a:fld id="{E2109431-C894-4242-A82B-2FA15729ACBA}" type="datetime1">
               <a:rPr lang="de-DE" smtClean="0"/>
-              <a:t>26.05.2016</a:t>
+              <a:t>01.06.2016</a:t>
             </a:fld>
             <a:endParaRPr lang="de-DE"/>
           </a:p>
@@ -7870,7 +8991,7 @@
           </a:lstStyle>
           <a:p>
             <a:r>
-              <a:rPr lang="en-US" smtClean="0"/>
+              <a:rPr lang="en-US"/>
               <a:t>Click to edit Master title style</a:t>
             </a:r>
             <a:endParaRPr lang="en-US" dirty="0"/>
@@ -7993,7 +9114,7 @@
           <a:p>
             <a:pPr lvl="0"/>
             <a:r>
-              <a:rPr lang="en-US" smtClean="0"/>
+              <a:rPr lang="en-US"/>
               <a:t>Click to edit Master text styles</a:t>
             </a:r>
           </a:p>
@@ -8016,7 +9137,7 @@
           <a:p>
             <a:fld id="{446E6D08-D933-4764-B0DA-77E2393D2353}" type="datetime1">
               <a:rPr lang="de-DE" smtClean="0"/>
-              <a:t>26.05.2016</a:t>
+              <a:t>01.06.2016</a:t>
             </a:fld>
             <a:endParaRPr lang="de-DE"/>
           </a:p>
@@ -8110,7 +9231,7 @@
           <a:lstStyle/>
           <a:p>
             <a:r>
-              <a:rPr lang="en-US" smtClean="0"/>
+              <a:rPr lang="en-US"/>
               <a:t>Click to edit Master title style</a:t>
             </a:r>
             <a:endParaRPr lang="en-US" dirty="0"/>
@@ -8139,35 +9260,35 @@
           <a:p>
             <a:pPr lvl="0"/>
             <a:r>
-              <a:rPr lang="en-US" smtClean="0"/>
+              <a:rPr lang="en-US"/>
               <a:t>Click to edit Master text styles</a:t>
             </a:r>
           </a:p>
           <a:p>
             <a:pPr lvl="1"/>
             <a:r>
-              <a:rPr lang="en-US" smtClean="0"/>
+              <a:rPr lang="en-US"/>
               <a:t>Second level</a:t>
             </a:r>
           </a:p>
           <a:p>
             <a:pPr lvl="2"/>
             <a:r>
-              <a:rPr lang="en-US" smtClean="0"/>
+              <a:rPr lang="en-US"/>
               <a:t>Third level</a:t>
             </a:r>
           </a:p>
           <a:p>
             <a:pPr lvl="3"/>
             <a:r>
-              <a:rPr lang="en-US" smtClean="0"/>
+              <a:rPr lang="en-US"/>
               <a:t>Fourth level</a:t>
             </a:r>
           </a:p>
           <a:p>
             <a:pPr lvl="4"/>
             <a:r>
-              <a:rPr lang="en-US" smtClean="0"/>
+              <a:rPr lang="en-US"/>
               <a:t>Fifth level</a:t>
             </a:r>
             <a:endParaRPr lang="en-US" dirty="0"/>
@@ -8196,35 +9317,35 @@
           <a:p>
             <a:pPr lvl="0"/>
             <a:r>
-              <a:rPr lang="en-US" smtClean="0"/>
+              <a:rPr lang="en-US"/>
               <a:t>Click to edit Master text styles</a:t>
             </a:r>
           </a:p>
           <a:p>
             <a:pPr lvl="1"/>
             <a:r>
-              <a:rPr lang="en-US" smtClean="0"/>
+              <a:rPr lang="en-US"/>
               <a:t>Second level</a:t>
             </a:r>
           </a:p>
           <a:p>
             <a:pPr lvl="2"/>
             <a:r>
-              <a:rPr lang="en-US" smtClean="0"/>
+              <a:rPr lang="en-US"/>
               <a:t>Third level</a:t>
             </a:r>
           </a:p>
           <a:p>
             <a:pPr lvl="3"/>
             <a:r>
-              <a:rPr lang="en-US" smtClean="0"/>
+              <a:rPr lang="en-US"/>
               <a:t>Fourth level</a:t>
             </a:r>
           </a:p>
           <a:p>
             <a:pPr lvl="4"/>
             <a:r>
-              <a:rPr lang="en-US" smtClean="0"/>
+              <a:rPr lang="en-US"/>
               <a:t>Fifth level</a:t>
             </a:r>
             <a:endParaRPr lang="en-US" dirty="0"/>
@@ -8248,7 +9369,7 @@
           <a:p>
             <a:fld id="{A21492DE-40C5-4995-8DC3-F03DB235C5A2}" type="datetime1">
               <a:rPr lang="de-DE" smtClean="0"/>
-              <a:t>26.05.2016</a:t>
+              <a:t>01.06.2016</a:t>
             </a:fld>
             <a:endParaRPr lang="de-DE"/>
           </a:p>
@@ -8390,7 +9511,7 @@
           <a:p>
             <a:pPr lvl="0"/>
             <a:r>
-              <a:rPr lang="en-US" smtClean="0"/>
+              <a:rPr lang="en-US"/>
               <a:t>Click to edit Master text styles</a:t>
             </a:r>
           </a:p>
@@ -8418,35 +9539,35 @@
           <a:p>
             <a:pPr lvl="0"/>
             <a:r>
-              <a:rPr lang="en-US" smtClean="0"/>
+              <a:rPr lang="en-US"/>
               <a:t>Click to edit Master text styles</a:t>
             </a:r>
           </a:p>
           <a:p>
             <a:pPr lvl="1"/>
             <a:r>
-              <a:rPr lang="en-US" smtClean="0"/>
+              <a:rPr lang="en-US"/>
               <a:t>Second level</a:t>
             </a:r>
           </a:p>
           <a:p>
             <a:pPr lvl="2"/>
             <a:r>
-              <a:rPr lang="en-US" smtClean="0"/>
+              <a:rPr lang="en-US"/>
               <a:t>Third level</a:t>
             </a:r>
           </a:p>
           <a:p>
             <a:pPr lvl="3"/>
             <a:r>
-              <a:rPr lang="en-US" smtClean="0"/>
+              <a:rPr lang="en-US"/>
               <a:t>Fourth level</a:t>
             </a:r>
           </a:p>
           <a:p>
             <a:pPr lvl="4"/>
             <a:r>
-              <a:rPr lang="en-US" smtClean="0"/>
+              <a:rPr lang="en-US"/>
               <a:t>Fifth level</a:t>
             </a:r>
             <a:endParaRPr lang="en-US" dirty="0"/>
@@ -8515,7 +9636,7 @@
           <a:p>
             <a:pPr lvl="0"/>
             <a:r>
-              <a:rPr lang="en-US" smtClean="0"/>
+              <a:rPr lang="en-US"/>
               <a:t>Click to edit Master text styles</a:t>
             </a:r>
           </a:p>
@@ -8543,38 +9664,37 @@
           <a:p>
             <a:pPr lvl="0"/>
             <a:r>
-              <a:rPr lang="en-US" smtClean="0"/>
+              <a:rPr lang="en-US"/>
               <a:t>Click to edit Master text styles</a:t>
             </a:r>
           </a:p>
           <a:p>
             <a:pPr lvl="1"/>
             <a:r>
-              <a:rPr lang="en-US" smtClean="0"/>
+              <a:rPr lang="en-US"/>
               <a:t>Second level</a:t>
             </a:r>
           </a:p>
           <a:p>
             <a:pPr lvl="2"/>
             <a:r>
-              <a:rPr lang="en-US" smtClean="0"/>
+              <a:rPr lang="en-US"/>
               <a:t>Third level</a:t>
             </a:r>
           </a:p>
           <a:p>
             <a:pPr lvl="3"/>
             <a:r>
-              <a:rPr lang="en-US" smtClean="0"/>
+              <a:rPr lang="en-US"/>
               <a:t>Fourth level</a:t>
             </a:r>
           </a:p>
           <a:p>
             <a:pPr lvl="4"/>
             <a:r>
-              <a:rPr lang="en-US" smtClean="0"/>
+              <a:rPr lang="en-US"/>
               <a:t>Fifth level</a:t>
             </a:r>
-            <a:endParaRPr lang="en-US"/>
           </a:p>
         </p:txBody>
       </p:sp>
@@ -8595,7 +9715,7 @@
           <a:p>
             <a:fld id="{80F7C105-8D9E-4C5F-BE74-83255AE0E00C}" type="datetime1">
               <a:rPr lang="de-DE" smtClean="0"/>
-              <a:t>26.05.2016</a:t>
+              <a:t>01.06.2016</a:t>
             </a:fld>
             <a:endParaRPr lang="de-DE"/>
           </a:p>
@@ -8659,7 +9779,7 @@
           <a:lstStyle/>
           <a:p>
             <a:r>
-              <a:rPr lang="en-US" smtClean="0"/>
+              <a:rPr lang="en-US"/>
               <a:t>Click to edit Master title style</a:t>
             </a:r>
             <a:endParaRPr lang="en-US" dirty="0"/>
@@ -8713,7 +9833,7 @@
           <a:p>
             <a:fld id="{8EB79CB7-773C-4627-B446-524B07D6DB81}" type="datetime1">
               <a:rPr lang="de-DE" smtClean="0"/>
-              <a:t>26.05.2016</a:t>
+              <a:t>01.06.2016</a:t>
             </a:fld>
             <a:endParaRPr lang="de-DE"/>
           </a:p>
@@ -8777,10 +9897,9 @@
           <a:lstStyle/>
           <a:p>
             <a:r>
-              <a:rPr lang="en-US" smtClean="0"/>
+              <a:rPr lang="en-US"/>
               <a:t>Click to edit Master title style</a:t>
             </a:r>
-            <a:endParaRPr lang="en-US"/>
           </a:p>
         </p:txBody>
       </p:sp>
@@ -8831,7 +9950,7 @@
           <a:p>
             <a:fld id="{34FFD536-2120-49AA-A6C4-82236EAC0390}" type="datetime1">
               <a:rPr lang="de-DE" smtClean="0"/>
-              <a:t>26.05.2016</a:t>
+              <a:t>01.06.2016</a:t>
             </a:fld>
             <a:endParaRPr lang="de-DE"/>
           </a:p>
@@ -8936,7 +10055,7 @@
           </a:lstStyle>
           <a:p>
             <a:r>
-              <a:rPr lang="en-US" smtClean="0"/>
+              <a:rPr lang="en-US"/>
               <a:t>Click to edit Master title style</a:t>
             </a:r>
             <a:endParaRPr lang="en-US" dirty="0"/>
@@ -8993,35 +10112,35 @@
           <a:p>
             <a:pPr lvl="0"/>
             <a:r>
-              <a:rPr lang="en-US" smtClean="0"/>
+              <a:rPr lang="en-US"/>
               <a:t>Click to edit Master text styles</a:t>
             </a:r>
           </a:p>
           <a:p>
             <a:pPr lvl="1"/>
             <a:r>
-              <a:rPr lang="en-US" smtClean="0"/>
+              <a:rPr lang="en-US"/>
               <a:t>Second level</a:t>
             </a:r>
           </a:p>
           <a:p>
             <a:pPr lvl="2"/>
             <a:r>
-              <a:rPr lang="en-US" smtClean="0"/>
+              <a:rPr lang="en-US"/>
               <a:t>Third level</a:t>
             </a:r>
           </a:p>
           <a:p>
             <a:pPr lvl="3"/>
             <a:r>
-              <a:rPr lang="en-US" smtClean="0"/>
+              <a:rPr lang="en-US"/>
               <a:t>Fourth level</a:t>
             </a:r>
           </a:p>
           <a:p>
             <a:pPr lvl="4"/>
             <a:r>
-              <a:rPr lang="en-US" smtClean="0"/>
+              <a:rPr lang="en-US"/>
               <a:t>Fifth level</a:t>
             </a:r>
             <a:endParaRPr lang="en-US" dirty="0"/>
@@ -9092,7 +10211,7 @@
           <a:p>
             <a:pPr lvl="0"/>
             <a:r>
-              <a:rPr lang="en-US" smtClean="0"/>
+              <a:rPr lang="en-US"/>
               <a:t>Click to edit Master text styles</a:t>
             </a:r>
           </a:p>
@@ -9115,7 +10234,7 @@
           <a:p>
             <a:fld id="{C2CA2CF1-9229-4B31-BFF6-AD3CCBD7C661}" type="datetime1">
               <a:rPr lang="de-DE" smtClean="0"/>
-              <a:t>26.05.2016</a:t>
+              <a:t>01.06.2016</a:t>
             </a:fld>
             <a:endParaRPr lang="de-DE"/>
           </a:p>
@@ -9220,7 +10339,7 @@
           </a:lstStyle>
           <a:p>
             <a:r>
-              <a:rPr lang="en-US" smtClean="0"/>
+              <a:rPr lang="en-US"/>
               <a:t>Click to edit Master title style</a:t>
             </a:r>
             <a:endParaRPr lang="en-US" dirty="0"/>
@@ -9285,7 +10404,7 @@
           </a:lstStyle>
           <a:p>
             <a:r>
-              <a:rPr lang="en-US" smtClean="0"/>
+              <a:rPr lang="en-US"/>
               <a:t>Click icon to add picture</a:t>
             </a:r>
             <a:endParaRPr lang="en-US" dirty="0"/>
@@ -9356,7 +10475,7 @@
           <a:p>
             <a:pPr lvl="0"/>
             <a:r>
-              <a:rPr lang="en-US" smtClean="0"/>
+              <a:rPr lang="en-US"/>
               <a:t>Click to edit Master text styles</a:t>
             </a:r>
           </a:p>
@@ -9379,7 +10498,7 @@
           <a:p>
             <a:fld id="{AFB990AC-24D8-42A0-B51D-7399001C5B4B}" type="datetime1">
               <a:rPr lang="de-DE" smtClean="0"/>
-              <a:t>26.05.2016</a:t>
+              <a:t>01.06.2016</a:t>
             </a:fld>
             <a:endParaRPr lang="de-DE"/>
           </a:p>
@@ -9488,7 +10607,7 @@
           <a:lstStyle/>
           <a:p>
             <a:r>
-              <a:rPr lang="en-US" smtClean="0"/>
+              <a:rPr lang="en-US"/>
               <a:t>Click to edit Master title style</a:t>
             </a:r>
             <a:endParaRPr lang="en-US" dirty="0"/>
@@ -9522,35 +10641,35 @@
           <a:p>
             <a:pPr lvl="0"/>
             <a:r>
-              <a:rPr lang="en-US" smtClean="0"/>
+              <a:rPr lang="en-US"/>
               <a:t>Click to edit Master text styles</a:t>
             </a:r>
           </a:p>
           <a:p>
             <a:pPr lvl="1"/>
             <a:r>
-              <a:rPr lang="en-US" smtClean="0"/>
+              <a:rPr lang="en-US"/>
               <a:t>Second level</a:t>
             </a:r>
           </a:p>
           <a:p>
             <a:pPr lvl="2"/>
             <a:r>
-              <a:rPr lang="en-US" smtClean="0"/>
+              <a:rPr lang="en-US"/>
               <a:t>Third level</a:t>
             </a:r>
           </a:p>
           <a:p>
             <a:pPr lvl="3"/>
             <a:r>
-              <a:rPr lang="en-US" smtClean="0"/>
+              <a:rPr lang="en-US"/>
               <a:t>Fourth level</a:t>
             </a:r>
           </a:p>
           <a:p>
             <a:pPr lvl="4"/>
             <a:r>
-              <a:rPr lang="en-US" smtClean="0"/>
+              <a:rPr lang="en-US"/>
               <a:t>Fifth level</a:t>
             </a:r>
             <a:endParaRPr lang="en-US" dirty="0"/>
@@ -9593,7 +10712,7 @@
           <a:p>
             <a:fld id="{7632BEB0-F32D-4EC8-BB16-F73A34AC404F}" type="datetime1">
               <a:rPr lang="de-DE" smtClean="0"/>
-              <a:t>26.05.2016</a:t>
+              <a:t>01.06.2016</a:t>
             </a:fld>
             <a:endParaRPr lang="de-DE"/>
           </a:p>
@@ -10026,7 +11145,7 @@
           <a:lstStyle/>
           <a:p>
             <a:r>
-              <a:rPr lang="en-US" smtClean="0"/>
+              <a:rPr lang="en-US"/>
               <a:t>Click to edit Master title style</a:t>
             </a:r>
             <a:endParaRPr lang="en-US" dirty="0"/>
@@ -10067,35 +11186,35 @@
           <a:p>
             <a:pPr lvl="0"/>
             <a:r>
-              <a:rPr lang="en-US" smtClean="0"/>
+              <a:rPr lang="en-US"/>
               <a:t>Click to edit Master text styles</a:t>
             </a:r>
           </a:p>
           <a:p>
             <a:pPr lvl="1"/>
             <a:r>
-              <a:rPr lang="en-US" smtClean="0"/>
+              <a:rPr lang="en-US"/>
               <a:t>Second level</a:t>
             </a:r>
           </a:p>
           <a:p>
             <a:pPr lvl="2"/>
             <a:r>
-              <a:rPr lang="en-US" smtClean="0"/>
+              <a:rPr lang="en-US"/>
               <a:t>Third level</a:t>
             </a:r>
           </a:p>
           <a:p>
             <a:pPr lvl="3"/>
             <a:r>
-              <a:rPr lang="en-US" smtClean="0"/>
+              <a:rPr lang="en-US"/>
               <a:t>Fourth level</a:t>
             </a:r>
           </a:p>
           <a:p>
             <a:pPr lvl="4"/>
             <a:r>
-              <a:rPr lang="en-US" smtClean="0"/>
+              <a:rPr lang="en-US"/>
               <a:t>Fifth level</a:t>
             </a:r>
             <a:endParaRPr lang="en-US" dirty="0"/>
@@ -10170,7 +11289,7 @@
           <a:p>
             <a:fld id="{258B5F22-AD80-43F1-907A-6AB935494E99}" type="datetime1">
               <a:rPr lang="de-DE" smtClean="0"/>
-              <a:t>26.05.2016</a:t>
+              <a:t>01.06.2016</a:t>
             </a:fld>
             <a:endParaRPr lang="de-DE"/>
           </a:p>
@@ -10636,10 +11755,9 @@
           <a:lstStyle/>
           <a:p>
             <a:r>
-              <a:rPr lang="de-DE" dirty="0" smtClean="0"/>
+              <a:rPr lang="de-DE" dirty="0"/>
               <a:t>Webprojekt -</a:t>
             </a:r>
-            <a:endParaRPr lang="de-DE" dirty="0"/>
           </a:p>
         </p:txBody>
       </p:sp>
@@ -10664,18 +11782,17 @@
           <a:lstStyle/>
           <a:p>
             <a:r>
-              <a:rPr lang="de-DE" dirty="0" smtClean="0"/>
+              <a:rPr lang="de-DE" dirty="0"/>
               <a:t>Von Sebastian </a:t>
             </a:r>
             <a:r>
-              <a:rPr lang="de-DE" dirty="0" err="1" smtClean="0"/>
+              <a:rPr lang="de-DE" dirty="0" err="1"/>
               <a:t>Röhling</a:t>
             </a:r>
             <a:r>
-              <a:rPr lang="de-DE" dirty="0" smtClean="0"/>
+              <a:rPr lang="de-DE" dirty="0"/>
               <a:t> und Vincent Manz</a:t>
             </a:r>
-            <a:endParaRPr lang="de-DE" dirty="0"/>
           </a:p>
         </p:txBody>
       </p:sp>
@@ -10726,13 +11843,6 @@
   <p:clrMapOvr>
     <a:masterClrMapping/>
   </p:clrMapOvr>
-  <p:timing>
-    <p:tnLst>
-      <p:par>
-        <p:cTn id="1" dur="indefinite" restart="never" nodeType="tmRoot"/>
-      </p:par>
-    </p:tnLst>
-  </p:timing>
 </p:sld>
 </file>
 
@@ -10778,13 +11888,8 @@
             </a:r>
             <a:r>
               <a:rPr lang="de-DE" dirty="0"/>
-              <a:t> </a:t>
-            </a:r>
-            <a:r>
-              <a:rPr lang="de-DE" dirty="0" smtClean="0"/>
-              <a:t>Buttons</a:t>
-            </a:r>
-            <a:endParaRPr lang="de-DE" dirty="0"/>
+              <a:t> Buttons</a:t>
+            </a:r>
           </a:p>
         </p:txBody>
       </p:sp>
@@ -10891,13 +11996,6 @@
   <p:clrMapOvr>
     <a:masterClrMapping/>
   </p:clrMapOvr>
-  <p:timing>
-    <p:tnLst>
-      <p:par>
-        <p:cTn id="1" dur="indefinite" restart="never" nodeType="tmRoot"/>
-      </p:par>
-    </p:tnLst>
-  </p:timing>
 </p:sld>
 </file>
 
@@ -11072,13 +12170,6 @@
   <p:clrMapOvr>
     <a:masterClrMapping/>
   </p:clrMapOvr>
-  <p:timing>
-    <p:tnLst>
-      <p:par>
-        <p:cTn id="1" dur="indefinite" restart="never" nodeType="tmRoot"/>
-      </p:par>
-    </p:tnLst>
-  </p:timing>
 </p:sld>
 </file>
 
@@ -11115,10 +12206,9 @@
           <a:lstStyle/>
           <a:p>
             <a:r>
-              <a:rPr lang="de-DE" dirty="0" smtClean="0"/>
+              <a:rPr lang="de-DE" dirty="0"/>
               <a:t>Erfüllung der Anforderungen – Client-Server-Architektur</a:t>
             </a:r>
-            <a:endParaRPr lang="de-DE" dirty="0"/>
           </a:p>
         </p:txBody>
       </p:sp>
@@ -11175,13 +12265,6 @@
   <p:clrMapOvr>
     <a:masterClrMapping/>
   </p:clrMapOvr>
-  <p:timing>
-    <p:tnLst>
-      <p:par>
-        <p:cTn id="1" dur="indefinite" restart="never" nodeType="tmRoot"/>
-      </p:par>
-    </p:tnLst>
-  </p:timing>
 </p:sld>
 </file>
 
@@ -11204,7 +12287,7 @@
       </p:grpSpPr>
       <p:sp>
         <p:nvSpPr>
-          <p:cNvPr id="3" name="Titel 2"/>
+          <p:cNvPr id="2" name="Titel 1"/>
           <p:cNvSpPr>
             <a:spLocks noGrp="1"/>
           </p:cNvSpPr>
@@ -11218,57 +12301,19 @@
           <a:lstStyle/>
           <a:p>
             <a:r>
-              <a:rPr lang="de-DE" dirty="0" smtClean="0"/>
-              <a:t>Anmeldefunktion</a:t>
-            </a:r>
-            <a:endParaRPr lang="de-DE" dirty="0"/>
-          </a:p>
-        </p:txBody>
-      </p:sp>
-      <p:sp>
-        <p:nvSpPr>
-          <p:cNvPr id="4" name="Textplatzhalter 3"/>
-          <p:cNvSpPr>
-            <a:spLocks noGrp="1"/>
-          </p:cNvSpPr>
-          <p:nvPr>
-            <p:ph type="body" idx="1"/>
-          </p:nvPr>
-        </p:nvSpPr>
-        <p:spPr/>
-        <p:txBody>
-          <a:bodyPr/>
-          <a:lstStyle/>
-          <a:p>
+              <a:rPr lang="de-DE" dirty="0" err="1"/>
+              <a:t>Cavas</a:t>
+            </a:r>
             <a:r>
               <a:rPr lang="de-DE" dirty="0"/>
-              <a:t>mit node.js und AJAX-Call</a:t>
-            </a:r>
-          </a:p>
-        </p:txBody>
-      </p:sp>
-      <p:sp>
-        <p:nvSpPr>
-          <p:cNvPr id="5" name="Textplatzhalter 4"/>
-          <p:cNvSpPr>
-            <a:spLocks noGrp="1"/>
-          </p:cNvSpPr>
-          <p:nvPr>
-            <p:ph type="body" sz="quarter" idx="16"/>
-          </p:nvPr>
-        </p:nvSpPr>
-        <p:spPr/>
-        <p:txBody>
-          <a:bodyPr/>
-          <a:lstStyle/>
-          <a:p>
-            <a:endParaRPr lang="de-DE"/>
-          </a:p>
-        </p:txBody>
-      </p:sp>
-      <p:sp>
-        <p:nvSpPr>
-          <p:cNvPr id="2" name="Foliennummernplatzhalter 1"/>
+              <a:t>-Minispiel</a:t>
+            </a:r>
+          </a:p>
+        </p:txBody>
+      </p:sp>
+      <p:sp>
+        <p:nvSpPr>
+          <p:cNvPr id="5" name="Foliennummernplatzhalter 4"/>
           <p:cNvSpPr>
             <a:spLocks noGrp="1"/>
           </p:cNvSpPr>
@@ -11292,20 +12337,13 @@
     </p:spTree>
     <p:extLst>
       <p:ext uri="{BB962C8B-B14F-4D97-AF65-F5344CB8AC3E}">
-        <p14:creationId xmlns:p14="http://schemas.microsoft.com/office/powerpoint/2010/main" val="3716751410"/>
+        <p14:creationId xmlns:p14="http://schemas.microsoft.com/office/powerpoint/2010/main" val="1986177230"/>
       </p:ext>
     </p:extLst>
   </p:cSld>
   <p:clrMapOvr>
     <a:masterClrMapping/>
   </p:clrMapOvr>
-  <p:timing>
-    <p:tnLst>
-      <p:par>
-        <p:cTn id="1" dur="indefinite" restart="never" nodeType="tmRoot"/>
-      </p:par>
-    </p:tnLst>
-  </p:timing>
 </p:sld>
 </file>
 
@@ -11328,6 +12366,28 @@
       </p:grpSpPr>
       <p:sp>
         <p:nvSpPr>
+          <p:cNvPr id="2" name="Titel 1"/>
+          <p:cNvSpPr>
+            <a:spLocks noGrp="1"/>
+          </p:cNvSpPr>
+          <p:nvPr>
+            <p:ph type="title"/>
+          </p:nvPr>
+        </p:nvSpPr>
+        <p:spPr/>
+        <p:txBody>
+          <a:bodyPr/>
+          <a:lstStyle/>
+          <a:p>
+            <a:r>
+              <a:rPr lang="de-DE" dirty="0"/>
+              <a:t>PHP Registrierung</a:t>
+            </a:r>
+          </a:p>
+        </p:txBody>
+      </p:sp>
+      <p:sp>
+        <p:nvSpPr>
           <p:cNvPr id="5" name="Foliennummernplatzhalter 4"/>
           <p:cNvSpPr>
             <a:spLocks noGrp="1"/>
@@ -11349,126 +12409,16 @@
           </a:p>
         </p:txBody>
       </p:sp>
-      <p:sp>
-        <p:nvSpPr>
-          <p:cNvPr id="6" name="Textfeld 5"/>
-          <p:cNvSpPr txBox="1"/>
-          <p:nvPr/>
-        </p:nvSpPr>
-        <p:spPr>
-          <a:xfrm>
-            <a:off x="524256" y="2206753"/>
-            <a:ext cx="11423494" cy="1754326"/>
-          </a:xfrm>
-          <a:prstGeom prst="rect">
-            <a:avLst/>
-          </a:prstGeom>
-          <a:noFill/>
-        </p:spPr>
-        <p:txBody>
-          <a:bodyPr wrap="square" rtlCol="0">
-            <a:spAutoFit/>
-          </a:bodyPr>
-          <a:lstStyle/>
-          <a:p>
-            <a:r>
-              <a:rPr lang="de-DE" sz="3600" dirty="0" smtClean="0">
-                <a:solidFill>
-                  <a:schemeClr val="accent1"/>
-                </a:solidFill>
-              </a:rPr>
-              <a:t>GET</a:t>
-            </a:r>
-          </a:p>
-          <a:p>
-            <a:endParaRPr lang="de-DE" sz="3600" i="1" dirty="0">
-              <a:solidFill>
-                <a:schemeClr val="accent1"/>
-              </a:solidFill>
-            </a:endParaRPr>
-          </a:p>
-          <a:p>
-            <a:r>
-              <a:rPr lang="de-DE" sz="3600" i="1" dirty="0" smtClean="0">
-                <a:solidFill>
-                  <a:schemeClr val="accent1"/>
-                </a:solidFill>
-              </a:rPr>
-              <a:t>“localhost:3000/</a:t>
-            </a:r>
-            <a:r>
-              <a:rPr lang="de-DE" sz="3600" i="1" dirty="0" err="1" smtClean="0">
-                <a:solidFill>
-                  <a:schemeClr val="accent1"/>
-                </a:solidFill>
-              </a:rPr>
-              <a:t>getUser</a:t>
-            </a:r>
-            <a:r>
-              <a:rPr lang="de-DE" sz="3600" i="1" dirty="0">
-                <a:solidFill>
-                  <a:schemeClr val="accent1"/>
-                </a:solidFill>
-              </a:rPr>
-              <a:t>/[</a:t>
-            </a:r>
-            <a:r>
-              <a:rPr lang="de-DE" sz="3600" i="1" dirty="0" err="1">
-                <a:solidFill>
-                  <a:schemeClr val="accent1"/>
-                </a:solidFill>
-              </a:rPr>
-              <a:t>username</a:t>
-            </a:r>
-            <a:r>
-              <a:rPr lang="de-DE" sz="3600" i="1" dirty="0">
-                <a:solidFill>
-                  <a:schemeClr val="accent1"/>
-                </a:solidFill>
-              </a:rPr>
-              <a:t>]/[</a:t>
-            </a:r>
-            <a:r>
-              <a:rPr lang="de-DE" sz="3600" i="1" dirty="0" err="1">
-                <a:solidFill>
-                  <a:schemeClr val="accent1"/>
-                </a:solidFill>
-              </a:rPr>
-              <a:t>password</a:t>
-            </a:r>
-            <a:r>
-              <a:rPr lang="de-DE" sz="3600" i="1" dirty="0">
-                <a:solidFill>
-                  <a:schemeClr val="accent1"/>
-                </a:solidFill>
-              </a:rPr>
-              <a:t>]“</a:t>
-            </a:r>
-            <a:endParaRPr lang="de-DE" sz="3600" dirty="0">
-              <a:solidFill>
-                <a:schemeClr val="accent1"/>
-              </a:solidFill>
-            </a:endParaRPr>
-          </a:p>
-        </p:txBody>
-      </p:sp>
     </p:spTree>
     <p:extLst>
       <p:ext uri="{BB962C8B-B14F-4D97-AF65-F5344CB8AC3E}">
-        <p14:creationId xmlns:p14="http://schemas.microsoft.com/office/powerpoint/2010/main" val="3408343074"/>
+        <p14:creationId xmlns:p14="http://schemas.microsoft.com/office/powerpoint/2010/main" val="2996857498"/>
       </p:ext>
     </p:extLst>
   </p:cSld>
   <p:clrMapOvr>
     <a:masterClrMapping/>
   </p:clrMapOvr>
-  <p:timing>
-    <p:tnLst>
-      <p:par>
-        <p:cTn id="1" dur="indefinite" restart="never" nodeType="tmRoot"/>
-      </p:par>
-    </p:tnLst>
-  </p:timing>
 </p:sld>
 </file>
 
@@ -11491,7 +12441,7 @@
       </p:grpSpPr>
       <p:sp>
         <p:nvSpPr>
-          <p:cNvPr id="4" name="Titel 3"/>
+          <p:cNvPr id="2" name="Titel 1"/>
           <p:cNvSpPr>
             <a:spLocks noGrp="1"/>
           </p:cNvSpPr>
@@ -11505,35 +12455,15 @@
           <a:lstStyle/>
           <a:p>
             <a:r>
-              <a:rPr lang="de-DE" dirty="0" smtClean="0"/>
-              <a:t>Fazit</a:t>
-            </a:r>
-            <a:endParaRPr lang="de-DE" dirty="0"/>
-          </a:p>
-        </p:txBody>
-      </p:sp>
-      <p:sp>
-        <p:nvSpPr>
-          <p:cNvPr id="5" name="Textplatzhalter 4"/>
-          <p:cNvSpPr>
-            <a:spLocks noGrp="1"/>
-          </p:cNvSpPr>
-          <p:nvPr>
-            <p:ph type="body" idx="1"/>
-          </p:nvPr>
-        </p:nvSpPr>
-        <p:spPr/>
-        <p:txBody>
-          <a:bodyPr/>
-          <a:lstStyle/>
-          <a:p>
-            <a:endParaRPr lang="de-DE"/>
-          </a:p>
-        </p:txBody>
-      </p:sp>
-      <p:sp>
-        <p:nvSpPr>
-          <p:cNvPr id="6" name="Foliennummernplatzhalter 5"/>
+              <a:rPr lang="de-DE" dirty="0"/>
+              <a:t>Serverseitige Bildgenerierung</a:t>
+            </a:r>
+          </a:p>
+        </p:txBody>
+      </p:sp>
+      <p:sp>
+        <p:nvSpPr>
+          <p:cNvPr id="5" name="Foliennummernplatzhalter 4"/>
           <p:cNvSpPr>
             <a:spLocks noGrp="1"/>
           </p:cNvSpPr>
@@ -11557,20 +12487,13 @@
     </p:spTree>
     <p:extLst>
       <p:ext uri="{BB962C8B-B14F-4D97-AF65-F5344CB8AC3E}">
-        <p14:creationId xmlns:p14="http://schemas.microsoft.com/office/powerpoint/2010/main" val="925436154"/>
+        <p14:creationId xmlns:p14="http://schemas.microsoft.com/office/powerpoint/2010/main" val="2169281548"/>
       </p:ext>
     </p:extLst>
   </p:cSld>
   <p:clrMapOvr>
     <a:masterClrMapping/>
   </p:clrMapOvr>
-  <p:timing>
-    <p:tnLst>
-      <p:par>
-        <p:cTn id="1" dur="indefinite" restart="never" nodeType="tmRoot"/>
-      </p:par>
-    </p:tnLst>
-  </p:timing>
 </p:sld>
 </file>
 
@@ -11593,7 +12516,7 @@
       </p:grpSpPr>
       <p:sp>
         <p:nvSpPr>
-          <p:cNvPr id="4" name="Titel 3"/>
+          <p:cNvPr id="2" name="Titel 1"/>
           <p:cNvSpPr>
             <a:spLocks noGrp="1"/>
           </p:cNvSpPr>
@@ -11607,35 +12530,15 @@
           <a:lstStyle/>
           <a:p>
             <a:r>
-              <a:rPr lang="de-DE" dirty="0" smtClean="0"/>
-              <a:t>Q &amp; A</a:t>
-            </a:r>
-            <a:endParaRPr lang="de-DE" dirty="0"/>
-          </a:p>
-        </p:txBody>
-      </p:sp>
-      <p:sp>
-        <p:nvSpPr>
-          <p:cNvPr id="5" name="Textplatzhalter 4"/>
-          <p:cNvSpPr>
-            <a:spLocks noGrp="1"/>
-          </p:cNvSpPr>
-          <p:nvPr>
-            <p:ph type="body" idx="1"/>
-          </p:nvPr>
-        </p:nvSpPr>
-        <p:spPr/>
-        <p:txBody>
-          <a:bodyPr/>
-          <a:lstStyle/>
-          <a:p>
-            <a:endParaRPr lang="de-DE"/>
-          </a:p>
-        </p:txBody>
-      </p:sp>
-      <p:sp>
-        <p:nvSpPr>
-          <p:cNvPr id="6" name="Foliennummernplatzhalter 5"/>
+              <a:rPr lang="de-DE" dirty="0"/>
+              <a:t>Cookie</a:t>
+            </a:r>
+          </a:p>
+        </p:txBody>
+      </p:sp>
+      <p:sp>
+        <p:nvSpPr>
+          <p:cNvPr id="5" name="Foliennummernplatzhalter 4"/>
           <p:cNvSpPr>
             <a:spLocks noGrp="1"/>
           </p:cNvSpPr>
@@ -11659,20 +12562,13 @@
     </p:spTree>
     <p:extLst>
       <p:ext uri="{BB962C8B-B14F-4D97-AF65-F5344CB8AC3E}">
-        <p14:creationId xmlns:p14="http://schemas.microsoft.com/office/powerpoint/2010/main" val="3491747244"/>
+        <p14:creationId xmlns:p14="http://schemas.microsoft.com/office/powerpoint/2010/main" val="3556431146"/>
       </p:ext>
     </p:extLst>
   </p:cSld>
   <p:clrMapOvr>
     <a:masterClrMapping/>
   </p:clrMapOvr>
-  <p:timing>
-    <p:tnLst>
-      <p:par>
-        <p:cTn id="1" dur="indefinite" restart="never" nodeType="tmRoot"/>
-      </p:par>
-    </p:tnLst>
-  </p:timing>
 </p:sld>
 </file>
 
@@ -11695,7 +12591,7 @@
       </p:grpSpPr>
       <p:sp>
         <p:nvSpPr>
-          <p:cNvPr id="4" name="Titel 3"/>
+          <p:cNvPr id="2" name="Titel 1"/>
           <p:cNvSpPr>
             <a:spLocks noGrp="1"/>
           </p:cNvSpPr>
@@ -11709,39 +12605,15 @@
           <a:lstStyle/>
           <a:p>
             <a:r>
-              <a:rPr lang="de-DE" dirty="0" smtClean="0"/>
-              <a:t>Vielen Dank für Ihre Aufmerksamkeit</a:t>
-            </a:r>
-            <a:endParaRPr lang="de-DE" dirty="0"/>
-          </a:p>
-        </p:txBody>
-      </p:sp>
-      <p:sp>
-        <p:nvSpPr>
-          <p:cNvPr id="5" name="Textplatzhalter 4"/>
-          <p:cNvSpPr>
-            <a:spLocks noGrp="1"/>
-          </p:cNvSpPr>
-          <p:nvPr>
-            <p:ph type="body" idx="1"/>
-          </p:nvPr>
-        </p:nvSpPr>
-        <p:spPr/>
-        <p:txBody>
-          <a:bodyPr/>
-          <a:lstStyle/>
-          <a:p>
-            <a:r>
-              <a:rPr lang="de-DE" dirty="0" smtClean="0"/>
-              <a:t>Vincent Manz &amp; Sebastian Röhling, 01.06.2016</a:t>
-            </a:r>
-            <a:endParaRPr lang="de-DE" dirty="0"/>
-          </a:p>
-        </p:txBody>
-      </p:sp>
-      <p:sp>
-        <p:nvSpPr>
-          <p:cNvPr id="2" name="Foliennummernplatzhalter 1"/>
+              <a:rPr lang="de-DE" dirty="0"/>
+              <a:t>Websocket</a:t>
+            </a:r>
+          </a:p>
+        </p:txBody>
+      </p:sp>
+      <p:sp>
+        <p:nvSpPr>
+          <p:cNvPr id="5" name="Foliennummernplatzhalter 4"/>
           <p:cNvSpPr>
             <a:spLocks noGrp="1"/>
           </p:cNvSpPr>
@@ -11765,20 +12637,285 @@
     </p:spTree>
     <p:extLst>
       <p:ext uri="{BB962C8B-B14F-4D97-AF65-F5344CB8AC3E}">
-        <p14:creationId xmlns:p14="http://schemas.microsoft.com/office/powerpoint/2010/main" val="2232872465"/>
+        <p14:creationId xmlns:p14="http://schemas.microsoft.com/office/powerpoint/2010/main" val="4122761433"/>
       </p:ext>
     </p:extLst>
   </p:cSld>
   <p:clrMapOvr>
     <a:masterClrMapping/>
   </p:clrMapOvr>
-  <p:timing>
-    <p:tnLst>
-      <p:par>
-        <p:cTn id="1" dur="indefinite" restart="never" nodeType="tmRoot"/>
-      </p:par>
-    </p:tnLst>
-  </p:timing>
+</p:sld>
+</file>
+
+<file path=ppt/slides/slide18.xml><?xml version="1.0" encoding="utf-8"?>
+<p:sld xmlns:a="http://schemas.openxmlformats.org/drawingml/2006/main" xmlns:r="http://schemas.openxmlformats.org/officeDocument/2006/relationships" xmlns:p="http://schemas.openxmlformats.org/presentationml/2006/main">
+  <p:cSld>
+    <p:spTree>
+      <p:nvGrpSpPr>
+        <p:cNvPr id="1" name=""/>
+        <p:cNvGrpSpPr/>
+        <p:nvPr/>
+      </p:nvGrpSpPr>
+      <p:grpSpPr>
+        <a:xfrm>
+          <a:off x="0" y="0"/>
+          <a:ext cx="0" cy="0"/>
+          <a:chOff x="0" y="0"/>
+          <a:chExt cx="0" cy="0"/>
+        </a:xfrm>
+      </p:grpSpPr>
+      <p:sp>
+        <p:nvSpPr>
+          <p:cNvPr id="3" name="Titel 2"/>
+          <p:cNvSpPr>
+            <a:spLocks noGrp="1"/>
+          </p:cNvSpPr>
+          <p:nvPr>
+            <p:ph type="title"/>
+          </p:nvPr>
+        </p:nvSpPr>
+        <p:spPr/>
+        <p:txBody>
+          <a:bodyPr/>
+          <a:lstStyle/>
+          <a:p>
+            <a:r>
+              <a:rPr lang="de-DE" dirty="0"/>
+              <a:t>Anmeldefunktion</a:t>
+            </a:r>
+          </a:p>
+        </p:txBody>
+      </p:sp>
+      <p:sp>
+        <p:nvSpPr>
+          <p:cNvPr id="4" name="Textplatzhalter 3"/>
+          <p:cNvSpPr>
+            <a:spLocks noGrp="1"/>
+          </p:cNvSpPr>
+          <p:nvPr>
+            <p:ph type="body" idx="1"/>
+          </p:nvPr>
+        </p:nvSpPr>
+        <p:spPr/>
+        <p:txBody>
+          <a:bodyPr/>
+          <a:lstStyle/>
+          <a:p>
+            <a:r>
+              <a:rPr lang="de-DE" dirty="0"/>
+              <a:t>mit node.js und AJAX-Call</a:t>
+            </a:r>
+          </a:p>
+        </p:txBody>
+      </p:sp>
+      <p:sp>
+        <p:nvSpPr>
+          <p:cNvPr id="5" name="Textplatzhalter 4"/>
+          <p:cNvSpPr>
+            <a:spLocks noGrp="1"/>
+          </p:cNvSpPr>
+          <p:nvPr>
+            <p:ph type="body" sz="quarter" idx="16"/>
+          </p:nvPr>
+        </p:nvSpPr>
+        <p:spPr/>
+        <p:txBody>
+          <a:bodyPr/>
+          <a:lstStyle/>
+          <a:p>
+            <a:endParaRPr lang="de-DE"/>
+          </a:p>
+        </p:txBody>
+      </p:sp>
+      <p:sp>
+        <p:nvSpPr>
+          <p:cNvPr id="2" name="Foliennummernplatzhalter 1"/>
+          <p:cNvSpPr>
+            <a:spLocks noGrp="1"/>
+          </p:cNvSpPr>
+          <p:nvPr>
+            <p:ph type="sldNum" sz="quarter" idx="12"/>
+          </p:nvPr>
+        </p:nvSpPr>
+        <p:spPr/>
+        <p:txBody>
+          <a:bodyPr/>
+          <a:lstStyle/>
+          <a:p>
+            <a:fld id="{280C47D0-7FF9-4228-A5D7-FDA0A01A224A}" type="slidenum">
+              <a:rPr lang="de-DE" smtClean="0"/>
+              <a:t>18</a:t>
+            </a:fld>
+            <a:endParaRPr lang="de-DE"/>
+          </a:p>
+        </p:txBody>
+      </p:sp>
+    </p:spTree>
+    <p:extLst>
+      <p:ext uri="{BB962C8B-B14F-4D97-AF65-F5344CB8AC3E}">
+        <p14:creationId xmlns:p14="http://schemas.microsoft.com/office/powerpoint/2010/main" val="3716751410"/>
+      </p:ext>
+    </p:extLst>
+  </p:cSld>
+  <p:clrMapOvr>
+    <a:masterClrMapping/>
+  </p:clrMapOvr>
+</p:sld>
+</file>
+
+<file path=ppt/slides/slide19.xml><?xml version="1.0" encoding="utf-8"?>
+<p:sld xmlns:a="http://schemas.openxmlformats.org/drawingml/2006/main" xmlns:r="http://schemas.openxmlformats.org/officeDocument/2006/relationships" xmlns:p="http://schemas.openxmlformats.org/presentationml/2006/main">
+  <p:cSld>
+    <p:spTree>
+      <p:nvGrpSpPr>
+        <p:cNvPr id="1" name=""/>
+        <p:cNvGrpSpPr/>
+        <p:nvPr/>
+      </p:nvGrpSpPr>
+      <p:grpSpPr>
+        <a:xfrm>
+          <a:off x="0" y="0"/>
+          <a:ext cx="0" cy="0"/>
+          <a:chOff x="0" y="0"/>
+          <a:chExt cx="0" cy="0"/>
+        </a:xfrm>
+      </p:grpSpPr>
+      <p:sp>
+        <p:nvSpPr>
+          <p:cNvPr id="5" name="Foliennummernplatzhalter 4"/>
+          <p:cNvSpPr>
+            <a:spLocks noGrp="1"/>
+          </p:cNvSpPr>
+          <p:nvPr>
+            <p:ph type="sldNum" sz="quarter" idx="12"/>
+          </p:nvPr>
+        </p:nvSpPr>
+        <p:spPr/>
+        <p:txBody>
+          <a:bodyPr/>
+          <a:lstStyle/>
+          <a:p>
+            <a:fld id="{280C47D0-7FF9-4228-A5D7-FDA0A01A224A}" type="slidenum">
+              <a:rPr lang="de-DE" smtClean="0"/>
+              <a:t>19</a:t>
+            </a:fld>
+            <a:endParaRPr lang="de-DE"/>
+          </a:p>
+        </p:txBody>
+      </p:sp>
+      <p:sp>
+        <p:nvSpPr>
+          <p:cNvPr id="6" name="Textfeld 5"/>
+          <p:cNvSpPr txBox="1"/>
+          <p:nvPr/>
+        </p:nvSpPr>
+        <p:spPr>
+          <a:xfrm>
+            <a:off x="524256" y="2206753"/>
+            <a:ext cx="11423494" cy="1754326"/>
+          </a:xfrm>
+          <a:prstGeom prst="rect">
+            <a:avLst/>
+          </a:prstGeom>
+          <a:noFill/>
+        </p:spPr>
+        <p:txBody>
+          <a:bodyPr wrap="square" rtlCol="0">
+            <a:spAutoFit/>
+          </a:bodyPr>
+          <a:lstStyle/>
+          <a:p>
+            <a:r>
+              <a:rPr lang="de-DE" sz="3600" dirty="0">
+                <a:solidFill>
+                  <a:schemeClr val="accent1"/>
+                </a:solidFill>
+              </a:rPr>
+              <a:t>GET</a:t>
+            </a:r>
+          </a:p>
+          <a:p>
+            <a:endParaRPr lang="de-DE" sz="3600" i="1" dirty="0">
+              <a:solidFill>
+                <a:schemeClr val="accent1"/>
+              </a:solidFill>
+            </a:endParaRPr>
+          </a:p>
+          <a:p>
+            <a:r>
+              <a:rPr lang="de-DE" sz="3600" i="1" dirty="0">
+                <a:solidFill>
+                  <a:schemeClr val="accent1"/>
+                </a:solidFill>
+              </a:rPr>
+              <a:t>“localhost:3000/</a:t>
+            </a:r>
+            <a:r>
+              <a:rPr lang="de-DE" sz="3600" i="1" dirty="0" err="1">
+                <a:solidFill>
+                  <a:schemeClr val="accent1"/>
+                </a:solidFill>
+              </a:rPr>
+              <a:t>getUser</a:t>
+            </a:r>
+            <a:r>
+              <a:rPr lang="de-DE" sz="3600" i="1" dirty="0">
+                <a:solidFill>
+                  <a:schemeClr val="accent1"/>
+                </a:solidFill>
+              </a:rPr>
+              <a:t>/[</a:t>
+            </a:r>
+            <a:r>
+              <a:rPr lang="de-DE" sz="3600" i="1" dirty="0" err="1">
+                <a:solidFill>
+                  <a:schemeClr val="accent1"/>
+                </a:solidFill>
+              </a:rPr>
+              <a:t>username</a:t>
+            </a:r>
+            <a:r>
+              <a:rPr lang="de-DE" sz="3600" i="1" dirty="0">
+                <a:solidFill>
+                  <a:schemeClr val="accent1"/>
+                </a:solidFill>
+              </a:rPr>
+              <a:t>]/[</a:t>
+            </a:r>
+            <a:r>
+              <a:rPr lang="de-DE" sz="3600" i="1" dirty="0" err="1">
+                <a:solidFill>
+                  <a:schemeClr val="accent1"/>
+                </a:solidFill>
+              </a:rPr>
+              <a:t>password</a:t>
+            </a:r>
+            <a:r>
+              <a:rPr lang="de-DE" sz="3600" i="1" dirty="0">
+                <a:solidFill>
+                  <a:schemeClr val="accent1"/>
+                </a:solidFill>
+              </a:rPr>
+              <a:t>]“</a:t>
+            </a:r>
+            <a:endParaRPr lang="de-DE" sz="3600" dirty="0">
+              <a:solidFill>
+                <a:schemeClr val="accent1"/>
+              </a:solidFill>
+            </a:endParaRPr>
+          </a:p>
+        </p:txBody>
+      </p:sp>
+    </p:spTree>
+    <p:extLst>
+      <p:ext uri="{BB962C8B-B14F-4D97-AF65-F5344CB8AC3E}">
+        <p14:creationId xmlns:p14="http://schemas.microsoft.com/office/powerpoint/2010/main" val="3408343074"/>
+      </p:ext>
+    </p:extLst>
+  </p:cSld>
+  <p:clrMapOvr>
+    <a:masterClrMapping/>
+  </p:clrMapOvr>
 </p:sld>
 </file>
 
@@ -11815,10 +12952,9 @@
           <a:lstStyle/>
           <a:p>
             <a:r>
-              <a:rPr lang="de-DE" dirty="0" smtClean="0"/>
+              <a:rPr lang="de-DE" dirty="0"/>
               <a:t>Agenda</a:t>
             </a:r>
-            <a:endParaRPr lang="de-DE" dirty="0"/>
           </a:p>
         </p:txBody>
       </p:sp>
@@ -11842,7 +12978,7 @@
               <a:buAutoNum type="arabicPeriod"/>
             </a:pPr>
             <a:r>
-              <a:rPr lang="de-DE" dirty="0" smtClean="0"/>
+              <a:rPr lang="de-DE" dirty="0"/>
               <a:t>Webseiten Demo</a:t>
             </a:r>
           </a:p>
@@ -11852,22 +12988,22 @@
               <a:buAutoNum type="arabicPeriod"/>
             </a:pPr>
             <a:r>
-              <a:rPr lang="de-DE" dirty="0" smtClean="0"/>
+              <a:rPr lang="de-DE" dirty="0"/>
               <a:t>Erfüllung der Anforderungen – Technical </a:t>
             </a:r>
             <a:r>
-              <a:rPr lang="de-DE" dirty="0" err="1" smtClean="0"/>
+              <a:rPr lang="de-DE" dirty="0" err="1"/>
               <a:t>Deep</a:t>
             </a:r>
             <a:r>
-              <a:rPr lang="de-DE" dirty="0" smtClean="0"/>
+              <a:rPr lang="de-DE" dirty="0"/>
               <a:t> </a:t>
             </a:r>
             <a:r>
-              <a:rPr lang="de-DE" dirty="0" err="1" smtClean="0"/>
+              <a:rPr lang="de-DE" dirty="0" err="1"/>
               <a:t>Dive</a:t>
             </a:r>
-            <a:endParaRPr lang="de-DE" dirty="0" smtClean="0"/>
+            <a:endParaRPr lang="de-DE" dirty="0"/>
           </a:p>
           <a:p>
             <a:pPr>
@@ -11875,7 +13011,7 @@
               <a:buAutoNum type="arabicPeriod"/>
             </a:pPr>
             <a:r>
-              <a:rPr lang="de-DE" dirty="0" smtClean="0"/>
+              <a:rPr lang="de-DE" dirty="0"/>
               <a:t>Fazit</a:t>
             </a:r>
           </a:p>
@@ -11885,10 +13021,9 @@
               <a:buAutoNum type="arabicPeriod"/>
             </a:pPr>
             <a:r>
-              <a:rPr lang="de-DE" dirty="0" smtClean="0"/>
+              <a:rPr lang="de-DE" dirty="0"/>
               <a:t>Q &amp; A</a:t>
             </a:r>
-            <a:endParaRPr lang="de-DE" dirty="0"/>
           </a:p>
         </p:txBody>
       </p:sp>
@@ -11925,13 +13060,291 @@
   <p:clrMapOvr>
     <a:masterClrMapping/>
   </p:clrMapOvr>
-  <p:timing>
-    <p:tnLst>
-      <p:par>
-        <p:cTn id="1" dur="indefinite" restart="never" nodeType="tmRoot"/>
-      </p:par>
-    </p:tnLst>
-  </p:timing>
+</p:sld>
+</file>
+
+<file path=ppt/slides/slide20.xml><?xml version="1.0" encoding="utf-8"?>
+<p:sld xmlns:a="http://schemas.openxmlformats.org/drawingml/2006/main" xmlns:r="http://schemas.openxmlformats.org/officeDocument/2006/relationships" xmlns:p="http://schemas.openxmlformats.org/presentationml/2006/main">
+  <p:cSld>
+    <p:spTree>
+      <p:nvGrpSpPr>
+        <p:cNvPr id="1" name=""/>
+        <p:cNvGrpSpPr/>
+        <p:nvPr/>
+      </p:nvGrpSpPr>
+      <p:grpSpPr>
+        <a:xfrm>
+          <a:off x="0" y="0"/>
+          <a:ext cx="0" cy="0"/>
+          <a:chOff x="0" y="0"/>
+          <a:chExt cx="0" cy="0"/>
+        </a:xfrm>
+      </p:grpSpPr>
+      <p:sp>
+        <p:nvSpPr>
+          <p:cNvPr id="4" name="Titel 3"/>
+          <p:cNvSpPr>
+            <a:spLocks noGrp="1"/>
+          </p:cNvSpPr>
+          <p:nvPr>
+            <p:ph type="title"/>
+          </p:nvPr>
+        </p:nvSpPr>
+        <p:spPr/>
+        <p:txBody>
+          <a:bodyPr/>
+          <a:lstStyle/>
+          <a:p>
+            <a:r>
+              <a:rPr lang="de-DE" dirty="0"/>
+              <a:t>Fazit</a:t>
+            </a:r>
+          </a:p>
+        </p:txBody>
+      </p:sp>
+      <p:sp>
+        <p:nvSpPr>
+          <p:cNvPr id="5" name="Textplatzhalter 4"/>
+          <p:cNvSpPr>
+            <a:spLocks noGrp="1"/>
+          </p:cNvSpPr>
+          <p:nvPr>
+            <p:ph type="body" idx="1"/>
+          </p:nvPr>
+        </p:nvSpPr>
+        <p:spPr/>
+        <p:txBody>
+          <a:bodyPr/>
+          <a:lstStyle/>
+          <a:p>
+            <a:endParaRPr lang="de-DE"/>
+          </a:p>
+        </p:txBody>
+      </p:sp>
+      <p:sp>
+        <p:nvSpPr>
+          <p:cNvPr id="6" name="Foliennummernplatzhalter 5"/>
+          <p:cNvSpPr>
+            <a:spLocks noGrp="1"/>
+          </p:cNvSpPr>
+          <p:nvPr>
+            <p:ph type="sldNum" sz="quarter" idx="12"/>
+          </p:nvPr>
+        </p:nvSpPr>
+        <p:spPr/>
+        <p:txBody>
+          <a:bodyPr/>
+          <a:lstStyle/>
+          <a:p>
+            <a:fld id="{280C47D0-7FF9-4228-A5D7-FDA0A01A224A}" type="slidenum">
+              <a:rPr lang="de-DE" smtClean="0"/>
+              <a:t>20</a:t>
+            </a:fld>
+            <a:endParaRPr lang="de-DE"/>
+          </a:p>
+        </p:txBody>
+      </p:sp>
+    </p:spTree>
+    <p:extLst>
+      <p:ext uri="{BB962C8B-B14F-4D97-AF65-F5344CB8AC3E}">
+        <p14:creationId xmlns:p14="http://schemas.microsoft.com/office/powerpoint/2010/main" val="925436154"/>
+      </p:ext>
+    </p:extLst>
+  </p:cSld>
+  <p:clrMapOvr>
+    <a:masterClrMapping/>
+  </p:clrMapOvr>
+</p:sld>
+</file>
+
+<file path=ppt/slides/slide21.xml><?xml version="1.0" encoding="utf-8"?>
+<p:sld xmlns:a="http://schemas.openxmlformats.org/drawingml/2006/main" xmlns:r="http://schemas.openxmlformats.org/officeDocument/2006/relationships" xmlns:p="http://schemas.openxmlformats.org/presentationml/2006/main">
+  <p:cSld>
+    <p:spTree>
+      <p:nvGrpSpPr>
+        <p:cNvPr id="1" name=""/>
+        <p:cNvGrpSpPr/>
+        <p:nvPr/>
+      </p:nvGrpSpPr>
+      <p:grpSpPr>
+        <a:xfrm>
+          <a:off x="0" y="0"/>
+          <a:ext cx="0" cy="0"/>
+          <a:chOff x="0" y="0"/>
+          <a:chExt cx="0" cy="0"/>
+        </a:xfrm>
+      </p:grpSpPr>
+      <p:sp>
+        <p:nvSpPr>
+          <p:cNvPr id="4" name="Titel 3"/>
+          <p:cNvSpPr>
+            <a:spLocks noGrp="1"/>
+          </p:cNvSpPr>
+          <p:nvPr>
+            <p:ph type="title"/>
+          </p:nvPr>
+        </p:nvSpPr>
+        <p:spPr/>
+        <p:txBody>
+          <a:bodyPr/>
+          <a:lstStyle/>
+          <a:p>
+            <a:r>
+              <a:rPr lang="de-DE" dirty="0"/>
+              <a:t>Q &amp; A</a:t>
+            </a:r>
+          </a:p>
+        </p:txBody>
+      </p:sp>
+      <p:sp>
+        <p:nvSpPr>
+          <p:cNvPr id="5" name="Textplatzhalter 4"/>
+          <p:cNvSpPr>
+            <a:spLocks noGrp="1"/>
+          </p:cNvSpPr>
+          <p:nvPr>
+            <p:ph type="body" idx="1"/>
+          </p:nvPr>
+        </p:nvSpPr>
+        <p:spPr/>
+        <p:txBody>
+          <a:bodyPr/>
+          <a:lstStyle/>
+          <a:p>
+            <a:endParaRPr lang="de-DE"/>
+          </a:p>
+        </p:txBody>
+      </p:sp>
+      <p:sp>
+        <p:nvSpPr>
+          <p:cNvPr id="6" name="Foliennummernplatzhalter 5"/>
+          <p:cNvSpPr>
+            <a:spLocks noGrp="1"/>
+          </p:cNvSpPr>
+          <p:nvPr>
+            <p:ph type="sldNum" sz="quarter" idx="12"/>
+          </p:nvPr>
+        </p:nvSpPr>
+        <p:spPr/>
+        <p:txBody>
+          <a:bodyPr/>
+          <a:lstStyle/>
+          <a:p>
+            <a:fld id="{280C47D0-7FF9-4228-A5D7-FDA0A01A224A}" type="slidenum">
+              <a:rPr lang="de-DE" smtClean="0"/>
+              <a:t>21</a:t>
+            </a:fld>
+            <a:endParaRPr lang="de-DE"/>
+          </a:p>
+        </p:txBody>
+      </p:sp>
+    </p:spTree>
+    <p:extLst>
+      <p:ext uri="{BB962C8B-B14F-4D97-AF65-F5344CB8AC3E}">
+        <p14:creationId xmlns:p14="http://schemas.microsoft.com/office/powerpoint/2010/main" val="3491747244"/>
+      </p:ext>
+    </p:extLst>
+  </p:cSld>
+  <p:clrMapOvr>
+    <a:masterClrMapping/>
+  </p:clrMapOvr>
+</p:sld>
+</file>
+
+<file path=ppt/slides/slide22.xml><?xml version="1.0" encoding="utf-8"?>
+<p:sld xmlns:a="http://schemas.openxmlformats.org/drawingml/2006/main" xmlns:r="http://schemas.openxmlformats.org/officeDocument/2006/relationships" xmlns:p="http://schemas.openxmlformats.org/presentationml/2006/main">
+  <p:cSld>
+    <p:spTree>
+      <p:nvGrpSpPr>
+        <p:cNvPr id="1" name=""/>
+        <p:cNvGrpSpPr/>
+        <p:nvPr/>
+      </p:nvGrpSpPr>
+      <p:grpSpPr>
+        <a:xfrm>
+          <a:off x="0" y="0"/>
+          <a:ext cx="0" cy="0"/>
+          <a:chOff x="0" y="0"/>
+          <a:chExt cx="0" cy="0"/>
+        </a:xfrm>
+      </p:grpSpPr>
+      <p:sp>
+        <p:nvSpPr>
+          <p:cNvPr id="4" name="Titel 3"/>
+          <p:cNvSpPr>
+            <a:spLocks noGrp="1"/>
+          </p:cNvSpPr>
+          <p:nvPr>
+            <p:ph type="title"/>
+          </p:nvPr>
+        </p:nvSpPr>
+        <p:spPr/>
+        <p:txBody>
+          <a:bodyPr/>
+          <a:lstStyle/>
+          <a:p>
+            <a:r>
+              <a:rPr lang="de-DE" dirty="0"/>
+              <a:t>Vielen Dank für Ihre Aufmerksamkeit</a:t>
+            </a:r>
+          </a:p>
+        </p:txBody>
+      </p:sp>
+      <p:sp>
+        <p:nvSpPr>
+          <p:cNvPr id="5" name="Textplatzhalter 4"/>
+          <p:cNvSpPr>
+            <a:spLocks noGrp="1"/>
+          </p:cNvSpPr>
+          <p:nvPr>
+            <p:ph type="body" idx="1"/>
+          </p:nvPr>
+        </p:nvSpPr>
+        <p:spPr/>
+        <p:txBody>
+          <a:bodyPr/>
+          <a:lstStyle/>
+          <a:p>
+            <a:r>
+              <a:rPr lang="de-DE" dirty="0"/>
+              <a:t>Vincent Manz &amp; Sebastian Röhling, 01.06.2016</a:t>
+            </a:r>
+          </a:p>
+        </p:txBody>
+      </p:sp>
+      <p:sp>
+        <p:nvSpPr>
+          <p:cNvPr id="2" name="Foliennummernplatzhalter 1"/>
+          <p:cNvSpPr>
+            <a:spLocks noGrp="1"/>
+          </p:cNvSpPr>
+          <p:nvPr>
+            <p:ph type="sldNum" sz="quarter" idx="12"/>
+          </p:nvPr>
+        </p:nvSpPr>
+        <p:spPr/>
+        <p:txBody>
+          <a:bodyPr/>
+          <a:lstStyle/>
+          <a:p>
+            <a:fld id="{280C47D0-7FF9-4228-A5D7-FDA0A01A224A}" type="slidenum">
+              <a:rPr lang="de-DE" smtClean="0"/>
+              <a:t>22</a:t>
+            </a:fld>
+            <a:endParaRPr lang="de-DE"/>
+          </a:p>
+        </p:txBody>
+      </p:sp>
+    </p:spTree>
+    <p:extLst>
+      <p:ext uri="{BB962C8B-B14F-4D97-AF65-F5344CB8AC3E}">
+        <p14:creationId xmlns:p14="http://schemas.microsoft.com/office/powerpoint/2010/main" val="2232872465"/>
+      </p:ext>
+    </p:extLst>
+  </p:cSld>
+  <p:clrMapOvr>
+    <a:masterClrMapping/>
+  </p:clrMapOvr>
 </p:sld>
 </file>
 
@@ -11968,10 +13381,9 @@
           <a:lstStyle/>
           <a:p>
             <a:r>
-              <a:rPr lang="de-DE" dirty="0" smtClean="0"/>
+              <a:rPr lang="de-DE" dirty="0"/>
               <a:t>Webseiten Demo</a:t>
             </a:r>
-            <a:endParaRPr lang="de-DE" dirty="0"/>
           </a:p>
         </p:txBody>
       </p:sp>
@@ -12027,13 +13439,6 @@
   <p:clrMapOvr>
     <a:masterClrMapping/>
   </p:clrMapOvr>
-  <p:timing>
-    <p:tnLst>
-      <p:par>
-        <p:cTn id="1" dur="indefinite" restart="never" nodeType="tmRoot"/>
-      </p:par>
-    </p:tnLst>
-  </p:timing>
 </p:sld>
 </file>
 
@@ -12070,10 +13475,9 @@
           <a:lstStyle/>
           <a:p>
             <a:r>
-              <a:rPr lang="de-DE" dirty="0" smtClean="0"/>
+              <a:rPr lang="de-DE" dirty="0"/>
               <a:t>Starten der Webseite</a:t>
             </a:r>
-            <a:endParaRPr lang="de-DE" dirty="0"/>
           </a:p>
         </p:txBody>
       </p:sp>
@@ -12097,39 +13501,35 @@
               <a:buAutoNum type="arabicPeriod"/>
             </a:pPr>
             <a:r>
-              <a:rPr lang="de-DE" dirty="0" smtClean="0"/>
+              <a:rPr lang="de-DE" dirty="0"/>
               <a:t>Kopieren des „</a:t>
             </a:r>
             <a:r>
-              <a:rPr lang="de-DE" dirty="0" err="1" smtClean="0"/>
+              <a:rPr lang="de-DE" dirty="0" err="1"/>
               <a:t>php</a:t>
             </a:r>
             <a:r>
-              <a:rPr lang="de-DE" i="1" dirty="0" smtClean="0"/>
+              <a:rPr lang="de-DE" i="1" dirty="0"/>
               <a:t>“</a:t>
             </a:r>
             <a:r>
               <a:rPr lang="de-DE" dirty="0"/>
-              <a:t> Ordners in </a:t>
-            </a:r>
-            <a:r>
-              <a:rPr lang="de-DE" dirty="0" smtClean="0"/>
-              <a:t>„C:/</a:t>
-            </a:r>
-            <a:r>
-              <a:rPr lang="de-DE" dirty="0" err="1" smtClean="0"/>
+              <a:t> Ordners in „C:/</a:t>
+            </a:r>
+            <a:r>
+              <a:rPr lang="de-DE" dirty="0" err="1"/>
               <a:t>Program</a:t>
             </a:r>
             <a:r>
-              <a:rPr lang="de-DE" dirty="0" smtClean="0"/>
+              <a:rPr lang="de-DE" dirty="0"/>
               <a:t> Files/XAMPP/</a:t>
             </a:r>
             <a:r>
-              <a:rPr lang="de-DE" dirty="0" err="1" smtClean="0"/>
+              <a:rPr lang="de-DE" dirty="0" err="1"/>
               <a:t>htdocs</a:t>
             </a:r>
             <a:r>
-              <a:rPr lang="de-DE" dirty="0" smtClean="0"/>
+              <a:rPr lang="de-DE" dirty="0"/>
               <a:t>“</a:t>
             </a:r>
           </a:p>
@@ -12139,15 +13539,15 @@
               <a:buAutoNum type="arabicPeriod"/>
             </a:pPr>
             <a:r>
-              <a:rPr lang="de-DE" dirty="0" smtClean="0"/>
+              <a:rPr lang="de-DE" dirty="0"/>
               <a:t>Starten des </a:t>
             </a:r>
             <a:r>
-              <a:rPr lang="de-DE" dirty="0" err="1" smtClean="0"/>
+              <a:rPr lang="de-DE" dirty="0" err="1"/>
               <a:t>Tomcat</a:t>
             </a:r>
             <a:r>
-              <a:rPr lang="de-DE" dirty="0" smtClean="0"/>
+              <a:rPr lang="de-DE" dirty="0"/>
               <a:t>- und MySQL-Servers</a:t>
             </a:r>
           </a:p>
@@ -12157,23 +13557,23 @@
               <a:buAutoNum type="arabicPeriod"/>
             </a:pPr>
             <a:r>
-              <a:rPr lang="de-DE" dirty="0" smtClean="0"/>
+              <a:rPr lang="de-DE" dirty="0"/>
               <a:t>„server.js“ im Ordner „</a:t>
             </a:r>
             <a:r>
-              <a:rPr lang="de-DE" dirty="0" err="1" smtClean="0"/>
+              <a:rPr lang="de-DE" dirty="0" err="1"/>
               <a:t>nodejs</a:t>
             </a:r>
             <a:r>
-              <a:rPr lang="de-DE" dirty="0" smtClean="0"/>
+              <a:rPr lang="de-DE" dirty="0"/>
               <a:t>“ per Befehl „</a:t>
             </a:r>
             <a:r>
-              <a:rPr lang="de-DE" dirty="0" err="1" smtClean="0"/>
+              <a:rPr lang="de-DE" dirty="0" err="1"/>
               <a:t>node</a:t>
             </a:r>
             <a:r>
-              <a:rPr lang="de-DE" dirty="0" smtClean="0"/>
+              <a:rPr lang="de-DE" dirty="0"/>
               <a:t> server.js“ in Eingabeaufforderung starten</a:t>
             </a:r>
           </a:p>
@@ -12183,18 +13583,17 @@
               <a:buAutoNum type="arabicPeriod"/>
             </a:pPr>
             <a:r>
-              <a:rPr lang="de-DE" dirty="0" smtClean="0"/>
+              <a:rPr lang="de-DE" dirty="0"/>
               <a:t>„index.html“ im Ordner „</a:t>
             </a:r>
             <a:r>
-              <a:rPr lang="de-DE" dirty="0" err="1" smtClean="0"/>
+              <a:rPr lang="de-DE" dirty="0" err="1"/>
               <a:t>homepage</a:t>
             </a:r>
             <a:r>
-              <a:rPr lang="de-DE" dirty="0" smtClean="0"/>
+              <a:rPr lang="de-DE" dirty="0"/>
               <a:t>“ im Browser öffnen</a:t>
             </a:r>
-            <a:endParaRPr lang="de-DE" dirty="0"/>
           </a:p>
         </p:txBody>
       </p:sp>
@@ -12231,13 +13630,6 @@
   <p:clrMapOvr>
     <a:masterClrMapping/>
   </p:clrMapOvr>
-  <p:timing>
-    <p:tnLst>
-      <p:par>
-        <p:cTn id="1" dur="indefinite" restart="never" nodeType="tmRoot"/>
-      </p:par>
-    </p:tnLst>
-  </p:timing>
 </p:sld>
 </file>
 
@@ -12274,10 +13666,9 @@
           <a:lstStyle/>
           <a:p>
             <a:r>
-              <a:rPr lang="de-DE" dirty="0" smtClean="0"/>
+              <a:rPr lang="de-DE" dirty="0"/>
               <a:t>Erfüllung der Anforderungen – Benutzeroberfläche</a:t>
             </a:r>
-            <a:endParaRPr lang="de-DE" dirty="0"/>
           </a:p>
         </p:txBody>
       </p:sp>
@@ -12334,13 +13725,6 @@
   <p:clrMapOvr>
     <a:masterClrMapping/>
   </p:clrMapOvr>
-  <p:timing>
-    <p:tnLst>
-      <p:par>
-        <p:cTn id="1" dur="indefinite" restart="never" nodeType="tmRoot"/>
-      </p:par>
-    </p:tnLst>
-  </p:timing>
 </p:sld>
 </file>
 
@@ -12377,10 +13761,9 @@
           <a:lstStyle/>
           <a:p>
             <a:r>
-              <a:rPr lang="de-DE" dirty="0" smtClean="0"/>
+              <a:rPr lang="de-DE" dirty="0"/>
               <a:t>HTML</a:t>
             </a:r>
-            <a:endParaRPr lang="de-DE" dirty="0"/>
           </a:p>
         </p:txBody>
       </p:sp>
@@ -12455,13 +13838,6 @@
   <p:clrMapOvr>
     <a:masterClrMapping/>
   </p:clrMapOvr>
-  <p:timing>
-    <p:tnLst>
-      <p:par>
-        <p:cTn id="1" dur="indefinite" restart="never" nodeType="tmRoot"/>
-      </p:par>
-    </p:tnLst>
-  </p:timing>
 </p:sld>
 </file>
 
@@ -12498,10 +13874,9 @@
           <a:lstStyle/>
           <a:p>
             <a:r>
-              <a:rPr lang="de-DE" dirty="0" smtClean="0"/>
+              <a:rPr lang="de-DE" dirty="0"/>
               <a:t>CSS</a:t>
             </a:r>
-            <a:endParaRPr lang="de-DE" dirty="0"/>
           </a:p>
         </p:txBody>
       </p:sp>
@@ -12521,18 +13896,17 @@
           <a:lstStyle/>
           <a:p>
             <a:r>
-              <a:rPr lang="de-DE" dirty="0" smtClean="0"/>
+              <a:rPr lang="de-DE" dirty="0"/>
               <a:t>Bootstrap &amp; </a:t>
             </a:r>
             <a:r>
-              <a:rPr lang="de-DE" dirty="0" err="1" smtClean="0"/>
+              <a:rPr lang="de-DE" dirty="0" err="1"/>
               <a:t>Responsive</a:t>
             </a:r>
             <a:r>
-              <a:rPr lang="de-DE" dirty="0" smtClean="0"/>
+              <a:rPr lang="de-DE" dirty="0"/>
               <a:t> Design</a:t>
             </a:r>
-            <a:endParaRPr lang="de-DE" dirty="0"/>
           </a:p>
         </p:txBody>
       </p:sp>
@@ -12569,13 +13943,6 @@
   <p:clrMapOvr>
     <a:masterClrMapping/>
   </p:clrMapOvr>
-  <p:timing>
-    <p:tnLst>
-      <p:par>
-        <p:cTn id="1" dur="indefinite" restart="never" nodeType="tmRoot"/>
-      </p:par>
-    </p:tnLst>
-  </p:timing>
 </p:sld>
 </file>
 
@@ -12613,13 +13980,8 @@
           <a:p>
             <a:r>
               <a:rPr lang="de-DE" dirty="0"/>
-              <a:t>Clientseitiges </a:t>
-            </a:r>
-            <a:r>
-              <a:rPr lang="de-DE" dirty="0" smtClean="0"/>
-              <a:t>JavaScript</a:t>
-            </a:r>
-            <a:endParaRPr lang="de-DE" dirty="0"/>
+              <a:t>Clientseitiges JavaScript</a:t>
+            </a:r>
           </a:p>
         </p:txBody>
       </p:sp>
@@ -12704,13 +14066,6 @@
   <p:clrMapOvr>
     <a:masterClrMapping/>
   </p:clrMapOvr>
-  <p:timing>
-    <p:tnLst>
-      <p:par>
-        <p:cTn id="1" dur="indefinite" restart="never" nodeType="tmRoot"/>
-      </p:par>
-    </p:tnLst>
-  </p:timing>
 </p:sld>
 </file>
 
@@ -12870,13 +14225,6 @@
   <p:clrMapOvr>
     <a:masterClrMapping/>
   </p:clrMapOvr>
-  <p:timing>
-    <p:tnLst>
-      <p:par>
-        <p:cTn id="1" dur="indefinite" restart="never" nodeType="tmRoot"/>
-      </p:par>
-    </p:tnLst>
-  </p:timing>
 </p:sld>
 </file>
 
